--- a/papers/Presentations/CPU_Presentation.pptx
+++ b/papers/Presentations/CPU_Presentation.pptx
@@ -5,18 +5,18 @@
     <p:sldMasterId id="2147483660" r:id="rId1"/>
   </p:sldMasterIdLst>
   <p:notesMasterIdLst>
-    <p:notesMasterId r:id="rId34"/>
+    <p:notesMasterId r:id="rId33"/>
   </p:notesMasterIdLst>
   <p:sldIdLst>
     <p:sldId id="257" r:id="rId2"/>
     <p:sldId id="258" r:id="rId3"/>
     <p:sldId id="283" r:id="rId4"/>
     <p:sldId id="259" r:id="rId5"/>
-    <p:sldId id="260" r:id="rId6"/>
-    <p:sldId id="265" r:id="rId7"/>
-    <p:sldId id="261" r:id="rId8"/>
-    <p:sldId id="262" r:id="rId9"/>
-    <p:sldId id="279" r:id="rId10"/>
+    <p:sldId id="279" r:id="rId6"/>
+    <p:sldId id="260" r:id="rId7"/>
+    <p:sldId id="265" r:id="rId8"/>
+    <p:sldId id="261" r:id="rId9"/>
+    <p:sldId id="262" r:id="rId10"/>
     <p:sldId id="288" r:id="rId11"/>
     <p:sldId id="266" r:id="rId12"/>
     <p:sldId id="271" r:id="rId13"/>
@@ -36,10 +36,9 @@
     <p:sldId id="270" r:id="rId27"/>
     <p:sldId id="278" r:id="rId28"/>
     <p:sldId id="287" r:id="rId29"/>
-    <p:sldId id="292" r:id="rId30"/>
-    <p:sldId id="293" r:id="rId31"/>
-    <p:sldId id="282" r:id="rId32"/>
-    <p:sldId id="290" r:id="rId33"/>
+    <p:sldId id="297" r:id="rId30"/>
+    <p:sldId id="298" r:id="rId31"/>
+    <p:sldId id="290" r:id="rId32"/>
   </p:sldIdLst>
   <p:sldSz cx="9144000" cy="6858000" type="screen4x3"/>
   <p:notesSz cx="6858000" cy="9144000"/>
@@ -223,7 +222,7 @@
           <a:p>
             <a:fld id="{A0F2417B-8253-4279-916F-6C56EB6F1AD0}" type="datetimeFigureOut">
               <a:rPr lang="fr-FR" smtClean="0"/>
-              <a:t>18/02/2016</a:t>
+              <a:t>19/02/2016</a:t>
             </a:fld>
             <a:endParaRPr lang="fr-FR"/>
           </a:p>
@@ -621,44 +620,24 @@
           <a:p>
             <a:r>
               <a:rPr lang="fr-FR" dirty="0" smtClean="0"/>
-              <a:t>Un</a:t>
-            </a:r>
-            <a:r>
-              <a:rPr lang="fr-FR" baseline="0" dirty="0" smtClean="0"/>
-              <a:t> aca a besoin d’un but pour ouvrir le dialogue, et donc le dialogue a une finalité comme par exemple choisir une restaurant, durant cette discussion l’agent et l’utilisateur discuterons de leurs préférences ce qui les </a:t>
-            </a:r>
-            <a:r>
-              <a:rPr lang="fr-FR" baseline="0" dirty="0" err="1" smtClean="0"/>
-              <a:t>amenera</a:t>
-            </a:r>
-            <a:r>
-              <a:rPr lang="fr-FR" baseline="0" dirty="0" smtClean="0"/>
-              <a:t> a une </a:t>
-            </a:r>
-            <a:r>
-              <a:rPr lang="fr-FR" baseline="0" dirty="0" err="1" smtClean="0"/>
-              <a:t>negociation</a:t>
-            </a:r>
-            <a:r>
-              <a:rPr lang="fr-FR" baseline="0" dirty="0" smtClean="0"/>
-              <a:t> </a:t>
-            </a:r>
-            <a:r>
-              <a:rPr lang="fr-FR" baseline="0" dirty="0" err="1" smtClean="0"/>
-              <a:t>cooperative</a:t>
-            </a:r>
-            <a:r>
-              <a:rPr lang="fr-FR" baseline="0" dirty="0" smtClean="0"/>
-              <a:t> dont le but est de trouver par exemple un restaurant que les deux </a:t>
-            </a:r>
-            <a:r>
-              <a:rPr lang="fr-FR" baseline="0" dirty="0" err="1" smtClean="0"/>
-              <a:t>appreciront</a:t>
-            </a:r>
-            <a:r>
-              <a:rPr lang="fr-FR" baseline="0" dirty="0" smtClean="0"/>
-              <a:t>.</a:t>
-            </a:r>
+              <a:t>On souhaite prendre en compte les aspects sociaux du dialogue</a:t>
+            </a:r>
+          </a:p>
+          <a:p>
+            <a:r>
+              <a:rPr lang="fr-FR" dirty="0" smtClean="0"/>
+              <a:t>Et évaluer comment, lorsqu’on les prends en compte dans la </a:t>
+            </a:r>
+            <a:r>
+              <a:rPr lang="fr-FR" b="1" dirty="0" smtClean="0"/>
+              <a:t>stratégie de dialogue</a:t>
+            </a:r>
+            <a:r>
+              <a:rPr lang="fr-FR" dirty="0" smtClean="0"/>
+              <a:t>, cela affecte la perception (par l’utilisateur) du dialogue/de l’agent</a:t>
+            </a:r>
+          </a:p>
+          <a:p>
             <a:endParaRPr lang="fr-FR" dirty="0"/>
           </a:p>
         </p:txBody>
@@ -689,7 +668,7 @@
     </p:spTree>
     <p:extLst>
       <p:ext uri="{BB962C8B-B14F-4D97-AF65-F5344CB8AC3E}">
-        <p14:creationId xmlns:p14="http://schemas.microsoft.com/office/powerpoint/2010/main" val="3983115726"/>
+        <p14:creationId xmlns:p14="http://schemas.microsoft.com/office/powerpoint/2010/main" val="2769587746"/>
       </p:ext>
     </p:extLst>
   </p:cSld>
@@ -745,44 +724,23 @@
           <a:p>
             <a:r>
               <a:rPr lang="fr-FR" dirty="0" smtClean="0"/>
-              <a:t>Décision entre dialogue social et dialogue de tâche basée sur la perception de la relation interpersonnelle avec l’utilisateur</a:t>
-            </a:r>
-          </a:p>
-          <a:p>
-            <a:endParaRPr lang="fr-FR" dirty="0" smtClean="0"/>
-          </a:p>
-          <a:p>
-            <a:r>
-              <a:rPr lang="fr-FR" dirty="0" smtClean="0"/>
-              <a:t>%</a:t>
-            </a:r>
-            <a:r>
-              <a:rPr lang="fr-FR" dirty="0" err="1" smtClean="0"/>
-              <a:t>Autom</a:t>
-            </a:r>
-            <a:r>
-              <a:rPr lang="fr-FR" dirty="0" smtClean="0"/>
-              <a:t> : </a:t>
-            </a:r>
-            <a:r>
-              <a:rPr lang="fr-FR" dirty="0" err="1" smtClean="0"/>
-              <a:t>modele</a:t>
+              <a:t>Un</a:t>
             </a:r>
             <a:r>
               <a:rPr lang="fr-FR" baseline="0" dirty="0" smtClean="0"/>
-              <a:t> avec 3 composants (</a:t>
+              <a:t> aca a besoin d’un but pour ouvrir le dialogue, et donc le dialogue a une finalité comme par exemple choisir une restaurant, durant cette discussion l’agent et l’utilisateur discuterons de leurs préférences ce qui les </a:t>
             </a:r>
             <a:r>
               <a:rPr lang="fr-FR" baseline="0" dirty="0" err="1" smtClean="0"/>
-              <a:t>acquaintance</a:t>
+              <a:t>amenera</a:t>
             </a:r>
             <a:r>
               <a:rPr lang="fr-FR" baseline="0" dirty="0" smtClean="0"/>
-              <a:t>, </a:t>
+              <a:t> a une </a:t>
             </a:r>
             <a:r>
               <a:rPr lang="fr-FR" baseline="0" dirty="0" err="1" smtClean="0"/>
-              <a:t>relationship</a:t>
+              <a:t>negociation</a:t>
             </a:r>
             <a:r>
               <a:rPr lang="fr-FR" baseline="0" dirty="0" smtClean="0"/>
@@ -790,19 +748,19 @@
             </a:r>
             <a:r>
               <a:rPr lang="fr-FR" baseline="0" dirty="0" err="1" smtClean="0"/>
-              <a:t>buildup</a:t>
+              <a:t>cooperative</a:t>
             </a:r>
             <a:r>
               <a:rPr lang="fr-FR" baseline="0" dirty="0" smtClean="0"/>
-              <a:t>, </a:t>
+              <a:t> dont le but est de trouver par exemple un restaurant que les deux </a:t>
             </a:r>
             <a:r>
               <a:rPr lang="fr-FR" baseline="0" dirty="0" err="1" smtClean="0"/>
-              <a:t>relationship</a:t>
+              <a:t>appreciront</a:t>
             </a:r>
             <a:r>
               <a:rPr lang="fr-FR" baseline="0" dirty="0" smtClean="0"/>
-              <a:t> maintenance) </a:t>
+              <a:t>.</a:t>
             </a:r>
             <a:endParaRPr lang="fr-FR" dirty="0"/>
           </a:p>
@@ -825,7 +783,7 @@
           <a:p>
             <a:fld id="{B48807CD-2378-4C1E-8048-3D0E9D8EA8A6}" type="slidenum">
               <a:rPr lang="fr-FR" smtClean="0"/>
-              <a:t>7</a:t>
+              <a:t>6</a:t>
             </a:fld>
             <a:endParaRPr lang="fr-FR"/>
           </a:p>
@@ -834,7 +792,7 @@
     </p:spTree>
     <p:extLst>
       <p:ext uri="{BB962C8B-B14F-4D97-AF65-F5344CB8AC3E}">
-        <p14:creationId xmlns:p14="http://schemas.microsoft.com/office/powerpoint/2010/main" val="3541550648"/>
+        <p14:creationId xmlns:p14="http://schemas.microsoft.com/office/powerpoint/2010/main" val="3983115726"/>
       </p:ext>
     </p:extLst>
   </p:cSld>
@@ -889,8 +847,65 @@
           <a:lstStyle/>
           <a:p>
             <a:r>
-              <a:rPr lang="en-US" dirty="0" smtClean="0"/>
-              <a:t>Attentional state is an abstraction of the participants’ focus of attention as their discourse unfolds</a:t>
+              <a:rPr lang="fr-FR" dirty="0" smtClean="0"/>
+              <a:t>Décision entre dialogue social et dialogue de tâche basée sur la perception de la relation interpersonnelle avec l’utilisateur</a:t>
+            </a:r>
+          </a:p>
+          <a:p>
+            <a:endParaRPr lang="fr-FR" dirty="0" smtClean="0"/>
+          </a:p>
+          <a:p>
+            <a:r>
+              <a:rPr lang="fr-FR" dirty="0" smtClean="0"/>
+              <a:t>%</a:t>
+            </a:r>
+            <a:r>
+              <a:rPr lang="fr-FR" dirty="0" err="1" smtClean="0"/>
+              <a:t>Autom</a:t>
+            </a:r>
+            <a:r>
+              <a:rPr lang="fr-FR" dirty="0" smtClean="0"/>
+              <a:t> : </a:t>
+            </a:r>
+            <a:r>
+              <a:rPr lang="fr-FR" dirty="0" err="1" smtClean="0"/>
+              <a:t>modele</a:t>
+            </a:r>
+            <a:r>
+              <a:rPr lang="fr-FR" baseline="0" dirty="0" smtClean="0"/>
+              <a:t> avec 3 composants (</a:t>
+            </a:r>
+            <a:r>
+              <a:rPr lang="fr-FR" baseline="0" dirty="0" err="1" smtClean="0"/>
+              <a:t>acquaintance</a:t>
+            </a:r>
+            <a:r>
+              <a:rPr lang="fr-FR" baseline="0" dirty="0" smtClean="0"/>
+              <a:t>, </a:t>
+            </a:r>
+            <a:r>
+              <a:rPr lang="fr-FR" baseline="0" dirty="0" err="1" smtClean="0"/>
+              <a:t>relationship</a:t>
+            </a:r>
+            <a:r>
+              <a:rPr lang="fr-FR" baseline="0" dirty="0" smtClean="0"/>
+              <a:t> </a:t>
+            </a:r>
+            <a:r>
+              <a:rPr lang="fr-FR" baseline="0" dirty="0" err="1" smtClean="0"/>
+              <a:t>buildup</a:t>
+            </a:r>
+            <a:r>
+              <a:rPr lang="fr-FR" baseline="0" dirty="0" smtClean="0"/>
+              <a:t>, </a:t>
+            </a:r>
+            <a:r>
+              <a:rPr lang="fr-FR" baseline="0" dirty="0" err="1" smtClean="0"/>
+              <a:t>relationship</a:t>
+            </a:r>
+            <a:r>
+              <a:rPr lang="fr-FR" baseline="0" dirty="0" smtClean="0"/>
+              <a:t> maintenance) </a:t>
             </a:r>
             <a:endParaRPr lang="fr-FR" dirty="0"/>
           </a:p>
@@ -911,9 +926,9 @@
           <a:bodyPr/>
           <a:lstStyle/>
           <a:p>
-            <a:fld id="{3E9B4F48-A4EC-4F0B-9CEB-4F637EA6FD75}" type="slidenum">
+            <a:fld id="{B48807CD-2378-4C1E-8048-3D0E9D8EA8A6}" type="slidenum">
               <a:rPr lang="fr-FR" smtClean="0"/>
-              <a:t>12</a:t>
+              <a:t>8</a:t>
             </a:fld>
             <a:endParaRPr lang="fr-FR"/>
           </a:p>
@@ -922,7 +937,7 @@
     </p:spTree>
     <p:extLst>
       <p:ext uri="{BB962C8B-B14F-4D97-AF65-F5344CB8AC3E}">
-        <p14:creationId xmlns:p14="http://schemas.microsoft.com/office/powerpoint/2010/main" val="3972364146"/>
+        <p14:creationId xmlns:p14="http://schemas.microsoft.com/office/powerpoint/2010/main" val="3541550648"/>
       </p:ext>
     </p:extLst>
   </p:cSld>
@@ -976,30 +991,10 @@
           <a:bodyPr/>
           <a:lstStyle/>
           <a:p>
-            <a:pPr marL="0" marR="0" lvl="2" indent="0" algn="l" defTabSz="914400" rtl="0" eaLnBrk="1" fontAlgn="auto" latinLnBrk="0" hangingPunct="1">
-              <a:lnSpc>
-                <a:spcPct val="100000"/>
-              </a:lnSpc>
-              <a:spcBef>
-                <a:spcPts val="0"/>
-              </a:spcBef>
-              <a:spcAft>
-                <a:spcPts val="0"/>
-              </a:spcAft>
-              <a:buClrTx/>
-              <a:buSzTx/>
-              <a:buFontTx/>
-              <a:buNone/>
-              <a:tabLst/>
-              <a:defRPr/>
-            </a:pPr>
             <a:r>
               <a:rPr lang="en-US" dirty="0" smtClean="0"/>
-              <a:t>Discourse purpose (DP) underlies engaging in the particular discourse. Discourse segment purpose (DSP) specifies how this segment contributes to achieving the overall discourse purpose. </a:t>
-            </a:r>
-            <a:endParaRPr lang="fr-FR" dirty="0" smtClean="0"/>
-          </a:p>
-          <a:p>
+              <a:t>Attentional state is an abstraction of the participants’ focus of attention as their discourse unfolds</a:t>
+            </a:r>
             <a:endParaRPr lang="fr-FR" dirty="0"/>
           </a:p>
         </p:txBody>
@@ -1021,7 +1016,7 @@
           <a:p>
             <a:fld id="{3E9B4F48-A4EC-4F0B-9CEB-4F637EA6FD75}" type="slidenum">
               <a:rPr lang="fr-FR" smtClean="0"/>
-              <a:t>13</a:t>
+              <a:t>12</a:t>
             </a:fld>
             <a:endParaRPr lang="fr-FR"/>
           </a:p>
@@ -1030,7 +1025,7 @@
     </p:spTree>
     <p:extLst>
       <p:ext uri="{BB962C8B-B14F-4D97-AF65-F5344CB8AC3E}">
-        <p14:creationId xmlns:p14="http://schemas.microsoft.com/office/powerpoint/2010/main" val="2165421636"/>
+        <p14:creationId xmlns:p14="http://schemas.microsoft.com/office/powerpoint/2010/main" val="3972364146"/>
       </p:ext>
     </p:extLst>
   </p:cSld>
@@ -1084,18 +1079,30 @@
           <a:bodyPr/>
           <a:lstStyle/>
           <a:p>
-            <a:r>
-              <a:rPr lang="fr-FR" dirty="0" smtClean="0"/>
-              <a:t>Dans la suite je vais présenter chaque </a:t>
-            </a:r>
-            <a:r>
-              <a:rPr lang="fr-FR" dirty="0" err="1" smtClean="0"/>
-              <a:t>element</a:t>
-            </a:r>
-            <a:r>
-              <a:rPr lang="fr-FR" dirty="0" smtClean="0"/>
-              <a:t> de notre modèle</a:t>
-            </a:r>
+            <a:pPr marL="0" marR="0" lvl="2" indent="0" algn="l" defTabSz="914400" rtl="0" eaLnBrk="1" fontAlgn="auto" latinLnBrk="0" hangingPunct="1">
+              <a:lnSpc>
+                <a:spcPct val="100000"/>
+              </a:lnSpc>
+              <a:spcBef>
+                <a:spcPts val="0"/>
+              </a:spcBef>
+              <a:spcAft>
+                <a:spcPts val="0"/>
+              </a:spcAft>
+              <a:buClrTx/>
+              <a:buSzTx/>
+              <a:buFontTx/>
+              <a:buNone/>
+              <a:tabLst/>
+              <a:defRPr/>
+            </a:pPr>
+            <a:r>
+              <a:rPr lang="en-US" dirty="0" smtClean="0"/>
+              <a:t>Discourse purpose (DP) underlies engaging in the particular discourse. Discourse segment purpose (DSP) specifies how this segment contributes to achieving the overall discourse purpose. </a:t>
+            </a:r>
+            <a:endParaRPr lang="fr-FR" dirty="0" smtClean="0"/>
+          </a:p>
+          <a:p>
             <a:endParaRPr lang="fr-FR" dirty="0"/>
           </a:p>
         </p:txBody>
@@ -1115,9 +1122,9 @@
           <a:bodyPr/>
           <a:lstStyle/>
           <a:p>
-            <a:fld id="{B48807CD-2378-4C1E-8048-3D0E9D8EA8A6}" type="slidenum">
+            <a:fld id="{3E9B4F48-A4EC-4F0B-9CEB-4F637EA6FD75}" type="slidenum">
               <a:rPr lang="fr-FR" smtClean="0"/>
-              <a:t>21</a:t>
+              <a:t>13</a:t>
             </a:fld>
             <a:endParaRPr lang="fr-FR"/>
           </a:p>
@@ -1126,7 +1133,7 @@
     </p:spTree>
     <p:extLst>
       <p:ext uri="{BB962C8B-B14F-4D97-AF65-F5344CB8AC3E}">
-        <p14:creationId xmlns:p14="http://schemas.microsoft.com/office/powerpoint/2010/main" val="2974902021"/>
+        <p14:creationId xmlns:p14="http://schemas.microsoft.com/office/powerpoint/2010/main" val="2165421636"/>
       </p:ext>
     </p:extLst>
   </p:cSld>
@@ -1180,6 +1187,18 @@
           <a:bodyPr/>
           <a:lstStyle/>
           <a:p>
+            <a:r>
+              <a:rPr lang="fr-FR" dirty="0" smtClean="0"/>
+              <a:t>Dans la suite je vais présenter chaque </a:t>
+            </a:r>
+            <a:r>
+              <a:rPr lang="fr-FR" dirty="0" err="1" smtClean="0"/>
+              <a:t>element</a:t>
+            </a:r>
+            <a:r>
+              <a:rPr lang="fr-FR" dirty="0" smtClean="0"/>
+              <a:t> de notre modèle</a:t>
+            </a:r>
             <a:endParaRPr lang="fr-FR" dirty="0"/>
           </a:p>
         </p:txBody>
@@ -1201,7 +1220,7 @@
           <a:p>
             <a:fld id="{B48807CD-2378-4C1E-8048-3D0E9D8EA8A6}" type="slidenum">
               <a:rPr lang="fr-FR" smtClean="0"/>
-              <a:t>31</a:t>
+              <a:t>21</a:t>
             </a:fld>
             <a:endParaRPr lang="fr-FR"/>
           </a:p>
@@ -1210,7 +1229,91 @@
     </p:spTree>
     <p:extLst>
       <p:ext uri="{BB962C8B-B14F-4D97-AF65-F5344CB8AC3E}">
-        <p14:creationId xmlns:p14="http://schemas.microsoft.com/office/powerpoint/2010/main" val="2298298670"/>
+        <p14:creationId xmlns:p14="http://schemas.microsoft.com/office/powerpoint/2010/main" val="2974902021"/>
+      </p:ext>
+    </p:extLst>
+  </p:cSld>
+  <p:clrMapOvr>
+    <a:masterClrMapping/>
+  </p:clrMapOvr>
+</p:notes>
+</file>
+
+<file path=ppt/notesSlides/notesSlide8.xml><?xml version="1.0" encoding="utf-8"?>
+<p:notes xmlns:a="http://schemas.openxmlformats.org/drawingml/2006/main" xmlns:r="http://schemas.openxmlformats.org/officeDocument/2006/relationships" xmlns:p="http://schemas.openxmlformats.org/presentationml/2006/main">
+  <p:cSld>
+    <p:spTree>
+      <p:nvGrpSpPr>
+        <p:cNvPr id="1" name=""/>
+        <p:cNvGrpSpPr/>
+        <p:nvPr/>
+      </p:nvGrpSpPr>
+      <p:grpSpPr>
+        <a:xfrm>
+          <a:off x="0" y="0"/>
+          <a:ext cx="0" cy="0"/>
+          <a:chOff x="0" y="0"/>
+          <a:chExt cx="0" cy="0"/>
+        </a:xfrm>
+      </p:grpSpPr>
+      <p:sp>
+        <p:nvSpPr>
+          <p:cNvPr id="2" name="Espace réservé de l'image des diapositives 1"/>
+          <p:cNvSpPr>
+            <a:spLocks noGrp="1" noRot="1" noChangeAspect="1"/>
+          </p:cNvSpPr>
+          <p:nvPr>
+            <p:ph type="sldImg"/>
+          </p:nvPr>
+        </p:nvSpPr>
+        <p:spPr/>
+      </p:sp>
+      <p:sp>
+        <p:nvSpPr>
+          <p:cNvPr id="3" name="Espace réservé des commentaires 2"/>
+          <p:cNvSpPr>
+            <a:spLocks noGrp="1"/>
+          </p:cNvSpPr>
+          <p:nvPr>
+            <p:ph type="body" idx="1"/>
+          </p:nvPr>
+        </p:nvSpPr>
+        <p:spPr/>
+        <p:txBody>
+          <a:bodyPr/>
+          <a:lstStyle/>
+          <a:p>
+            <a:endParaRPr lang="fr-FR" dirty="0"/>
+          </a:p>
+        </p:txBody>
+      </p:sp>
+      <p:sp>
+        <p:nvSpPr>
+          <p:cNvPr id="4" name="Espace réservé du numéro de diapositive 3"/>
+          <p:cNvSpPr>
+            <a:spLocks noGrp="1"/>
+          </p:cNvSpPr>
+          <p:nvPr>
+            <p:ph type="sldNum" sz="quarter" idx="10"/>
+          </p:nvPr>
+        </p:nvSpPr>
+        <p:spPr/>
+        <p:txBody>
+          <a:bodyPr/>
+          <a:lstStyle/>
+          <a:p>
+            <a:fld id="{B48807CD-2378-4C1E-8048-3D0E9D8EA8A6}" type="slidenum">
+              <a:rPr lang="fr-FR" smtClean="0"/>
+              <a:t>25</a:t>
+            </a:fld>
+            <a:endParaRPr lang="fr-FR"/>
+          </a:p>
+        </p:txBody>
+      </p:sp>
+    </p:spTree>
+    <p:extLst>
+      <p:ext uri="{BB962C8B-B14F-4D97-AF65-F5344CB8AC3E}">
+        <p14:creationId xmlns:p14="http://schemas.microsoft.com/office/powerpoint/2010/main" val="3281249628"/>
       </p:ext>
     </p:extLst>
   </p:cSld>
@@ -4678,12 +4781,15 @@
           </a:p>
           <a:p>
             <a:pPr lvl="0">
+              <a:lnSpc>
+                <a:spcPct val="150000"/>
+              </a:lnSpc>
               <a:buClr>
                 <a:srgbClr val="629DD1"/>
               </a:buClr>
               <a:buSzTx/>
             </a:pPr>
-            <a:endParaRPr lang="fr-FR" dirty="0">
+            <a:endParaRPr lang="fr-FR" dirty="0" smtClean="0">
               <a:solidFill>
                 <a:prstClr val="black"/>
               </a:solidFill>
@@ -4692,11 +4798,23 @@
           </a:p>
           <a:p>
             <a:pPr lvl="0">
+              <a:lnSpc>
+                <a:spcPct val="150000"/>
+              </a:lnSpc>
               <a:buClr>
                 <a:srgbClr val="629DD1"/>
               </a:buClr>
               <a:buSzTx/>
             </a:pPr>
+            <a:r>
+              <a:rPr lang="fr-FR" dirty="0" smtClean="0">
+                <a:solidFill>
+                  <a:prstClr val="black"/>
+                </a:solidFill>
+                <a:latin typeface="Calibri"/>
+              </a:rPr>
+              <a:t>Encadrants</a:t>
+            </a:r>
             <a:r>
               <a:rPr lang="fr-FR" dirty="0">
                 <a:solidFill>
@@ -4704,7 +4822,7 @@
                 </a:solidFill>
                 <a:latin typeface="Calibri"/>
               </a:rPr>
-              <a:t>Encadrants: </a:t>
+              <a:t>: </a:t>
             </a:r>
             <a:endParaRPr lang="fr-FR" dirty="0" smtClean="0">
               <a:solidFill>
@@ -4850,7 +4968,7 @@
         </p:blipFill>
         <p:spPr>
           <a:xfrm>
-            <a:off x="2555776" y="5519973"/>
+            <a:off x="2555776" y="5663989"/>
             <a:ext cx="1584176" cy="1293403"/>
           </a:xfrm>
           <a:prstGeom prst="rect">
@@ -4880,7 +4998,7 @@
         </p:blipFill>
         <p:spPr>
           <a:xfrm>
-            <a:off x="563603" y="5712263"/>
+            <a:off x="563603" y="5856279"/>
             <a:ext cx="912053" cy="912053"/>
           </a:xfrm>
           <a:prstGeom prst="rect">
@@ -4910,7 +5028,7 @@
         </p:blipFill>
         <p:spPr>
           <a:xfrm>
-            <a:off x="5004048" y="5658554"/>
+            <a:off x="5004048" y="5802570"/>
             <a:ext cx="1512168" cy="938798"/>
           </a:xfrm>
           <a:prstGeom prst="rect">
@@ -4940,7 +5058,7 @@
         </p:blipFill>
         <p:spPr>
           <a:xfrm>
-            <a:off x="7740352" y="5520719"/>
+            <a:off x="7740352" y="5592727"/>
             <a:ext cx="1064808" cy="1148641"/>
           </a:xfrm>
           <a:prstGeom prst="rect">
@@ -4948,6 +5066,181 @@
           </a:prstGeom>
         </p:spPr>
       </p:pic>
+      <p:cxnSp>
+        <p:nvCxnSpPr>
+          <p:cNvPr id="9" name="Connecteur droit avec flèche 8"/>
+          <p:cNvCxnSpPr/>
+          <p:nvPr/>
+        </p:nvCxnSpPr>
+        <p:spPr>
+          <a:xfrm>
+            <a:off x="1259632" y="4581128"/>
+            <a:ext cx="5760640" cy="0"/>
+          </a:xfrm>
+          <a:prstGeom prst="straightConnector1">
+            <a:avLst/>
+          </a:prstGeom>
+          <a:ln w="28575">
+            <a:tailEnd type="arrow"/>
+          </a:ln>
+        </p:spPr>
+        <p:style>
+          <a:lnRef idx="1">
+            <a:schemeClr val="accent1"/>
+          </a:lnRef>
+          <a:fillRef idx="0">
+            <a:schemeClr val="accent1"/>
+          </a:fillRef>
+          <a:effectRef idx="0">
+            <a:schemeClr val="accent1"/>
+          </a:effectRef>
+          <a:fontRef idx="minor">
+            <a:schemeClr val="tx1"/>
+          </a:fontRef>
+        </p:style>
+      </p:cxnSp>
+      <p:sp>
+        <p:nvSpPr>
+          <p:cNvPr id="10" name="ZoneTexte 9"/>
+          <p:cNvSpPr txBox="1"/>
+          <p:nvPr/>
+        </p:nvSpPr>
+        <p:spPr>
+          <a:xfrm>
+            <a:off x="3489774" y="4191052"/>
+            <a:ext cx="1300356" cy="369332"/>
+          </a:xfrm>
+          <a:prstGeom prst="rect">
+            <a:avLst/>
+          </a:prstGeom>
+          <a:noFill/>
+        </p:spPr>
+        <p:txBody>
+          <a:bodyPr wrap="none" rtlCol="0">
+            <a:spAutoFit/>
+          </a:bodyPr>
+          <a:lstStyle/>
+          <a:p>
+            <a:pPr lvl="0"/>
+            <a:fld id="{D0EB107A-F0B0-4CF2-8DFA-50BF5870A9A1}" type="datetime1">
+              <a:rPr lang="fr-FR" smtClean="0">
+                <a:solidFill>
+                  <a:prstClr val="black"/>
+                </a:solidFill>
+                <a:latin typeface="Calibri"/>
+              </a:rPr>
+              <a:pPr lvl="0"/>
+              <a:t>19/02/2016</a:t>
+            </a:fld>
+            <a:endParaRPr lang="fr-FR" dirty="0">
+              <a:solidFill>
+                <a:prstClr val="black"/>
+              </a:solidFill>
+              <a:latin typeface="Calibri"/>
+            </a:endParaRPr>
+          </a:p>
+        </p:txBody>
+      </p:sp>
+      <p:sp>
+        <p:nvSpPr>
+          <p:cNvPr id="11" name="ZoneTexte 10"/>
+          <p:cNvSpPr txBox="1"/>
+          <p:nvPr/>
+        </p:nvSpPr>
+        <p:spPr>
+          <a:xfrm>
+            <a:off x="1019629" y="4211796"/>
+            <a:ext cx="1032655" cy="369332"/>
+          </a:xfrm>
+          <a:prstGeom prst="rect">
+            <a:avLst/>
+          </a:prstGeom>
+          <a:noFill/>
+        </p:spPr>
+        <p:txBody>
+          <a:bodyPr wrap="none" rtlCol="0">
+            <a:spAutoFit/>
+          </a:bodyPr>
+          <a:lstStyle/>
+          <a:p>
+            <a:pPr lvl="0"/>
+            <a:r>
+              <a:rPr lang="fr-FR" dirty="0" err="1" smtClean="0">
+                <a:solidFill>
+                  <a:prstClr val="black"/>
+                </a:solidFill>
+                <a:latin typeface="Calibri"/>
+              </a:rPr>
+              <a:t>Oct</a:t>
+            </a:r>
+            <a:r>
+              <a:rPr lang="fr-FR" dirty="0" smtClean="0">
+                <a:solidFill>
+                  <a:prstClr val="black"/>
+                </a:solidFill>
+                <a:latin typeface="Calibri"/>
+              </a:rPr>
+              <a:t> 2014</a:t>
+            </a:r>
+            <a:endParaRPr lang="fr-FR" dirty="0">
+              <a:solidFill>
+                <a:prstClr val="black"/>
+              </a:solidFill>
+              <a:latin typeface="Calibri"/>
+            </a:endParaRPr>
+          </a:p>
+        </p:txBody>
+      </p:sp>
+      <p:sp>
+        <p:nvSpPr>
+          <p:cNvPr id="12" name="ZoneTexte 11"/>
+          <p:cNvSpPr txBox="1"/>
+          <p:nvPr/>
+        </p:nvSpPr>
+        <p:spPr>
+          <a:xfrm>
+            <a:off x="6372200" y="4191052"/>
+            <a:ext cx="1032655" cy="369332"/>
+          </a:xfrm>
+          <a:prstGeom prst="rect">
+            <a:avLst/>
+          </a:prstGeom>
+          <a:noFill/>
+        </p:spPr>
+        <p:txBody>
+          <a:bodyPr wrap="none" rtlCol="0">
+            <a:spAutoFit/>
+          </a:bodyPr>
+          <a:lstStyle/>
+          <a:p>
+            <a:pPr lvl="0"/>
+            <a:r>
+              <a:rPr lang="fr-FR" dirty="0" err="1" smtClean="0">
+                <a:solidFill>
+                  <a:prstClr val="black"/>
+                </a:solidFill>
+                <a:latin typeface="Calibri"/>
+              </a:rPr>
+              <a:t>Oct</a:t>
+            </a:r>
+            <a:r>
+              <a:rPr lang="fr-FR" dirty="0" smtClean="0">
+                <a:solidFill>
+                  <a:prstClr val="black"/>
+                </a:solidFill>
+                <a:latin typeface="Calibri"/>
+              </a:rPr>
+              <a:t> 2017</a:t>
+            </a:r>
+            <a:endParaRPr lang="fr-FR" dirty="0">
+              <a:solidFill>
+                <a:prstClr val="black"/>
+              </a:solidFill>
+              <a:latin typeface="Calibri"/>
+            </a:endParaRPr>
+          </a:p>
+        </p:txBody>
+      </p:sp>
     </p:spTree>
     <p:extLst>
       <p:ext uri="{BB962C8B-B14F-4D97-AF65-F5344CB8AC3E}">
@@ -4997,14 +5290,32 @@
         </p:nvSpPr>
         <p:spPr/>
         <p:txBody>
-          <a:bodyPr/>
+          <a:bodyPr>
+            <a:normAutofit/>
+          </a:bodyPr>
           <a:lstStyle/>
           <a:p>
             <a:r>
               <a:rPr lang="fr-FR" dirty="0" smtClean="0"/>
-              <a:t>Plan des contributions</a:t>
-            </a:r>
-            <a:endParaRPr lang="fr-FR" dirty="0"/>
+              <a:t>Plan des </a:t>
+            </a:r>
+            <a:r>
+              <a:rPr lang="fr-FR" dirty="0" smtClean="0"/>
+              <a:t>contributions </a:t>
+            </a:r>
+            <a:r>
+              <a:rPr lang="fr-FR" sz="2800" dirty="0" smtClean="0"/>
+              <a:t>(jan 15 – </a:t>
+            </a:r>
+            <a:r>
+              <a:rPr lang="fr-FR" sz="2800" dirty="0" err="1" smtClean="0"/>
+              <a:t>feb</a:t>
+            </a:r>
+            <a:r>
+              <a:rPr lang="fr-FR" sz="2800" dirty="0" smtClean="0"/>
+              <a:t> 16)</a:t>
+            </a:r>
+            <a:endParaRPr lang="fr-FR" sz="2800" dirty="0"/>
           </a:p>
         </p:txBody>
       </p:sp>
@@ -5035,7 +5346,15 @@
             </a:r>
             <a:r>
               <a:rPr lang="fr-FR" dirty="0" smtClean="0"/>
-              <a:t>et analyse de corpus de dialogues.</a:t>
+              <a:t>et analyse </a:t>
+            </a:r>
+            <a:r>
+              <a:rPr lang="fr-FR" dirty="0" smtClean="0"/>
+              <a:t>de deux dialogues</a:t>
+            </a:r>
+            <a:r>
+              <a:rPr lang="fr-FR" dirty="0" smtClean="0"/>
+              <a:t>.</a:t>
             </a:r>
           </a:p>
           <a:p>
@@ -5879,86 +6198,90 @@
             </a:r>
           </a:p>
           <a:p>
-            <a:r>
-              <a:rPr lang="fr-FR" b="1" dirty="0" smtClean="0"/>
+            <a:pPr lvl="1"/>
+            <a:r>
+              <a:rPr lang="fr-FR" dirty="0" smtClean="0"/>
               <a:t>Exemples : </a:t>
             </a:r>
+            <a:r>
+              <a:rPr lang="fr-FR" dirty="0"/>
+              <a:t>f</a:t>
+            </a:r>
+            <a:r>
+              <a:rPr lang="fr-FR" dirty="0" smtClean="0"/>
+              <a:t>aire </a:t>
+            </a:r>
+            <a:r>
+              <a:rPr lang="fr-FR" dirty="0" smtClean="0"/>
+              <a:t>croire  un fait à un </a:t>
+            </a:r>
+            <a:r>
+              <a:rPr lang="fr-FR" dirty="0" smtClean="0"/>
+              <a:t>agent, effectuer </a:t>
+            </a:r>
+            <a:r>
+              <a:rPr lang="fr-FR" dirty="0" smtClean="0"/>
+              <a:t>une </a:t>
+            </a:r>
+            <a:r>
+              <a:rPr lang="fr-FR" dirty="0" smtClean="0"/>
+              <a:t>tâche…</a:t>
+            </a:r>
           </a:p>
           <a:p>
             <a:pPr lvl="1"/>
-            <a:r>
-              <a:rPr lang="fr-FR" dirty="0"/>
-              <a:t>F</a:t>
-            </a:r>
-            <a:r>
-              <a:rPr lang="fr-FR" dirty="0" smtClean="0"/>
-              <a:t>aire croire  un fait à un agent.</a:t>
-            </a:r>
-          </a:p>
-          <a:p>
-            <a:pPr lvl="1"/>
-            <a:r>
-              <a:rPr lang="fr-FR" dirty="0" smtClean="0"/>
-              <a:t>Effectuer une tâche.</a:t>
-            </a:r>
-          </a:p>
-          <a:p>
-            <a:r>
-              <a:rPr lang="fr-FR" b="1" dirty="0" smtClean="0"/>
-              <a:t>Structure</a:t>
-            </a:r>
-            <a:r>
-              <a:rPr lang="fr-FR" dirty="0" smtClean="0"/>
-              <a:t> </a:t>
-            </a:r>
-          </a:p>
-          <a:p>
-            <a:pPr lvl="1"/>
-            <a:r>
-              <a:rPr lang="fr-FR" b="1" dirty="0" smtClean="0"/>
-              <a:t>Dominance</a:t>
-            </a:r>
-            <a:r>
-              <a:rPr lang="fr-FR" dirty="0" smtClean="0"/>
-              <a:t> : </a:t>
-            </a:r>
-            <a:r>
-              <a:rPr lang="fr-FR" sz="1800" dirty="0" smtClean="0"/>
-              <a:t>DSP1 domine DSP2 si DSP2 participe à la satisfaction de DSP1.</a:t>
-            </a:r>
             <a:endParaRPr lang="fr-FR" dirty="0" smtClean="0"/>
           </a:p>
           <a:p>
-            <a:pPr lvl="1"/>
-            <a:r>
-              <a:rPr lang="fr-FR" b="1" dirty="0"/>
-              <a:t>Satisfaction-</a:t>
-            </a:r>
-            <a:r>
-              <a:rPr lang="fr-FR" b="1" dirty="0" err="1"/>
-              <a:t>precedence</a:t>
-            </a:r>
-            <a:r>
-              <a:rPr lang="fr-FR" dirty="0"/>
-              <a:t>:  </a:t>
-            </a:r>
-            <a:r>
-              <a:rPr lang="fr-FR" sz="1800" dirty="0"/>
-              <a:t>« DSP2 satisfaction-</a:t>
-            </a:r>
-            <a:r>
-              <a:rPr lang="fr-FR" sz="1800" dirty="0" err="1"/>
-              <a:t>precedes</a:t>
-            </a:r>
-            <a:r>
-              <a:rPr lang="fr-FR" sz="1800" dirty="0"/>
-              <a:t> </a:t>
-            </a:r>
-            <a:r>
-              <a:rPr lang="fr-FR" sz="1800" dirty="0" smtClean="0"/>
-              <a:t>DSP1 » si DSP2 doit être satisfaite avant DSP1.</a:t>
-            </a:r>
-            <a:endParaRPr lang="fr-FR" sz="1800" dirty="0"/>
+            <a:pPr marL="342900" lvl="2">
+              <a:buClr>
+                <a:schemeClr val="accent1"/>
+              </a:buClr>
+            </a:pPr>
+            <a:r>
+              <a:rPr lang="fr-FR" sz="2800" b="1" dirty="0"/>
+              <a:t>Intention communicative: </a:t>
+            </a:r>
+          </a:p>
+          <a:p>
+            <a:pPr marL="617220" lvl="3">
+              <a:buClr>
+                <a:schemeClr val="accent1"/>
+              </a:buClr>
+            </a:pPr>
+            <a:r>
+              <a:rPr lang="fr-FR" sz="2400" dirty="0" err="1"/>
+              <a:t>DSP</a:t>
+            </a:r>
+            <a:r>
+              <a:rPr lang="fr-FR" sz="2400" dirty="0"/>
+              <a:t>: Discuter la qualité d’un restaurant</a:t>
+            </a:r>
+          </a:p>
+          <a:p>
+            <a:pPr marL="891540" lvl="4">
+              <a:buClr>
+                <a:schemeClr val="accent1"/>
+              </a:buClr>
+            </a:pPr>
+            <a:r>
+              <a:rPr lang="fr-FR" sz="2000" dirty="0"/>
+              <a:t>Sous </a:t>
+            </a:r>
+            <a:r>
+              <a:rPr lang="fr-FR" sz="2000" dirty="0" err="1"/>
+              <a:t>DSP</a:t>
+            </a:r>
+            <a:r>
+              <a:rPr lang="fr-FR" sz="2000" dirty="0"/>
+              <a:t> : Qualité de la nourriture, localisation, prix, réservation, ambiance</a:t>
+            </a:r>
+          </a:p>
+          <a:p>
+            <a:pPr marL="274320" lvl="1" indent="0">
+              <a:buNone/>
+            </a:pPr>
+            <a:endParaRPr lang="fr-FR" sz="1600" dirty="0"/>
           </a:p>
         </p:txBody>
       </p:sp>
@@ -6073,12 +6396,18 @@
         </p:nvSpPr>
         <p:spPr/>
         <p:txBody>
-          <a:bodyPr/>
+          <a:bodyPr>
+            <a:normAutofit fontScale="90000"/>
+          </a:bodyPr>
           <a:lstStyle/>
           <a:p>
             <a:r>
               <a:rPr lang="fr-FR" dirty="0" smtClean="0"/>
-              <a:t>Structure Intentionnelle</a:t>
+              <a:t>Structure </a:t>
+            </a:r>
+            <a:r>
+              <a:rPr lang="fr-FR" dirty="0" smtClean="0"/>
+              <a:t>Intentionnelle et dimension sociale</a:t>
             </a:r>
             <a:endParaRPr lang="fr-FR" dirty="0"/>
           </a:p>
@@ -6103,39 +6432,6 @@
           <a:p>
             <a:pPr marL="342900" lvl="2">
               <a:buClr>
-                <a:schemeClr val="accent1"/>
-              </a:buClr>
-            </a:pPr>
-            <a:r>
-              <a:rPr lang="fr-FR" sz="2800" b="1" dirty="0" smtClean="0"/>
-              <a:t>Intention communicative: </a:t>
-            </a:r>
-          </a:p>
-          <a:p>
-            <a:pPr marL="617220" lvl="3">
-              <a:buClr>
-                <a:schemeClr val="accent1"/>
-              </a:buClr>
-            </a:pPr>
-            <a:r>
-              <a:rPr lang="fr-FR" sz="2400" dirty="0" smtClean="0"/>
-              <a:t>DSP: Discuter la qualité d’un restaurant</a:t>
-            </a:r>
-          </a:p>
-          <a:p>
-            <a:pPr marL="891540" lvl="4">
-              <a:buClr>
-                <a:schemeClr val="accent1"/>
-              </a:buClr>
-            </a:pPr>
-            <a:r>
-              <a:rPr lang="fr-FR" sz="2000" dirty="0" smtClean="0"/>
-              <a:t>Sous DSP : Qualité de la nourriture, localisation, prix, réservation, ambiance</a:t>
-            </a:r>
-          </a:p>
-          <a:p>
-            <a:pPr marL="342900" lvl="2">
-              <a:buClr>
                 <a:srgbClr val="629DD1"/>
               </a:buClr>
             </a:pPr>
@@ -6147,6 +6443,61 @@
               </a:rPr>
               <a:t>Intention interne</a:t>
             </a:r>
+          </a:p>
+          <a:p>
+            <a:pPr marL="617220" lvl="3">
+              <a:buClr>
+                <a:srgbClr val="629DD1"/>
+              </a:buClr>
+            </a:pPr>
+            <a:r>
+              <a:rPr lang="fr-FR" sz="2600" dirty="0" smtClean="0">
+                <a:solidFill>
+                  <a:prstClr val="black"/>
+                </a:solidFill>
+              </a:rPr>
+              <a:t>Indépendant de la tâche. </a:t>
+            </a:r>
+          </a:p>
+          <a:p>
+            <a:pPr marL="617220" lvl="3">
+              <a:buClr>
+                <a:srgbClr val="629DD1"/>
+              </a:buClr>
+            </a:pPr>
+            <a:endParaRPr lang="fr-FR" sz="2600" dirty="0" smtClean="0">
+              <a:solidFill>
+                <a:prstClr val="black"/>
+              </a:solidFill>
+            </a:endParaRPr>
+          </a:p>
+          <a:p>
+            <a:pPr marL="342900" lvl="2">
+              <a:buClr>
+                <a:srgbClr val="629DD1"/>
+              </a:buClr>
+            </a:pPr>
+            <a:r>
+              <a:rPr lang="fr-FR" sz="2800" b="1" dirty="0" smtClean="0">
+                <a:solidFill>
+                  <a:prstClr val="black"/>
+                </a:solidFill>
+              </a:rPr>
+              <a:t>Observations</a:t>
+            </a:r>
+            <a:r>
+              <a:rPr lang="fr-FR" sz="2800" dirty="0" smtClean="0">
+                <a:solidFill>
+                  <a:prstClr val="black"/>
+                </a:solidFill>
+              </a:rPr>
+              <a:t> (sur nos deux dialogues)</a:t>
+            </a:r>
+            <a:endParaRPr lang="fr-FR" sz="2800" dirty="0" smtClean="0">
+              <a:solidFill>
+                <a:prstClr val="black"/>
+              </a:solidFill>
+            </a:endParaRPr>
           </a:p>
           <a:p>
             <a:pPr marL="617220" lvl="3">
@@ -6983,11 +7334,7 @@
           <a:p>
             <a:r>
               <a:rPr lang="fr-FR" dirty="0" smtClean="0"/>
-              <a:t>Résultats </a:t>
-            </a:r>
-            <a:r>
-              <a:rPr lang="fr-FR" dirty="0" smtClean="0"/>
-              <a:t>obtenus (1)</a:t>
+              <a:t>Résultats obtenus (1)</a:t>
             </a:r>
             <a:endParaRPr lang="fr-FR" dirty="0"/>
           </a:p>
@@ -7562,11 +7909,7 @@
           <a:p>
             <a:r>
               <a:rPr lang="fr-FR" dirty="0" smtClean="0"/>
-              <a:t>Résultats </a:t>
-            </a:r>
-            <a:r>
-              <a:rPr lang="fr-FR" dirty="0" smtClean="0"/>
-              <a:t>obtenus (1)</a:t>
+              <a:t>Résultats obtenus (1)</a:t>
             </a:r>
             <a:endParaRPr lang="fr-FR" dirty="0"/>
           </a:p>
@@ -7724,15 +8067,7 @@
                   <a:schemeClr val="tx1"/>
                 </a:solidFill>
               </a:rPr>
-              <a:t>Dialogue </a:t>
-            </a:r>
-            <a:r>
-              <a:rPr lang="fr-FR" sz="2000" dirty="0" smtClean="0">
-                <a:solidFill>
-                  <a:schemeClr val="tx1"/>
-                </a:solidFill>
-              </a:rPr>
-              <a:t>Agent/humain</a:t>
+              <a:t>Dialogue Agent/humain</a:t>
             </a:r>
             <a:endParaRPr lang="fr-FR" sz="2000" dirty="0">
               <a:solidFill>
@@ -8077,7 +8412,11 @@
           <a:p>
             <a:r>
               <a:rPr lang="fr-FR" dirty="0" smtClean="0"/>
-              <a:t>Résultats obtenus</a:t>
+              <a:t>Résultats </a:t>
+            </a:r>
+            <a:r>
+              <a:rPr lang="fr-FR" dirty="0" smtClean="0"/>
+              <a:t>obtenus (2)</a:t>
             </a:r>
             <a:endParaRPr lang="fr-FR" dirty="0"/>
           </a:p>
@@ -8606,21 +8945,8 @@
           <a:p>
             <a:r>
               <a:rPr lang="fr-FR" dirty="0" smtClean="0"/>
-              <a:t>Notre m</a:t>
-            </a:r>
-            <a:r>
-              <a:rPr lang="fr-FR" dirty="0" smtClean="0"/>
-              <a:t>odèle </a:t>
-            </a:r>
-            <a:r>
-              <a:rPr lang="fr-FR" dirty="0" smtClean="0"/>
-              <a:t>de </a:t>
-            </a:r>
-            <a:r>
-              <a:rPr lang="fr-FR" dirty="0" smtClean="0"/>
-              <a:t>dialogue</a:t>
-            </a:r>
-            <a:endParaRPr lang="fr-FR" dirty="0" smtClean="0"/>
+              <a:t>Notre modèle de dialogue</a:t>
+            </a:r>
           </a:p>
           <a:p>
             <a:endParaRPr lang="fr-FR" dirty="0"/>
@@ -8856,7 +9182,7 @@
             <a:pPr algn="ctr"/>
             <a:r>
               <a:rPr lang="fr-FR" dirty="0" smtClean="0"/>
-              <a:t>Contexte du dialogue</a:t>
+              <a:t>Etat de la négociation</a:t>
             </a:r>
             <a:endParaRPr lang="fr-FR" dirty="0"/>
           </a:p>
@@ -9264,8 +9590,9 @@
             <a:pPr algn="ctr"/>
             <a:r>
               <a:rPr lang="fr-FR" dirty="0"/>
-              <a:t>Contexte du dialogue</a:t>
-            </a:r>
+              <a:t>Etat de la négociation</a:t>
+            </a:r>
+            <a:endParaRPr lang="fr-FR" dirty="0"/>
           </a:p>
         </p:txBody>
       </p:sp>
@@ -10609,12 +10936,18 @@
         </p:nvSpPr>
         <p:spPr/>
         <p:txBody>
-          <a:bodyPr/>
-          <a:lstStyle/>
-          <a:p>
+          <a:bodyPr>
+            <a:normAutofit/>
+          </a:bodyPr>
+          <a:lstStyle/>
+          <a:p>
+            <a:r>
+              <a:rPr lang="fr-FR" dirty="0"/>
+              <a:t>Etat de la </a:t>
+            </a:r>
             <a:r>
               <a:rPr lang="fr-FR" dirty="0" smtClean="0"/>
-              <a:t>Contexte du dialogue</a:t>
+              <a:t>négociation</a:t>
             </a:r>
             <a:endParaRPr lang="fr-FR" dirty="0"/>
           </a:p>
@@ -11049,7 +11382,7 @@
         </p:nvSpPr>
         <p:spPr>
           <a:xfrm>
-            <a:off x="395536" y="404664"/>
+            <a:off x="395536" y="350168"/>
             <a:ext cx="8229600" cy="990600"/>
           </a:xfrm>
         </p:spPr>
@@ -11065,8 +11398,8 @@
           </a:p>
         </p:txBody>
       </p:sp>
-      <mc:AlternateContent xmlns:mc="http://schemas.openxmlformats.org/markup-compatibility/2006" xmlns:a14="http://schemas.microsoft.com/office/drawing/2010/main">
-        <mc:Choice Requires="a14">
+      <mc:AlternateContent xmlns:mc="http://schemas.openxmlformats.org/markup-compatibility/2006">
+        <mc:Choice xmlns:a14="http://schemas.microsoft.com/office/drawing/2010/main" Requires="a14">
           <p:graphicFrame>
             <p:nvGraphicFramePr>
               <p:cNvPr id="4" name="Tableau 3"/>
@@ -11076,14 +11409,14 @@
               <p:nvPr>
                 <p:extLst>
                   <p:ext uri="{D42A27DB-BD31-4B8C-83A1-F6EECF244321}">
-                    <p14:modId xmlns:p14="http://schemas.microsoft.com/office/powerpoint/2010/main" val="3102958511"/>
+                    <p14:modId xmlns:p14="http://schemas.microsoft.com/office/powerpoint/2010/main" val="1726950180"/>
                   </p:ext>
                 </p:extLst>
               </p:nvPr>
             </p:nvGraphicFramePr>
             <p:xfrm>
-              <a:off x="395536" y="1295312"/>
-              <a:ext cx="8064896" cy="5230032"/>
+              <a:off x="1043608" y="2030684"/>
+              <a:ext cx="7200800" cy="4710684"/>
             </p:xfrm>
             <a:graphic>
               <a:graphicData uri="http://schemas.openxmlformats.org/drawingml/2006/table">
@@ -11092,11 +11425,11 @@
                     <a:tableStyleId>{5C22544A-7EE6-4342-B048-85BDC9FD1C3A}</a:tableStyleId>
                   </a:tblPr>
                   <a:tblGrid>
-                    <a:gridCol w="3024336"/>
-                    <a:gridCol w="2448272"/>
-                    <a:gridCol w="2592288"/>
+                    <a:gridCol w="2700300"/>
+                    <a:gridCol w="2185958"/>
+                    <a:gridCol w="2314542"/>
                   </a:tblGrid>
-                  <a:tr h="461790">
+                  <a:tr h="356927">
                     <a:tc>
                       <a:txBody>
                         <a:bodyPr/>
@@ -11147,7 +11480,7 @@
                       <a:tcPr/>
                     </a:tc>
                   </a:tr>
-                  <a:tr h="670161">
+                  <a:tr h="508630">
                     <a:tc rowSpan="2">
                       <a:txBody>
                         <a:bodyPr/>
@@ -11178,30 +11511,18 @@
                         <a:p>
                           <a:pPr algn="ctr"/>
                           <a:r>
-                            <a:rPr lang="fr-FR" sz="1600" dirty="0" smtClean="0"/>
+                            <a:rPr lang="fr-FR" sz="1600" i="1" dirty="0" smtClean="0"/>
                             <a:t>I </a:t>
                           </a:r>
                           <a:r>
-                            <a:rPr lang="fr-FR" sz="1600" dirty="0" err="1" smtClean="0"/>
+                            <a:rPr lang="fr-FR" sz="1600" i="1" dirty="0" err="1" smtClean="0"/>
                             <a:t>prefer</a:t>
                           </a:r>
                           <a:r>
-                            <a:rPr lang="fr-FR" sz="1600" dirty="0" smtClean="0"/>
-                            <a:t> </a:t>
+                            <a:rPr lang="fr-FR" sz="1600" i="1" dirty="0" smtClean="0"/>
+                            <a:t> a over b</a:t>
                           </a:r>
-                          <a:r>
-                            <a:rPr lang="fr-FR" sz="1600" i="1" dirty="0" smtClean="0"/>
-                            <a:t>a </a:t>
-                          </a:r>
-                          <a:r>
-                            <a:rPr lang="fr-FR" sz="1600" i="0" dirty="0" smtClean="0"/>
-                            <a:t>over </a:t>
-                          </a:r>
-                          <a:r>
-                            <a:rPr lang="fr-FR" sz="1600" i="1" dirty="0" smtClean="0"/>
-                            <a:t>b</a:t>
-                          </a:r>
-                          <a:endParaRPr lang="fr-FR" sz="1600" dirty="0"/>
+                          <a:endParaRPr lang="fr-FR" sz="1600" i="1" dirty="0"/>
                         </a:p>
                       </a:txBody>
                       <a:tcPr/>
@@ -11293,24 +11614,24 @@
                         <a:p>
                           <a:pPr algn="ctr"/>
                           <a:r>
-                            <a:rPr lang="fr-FR" dirty="0" smtClean="0"/>
+                            <a:rPr lang="fr-FR" sz="1600" dirty="0" smtClean="0"/>
                             <a:t>Speaker</a:t>
                           </a:r>
                         </a:p>
                         <a:p>
                           <a:pPr algn="ctr"/>
                           <a:r>
-                            <a:rPr lang="fr-FR" sz="1800" i="1" dirty="0" smtClean="0"/>
+                            <a:rPr lang="fr-FR" sz="1600" i="1" dirty="0" smtClean="0"/>
                             <a:t>(a,</a:t>
                           </a:r>
                           <a:r>
-                            <a:rPr lang="fr-FR" sz="1800" i="1" baseline="0" dirty="0" smtClean="0"/>
+                            <a:rPr lang="fr-FR" sz="1600" i="1" baseline="0" dirty="0" smtClean="0"/>
                             <a:t> b) </a:t>
                           </a:r>
                           <a14:m>
                             <m:oMath xmlns:m="http://schemas.openxmlformats.org/officeDocument/2006/math">
                               <m:r>
-                                <a:rPr kumimoji="0" lang="fr-FR" sz="1600" b="0" i="1" u="none" strike="noStrike" kern="1200" cap="none" spc="0" normalizeH="0" baseline="0" noProof="0" smtClean="0">
+                                <a:rPr kumimoji="0" lang="fr-FR" sz="1400" b="0" i="1" u="none" strike="noStrike" kern="1200" cap="none" spc="0" normalizeH="0" baseline="0" noProof="0" smtClean="0">
                                   <a:ln>
                                     <a:noFill/>
                                   </a:ln>
@@ -11327,7 +11648,7 @@
                                 <m:t>∈</m:t>
                               </m:r>
                               <m:r>
-                                <a:rPr lang="fr-FR" sz="1800" b="0" i="1" baseline="0" smtClean="0">
+                                <a:rPr lang="fr-FR" sz="1600" b="0" i="1" baseline="0" smtClean="0">
                                   <a:latin typeface="Cambria Math"/>
                                   <a:ea typeface="Cambria Math"/>
                                 </a:rPr>
@@ -11335,13 +11656,13 @@
                               </m:r>
                             </m:oMath>
                           </a14:m>
-                          <a:endParaRPr lang="fr-FR" dirty="0"/>
+                          <a:endParaRPr lang="fr-FR" sz="1600" dirty="0"/>
                         </a:p>
                       </a:txBody>
                       <a:tcPr/>
                     </a:tc>
                   </a:tr>
-                  <a:tr h="670161">
+                  <a:tr h="433566">
                     <a:tc vMerge="1">
                       <a:txBody>
                         <a:bodyPr/>
@@ -11369,7 +11690,7 @@
                         <a:p>
                           <a:pPr algn="ctr"/>
                           <a:r>
-                            <a:rPr lang="fr-FR" dirty="0" smtClean="0"/>
+                            <a:rPr lang="fr-FR" sz="1600" dirty="0" smtClean="0"/>
                             <a:t>Hearer</a:t>
                           </a:r>
                         </a:p>
@@ -11392,17 +11713,17 @@
                             <a:defRPr/>
                           </a:pPr>
                           <a:r>
-                            <a:rPr lang="fr-FR" sz="1800" i="1" dirty="0" smtClean="0"/>
+                            <a:rPr lang="fr-FR" sz="1600" i="1" dirty="0" smtClean="0"/>
                             <a:t>(a,</a:t>
                           </a:r>
                           <a:r>
-                            <a:rPr lang="fr-FR" sz="1800" i="1" baseline="0" dirty="0" smtClean="0"/>
+                            <a:rPr lang="fr-FR" sz="1600" i="1" baseline="0" dirty="0" smtClean="0"/>
                             <a:t> b) </a:t>
                           </a:r>
                           <a14:m>
                             <m:oMath xmlns:m="http://schemas.openxmlformats.org/officeDocument/2006/math">
                               <m:r>
-                                <a:rPr kumimoji="0" lang="fr-FR" sz="1600" b="0" i="1" u="none" strike="noStrike" kern="1200" cap="none" spc="0" normalizeH="0" baseline="0" noProof="0" smtClean="0">
+                                <a:rPr kumimoji="0" lang="fr-FR" sz="1400" b="0" i="1" u="none" strike="noStrike" kern="1200" cap="none" spc="0" normalizeH="0" baseline="0" noProof="0" smtClean="0">
                                   <a:ln>
                                     <a:noFill/>
                                   </a:ln>
@@ -11419,7 +11740,7 @@
                                 <m:t>∈</m:t>
                               </m:r>
                               <m:r>
-                                <a:rPr lang="fr-FR" sz="1800" b="0" i="1" baseline="0" smtClean="0">
+                                <a:rPr lang="fr-FR" sz="1600" b="0" i="1" baseline="0" smtClean="0">
                                   <a:latin typeface="Cambria Math"/>
                                   <a:ea typeface="Cambria Math"/>
                                 </a:rPr>
@@ -11427,13 +11748,13 @@
                               </m:r>
                             </m:oMath>
                           </a14:m>
-                          <a:endParaRPr lang="fr-FR" dirty="0"/>
+                          <a:endParaRPr lang="fr-FR" sz="1600" dirty="0"/>
                         </a:p>
                       </a:txBody>
                       <a:tcPr/>
                     </a:tc>
                   </a:tr>
-                  <a:tr h="858160">
+                  <a:tr h="758966">
                     <a:tc>
                       <a:txBody>
                         <a:bodyPr/>
@@ -11558,7 +11879,7 @@
                       <a:tcPr/>
                     </a:tc>
                   </a:tr>
-                  <a:tr h="858160">
+                  <a:tr h="758966">
                     <a:tc>
                       <a:txBody>
                         <a:bodyPr/>
@@ -11703,7 +12024,7 @@
                       <a:tcPr/>
                     </a:tc>
                   </a:tr>
-                  <a:tr h="858160">
+                  <a:tr h="758966">
                     <a:tc>
                       <a:txBody>
                         <a:bodyPr/>
@@ -11927,7 +12248,7 @@
                       <a:tcPr/>
                     </a:tc>
                   </a:tr>
-                  <a:tr h="591960">
+                  <a:tr h="761562">
                     <a:tc>
                       <a:txBody>
                         <a:bodyPr/>
@@ -11991,7 +12312,7 @@
                           </a:r>
                           <a:r>
                             <a:rPr lang="fr-FR" sz="1600" i="1" baseline="0" dirty="0" err="1" smtClean="0"/>
-                            <a:t>something</a:t>
+                            <a:t>sth</a:t>
                           </a:r>
                           <a:r>
                             <a:rPr lang="fr-FR" sz="1600" i="1" baseline="0" dirty="0" smtClean="0"/>
@@ -12287,7 +12608,7 @@
             </a:graphic>
           </p:graphicFrame>
         </mc:Choice>
-        <mc:Fallback xmlns="">
+        <mc:Fallback>
           <p:graphicFrame>
             <p:nvGraphicFramePr>
               <p:cNvPr id="4" name="Tableau 3"/>
@@ -12297,14 +12618,14 @@
               <p:nvPr>
                 <p:extLst>
                   <p:ext uri="{D42A27DB-BD31-4B8C-83A1-F6EECF244321}">
-                    <p14:modId xmlns:p14="http://schemas.microsoft.com/office/powerpoint/2010/main" val="3102958511"/>
+                    <p14:modId xmlns:p14="http://schemas.microsoft.com/office/powerpoint/2010/main" val="1726950180"/>
                   </p:ext>
                 </p:extLst>
               </p:nvPr>
             </p:nvGraphicFramePr>
             <p:xfrm>
-              <a:off x="395536" y="1295312"/>
-              <a:ext cx="8064896" cy="5230032"/>
+              <a:off x="1043608" y="2030684"/>
+              <a:ext cx="7200800" cy="4710684"/>
             </p:xfrm>
             <a:graphic>
               <a:graphicData uri="http://schemas.openxmlformats.org/drawingml/2006/table">
@@ -12313,11 +12634,11 @@
                     <a:tableStyleId>{5C22544A-7EE6-4342-B048-85BDC9FD1C3A}</a:tableStyleId>
                   </a:tblPr>
                   <a:tblGrid>
-                    <a:gridCol w="3024336"/>
-                    <a:gridCol w="2448272"/>
-                    <a:gridCol w="2592288"/>
+                    <a:gridCol w="2700300"/>
+                    <a:gridCol w="2185958"/>
+                    <a:gridCol w="2314542"/>
                   </a:tblGrid>
-                  <a:tr h="461790">
+                  <a:tr h="365760">
                     <a:tc>
                       <a:txBody>
                         <a:bodyPr/>
@@ -12368,7 +12689,7 @@
                       <a:tcPr/>
                     </a:tc>
                   </a:tr>
-                  <a:tr h="670161">
+                  <a:tr h="579120">
                     <a:tc rowSpan="2">
                       <a:txBody>
                         <a:bodyPr/>
@@ -12399,30 +12720,18 @@
                         <a:p>
                           <a:pPr algn="ctr"/>
                           <a:r>
-                            <a:rPr lang="fr-FR" sz="1600" dirty="0" smtClean="0"/>
+                            <a:rPr lang="fr-FR" sz="1600" i="1" dirty="0" smtClean="0"/>
                             <a:t>I </a:t>
                           </a:r>
                           <a:r>
-                            <a:rPr lang="fr-FR" sz="1600" dirty="0" err="1" smtClean="0"/>
+                            <a:rPr lang="fr-FR" sz="1600" i="1" dirty="0" err="1" smtClean="0"/>
                             <a:t>prefer</a:t>
                           </a:r>
                           <a:r>
-                            <a:rPr lang="fr-FR" sz="1600" dirty="0" smtClean="0"/>
-                            <a:t> </a:t>
+                            <a:rPr lang="fr-FR" sz="1600" i="1" dirty="0" smtClean="0"/>
+                            <a:t> a over b</a:t>
                           </a:r>
-                          <a:r>
-                            <a:rPr lang="fr-FR" sz="1600" i="1" dirty="0" smtClean="0"/>
-                            <a:t>a </a:t>
-                          </a:r>
-                          <a:r>
-                            <a:rPr lang="fr-FR" sz="1600" i="0" dirty="0" smtClean="0"/>
-                            <a:t>over </a:t>
-                          </a:r>
-                          <a:r>
-                            <a:rPr lang="fr-FR" sz="1600" i="1" dirty="0" smtClean="0"/>
-                            <a:t>b</a:t>
-                          </a:r>
-                          <a:endParaRPr lang="fr-FR" sz="1600" dirty="0"/>
+                          <a:endParaRPr lang="fr-FR" sz="1600" i="1" dirty="0"/>
                         </a:p>
                       </a:txBody>
                       <a:tcPr/>
@@ -12437,9 +12746,9 @@
                       </a:txBody>
                       <a:tcPr>
                         <a:blipFill rotWithShape="1">
-                          <a:blip r:embed="rId2"/>
+                          <a:blip r:embed="rId3"/>
                           <a:stretch>
-                            <a:fillRect l="-123632" t="-36818" r="-105721" b="-255909"/>
+                            <a:fillRect l="-123743" t="-34211" r="-106425" b="-275789"/>
                           </a:stretch>
                         </a:blipFill>
                       </a:tcPr>
@@ -12454,15 +12763,15 @@
                       </a:txBody>
                       <a:tcPr>
                         <a:blipFill rotWithShape="1">
-                          <a:blip r:embed="rId2"/>
+                          <a:blip r:embed="rId3"/>
                           <a:stretch>
-                            <a:fillRect l="-211529" t="-73636" b="-611818"/>
+                            <a:fillRect l="-210789" t="-68421" r="-263" b="-651579"/>
                           </a:stretch>
                         </a:blipFill>
                       </a:tcPr>
                     </a:tc>
                   </a:tr>
-                  <a:tr h="670161">
+                  <a:tr h="579120">
                     <a:tc vMerge="1">
                       <a:txBody>
                         <a:bodyPr/>
@@ -12493,15 +12802,15 @@
                       </a:txBody>
                       <a:tcPr>
                         <a:blipFill rotWithShape="1">
-                          <a:blip r:embed="rId2"/>
+                          <a:blip r:embed="rId3"/>
                           <a:stretch>
-                            <a:fillRect l="-211529" t="-173636" b="-511818"/>
+                            <a:fillRect l="-210789" t="-168421" r="-263" b="-551579"/>
                           </a:stretch>
                         </a:blipFill>
                       </a:tcPr>
                     </a:tc>
                   </a:tr>
-                  <a:tr h="858160">
+                  <a:tr h="777748">
                     <a:tc>
                       <a:txBody>
                         <a:bodyPr/>
@@ -12570,9 +12879,9 @@
                       </a:txBody>
                       <a:tcPr>
                         <a:blipFill rotWithShape="1">
-                          <a:blip r:embed="rId2"/>
+                          <a:blip r:embed="rId3"/>
                           <a:stretch>
-                            <a:fillRect l="-123632" t="-215000" r="-105721" b="-302143"/>
+                            <a:fillRect l="-123743" t="-199219" r="-106425" b="-309375"/>
                           </a:stretch>
                         </a:blipFill>
                       </a:tcPr>
@@ -12593,7 +12902,7 @@
                       <a:tcPr/>
                     </a:tc>
                   </a:tr>
-                  <a:tr h="858160">
+                  <a:tr h="777748">
                     <a:tc>
                       <a:txBody>
                         <a:bodyPr/>
@@ -12685,15 +12994,15 @@
                       </a:txBody>
                       <a:tcPr>
                         <a:blipFill rotWithShape="1">
-                          <a:blip r:embed="rId2"/>
+                          <a:blip r:embed="rId3"/>
                           <a:stretch>
-                            <a:fillRect l="-211529" t="-312766" b="-200000"/>
+                            <a:fillRect l="-210789" t="-301575" r="-263" b="-211811"/>
                           </a:stretch>
                         </a:blipFill>
                       </a:tcPr>
                     </a:tc>
                   </a:tr>
-                  <a:tr h="858160">
+                  <a:tr h="777748">
                     <a:tc>
                       <a:txBody>
                         <a:bodyPr/>
@@ -12778,9 +13087,9 @@
                       </a:txBody>
                       <a:tcPr>
                         <a:blipFill rotWithShape="1">
-                          <a:blip r:embed="rId2"/>
+                          <a:blip r:embed="rId3"/>
                           <a:stretch>
-                            <a:fillRect l="-123632" t="-412766" r="-105721" b="-100000"/>
+                            <a:fillRect l="-123743" t="-398438" r="-106425" b="-110156"/>
                           </a:stretch>
                         </a:blipFill>
                       </a:tcPr>
@@ -12795,9 +13104,9 @@
                       </a:txBody>
                       <a:tcPr>
                         <a:blipFill rotWithShape="1">
-                          <a:blip r:embed="rId2"/>
+                          <a:blip r:embed="rId3"/>
                           <a:stretch>
-                            <a:fillRect l="-211529" t="-412766" b="-100000"/>
+                            <a:fillRect l="-210789" t="-398438" r="-263" b="-110156"/>
                           </a:stretch>
                         </a:blipFill>
                       </a:tcPr>
@@ -12867,7 +13176,7 @@
                           </a:r>
                           <a:r>
                             <a:rPr lang="fr-FR" sz="1600" i="1" baseline="0" dirty="0" err="1" smtClean="0"/>
-                            <a:t>something</a:t>
+                            <a:t>sth</a:t>
                           </a:r>
                           <a:r>
                             <a:rPr lang="fr-FR" sz="1600" i="1" baseline="0" dirty="0" smtClean="0"/>
@@ -12892,9 +13201,9 @@
                       </a:txBody>
                       <a:tcPr>
                         <a:blipFill rotWithShape="1">
-                          <a:blip r:embed="rId2"/>
+                          <a:blip r:embed="rId3"/>
                           <a:stretch>
-                            <a:fillRect l="-123632" t="-516429" r="-105721" b="-714"/>
+                            <a:fillRect l="-123743" t="-455714" r="-106425" b="-714"/>
                           </a:stretch>
                         </a:blipFill>
                       </a:tcPr>
@@ -12909,9 +13218,9 @@
                       </a:txBody>
                       <a:tcPr>
                         <a:blipFill rotWithShape="1">
-                          <a:blip r:embed="rId2"/>
+                          <a:blip r:embed="rId3"/>
                           <a:stretch>
-                            <a:fillRect l="-211529" t="-516429" b="-714"/>
+                            <a:fillRect l="-210789" t="-455714" r="-263" b="-714"/>
                           </a:stretch>
                         </a:blipFill>
                       </a:tcPr>
@@ -12982,6 +13291,68 @@
                 <a:schemeClr val="bg1"/>
               </a:solidFill>
             </a:endParaRPr>
+          </a:p>
+        </p:txBody>
+      </p:sp>
+      <p:sp>
+        <p:nvSpPr>
+          <p:cNvPr id="3" name="ZoneTexte 2"/>
+          <p:cNvSpPr txBox="1"/>
+          <p:nvPr/>
+        </p:nvSpPr>
+        <p:spPr>
+          <a:xfrm>
+            <a:off x="467544" y="1064930"/>
+            <a:ext cx="8136904" cy="958660"/>
+          </a:xfrm>
+          <a:prstGeom prst="rect">
+            <a:avLst/>
+          </a:prstGeom>
+          <a:noFill/>
+        </p:spPr>
+        <p:txBody>
+          <a:bodyPr wrap="square" rtlCol="0">
+            <a:spAutoFit/>
+          </a:bodyPr>
+          <a:lstStyle/>
+          <a:p>
+            <a:pPr marL="285750" indent="-285750">
+              <a:lnSpc>
+                <a:spcPct val="150000"/>
+              </a:lnSpc>
+              <a:buFont typeface="Wingdings" panose="05000000000000000000" pitchFamily="2" charset="2"/>
+              <a:buChar char="Ø"/>
+            </a:pPr>
+            <a:r>
+              <a:rPr lang="en-US" sz="2000" dirty="0"/>
+              <a:t>An artificial discourse language for collaborative </a:t>
+            </a:r>
+            <a:r>
+              <a:rPr lang="en-US" sz="2000" dirty="0" smtClean="0"/>
+              <a:t>negotiation</a:t>
+            </a:r>
+          </a:p>
+          <a:p>
+            <a:pPr marL="285750" indent="-285750">
+              <a:lnSpc>
+                <a:spcPct val="150000"/>
+              </a:lnSpc>
+              <a:buFont typeface="Wingdings" panose="05000000000000000000" pitchFamily="2" charset="2"/>
+              <a:buChar char="Ø"/>
+            </a:pPr>
+            <a:r>
+              <a:rPr lang="en-US" sz="2000" dirty="0" smtClean="0"/>
+              <a:t>Observations des dialogues </a:t>
+            </a:r>
+            <a:r>
+              <a:rPr lang="fr-FR" sz="2000" dirty="0" smtClean="0"/>
+              <a:t>enregistrés</a:t>
+            </a:r>
+            <a:r>
+              <a:rPr lang="en-US" sz="2000" dirty="0" smtClean="0"/>
+              <a:t>.</a:t>
+            </a:r>
+            <a:endParaRPr lang="fr-FR" sz="2000" dirty="0"/>
           </a:p>
         </p:txBody>
       </p:sp>
@@ -13197,7 +13568,7 @@
             <a:pPr algn="ctr"/>
             <a:r>
               <a:rPr lang="fr-FR" dirty="0" smtClean="0"/>
-              <a:t>Contexte du dialogue</a:t>
+              <a:t>Etat de la négociation</a:t>
             </a:r>
             <a:endParaRPr lang="fr-FR" dirty="0"/>
           </a:p>
@@ -14392,26 +14763,28 @@
         </p:nvSpPr>
         <p:spPr/>
         <p:txBody>
-          <a:bodyPr>
-            <a:normAutofit fontScale="90000"/>
-          </a:bodyPr>
-          <a:lstStyle/>
-          <a:p>
-            <a:r>
-              <a:rPr lang="fr-FR" dirty="0"/>
-              <a:t>Futurs </a:t>
-            </a:r>
+          <a:bodyPr/>
+          <a:lstStyle/>
+          <a:p>
             <a:r>
               <a:rPr lang="fr-FR" dirty="0" smtClean="0"/>
-              <a:t>travaux (1</a:t>
-            </a:r>
-            <a:r>
-              <a:rPr lang="fr-FR" dirty="0"/>
-              <a:t>): Validation du </a:t>
+              <a:t>Perspectives (</a:t>
+            </a:r>
+            <a:r>
+              <a:rPr lang="fr-FR" dirty="0" err="1" smtClean="0"/>
+              <a:t>feb</a:t>
             </a:r>
             <a:r>
               <a:rPr lang="fr-FR" dirty="0" smtClean="0"/>
-              <a:t>système</a:t>
+              <a:t> 16 – </a:t>
+            </a:r>
+            <a:r>
+              <a:rPr lang="fr-FR" dirty="0" err="1" smtClean="0"/>
+              <a:t>oct</a:t>
+            </a:r>
+            <a:r>
+              <a:rPr lang="fr-FR" dirty="0" smtClean="0"/>
+              <a:t> 17)</a:t>
             </a:r>
             <a:endParaRPr lang="fr-FR" dirty="0"/>
           </a:p>
@@ -14430,85 +14803,80 @@
         <p:spPr/>
         <p:txBody>
           <a:bodyPr>
-            <a:normAutofit/>
+            <a:normAutofit fontScale="92500" lnSpcReduction="10000"/>
           </a:bodyPr>
           <a:lstStyle/>
           <a:p>
-            <a:pPr marL="274320" lvl="1" indent="0">
-              <a:buNone/>
-            </a:pPr>
-            <a:r>
-              <a:rPr lang="fr-FR" sz="3200" b="1" dirty="0" smtClean="0">
-                <a:solidFill>
-                  <a:schemeClr val="bg2">
-                    <a:lumMod val="90000"/>
-                  </a:schemeClr>
-                </a:solidFill>
-              </a:rPr>
-              <a:t>Etudes</a:t>
-            </a:r>
-            <a:r>
-              <a:rPr lang="fr-FR" sz="2800" b="1" dirty="0" smtClean="0">
-                <a:solidFill>
-                  <a:schemeClr val="bg2">
-                    <a:lumMod val="90000"/>
-                  </a:schemeClr>
-                </a:solidFill>
-              </a:rPr>
-              <a:t>: </a:t>
-            </a:r>
-          </a:p>
-          <a:p>
-            <a:pPr marL="731520" lvl="1" indent="-457200">
-              <a:buFont typeface="+mj-lt"/>
-              <a:buAutoNum type="arabicPeriod"/>
-            </a:pPr>
-            <a:r>
-              <a:rPr lang="fr-FR" sz="2800" dirty="0" smtClean="0"/>
-              <a:t>Le comportement de l’agent dans le dialogue.</a:t>
-            </a:r>
-          </a:p>
-          <a:p>
-            <a:pPr marL="731520" lvl="1" indent="-457200">
-              <a:buFont typeface="+mj-lt"/>
-              <a:buAutoNum type="arabicPeriod"/>
-            </a:pPr>
-            <a:endParaRPr lang="fr-FR" sz="2800" dirty="0" smtClean="0"/>
-          </a:p>
-          <a:p>
-            <a:pPr marL="731520" lvl="1" indent="-457200">
-              <a:buFont typeface="+mj-lt"/>
-              <a:buAutoNum type="arabicPeriod"/>
-            </a:pPr>
-            <a:r>
-              <a:rPr lang="fr-FR" sz="2800" dirty="0" smtClean="0"/>
-              <a:t>La perception de l’utilisateur sur le comportement de l’agent.</a:t>
-            </a:r>
-          </a:p>
-          <a:p>
-            <a:pPr marL="731520" lvl="1" indent="-457200">
-              <a:buFont typeface="+mj-lt"/>
-              <a:buAutoNum type="arabicPeriod"/>
-            </a:pPr>
-            <a:endParaRPr lang="fr-FR" sz="2800" dirty="0" smtClean="0"/>
-          </a:p>
-          <a:p>
-            <a:pPr marL="731520" lvl="1" indent="-457200">
-              <a:buFont typeface="+mj-lt"/>
-              <a:buAutoNum type="arabicPeriod"/>
-            </a:pPr>
-            <a:r>
-              <a:rPr lang="fr-FR" sz="2800" dirty="0" smtClean="0"/>
-              <a:t>Théorie de l’esprit: Prédire le comportement de l’utilisateur dans le dialogue (comportement miroir).</a:t>
-            </a:r>
-            <a:endParaRPr lang="fr-FR" sz="2400" b="1" dirty="0">
-              <a:solidFill>
-                <a:schemeClr val="tx2">
-                  <a:lumMod val="60000"/>
-                  <a:lumOff val="40000"/>
-                </a:schemeClr>
-              </a:solidFill>
-            </a:endParaRPr>
+            <a:r>
+              <a:rPr lang="fr-FR" dirty="0"/>
+              <a:t>Implémentation de dialogues sur D4G. [mars 2016]</a:t>
+            </a:r>
+          </a:p>
+          <a:p>
+            <a:endParaRPr lang="fr-FR" dirty="0"/>
+          </a:p>
+          <a:p>
+            <a:r>
+              <a:rPr lang="fr-FR" dirty="0"/>
+              <a:t>Rédaction d’articles. [IVA: avril 2016]</a:t>
+            </a:r>
+          </a:p>
+          <a:p>
+            <a:endParaRPr lang="fr-FR" dirty="0"/>
+          </a:p>
+          <a:p>
+            <a:r>
+              <a:rPr lang="fr-FR" dirty="0"/>
+              <a:t>Insertion des relations interpersonnelles dans la négociation. [été 2016]</a:t>
+            </a:r>
+          </a:p>
+          <a:p>
+            <a:endParaRPr lang="fr-FR" dirty="0"/>
+          </a:p>
+          <a:p>
+            <a:r>
+              <a:rPr lang="fr-FR" dirty="0"/>
+              <a:t>Raisonnement sur les stratégies de l’interlocuteur (Théorie de </a:t>
+            </a:r>
+            <a:r>
+              <a:rPr lang="fr-FR" dirty="0" smtClean="0"/>
+              <a:t>l’esprit – </a:t>
+            </a:r>
+            <a:r>
+              <a:rPr lang="fr-FR" dirty="0" err="1" smtClean="0"/>
+              <a:t>ToM</a:t>
+            </a:r>
+            <a:r>
+              <a:rPr lang="fr-FR" dirty="0" smtClean="0"/>
+              <a:t>  Frith05).  [Octobre 2016</a:t>
+            </a:r>
+            <a:r>
+              <a:rPr lang="fr-FR" dirty="0"/>
+              <a:t>]</a:t>
+            </a:r>
+          </a:p>
+          <a:p>
+            <a:endParaRPr lang="fr-FR" dirty="0"/>
+          </a:p>
+          <a:p>
+            <a:r>
+              <a:rPr lang="fr-FR" dirty="0"/>
+              <a:t>Validation du modèle dialogique. [fin 2016]</a:t>
+            </a:r>
+          </a:p>
+          <a:p>
+            <a:endParaRPr lang="fr-FR" dirty="0"/>
+          </a:p>
+          <a:p>
+            <a:r>
+              <a:rPr lang="fr-FR" dirty="0"/>
+              <a:t>Rédaction du manuscrit de thèse. [2017</a:t>
+            </a:r>
+            <a:r>
+              <a:rPr lang="fr-FR" dirty="0" smtClean="0"/>
+              <a:t>]</a:t>
+            </a:r>
+            <a:endParaRPr lang="fr-FR" dirty="0"/>
           </a:p>
         </p:txBody>
       </p:sp>
@@ -14536,48 +14904,10 @@
           </a:p>
         </p:txBody>
       </p:sp>
-      <p:sp>
-        <p:nvSpPr>
-          <p:cNvPr id="6" name="ZoneTexte 5"/>
-          <p:cNvSpPr txBox="1"/>
-          <p:nvPr/>
-        </p:nvSpPr>
-        <p:spPr>
-          <a:xfrm>
-            <a:off x="91386" y="0"/>
-            <a:ext cx="3589444" cy="400110"/>
-          </a:xfrm>
-          <a:prstGeom prst="rect">
-            <a:avLst/>
-          </a:prstGeom>
-          <a:noFill/>
-        </p:spPr>
-        <p:txBody>
-          <a:bodyPr wrap="none" rtlCol="0">
-            <a:spAutoFit/>
-          </a:bodyPr>
-          <a:lstStyle/>
-          <a:p>
-            <a:r>
-              <a:rPr lang="fr-FR" sz="2000" b="1" dirty="0" smtClean="0">
-                <a:solidFill>
-                  <a:schemeClr val="bg1"/>
-                </a:solidFill>
-              </a:rPr>
-              <a:t>Conclusion et perspectives </a:t>
-            </a:r>
-            <a:endParaRPr lang="fr-FR" sz="2000" b="1" dirty="0">
-              <a:solidFill>
-                <a:schemeClr val="bg1"/>
-              </a:solidFill>
-            </a:endParaRPr>
-          </a:p>
-        </p:txBody>
-      </p:sp>
     </p:spTree>
     <p:extLst>
       <p:ext uri="{BB962C8B-B14F-4D97-AF65-F5344CB8AC3E}">
-        <p14:creationId xmlns:p14="http://schemas.microsoft.com/office/powerpoint/2010/main" val="985210392"/>
+        <p14:creationId xmlns:p14="http://schemas.microsoft.com/office/powerpoint/2010/main" val="3023832536"/>
       </p:ext>
     </p:extLst>
   </p:cSld>
@@ -14666,7 +14996,7 @@
         </p:nvSpPr>
         <p:spPr>
           <a:xfrm>
-            <a:off x="755576" y="1903264"/>
+            <a:off x="755576" y="1628800"/>
             <a:ext cx="2088232" cy="720080"/>
           </a:xfrm>
           <a:prstGeom prst="rect">
@@ -14727,7 +15057,7 @@
         </p:nvSpPr>
         <p:spPr>
           <a:xfrm>
-            <a:off x="4572000" y="1903264"/>
+            <a:off x="4572000" y="1628800"/>
             <a:ext cx="2448272" cy="720080"/>
           </a:xfrm>
           <a:prstGeom prst="rect">
@@ -14780,7 +15110,7 @@
         </p:nvSpPr>
         <p:spPr>
           <a:xfrm>
-            <a:off x="4593395" y="4779608"/>
+            <a:off x="4611599" y="5034336"/>
             <a:ext cx="2480681" cy="720080"/>
           </a:xfrm>
           <a:prstGeom prst="rect">
@@ -14838,7 +15168,7 @@
         </p:nvSpPr>
         <p:spPr>
           <a:xfrm>
-            <a:off x="755576" y="4931684"/>
+            <a:off x="773780" y="5186412"/>
             <a:ext cx="2088232" cy="1042066"/>
           </a:xfrm>
           <a:prstGeom prst="rect">
@@ -14891,7 +15221,7 @@
         </p:nvSpPr>
         <p:spPr>
           <a:xfrm>
-            <a:off x="1403648" y="2997864"/>
+            <a:off x="1239194" y="3111024"/>
             <a:ext cx="792088" cy="1583264"/>
           </a:xfrm>
           <a:prstGeom prst="downArrow">
@@ -14931,7 +15261,7 @@
         </p:nvSpPr>
         <p:spPr>
           <a:xfrm>
-            <a:off x="3131840" y="1903264"/>
+            <a:off x="3131840" y="1628800"/>
             <a:ext cx="1224136" cy="589632"/>
           </a:xfrm>
           <a:prstGeom prst="rightArrow">
@@ -14971,7 +15301,7 @@
         </p:nvSpPr>
         <p:spPr>
           <a:xfrm>
-            <a:off x="4572000" y="3204834"/>
+            <a:off x="4572000" y="2675684"/>
             <a:ext cx="2448272" cy="720080"/>
           </a:xfrm>
           <a:prstGeom prst="rect">
@@ -15035,7 +15365,7 @@
         </p:nvSpPr>
         <p:spPr>
           <a:xfrm>
-            <a:off x="3131840" y="5157901"/>
+            <a:off x="3150044" y="5412629"/>
             <a:ext cx="1224136" cy="589632"/>
           </a:xfrm>
           <a:prstGeom prst="rightArrow">
@@ -15075,7 +15405,7 @@
         </p:nvSpPr>
         <p:spPr>
           <a:xfrm>
-            <a:off x="4577629" y="5694552"/>
+            <a:off x="4595833" y="5949280"/>
             <a:ext cx="2480681" cy="720080"/>
           </a:xfrm>
           <a:prstGeom prst="rect">
@@ -15133,7 +15463,7 @@
         </p:nvSpPr>
         <p:spPr>
           <a:xfrm>
-            <a:off x="323528" y="6021288"/>
+            <a:off x="341732" y="6276016"/>
             <a:ext cx="3228256" cy="369332"/>
           </a:xfrm>
           <a:prstGeom prst="rect">
@@ -15213,44 +15543,6 @@
           </a:p>
         </p:txBody>
       </p:sp>
-      <p:cxnSp>
-        <p:nvCxnSpPr>
-          <p:cNvPr id="8" name="Connecteur en angle 7"/>
-          <p:cNvCxnSpPr>
-            <a:stCxn id="6" idx="3"/>
-            <a:endCxn id="45" idx="3"/>
-          </p:cNvCxnSpPr>
-          <p:nvPr/>
-        </p:nvCxnSpPr>
-        <p:spPr>
-          <a:xfrm>
-            <a:off x="7020272" y="2263304"/>
-            <a:ext cx="12700" cy="1301570"/>
-          </a:xfrm>
-          <a:prstGeom prst="bentConnector3">
-            <a:avLst>
-              <a:gd name="adj1" fmla="val 9620693"/>
-            </a:avLst>
-          </a:prstGeom>
-          <a:ln w="28575">
-            <a:tailEnd type="arrow"/>
-          </a:ln>
-        </p:spPr>
-        <p:style>
-          <a:lnRef idx="1">
-            <a:schemeClr val="accent1"/>
-          </a:lnRef>
-          <a:fillRef idx="0">
-            <a:schemeClr val="accent1"/>
-          </a:fillRef>
-          <a:effectRef idx="0">
-            <a:schemeClr val="accent1"/>
-          </a:effectRef>
-          <a:fontRef idx="minor">
-            <a:schemeClr val="tx1"/>
-          </a:fontRef>
-        </p:style>
-      </p:cxnSp>
       <p:sp>
         <p:nvSpPr>
           <p:cNvPr id="3" name="Rectangle 2"/>
@@ -15259,7 +15551,7 @@
         </p:nvSpPr>
         <p:spPr>
           <a:xfrm>
-            <a:off x="7308304" y="2564904"/>
+            <a:off x="7308304" y="2218432"/>
             <a:ext cx="1728192" cy="708826"/>
           </a:xfrm>
           <a:prstGeom prst="rect">
@@ -15302,6 +15594,341 @@
           </a:p>
         </p:txBody>
       </p:sp>
+      <p:sp>
+        <p:nvSpPr>
+          <p:cNvPr id="7" name="Accolade fermante 6"/>
+          <p:cNvSpPr/>
+          <p:nvPr/>
+        </p:nvSpPr>
+        <p:spPr>
+          <a:xfrm>
+            <a:off x="7020272" y="1923616"/>
+            <a:ext cx="288032" cy="1302928"/>
+          </a:xfrm>
+          <a:prstGeom prst="rightBrace">
+            <a:avLst/>
+          </a:prstGeom>
+        </p:spPr>
+        <p:style>
+          <a:lnRef idx="1">
+            <a:schemeClr val="accent1"/>
+          </a:lnRef>
+          <a:fillRef idx="0">
+            <a:schemeClr val="accent1"/>
+          </a:fillRef>
+          <a:effectRef idx="0">
+            <a:schemeClr val="accent1"/>
+          </a:effectRef>
+          <a:fontRef idx="minor">
+            <a:schemeClr val="tx1"/>
+          </a:fontRef>
+        </p:style>
+        <p:txBody>
+          <a:bodyPr rtlCol="0" anchor="ctr"/>
+          <a:lstStyle/>
+          <a:p>
+            <a:pPr algn="ctr"/>
+            <a:endParaRPr lang="fr-FR"/>
+          </a:p>
+        </p:txBody>
+      </p:sp>
+      <p:sp>
+        <p:nvSpPr>
+          <p:cNvPr id="12" name="ZoneTexte 11"/>
+          <p:cNvSpPr txBox="1"/>
+          <p:nvPr/>
+        </p:nvSpPr>
+        <p:spPr>
+          <a:xfrm>
+            <a:off x="3179091" y="3938307"/>
+            <a:ext cx="2428870" cy="369332"/>
+          </a:xfrm>
+          <a:prstGeom prst="rect">
+            <a:avLst/>
+          </a:prstGeom>
+        </p:spPr>
+        <p:style>
+          <a:lnRef idx="1">
+            <a:schemeClr val="accent2"/>
+          </a:lnRef>
+          <a:fillRef idx="2">
+            <a:schemeClr val="accent2"/>
+          </a:fillRef>
+          <a:effectRef idx="1">
+            <a:schemeClr val="accent2"/>
+          </a:effectRef>
+          <a:fontRef idx="minor">
+            <a:schemeClr val="dk1"/>
+          </a:fontRef>
+        </p:style>
+        <p:txBody>
+          <a:bodyPr rtlCol="0" anchor="ctr"/>
+          <a:lstStyle>
+            <a:defPPr>
+              <a:defRPr lang="fr-FR"/>
+            </a:defPPr>
+            <a:lvl1pPr algn="ctr"/>
+            <a:lvl2pPr>
+              <a:defRPr>
+                <a:solidFill>
+                  <a:schemeClr val="lt1"/>
+                </a:solidFill>
+              </a:defRPr>
+            </a:lvl2pPr>
+            <a:lvl3pPr>
+              <a:defRPr>
+                <a:solidFill>
+                  <a:schemeClr val="lt1"/>
+                </a:solidFill>
+              </a:defRPr>
+            </a:lvl3pPr>
+            <a:lvl4pPr>
+              <a:defRPr>
+                <a:solidFill>
+                  <a:schemeClr val="lt1"/>
+                </a:solidFill>
+              </a:defRPr>
+            </a:lvl4pPr>
+            <a:lvl5pPr>
+              <a:defRPr>
+                <a:solidFill>
+                  <a:schemeClr val="lt1"/>
+                </a:solidFill>
+              </a:defRPr>
+            </a:lvl5pPr>
+            <a:lvl6pPr>
+              <a:defRPr>
+                <a:solidFill>
+                  <a:schemeClr val="lt1"/>
+                </a:solidFill>
+              </a:defRPr>
+            </a:lvl6pPr>
+            <a:lvl7pPr>
+              <a:defRPr>
+                <a:solidFill>
+                  <a:schemeClr val="lt1"/>
+                </a:solidFill>
+              </a:defRPr>
+            </a:lvl7pPr>
+            <a:lvl8pPr>
+              <a:defRPr>
+                <a:solidFill>
+                  <a:schemeClr val="lt1"/>
+                </a:solidFill>
+              </a:defRPr>
+            </a:lvl8pPr>
+            <a:lvl9pPr>
+              <a:defRPr>
+                <a:solidFill>
+                  <a:schemeClr val="lt1"/>
+                </a:solidFill>
+              </a:defRPr>
+            </a:lvl9pPr>
+          </a:lstStyle>
+          <a:p>
+            <a:r>
+              <a:rPr lang="fr-FR" dirty="0" smtClean="0">
+                <a:solidFill>
+                  <a:schemeClr val="tx1"/>
+                </a:solidFill>
+              </a:rPr>
+              <a:t>Planification </a:t>
+            </a:r>
+            <a:r>
+              <a:rPr lang="fr-FR" dirty="0">
+                <a:solidFill>
+                  <a:schemeClr val="tx1"/>
+                </a:solidFill>
+              </a:rPr>
+              <a:t>réactive</a:t>
+            </a:r>
+            <a:endParaRPr lang="fr-FR" dirty="0">
+              <a:solidFill>
+                <a:schemeClr val="tx1"/>
+              </a:solidFill>
+            </a:endParaRPr>
+          </a:p>
+        </p:txBody>
+      </p:sp>
+      <p:sp>
+        <p:nvSpPr>
+          <p:cNvPr id="13" name="ZoneTexte 12"/>
+          <p:cNvSpPr txBox="1"/>
+          <p:nvPr/>
+        </p:nvSpPr>
+        <p:spPr>
+          <a:xfrm>
+            <a:off x="6023674" y="3938307"/>
+            <a:ext cx="2364750" cy="369332"/>
+          </a:xfrm>
+          <a:prstGeom prst="rect">
+            <a:avLst/>
+          </a:prstGeom>
+        </p:spPr>
+        <p:style>
+          <a:lnRef idx="1">
+            <a:schemeClr val="accent2"/>
+          </a:lnRef>
+          <a:fillRef idx="2">
+            <a:schemeClr val="accent2"/>
+          </a:fillRef>
+          <a:effectRef idx="1">
+            <a:schemeClr val="accent2"/>
+          </a:effectRef>
+          <a:fontRef idx="minor">
+            <a:schemeClr val="dk1"/>
+          </a:fontRef>
+        </p:style>
+        <p:txBody>
+          <a:bodyPr rtlCol="0" anchor="ctr"/>
+          <a:lstStyle>
+            <a:defPPr>
+              <a:defRPr lang="fr-FR"/>
+            </a:defPPr>
+            <a:lvl1pPr algn="ctr"/>
+            <a:lvl2pPr>
+              <a:defRPr>
+                <a:solidFill>
+                  <a:schemeClr val="lt1"/>
+                </a:solidFill>
+              </a:defRPr>
+            </a:lvl2pPr>
+            <a:lvl3pPr>
+              <a:defRPr>
+                <a:solidFill>
+                  <a:schemeClr val="lt1"/>
+                </a:solidFill>
+              </a:defRPr>
+            </a:lvl3pPr>
+            <a:lvl4pPr>
+              <a:defRPr>
+                <a:solidFill>
+                  <a:schemeClr val="lt1"/>
+                </a:solidFill>
+              </a:defRPr>
+            </a:lvl4pPr>
+            <a:lvl5pPr>
+              <a:defRPr>
+                <a:solidFill>
+                  <a:schemeClr val="lt1"/>
+                </a:solidFill>
+              </a:defRPr>
+            </a:lvl5pPr>
+            <a:lvl6pPr>
+              <a:defRPr>
+                <a:solidFill>
+                  <a:schemeClr val="lt1"/>
+                </a:solidFill>
+              </a:defRPr>
+            </a:lvl6pPr>
+            <a:lvl7pPr>
+              <a:defRPr>
+                <a:solidFill>
+                  <a:schemeClr val="lt1"/>
+                </a:solidFill>
+              </a:defRPr>
+            </a:lvl7pPr>
+            <a:lvl8pPr>
+              <a:defRPr>
+                <a:solidFill>
+                  <a:schemeClr val="lt1"/>
+                </a:solidFill>
+              </a:defRPr>
+            </a:lvl8pPr>
+            <a:lvl9pPr>
+              <a:defRPr>
+                <a:solidFill>
+                  <a:schemeClr val="lt1"/>
+                </a:solidFill>
+              </a:defRPr>
+            </a:lvl9pPr>
+          </a:lstStyle>
+          <a:p>
+            <a:r>
+              <a:rPr lang="fr-FR" dirty="0">
+                <a:solidFill>
+                  <a:schemeClr val="tx1"/>
+                </a:solidFill>
+              </a:rPr>
+              <a:t>Stratégie de dialogue</a:t>
+            </a:r>
+          </a:p>
+        </p:txBody>
+      </p:sp>
+      <p:cxnSp>
+        <p:nvCxnSpPr>
+          <p:cNvPr id="16" name="Connecteur en angle 15"/>
+          <p:cNvCxnSpPr>
+            <a:stCxn id="45" idx="2"/>
+            <a:endCxn id="12" idx="0"/>
+          </p:cNvCxnSpPr>
+          <p:nvPr/>
+        </p:nvCxnSpPr>
+        <p:spPr>
+          <a:xfrm rot="5400000">
+            <a:off x="4823560" y="2965730"/>
+            <a:ext cx="542543" cy="1402610"/>
+          </a:xfrm>
+          <a:prstGeom prst="bentConnector3">
+            <a:avLst/>
+          </a:prstGeom>
+          <a:ln>
+            <a:tailEnd type="arrow"/>
+          </a:ln>
+        </p:spPr>
+        <p:style>
+          <a:lnRef idx="1">
+            <a:schemeClr val="accent1"/>
+          </a:lnRef>
+          <a:fillRef idx="0">
+            <a:schemeClr val="accent1"/>
+          </a:fillRef>
+          <a:effectRef idx="0">
+            <a:schemeClr val="accent1"/>
+          </a:effectRef>
+          <a:fontRef idx="minor">
+            <a:schemeClr val="tx1"/>
+          </a:fontRef>
+        </p:style>
+      </p:cxnSp>
+      <p:cxnSp>
+        <p:nvCxnSpPr>
+          <p:cNvPr id="24" name="Connecteur en angle 23"/>
+          <p:cNvCxnSpPr>
+            <a:stCxn id="45" idx="2"/>
+            <a:endCxn id="13" idx="0"/>
+          </p:cNvCxnSpPr>
+          <p:nvPr/>
+        </p:nvCxnSpPr>
+        <p:spPr>
+          <a:xfrm rot="16200000" flipH="1">
+            <a:off x="6229821" y="2962078"/>
+            <a:ext cx="542543" cy="1409913"/>
+          </a:xfrm>
+          <a:prstGeom prst="bentConnector3">
+            <a:avLst>
+              <a:gd name="adj1" fmla="val 50000"/>
+            </a:avLst>
+          </a:prstGeom>
+          <a:ln>
+            <a:tailEnd type="arrow"/>
+          </a:ln>
+        </p:spPr>
+        <p:style>
+          <a:lnRef idx="1">
+            <a:schemeClr val="accent1"/>
+          </a:lnRef>
+          <a:fillRef idx="0">
+            <a:schemeClr val="accent1"/>
+          </a:fillRef>
+          <a:effectRef idx="0">
+            <a:schemeClr val="accent1"/>
+          </a:effectRef>
+          <a:fontRef idx="minor">
+            <a:schemeClr val="tx1"/>
+          </a:fontRef>
+        </p:style>
+      </p:cxnSp>
     </p:spTree>
     <p:extLst>
       <p:ext uri="{BB962C8B-B14F-4D97-AF65-F5344CB8AC3E}">
@@ -15315,9 +15942,348 @@
   <p:timing>
     <p:tnLst>
       <p:par>
-        <p:cTn id="1" dur="indefinite" restart="never" nodeType="tmRoot"/>
+        <p:cTn id="1" dur="indefinite" restart="never" nodeType="tmRoot">
+          <p:childTnLst>
+            <p:seq concurrent="1" nextAc="seek">
+              <p:cTn id="2" dur="indefinite" nodeType="mainSeq">
+                <p:childTnLst>
+                  <p:par>
+                    <p:cTn id="3" fill="hold">
+                      <p:stCondLst>
+                        <p:cond delay="indefinite"/>
+                      </p:stCondLst>
+                      <p:childTnLst>
+                        <p:par>
+                          <p:cTn id="4" fill="hold">
+                            <p:stCondLst>
+                              <p:cond delay="0"/>
+                            </p:stCondLst>
+                            <p:childTnLst>
+                              <p:par>
+                                <p:cTn id="5" presetID="1" presetClass="entr" presetSubtype="0" fill="hold" nodeType="clickEffect">
+                                  <p:stCondLst>
+                                    <p:cond delay="0"/>
+                                  </p:stCondLst>
+                                  <p:childTnLst>
+                                    <p:set>
+                                      <p:cBhvr>
+                                        <p:cTn id="6" dur="1" fill="hold">
+                                          <p:stCondLst>
+                                            <p:cond delay="0"/>
+                                          </p:stCondLst>
+                                        </p:cTn>
+                                        <p:tgtEl>
+                                          <p:spTgt spid="24"/>
+                                        </p:tgtEl>
+                                        <p:attrNameLst>
+                                          <p:attrName>style.visibility</p:attrName>
+                                        </p:attrNameLst>
+                                      </p:cBhvr>
+                                      <p:to>
+                                        <p:strVal val="visible"/>
+                                      </p:to>
+                                    </p:set>
+                                  </p:childTnLst>
+                                </p:cTn>
+                              </p:par>
+                              <p:par>
+                                <p:cTn id="7" presetID="1" presetClass="entr" presetSubtype="0" fill="hold" nodeType="withEffect">
+                                  <p:stCondLst>
+                                    <p:cond delay="0"/>
+                                  </p:stCondLst>
+                                  <p:childTnLst>
+                                    <p:set>
+                                      <p:cBhvr>
+                                        <p:cTn id="8" dur="1" fill="hold">
+                                          <p:stCondLst>
+                                            <p:cond delay="0"/>
+                                          </p:stCondLst>
+                                        </p:cTn>
+                                        <p:tgtEl>
+                                          <p:spTgt spid="16"/>
+                                        </p:tgtEl>
+                                        <p:attrNameLst>
+                                          <p:attrName>style.visibility</p:attrName>
+                                        </p:attrNameLst>
+                                      </p:cBhvr>
+                                      <p:to>
+                                        <p:strVal val="visible"/>
+                                      </p:to>
+                                    </p:set>
+                                  </p:childTnLst>
+                                </p:cTn>
+                              </p:par>
+                              <p:par>
+                                <p:cTn id="9" presetID="1" presetClass="entr" presetSubtype="0" fill="hold" grpId="0" nodeType="withEffect">
+                                  <p:stCondLst>
+                                    <p:cond delay="0"/>
+                                  </p:stCondLst>
+                                  <p:childTnLst>
+                                    <p:set>
+                                      <p:cBhvr>
+                                        <p:cTn id="10" dur="1" fill="hold">
+                                          <p:stCondLst>
+                                            <p:cond delay="0"/>
+                                          </p:stCondLst>
+                                        </p:cTn>
+                                        <p:tgtEl>
+                                          <p:spTgt spid="12"/>
+                                        </p:tgtEl>
+                                        <p:attrNameLst>
+                                          <p:attrName>style.visibility</p:attrName>
+                                        </p:attrNameLst>
+                                      </p:cBhvr>
+                                      <p:to>
+                                        <p:strVal val="visible"/>
+                                      </p:to>
+                                    </p:set>
+                                  </p:childTnLst>
+                                </p:cTn>
+                              </p:par>
+                              <p:par>
+                                <p:cTn id="11" presetID="1" presetClass="entr" presetSubtype="0" fill="hold" grpId="0" nodeType="withEffect">
+                                  <p:stCondLst>
+                                    <p:cond delay="0"/>
+                                  </p:stCondLst>
+                                  <p:childTnLst>
+                                    <p:set>
+                                      <p:cBhvr>
+                                        <p:cTn id="12" dur="1" fill="hold">
+                                          <p:stCondLst>
+                                            <p:cond delay="0"/>
+                                          </p:stCondLst>
+                                        </p:cTn>
+                                        <p:tgtEl>
+                                          <p:spTgt spid="13"/>
+                                        </p:tgtEl>
+                                        <p:attrNameLst>
+                                          <p:attrName>style.visibility</p:attrName>
+                                        </p:attrNameLst>
+                                      </p:cBhvr>
+                                      <p:to>
+                                        <p:strVal val="visible"/>
+                                      </p:to>
+                                    </p:set>
+                                  </p:childTnLst>
+                                </p:cTn>
+                              </p:par>
+                            </p:childTnLst>
+                          </p:cTn>
+                        </p:par>
+                      </p:childTnLst>
+                    </p:cTn>
+                  </p:par>
+                  <p:par>
+                    <p:cTn id="13" fill="hold">
+                      <p:stCondLst>
+                        <p:cond delay="indefinite"/>
+                      </p:stCondLst>
+                      <p:childTnLst>
+                        <p:par>
+                          <p:cTn id="14" fill="hold">
+                            <p:stCondLst>
+                              <p:cond delay="0"/>
+                            </p:stCondLst>
+                            <p:childTnLst>
+                              <p:par>
+                                <p:cTn id="15" presetID="1" presetClass="entr" presetSubtype="0" fill="hold" grpId="0" nodeType="clickEffect">
+                                  <p:stCondLst>
+                                    <p:cond delay="0"/>
+                                  </p:stCondLst>
+                                  <p:childTnLst>
+                                    <p:set>
+                                      <p:cBhvr>
+                                        <p:cTn id="16" dur="1" fill="hold">
+                                          <p:stCondLst>
+                                            <p:cond delay="0"/>
+                                          </p:stCondLst>
+                                        </p:cTn>
+                                        <p:tgtEl>
+                                          <p:spTgt spid="42"/>
+                                        </p:tgtEl>
+                                        <p:attrNameLst>
+                                          <p:attrName>style.visibility</p:attrName>
+                                        </p:attrNameLst>
+                                      </p:cBhvr>
+                                      <p:to>
+                                        <p:strVal val="visible"/>
+                                      </p:to>
+                                    </p:set>
+                                  </p:childTnLst>
+                                </p:cTn>
+                              </p:par>
+                              <p:par>
+                                <p:cTn id="17" presetID="1" presetClass="entr" presetSubtype="0" fill="hold" grpId="0" nodeType="withEffect">
+                                  <p:stCondLst>
+                                    <p:cond delay="0"/>
+                                  </p:stCondLst>
+                                  <p:childTnLst>
+                                    <p:set>
+                                      <p:cBhvr>
+                                        <p:cTn id="18" dur="1" fill="hold">
+                                          <p:stCondLst>
+                                            <p:cond delay="0"/>
+                                          </p:stCondLst>
+                                        </p:cTn>
+                                        <p:tgtEl>
+                                          <p:spTgt spid="14"/>
+                                        </p:tgtEl>
+                                        <p:attrNameLst>
+                                          <p:attrName>style.visibility</p:attrName>
+                                        </p:attrNameLst>
+                                      </p:cBhvr>
+                                      <p:to>
+                                        <p:strVal val="visible"/>
+                                      </p:to>
+                                    </p:set>
+                                  </p:childTnLst>
+                                </p:cTn>
+                              </p:par>
+                              <p:par>
+                                <p:cTn id="19" presetID="1" presetClass="entr" presetSubtype="0" fill="hold" grpId="0" nodeType="withEffect">
+                                  <p:stCondLst>
+                                    <p:cond delay="0"/>
+                                  </p:stCondLst>
+                                  <p:childTnLst>
+                                    <p:set>
+                                      <p:cBhvr>
+                                        <p:cTn id="20" dur="1" fill="hold">
+                                          <p:stCondLst>
+                                            <p:cond delay="0"/>
+                                          </p:stCondLst>
+                                        </p:cTn>
+                                        <p:tgtEl>
+                                          <p:spTgt spid="46"/>
+                                        </p:tgtEl>
+                                        <p:attrNameLst>
+                                          <p:attrName>style.visibility</p:attrName>
+                                        </p:attrNameLst>
+                                      </p:cBhvr>
+                                      <p:to>
+                                        <p:strVal val="visible"/>
+                                      </p:to>
+                                    </p:set>
+                                  </p:childTnLst>
+                                </p:cTn>
+                              </p:par>
+                              <p:par>
+                                <p:cTn id="21" presetID="1" presetClass="entr" presetSubtype="0" fill="hold" grpId="0" nodeType="withEffect">
+                                  <p:stCondLst>
+                                    <p:cond delay="0"/>
+                                  </p:stCondLst>
+                                  <p:childTnLst>
+                                    <p:set>
+                                      <p:cBhvr>
+                                        <p:cTn id="22" dur="1" fill="hold">
+                                          <p:stCondLst>
+                                            <p:cond delay="0"/>
+                                          </p:stCondLst>
+                                        </p:cTn>
+                                        <p:tgtEl>
+                                          <p:spTgt spid="9"/>
+                                        </p:tgtEl>
+                                        <p:attrNameLst>
+                                          <p:attrName>style.visibility</p:attrName>
+                                        </p:attrNameLst>
+                                      </p:cBhvr>
+                                      <p:to>
+                                        <p:strVal val="visible"/>
+                                      </p:to>
+                                    </p:set>
+                                  </p:childTnLst>
+                                </p:cTn>
+                              </p:par>
+                              <p:par>
+                                <p:cTn id="23" presetID="1" presetClass="entr" presetSubtype="0" fill="hold" grpId="0" nodeType="withEffect">
+                                  <p:stCondLst>
+                                    <p:cond delay="0"/>
+                                  </p:stCondLst>
+                                  <p:childTnLst>
+                                    <p:set>
+                                      <p:cBhvr>
+                                        <p:cTn id="24" dur="1" fill="hold">
+                                          <p:stCondLst>
+                                            <p:cond delay="0"/>
+                                          </p:stCondLst>
+                                        </p:cTn>
+                                        <p:tgtEl>
+                                          <p:spTgt spid="47"/>
+                                        </p:tgtEl>
+                                        <p:attrNameLst>
+                                          <p:attrName>style.visibility</p:attrName>
+                                        </p:attrNameLst>
+                                      </p:cBhvr>
+                                      <p:to>
+                                        <p:strVal val="visible"/>
+                                      </p:to>
+                                    </p:set>
+                                  </p:childTnLst>
+                                </p:cTn>
+                              </p:par>
+                              <p:par>
+                                <p:cTn id="25" presetID="1" presetClass="entr" presetSubtype="0" fill="hold" grpId="0" nodeType="withEffect">
+                                  <p:stCondLst>
+                                    <p:cond delay="0"/>
+                                  </p:stCondLst>
+                                  <p:childTnLst>
+                                    <p:set>
+                                      <p:cBhvr>
+                                        <p:cTn id="26" dur="1" fill="hold">
+                                          <p:stCondLst>
+                                            <p:cond delay="0"/>
+                                          </p:stCondLst>
+                                        </p:cTn>
+                                        <p:tgtEl>
+                                          <p:spTgt spid="48"/>
+                                        </p:tgtEl>
+                                        <p:attrNameLst>
+                                          <p:attrName>style.visibility</p:attrName>
+                                        </p:attrNameLst>
+                                      </p:cBhvr>
+                                      <p:to>
+                                        <p:strVal val="visible"/>
+                                      </p:to>
+                                    </p:set>
+                                  </p:childTnLst>
+                                </p:cTn>
+                              </p:par>
+                            </p:childTnLst>
+                          </p:cTn>
+                        </p:par>
+                      </p:childTnLst>
+                    </p:cTn>
+                  </p:par>
+                </p:childTnLst>
+              </p:cTn>
+              <p:prevCondLst>
+                <p:cond evt="onPrev" delay="0">
+                  <p:tgtEl>
+                    <p:sldTgt/>
+                  </p:tgtEl>
+                </p:cond>
+              </p:prevCondLst>
+              <p:nextCondLst>
+                <p:cond evt="onNext" delay="0">
+                  <p:tgtEl>
+                    <p:sldTgt/>
+                  </p:tgtEl>
+                </p:cond>
+              </p:nextCondLst>
+            </p:seq>
+          </p:childTnLst>
+        </p:cTn>
       </p:par>
     </p:tnLst>
+    <p:bldLst>
+      <p:bldP spid="9" grpId="0" animBg="1"/>
+      <p:bldP spid="14" grpId="0" animBg="1"/>
+      <p:bldP spid="42" grpId="0" animBg="1"/>
+      <p:bldP spid="46" grpId="0" animBg="1"/>
+      <p:bldP spid="47" grpId="0" animBg="1"/>
+      <p:bldP spid="48" grpId="0"/>
+      <p:bldP spid="12" grpId="0" animBg="1"/>
+      <p:bldP spid="13" grpId="0" animBg="1"/>
+    </p:bldLst>
   </p:timing>
 </p:sld>
 </file>
@@ -15351,18 +16317,12 @@
         </p:nvSpPr>
         <p:spPr/>
         <p:txBody>
-          <a:bodyPr>
-            <a:normAutofit fontScale="90000"/>
-          </a:bodyPr>
-          <a:lstStyle/>
-          <a:p>
-            <a:r>
-              <a:rPr lang="fr-FR" dirty="0"/>
-              <a:t>Futurs travaux (1): Validation du </a:t>
-            </a:r>
+          <a:bodyPr/>
+          <a:lstStyle/>
+          <a:p>
             <a:r>
               <a:rPr lang="fr-FR" dirty="0" smtClean="0"/>
-              <a:t>système</a:t>
+              <a:t>Validation</a:t>
             </a:r>
             <a:endParaRPr lang="fr-FR" dirty="0"/>
           </a:p>
@@ -15381,107 +16341,127 @@
         <p:spPr/>
         <p:txBody>
           <a:bodyPr>
-            <a:normAutofit/>
+            <a:normAutofit lnSpcReduction="10000"/>
           </a:bodyPr>
           <a:lstStyle/>
           <a:p>
-            <a:pPr marL="274320" lvl="1" indent="0">
-              <a:buNone/>
-            </a:pPr>
-            <a:r>
-              <a:rPr lang="fr-FR" sz="3200" b="1" dirty="0" smtClean="0">
-                <a:solidFill>
-                  <a:schemeClr val="bg2">
-                    <a:lumMod val="90000"/>
-                  </a:schemeClr>
-                </a:solidFill>
+            <a:r>
+              <a:rPr lang="fr-FR" dirty="0" smtClean="0"/>
+              <a:t>Impact des dimensions sociales sur la stratégies de dialogue</a:t>
+            </a:r>
+          </a:p>
+          <a:p>
+            <a:pPr lvl="1"/>
+            <a:r>
+              <a:rPr lang="fr-FR" dirty="0" smtClean="0"/>
+              <a:t>2 conditions : avec ou sans relation interpersonnelle dans le choix de la prochaine </a:t>
+            </a:r>
+            <a:r>
+              <a:rPr lang="fr-FR" dirty="0" err="1" smtClean="0"/>
+              <a:t>utterance</a:t>
+            </a:r>
+            <a:endParaRPr lang="fr-FR" dirty="0" smtClean="0"/>
+          </a:p>
+          <a:p>
+            <a:pPr lvl="1"/>
+            <a:r>
+              <a:rPr lang="fr-FR" dirty="0" smtClean="0"/>
+              <a:t>H1 </a:t>
+            </a:r>
+            <a:r>
+              <a:rPr lang="fr-FR" dirty="0" smtClean="0">
+                <a:sym typeface="Wingdings" panose="05000000000000000000" pitchFamily="2" charset="2"/>
               </a:rPr>
-              <a:t>Conditions</a:t>
-            </a:r>
-          </a:p>
-          <a:p>
-            <a:pPr marL="788670" lvl="1" indent="-514350">
-              <a:buFont typeface="+mj-lt"/>
-              <a:buAutoNum type="arabicPeriod"/>
-            </a:pPr>
-            <a:r>
-              <a:rPr lang="fr-FR" sz="2800" dirty="0" smtClean="0"/>
-              <a:t>Modèle conçu :</a:t>
-            </a:r>
-          </a:p>
-          <a:p>
-            <a:pPr marL="548640" lvl="2" indent="0">
-              <a:buNone/>
-            </a:pPr>
-            <a:r>
-              <a:rPr lang="fr-FR" sz="2600" dirty="0"/>
-              <a:t>	</a:t>
-            </a:r>
-            <a:r>
-              <a:rPr lang="fr-FR" sz="2600" dirty="0" smtClean="0"/>
-              <a:t> (adaptation de la stratégie à la relation perçue).</a:t>
-            </a:r>
-          </a:p>
-          <a:p>
-            <a:pPr marL="788670" lvl="1" indent="-514350">
-              <a:buFont typeface="+mj-lt"/>
-              <a:buAutoNum type="arabicPeriod"/>
-            </a:pPr>
-            <a:r>
-              <a:rPr lang="fr-FR" sz="2800" dirty="0" smtClean="0"/>
-              <a:t>Stratégie de dialogue aléatoire.</a:t>
-            </a:r>
-          </a:p>
-          <a:p>
-            <a:pPr marL="274320" lvl="1" indent="0">
-              <a:buNone/>
-            </a:pPr>
-            <a:endParaRPr lang="fr-FR" sz="2800" dirty="0" smtClean="0"/>
-          </a:p>
-          <a:p>
-            <a:pPr marL="274320" lvl="1" indent="0">
-              <a:buNone/>
-            </a:pPr>
-            <a:r>
-              <a:rPr lang="fr-FR" sz="3200" b="1" dirty="0" smtClean="0">
-                <a:solidFill>
-                  <a:schemeClr val="bg2">
-                    <a:lumMod val="90000"/>
-                  </a:schemeClr>
-                </a:solidFill>
+              <a:t></a:t>
+            </a:r>
+            <a:r>
+              <a:rPr lang="fr-FR" dirty="0" smtClean="0"/>
+              <a:t> plus agréable</a:t>
+            </a:r>
+          </a:p>
+          <a:p>
+            <a:pPr lvl="1"/>
+            <a:r>
+              <a:rPr lang="fr-FR" dirty="0" smtClean="0"/>
+              <a:t>H2 </a:t>
+            </a:r>
+            <a:r>
+              <a:rPr lang="fr-FR" dirty="0" smtClean="0">
+                <a:sym typeface="Wingdings" panose="05000000000000000000" pitchFamily="2" charset="2"/>
               </a:rPr>
-              <a:t>Hypothèses</a:t>
-            </a:r>
-          </a:p>
-          <a:p>
-            <a:pPr marL="274320" lvl="1" indent="0">
-              <a:buNone/>
-            </a:pPr>
-            <a:r>
-              <a:rPr lang="fr-FR" sz="2800" i="1" dirty="0" smtClean="0"/>
-              <a:t>	Stratégie aléatoire: </a:t>
-            </a:r>
-          </a:p>
-          <a:p>
-            <a:pPr marL="788670" lvl="1" indent="-514350">
-              <a:buFont typeface="+mj-lt"/>
-              <a:buAutoNum type="arabicPeriod"/>
-            </a:pPr>
-            <a:r>
-              <a:rPr lang="fr-FR" sz="2800" dirty="0" smtClean="0"/>
-              <a:t>Plus lente à satisfaire le but.</a:t>
-            </a:r>
-          </a:p>
-          <a:p>
-            <a:pPr marL="788670" lvl="1" indent="-514350">
-              <a:buFont typeface="+mj-lt"/>
-              <a:buAutoNum type="arabicPeriod"/>
-            </a:pPr>
-            <a:r>
-              <a:rPr lang="fr-FR" sz="2800" dirty="0" smtClean="0"/>
-              <a:t>Discussion moins « naturelle».</a:t>
-            </a:r>
-            <a:endParaRPr lang="fr-FR" sz="2800" dirty="0"/>
+              <a:t></a:t>
+            </a:r>
+            <a:r>
+              <a:rPr lang="fr-FR" dirty="0" smtClean="0"/>
+              <a:t> plus rapide à converger</a:t>
+            </a:r>
+          </a:p>
+          <a:p>
+            <a:r>
+              <a:rPr lang="fr-FR" dirty="0" smtClean="0"/>
+              <a:t>Personnalité et RI</a:t>
+            </a:r>
+          </a:p>
+          <a:p>
+            <a:pPr lvl="2"/>
+            <a:r>
+              <a:rPr lang="fr-FR" dirty="0" smtClean="0"/>
+              <a:t>Théorie: personnalité + rôle social affecte la RI</a:t>
+            </a:r>
+          </a:p>
+          <a:p>
+            <a:pPr lvl="1"/>
+            <a:r>
+              <a:rPr lang="fr-FR" dirty="0" smtClean="0"/>
+              <a:t>2 conditions: comportement neutre vs adaptation à la RI perçue en fonction des réponses de l’utilisateur (</a:t>
+            </a:r>
+            <a:r>
+              <a:rPr lang="fr-FR" dirty="0" err="1" smtClean="0"/>
+              <a:t>ToM</a:t>
+            </a:r>
+            <a:r>
+              <a:rPr lang="fr-FR" dirty="0" smtClean="0"/>
+              <a:t>)</a:t>
+            </a:r>
+            <a:endParaRPr lang="fr-FR" dirty="0"/>
+          </a:p>
+          <a:p>
+            <a:pPr lvl="1"/>
+            <a:r>
+              <a:rPr lang="fr-FR" dirty="0" smtClean="0"/>
+              <a:t>Questionnaire de personnalité</a:t>
+            </a:r>
+          </a:p>
+          <a:p>
+            <a:pPr lvl="2"/>
+            <a:r>
+              <a:rPr lang="fr-FR" dirty="0" smtClean="0"/>
+              <a:t>Utilisateur: H3 </a:t>
+            </a:r>
+            <a:r>
+              <a:rPr lang="fr-FR" dirty="0" smtClean="0">
+                <a:sym typeface="Wingdings" panose="05000000000000000000" pitchFamily="2" charset="2"/>
+              </a:rPr>
+              <a:t> </a:t>
+            </a:r>
+            <a:r>
+              <a:rPr lang="fr-FR" dirty="0" smtClean="0"/>
+              <a:t>est-ce que la RI détectée par l’agent correspond à la personnalité</a:t>
+            </a:r>
+          </a:p>
+          <a:p>
+            <a:pPr lvl="2"/>
+            <a:r>
+              <a:rPr lang="fr-FR" dirty="0" smtClean="0"/>
+              <a:t>De l’agent (rempli par l’utilisateur): H4 </a:t>
+            </a:r>
+            <a:r>
+              <a:rPr lang="fr-FR" dirty="0" smtClean="0">
+                <a:sym typeface="Wingdings" panose="05000000000000000000" pitchFamily="2" charset="2"/>
+              </a:rPr>
+              <a:t> l’utilisateur a perçu correctement la RI exprimée par l’agent</a:t>
+            </a:r>
+            <a:endParaRPr lang="fr-FR" dirty="0" smtClean="0"/>
           </a:p>
         </p:txBody>
       </p:sp>
@@ -15509,48 +16489,10 @@
           </a:p>
         </p:txBody>
       </p:sp>
-      <p:sp>
-        <p:nvSpPr>
-          <p:cNvPr id="5" name="ZoneTexte 4"/>
-          <p:cNvSpPr txBox="1"/>
-          <p:nvPr/>
-        </p:nvSpPr>
-        <p:spPr>
-          <a:xfrm>
-            <a:off x="91386" y="0"/>
-            <a:ext cx="3589444" cy="400110"/>
-          </a:xfrm>
-          <a:prstGeom prst="rect">
-            <a:avLst/>
-          </a:prstGeom>
-          <a:noFill/>
-        </p:spPr>
-        <p:txBody>
-          <a:bodyPr wrap="none" rtlCol="0">
-            <a:spAutoFit/>
-          </a:bodyPr>
-          <a:lstStyle/>
-          <a:p>
-            <a:r>
-              <a:rPr lang="fr-FR" sz="2000" b="1" dirty="0" smtClean="0">
-                <a:solidFill>
-                  <a:schemeClr val="bg1"/>
-                </a:solidFill>
-              </a:rPr>
-              <a:t>Conclusion et perspectives </a:t>
-            </a:r>
-            <a:endParaRPr lang="fr-FR" sz="2000" b="1" dirty="0">
-              <a:solidFill>
-                <a:schemeClr val="bg1"/>
-              </a:solidFill>
-            </a:endParaRPr>
-          </a:p>
-        </p:txBody>
-      </p:sp>
     </p:spTree>
     <p:extLst>
       <p:ext uri="{BB962C8B-B14F-4D97-AF65-F5344CB8AC3E}">
-        <p14:creationId xmlns:p14="http://schemas.microsoft.com/office/powerpoint/2010/main" val="1337190471"/>
+        <p14:creationId xmlns:p14="http://schemas.microsoft.com/office/powerpoint/2010/main" val="420239574"/>
       </p:ext>
     </p:extLst>
   </p:cSld>
@@ -15594,129 +16536,21 @@
             <p:ph type="title"/>
           </p:nvPr>
         </p:nvSpPr>
-        <p:spPr/>
-        <p:txBody>
-          <a:bodyPr/>
-          <a:lstStyle/>
-          <a:p>
-            <a:r>
-              <a:rPr lang="fr-FR" dirty="0" smtClean="0"/>
-              <a:t>Futurs </a:t>
-            </a:r>
-            <a:r>
-              <a:rPr lang="fr-FR" dirty="0" smtClean="0"/>
-              <a:t>travaux (2)</a:t>
-            </a:r>
-            <a:endParaRPr lang="fr-FR" dirty="0"/>
-          </a:p>
-        </p:txBody>
-      </p:sp>
-      <p:sp>
-        <p:nvSpPr>
-          <p:cNvPr id="3" name="Espace réservé du contenu 2"/>
-          <p:cNvSpPr>
-            <a:spLocks noGrp="1"/>
-          </p:cNvSpPr>
-          <p:nvPr>
-            <p:ph idx="1"/>
-          </p:nvPr>
-        </p:nvSpPr>
         <p:spPr>
           <a:xfrm>
-            <a:off x="457200" y="1600200"/>
-            <a:ext cx="8507288" cy="4876800"/>
+            <a:off x="0" y="2992821"/>
+            <a:ext cx="9017875" cy="990600"/>
           </a:xfrm>
         </p:spPr>
         <p:txBody>
-          <a:bodyPr>
-            <a:normAutofit fontScale="92500" lnSpcReduction="20000"/>
-          </a:bodyPr>
-          <a:lstStyle/>
-          <a:p>
-            <a:pPr marL="0" indent="0">
-              <a:buNone/>
-            </a:pPr>
-            <a:endParaRPr lang="fr-FR" dirty="0"/>
-          </a:p>
-          <a:p>
-            <a:r>
-              <a:rPr lang="fr-FR" dirty="0" smtClean="0"/>
-              <a:t>Implémentation de dialogues sur D4G. [mars 2016]</a:t>
-            </a:r>
-          </a:p>
-          <a:p>
-            <a:endParaRPr lang="fr-FR" dirty="0"/>
-          </a:p>
-          <a:p>
-            <a:r>
-              <a:rPr lang="fr-FR" dirty="0" smtClean="0"/>
-              <a:t>Rédaction </a:t>
-            </a:r>
+          <a:bodyPr/>
+          <a:lstStyle/>
+          <a:p>
+            <a:pPr algn="ctr"/>
             <a:r>
               <a:rPr lang="fr-FR" dirty="0"/>
-              <a:t>d’articles. </a:t>
-            </a:r>
-            <a:r>
-              <a:rPr lang="fr-FR" dirty="0" smtClean="0"/>
-              <a:t>[IVA: avril 2016]</a:t>
-            </a:r>
-          </a:p>
-          <a:p>
-            <a:endParaRPr lang="fr-FR" dirty="0"/>
-          </a:p>
-          <a:p>
-            <a:r>
-              <a:rPr lang="fr-FR" dirty="0" smtClean="0"/>
-              <a:t>Insertion des relations interpersonnelles dans la </a:t>
-            </a:r>
-            <a:r>
-              <a:rPr lang="fr-FR" dirty="0"/>
-              <a:t>négociation. </a:t>
-            </a:r>
-            <a:r>
-              <a:rPr lang="fr-FR" dirty="0" smtClean="0"/>
-              <a:t>[été 2016]</a:t>
-            </a:r>
-          </a:p>
-          <a:p>
-            <a:endParaRPr lang="fr-FR" dirty="0"/>
-          </a:p>
-          <a:p>
-            <a:r>
-              <a:rPr lang="fr-FR" dirty="0" smtClean="0"/>
-              <a:t>Raisonnement sur les stratégies de l’interlocuteur (Théorie de l’esprit)</a:t>
-            </a:r>
-          </a:p>
-          <a:p>
-            <a:endParaRPr lang="fr-FR" dirty="0"/>
-          </a:p>
-          <a:p>
-            <a:r>
-              <a:rPr lang="fr-FR" dirty="0" smtClean="0"/>
-              <a:t>Validation du modèle </a:t>
-            </a:r>
-            <a:r>
-              <a:rPr lang="fr-FR" dirty="0"/>
-              <a:t>dialogique. </a:t>
-            </a:r>
-            <a:r>
-              <a:rPr lang="fr-FR" dirty="0" smtClean="0"/>
-              <a:t>[fin 2016]</a:t>
-            </a:r>
-          </a:p>
-          <a:p>
-            <a:endParaRPr lang="fr-FR" dirty="0"/>
-          </a:p>
-          <a:p>
-            <a:r>
-              <a:rPr lang="fr-FR" dirty="0" smtClean="0"/>
-              <a:t>Rédaction du manuscrit de thèse. </a:t>
-            </a:r>
-            <a:r>
-              <a:rPr lang="fr-FR" dirty="0" smtClean="0"/>
-              <a:t>[2017]</a:t>
-            </a:r>
-            <a:endParaRPr lang="fr-FR" dirty="0"/>
+              <a:t>Merci pour votre attention !</a:t>
+            </a:r>
           </a:p>
         </p:txBody>
       </p:sp>
@@ -15739,133 +16573,6 @@
               <a:rPr lang="fr-FR" smtClean="0"/>
               <a:pPr/>
               <a:t>31</a:t>
-            </a:fld>
-            <a:endParaRPr lang="fr-FR"/>
-          </a:p>
-        </p:txBody>
-      </p:sp>
-      <p:sp>
-        <p:nvSpPr>
-          <p:cNvPr id="7" name="ZoneTexte 6"/>
-          <p:cNvSpPr txBox="1"/>
-          <p:nvPr/>
-        </p:nvSpPr>
-        <p:spPr>
-          <a:xfrm>
-            <a:off x="91386" y="0"/>
-            <a:ext cx="3589444" cy="400110"/>
-          </a:xfrm>
-          <a:prstGeom prst="rect">
-            <a:avLst/>
-          </a:prstGeom>
-          <a:noFill/>
-        </p:spPr>
-        <p:txBody>
-          <a:bodyPr wrap="none" rtlCol="0">
-            <a:spAutoFit/>
-          </a:bodyPr>
-          <a:lstStyle/>
-          <a:p>
-            <a:r>
-              <a:rPr lang="fr-FR" sz="2000" b="1" dirty="0" smtClean="0">
-                <a:solidFill>
-                  <a:schemeClr val="bg1"/>
-                </a:solidFill>
-              </a:rPr>
-              <a:t>Conclusion et perspectives </a:t>
-            </a:r>
-            <a:endParaRPr lang="fr-FR" sz="2000" b="1" dirty="0">
-              <a:solidFill>
-                <a:schemeClr val="bg1"/>
-              </a:solidFill>
-            </a:endParaRPr>
-          </a:p>
-        </p:txBody>
-      </p:sp>
-    </p:spTree>
-    <p:extLst>
-      <p:ext uri="{BB962C8B-B14F-4D97-AF65-F5344CB8AC3E}">
-        <p14:creationId xmlns:p14="http://schemas.microsoft.com/office/powerpoint/2010/main" val="3738087167"/>
-      </p:ext>
-    </p:extLst>
-  </p:cSld>
-  <p:clrMapOvr>
-    <a:masterClrMapping/>
-  </p:clrMapOvr>
-  <p:timing>
-    <p:tnLst>
-      <p:par>
-        <p:cTn id="1" dur="indefinite" restart="never" nodeType="tmRoot"/>
-      </p:par>
-    </p:tnLst>
-  </p:timing>
-</p:sld>
-</file>
-
-<file path=ppt/slides/slide32.xml><?xml version="1.0" encoding="utf-8"?>
-<p:sld xmlns:a="http://schemas.openxmlformats.org/drawingml/2006/main" xmlns:r="http://schemas.openxmlformats.org/officeDocument/2006/relationships" xmlns:p="http://schemas.openxmlformats.org/presentationml/2006/main">
-  <p:cSld>
-    <p:spTree>
-      <p:nvGrpSpPr>
-        <p:cNvPr id="1" name=""/>
-        <p:cNvGrpSpPr/>
-        <p:nvPr/>
-      </p:nvGrpSpPr>
-      <p:grpSpPr>
-        <a:xfrm>
-          <a:off x="0" y="0"/>
-          <a:ext cx="0" cy="0"/>
-          <a:chOff x="0" y="0"/>
-          <a:chExt cx="0" cy="0"/>
-        </a:xfrm>
-      </p:grpSpPr>
-      <p:sp>
-        <p:nvSpPr>
-          <p:cNvPr id="2" name="Titre 1"/>
-          <p:cNvSpPr>
-            <a:spLocks noGrp="1"/>
-          </p:cNvSpPr>
-          <p:nvPr>
-            <p:ph type="title"/>
-          </p:nvPr>
-        </p:nvSpPr>
-        <p:spPr>
-          <a:xfrm>
-            <a:off x="0" y="2992821"/>
-            <a:ext cx="9017875" cy="990600"/>
-          </a:xfrm>
-        </p:spPr>
-        <p:txBody>
-          <a:bodyPr/>
-          <a:lstStyle/>
-          <a:p>
-            <a:pPr algn="ctr"/>
-            <a:r>
-              <a:rPr lang="fr-FR" dirty="0"/>
-              <a:t>Merci pour votre attention !</a:t>
-            </a:r>
-          </a:p>
-        </p:txBody>
-      </p:sp>
-      <p:sp>
-        <p:nvSpPr>
-          <p:cNvPr id="4" name="Espace réservé du numéro de diapositive 3"/>
-          <p:cNvSpPr>
-            <a:spLocks noGrp="1"/>
-          </p:cNvSpPr>
-          <p:nvPr>
-            <p:ph type="sldNum" sz="quarter" idx="12"/>
-          </p:nvPr>
-        </p:nvSpPr>
-        <p:spPr/>
-        <p:txBody>
-          <a:bodyPr/>
-          <a:lstStyle/>
-          <a:p>
-            <a:fld id="{3E09C654-F2CE-49A0-9D19-A73528137789}" type="slidenum">
-              <a:rPr lang="fr-FR" smtClean="0"/>
-              <a:pPr/>
-              <a:t>32</a:t>
             </a:fld>
             <a:endParaRPr lang="fr-FR"/>
           </a:p>
@@ -16140,6 +16847,625 @@
 </file>
 
 <file path=ppt/slides/slide5.xml><?xml version="1.0" encoding="utf-8"?>
+<p:sld xmlns:a="http://schemas.openxmlformats.org/drawingml/2006/main" xmlns:r="http://schemas.openxmlformats.org/officeDocument/2006/relationships" xmlns:p="http://schemas.openxmlformats.org/presentationml/2006/main">
+  <p:cSld>
+    <p:spTree>
+      <p:nvGrpSpPr>
+        <p:cNvPr id="1" name=""/>
+        <p:cNvGrpSpPr/>
+        <p:nvPr/>
+      </p:nvGrpSpPr>
+      <p:grpSpPr>
+        <a:xfrm>
+          <a:off x="0" y="0"/>
+          <a:ext cx="0" cy="0"/>
+          <a:chOff x="0" y="0"/>
+          <a:chExt cx="0" cy="0"/>
+        </a:xfrm>
+      </p:grpSpPr>
+      <p:sp>
+        <p:nvSpPr>
+          <p:cNvPr id="2" name="Titre 1"/>
+          <p:cNvSpPr>
+            <a:spLocks noGrp="1"/>
+          </p:cNvSpPr>
+          <p:nvPr>
+            <p:ph type="title"/>
+          </p:nvPr>
+        </p:nvSpPr>
+        <p:spPr/>
+        <p:txBody>
+          <a:bodyPr>
+            <a:normAutofit/>
+          </a:bodyPr>
+          <a:lstStyle/>
+          <a:p>
+            <a:r>
+              <a:rPr lang="fr-FR" dirty="0" smtClean="0"/>
+              <a:t>Objectifs</a:t>
+            </a:r>
+            <a:endParaRPr lang="fr-FR" dirty="0"/>
+          </a:p>
+        </p:txBody>
+      </p:sp>
+      <p:sp>
+        <p:nvSpPr>
+          <p:cNvPr id="3" name="Espace réservé du contenu 2"/>
+          <p:cNvSpPr>
+            <a:spLocks noGrp="1"/>
+          </p:cNvSpPr>
+          <p:nvPr>
+            <p:ph idx="1"/>
+          </p:nvPr>
+        </p:nvSpPr>
+        <p:spPr>
+          <a:xfrm>
+            <a:off x="236466" y="5517232"/>
+            <a:ext cx="8229600" cy="1008112"/>
+          </a:xfrm>
+        </p:spPr>
+        <p:style>
+          <a:lnRef idx="1">
+            <a:schemeClr val="accent6"/>
+          </a:lnRef>
+          <a:fillRef idx="2">
+            <a:schemeClr val="accent6"/>
+          </a:fillRef>
+          <a:effectRef idx="1">
+            <a:schemeClr val="accent6"/>
+          </a:effectRef>
+          <a:fontRef idx="minor">
+            <a:schemeClr val="dk1"/>
+          </a:fontRef>
+        </p:style>
+        <p:txBody>
+          <a:bodyPr>
+            <a:normAutofit/>
+          </a:bodyPr>
+          <a:lstStyle/>
+          <a:p>
+            <a:pPr marL="0" indent="0" algn="ctr">
+              <a:buNone/>
+            </a:pPr>
+            <a:r>
+              <a:rPr lang="fr-FR" dirty="0" smtClean="0"/>
+              <a:t>Etudier l’impact de la relation interpersonnelle sur les stratégies de dialogue</a:t>
+            </a:r>
+            <a:r>
+              <a:rPr lang="fr-FR" dirty="0" smtClean="0"/>
+              <a:t>. </a:t>
+            </a:r>
+            <a:endParaRPr lang="fr-FR" dirty="0"/>
+          </a:p>
+        </p:txBody>
+      </p:sp>
+      <p:sp>
+        <p:nvSpPr>
+          <p:cNvPr id="4" name="Rectangle 3"/>
+          <p:cNvSpPr/>
+          <p:nvPr/>
+        </p:nvSpPr>
+        <p:spPr>
+          <a:xfrm>
+            <a:off x="3059832" y="1556792"/>
+            <a:ext cx="2520280" cy="720080"/>
+          </a:xfrm>
+          <a:prstGeom prst="rect">
+            <a:avLst/>
+          </a:prstGeom>
+          <a:noFill/>
+        </p:spPr>
+        <p:style>
+          <a:lnRef idx="2">
+            <a:schemeClr val="accent1">
+              <a:shade val="50000"/>
+            </a:schemeClr>
+          </a:lnRef>
+          <a:fillRef idx="1">
+            <a:schemeClr val="accent1"/>
+          </a:fillRef>
+          <a:effectRef idx="0">
+            <a:schemeClr val="accent1"/>
+          </a:effectRef>
+          <a:fontRef idx="minor">
+            <a:schemeClr val="lt1"/>
+          </a:fontRef>
+        </p:style>
+        <p:txBody>
+          <a:bodyPr rtlCol="0" anchor="ctr"/>
+          <a:lstStyle/>
+          <a:p>
+            <a:pPr algn="ctr"/>
+            <a:r>
+              <a:rPr lang="fr-FR" sz="2000" dirty="0" smtClean="0">
+                <a:solidFill>
+                  <a:schemeClr val="tx1"/>
+                </a:solidFill>
+              </a:rPr>
+              <a:t>Dialogue Agent/humain</a:t>
+            </a:r>
+            <a:endParaRPr lang="fr-FR" sz="2000" dirty="0">
+              <a:solidFill>
+                <a:schemeClr val="tx1"/>
+              </a:solidFill>
+            </a:endParaRPr>
+          </a:p>
+        </p:txBody>
+      </p:sp>
+      <p:sp>
+        <p:nvSpPr>
+          <p:cNvPr id="5" name="Rectangle 4"/>
+          <p:cNvSpPr/>
+          <p:nvPr/>
+        </p:nvSpPr>
+        <p:spPr>
+          <a:xfrm>
+            <a:off x="3059832" y="3140968"/>
+            <a:ext cx="2736304" cy="576064"/>
+          </a:xfrm>
+          <a:prstGeom prst="rect">
+            <a:avLst/>
+          </a:prstGeom>
+          <a:noFill/>
+        </p:spPr>
+        <p:style>
+          <a:lnRef idx="2">
+            <a:schemeClr val="accent1">
+              <a:shade val="50000"/>
+            </a:schemeClr>
+          </a:lnRef>
+          <a:fillRef idx="1">
+            <a:schemeClr val="accent1"/>
+          </a:fillRef>
+          <a:effectRef idx="0">
+            <a:schemeClr val="accent1"/>
+          </a:effectRef>
+          <a:fontRef idx="minor">
+            <a:schemeClr val="lt1"/>
+          </a:fontRef>
+        </p:style>
+        <p:txBody>
+          <a:bodyPr rtlCol="0" anchor="ctr"/>
+          <a:lstStyle/>
+          <a:p>
+            <a:pPr algn="ctr"/>
+            <a:r>
+              <a:rPr lang="fr-FR" sz="2000" dirty="0" smtClean="0">
+                <a:solidFill>
+                  <a:schemeClr val="tx1"/>
+                </a:solidFill>
+              </a:rPr>
+              <a:t>But(s) </a:t>
+            </a:r>
+            <a:r>
+              <a:rPr lang="fr-FR" sz="2000" dirty="0" smtClean="0">
+                <a:solidFill>
+                  <a:schemeClr val="tx1"/>
+                </a:solidFill>
+              </a:rPr>
+              <a:t>du </a:t>
+            </a:r>
+            <a:r>
+              <a:rPr lang="fr-FR" sz="2000" dirty="0" smtClean="0">
+                <a:solidFill>
+                  <a:schemeClr val="tx1"/>
+                </a:solidFill>
+              </a:rPr>
+              <a:t>dialogue</a:t>
+            </a:r>
+            <a:endParaRPr lang="fr-FR" sz="2000" dirty="0">
+              <a:solidFill>
+                <a:schemeClr val="tx1"/>
+              </a:solidFill>
+            </a:endParaRPr>
+          </a:p>
+        </p:txBody>
+      </p:sp>
+      <p:sp>
+        <p:nvSpPr>
+          <p:cNvPr id="6" name="Rectangle 5"/>
+          <p:cNvSpPr/>
+          <p:nvPr/>
+        </p:nvSpPr>
+        <p:spPr>
+          <a:xfrm>
+            <a:off x="2615952" y="4612440"/>
+            <a:ext cx="3408040" cy="576064"/>
+          </a:xfrm>
+          <a:prstGeom prst="rect">
+            <a:avLst/>
+          </a:prstGeom>
+          <a:noFill/>
+        </p:spPr>
+        <p:style>
+          <a:lnRef idx="2">
+            <a:schemeClr val="accent1">
+              <a:shade val="50000"/>
+            </a:schemeClr>
+          </a:lnRef>
+          <a:fillRef idx="1">
+            <a:schemeClr val="accent1"/>
+          </a:fillRef>
+          <a:effectRef idx="0">
+            <a:schemeClr val="accent1"/>
+          </a:effectRef>
+          <a:fontRef idx="minor">
+            <a:schemeClr val="lt1"/>
+          </a:fontRef>
+        </p:style>
+        <p:txBody>
+          <a:bodyPr rtlCol="0" anchor="ctr"/>
+          <a:lstStyle/>
+          <a:p>
+            <a:pPr algn="ctr"/>
+            <a:r>
+              <a:rPr lang="fr-FR" sz="2000" dirty="0" smtClean="0">
+                <a:solidFill>
+                  <a:schemeClr val="tx1"/>
+                </a:solidFill>
+              </a:rPr>
+              <a:t>Relations interpersonnelles</a:t>
+            </a:r>
+            <a:endParaRPr lang="fr-FR" sz="2000" dirty="0">
+              <a:solidFill>
+                <a:schemeClr val="tx1"/>
+              </a:solidFill>
+            </a:endParaRPr>
+          </a:p>
+        </p:txBody>
+      </p:sp>
+      <p:sp>
+        <p:nvSpPr>
+          <p:cNvPr id="12" name="Espace réservé du numéro de diapositive 11"/>
+          <p:cNvSpPr>
+            <a:spLocks noGrp="1"/>
+          </p:cNvSpPr>
+          <p:nvPr>
+            <p:ph type="sldNum" sz="quarter" idx="12"/>
+          </p:nvPr>
+        </p:nvSpPr>
+        <p:spPr/>
+        <p:txBody>
+          <a:bodyPr/>
+          <a:lstStyle/>
+          <a:p>
+            <a:fld id="{3E09C654-F2CE-49A0-9D19-A73528137789}" type="slidenum">
+              <a:rPr lang="fr-FR" smtClean="0"/>
+              <a:pPr/>
+              <a:t>5</a:t>
+            </a:fld>
+            <a:endParaRPr lang="fr-FR"/>
+          </a:p>
+        </p:txBody>
+      </p:sp>
+      <p:sp>
+        <p:nvSpPr>
+          <p:cNvPr id="14" name="ZoneTexte 13"/>
+          <p:cNvSpPr txBox="1"/>
+          <p:nvPr/>
+        </p:nvSpPr>
+        <p:spPr>
+          <a:xfrm>
+            <a:off x="91386" y="0"/>
+            <a:ext cx="1577676" cy="400110"/>
+          </a:xfrm>
+          <a:prstGeom prst="rect">
+            <a:avLst/>
+          </a:prstGeom>
+          <a:noFill/>
+        </p:spPr>
+        <p:txBody>
+          <a:bodyPr wrap="none" rtlCol="0">
+            <a:spAutoFit/>
+          </a:bodyPr>
+          <a:lstStyle/>
+          <a:p>
+            <a:r>
+              <a:rPr lang="fr-FR" sz="2000" b="1" dirty="0" smtClean="0">
+                <a:solidFill>
+                  <a:schemeClr val="bg1"/>
+                </a:solidFill>
+              </a:rPr>
+              <a:t>Etat de l’art</a:t>
+            </a:r>
+            <a:endParaRPr lang="fr-FR" sz="2000" b="1" dirty="0">
+              <a:solidFill>
+                <a:schemeClr val="bg1"/>
+              </a:solidFill>
+            </a:endParaRPr>
+          </a:p>
+        </p:txBody>
+      </p:sp>
+      <p:sp>
+        <p:nvSpPr>
+          <p:cNvPr id="17" name="Flèche vers le bas 16"/>
+          <p:cNvSpPr/>
+          <p:nvPr/>
+        </p:nvSpPr>
+        <p:spPr>
+          <a:xfrm>
+            <a:off x="4067944" y="2420888"/>
+            <a:ext cx="576064" cy="648072"/>
+          </a:xfrm>
+          <a:prstGeom prst="downArrow">
+            <a:avLst/>
+          </a:prstGeom>
+        </p:spPr>
+        <p:style>
+          <a:lnRef idx="2">
+            <a:schemeClr val="accent1">
+              <a:shade val="50000"/>
+            </a:schemeClr>
+          </a:lnRef>
+          <a:fillRef idx="1">
+            <a:schemeClr val="accent1"/>
+          </a:fillRef>
+          <a:effectRef idx="0">
+            <a:schemeClr val="accent1"/>
+          </a:effectRef>
+          <a:fontRef idx="minor">
+            <a:schemeClr val="lt1"/>
+          </a:fontRef>
+        </p:style>
+        <p:txBody>
+          <a:bodyPr rtlCol="0" anchor="ctr"/>
+          <a:lstStyle/>
+          <a:p>
+            <a:pPr algn="ctr"/>
+            <a:endParaRPr lang="fr-FR"/>
+          </a:p>
+        </p:txBody>
+      </p:sp>
+      <p:pic>
+        <p:nvPicPr>
+          <p:cNvPr id="18" name="Image 17"/>
+          <p:cNvPicPr>
+            <a:picLocks noChangeAspect="1"/>
+          </p:cNvPicPr>
+          <p:nvPr/>
+        </p:nvPicPr>
+        <p:blipFill>
+          <a:blip r:embed="rId3">
+            <a:extLst>
+              <a:ext uri="{28A0092B-C50C-407E-A947-70E740481C1C}">
+                <a14:useLocalDpi xmlns:a14="http://schemas.microsoft.com/office/drawing/2010/main" val="0"/>
+              </a:ext>
+            </a:extLst>
+          </a:blip>
+          <a:stretch>
+            <a:fillRect/>
+          </a:stretch>
+        </p:blipFill>
+        <p:spPr>
+          <a:xfrm>
+            <a:off x="683568" y="3948826"/>
+            <a:ext cx="1657143" cy="1352381"/>
+          </a:xfrm>
+          <a:prstGeom prst="rect">
+            <a:avLst/>
+          </a:prstGeom>
+          <a:ln>
+            <a:solidFill>
+              <a:schemeClr val="accent6">
+                <a:lumMod val="75000"/>
+              </a:schemeClr>
+            </a:solidFill>
+          </a:ln>
+        </p:spPr>
+      </p:pic>
+      <p:pic>
+        <p:nvPicPr>
+          <p:cNvPr id="19" name="Image 18"/>
+          <p:cNvPicPr>
+            <a:picLocks noChangeAspect="1"/>
+          </p:cNvPicPr>
+          <p:nvPr/>
+        </p:nvPicPr>
+        <p:blipFill>
+          <a:blip r:embed="rId3">
+            <a:extLst>
+              <a:ext uri="{28A0092B-C50C-407E-A947-70E740481C1C}">
+                <a14:useLocalDpi xmlns:a14="http://schemas.microsoft.com/office/drawing/2010/main" val="0"/>
+              </a:ext>
+            </a:extLst>
+          </a:blip>
+          <a:stretch>
+            <a:fillRect/>
+          </a:stretch>
+        </p:blipFill>
+        <p:spPr>
+          <a:xfrm>
+            <a:off x="6516216" y="3948827"/>
+            <a:ext cx="1657143" cy="1352381"/>
+          </a:xfrm>
+          <a:prstGeom prst="rect">
+            <a:avLst/>
+          </a:prstGeom>
+          <a:ln>
+            <a:solidFill>
+              <a:schemeClr val="accent6">
+                <a:lumMod val="75000"/>
+              </a:schemeClr>
+            </a:solidFill>
+          </a:ln>
+        </p:spPr>
+      </p:pic>
+      <p:sp>
+        <p:nvSpPr>
+          <p:cNvPr id="21" name="Rectangle 20"/>
+          <p:cNvSpPr/>
+          <p:nvPr/>
+        </p:nvSpPr>
+        <p:spPr>
+          <a:xfrm>
+            <a:off x="683569" y="3212976"/>
+            <a:ext cx="1657142" cy="576064"/>
+          </a:xfrm>
+          <a:prstGeom prst="rect">
+            <a:avLst/>
+          </a:prstGeom>
+        </p:spPr>
+        <p:style>
+          <a:lnRef idx="1">
+            <a:schemeClr val="accent3"/>
+          </a:lnRef>
+          <a:fillRef idx="2">
+            <a:schemeClr val="accent3"/>
+          </a:fillRef>
+          <a:effectRef idx="1">
+            <a:schemeClr val="accent3"/>
+          </a:effectRef>
+          <a:fontRef idx="minor">
+            <a:schemeClr val="dk1"/>
+          </a:fontRef>
+        </p:style>
+        <p:txBody>
+          <a:bodyPr rtlCol="0" anchor="ctr"/>
+          <a:lstStyle/>
+          <a:p>
+            <a:pPr algn="ctr"/>
+            <a:r>
+              <a:rPr lang="fr-FR" dirty="0" smtClean="0"/>
+              <a:t>Stratégies de dialogues</a:t>
+            </a:r>
+            <a:endParaRPr lang="fr-FR" dirty="0"/>
+          </a:p>
+        </p:txBody>
+      </p:sp>
+      <p:sp>
+        <p:nvSpPr>
+          <p:cNvPr id="22" name="Rectangle 21"/>
+          <p:cNvSpPr/>
+          <p:nvPr/>
+        </p:nvSpPr>
+        <p:spPr>
+          <a:xfrm>
+            <a:off x="6516216" y="3148289"/>
+            <a:ext cx="1657142" cy="576064"/>
+          </a:xfrm>
+          <a:prstGeom prst="rect">
+            <a:avLst/>
+          </a:prstGeom>
+        </p:spPr>
+        <p:style>
+          <a:lnRef idx="1">
+            <a:schemeClr val="accent3"/>
+          </a:lnRef>
+          <a:fillRef idx="2">
+            <a:schemeClr val="accent3"/>
+          </a:fillRef>
+          <a:effectRef idx="1">
+            <a:schemeClr val="accent3"/>
+          </a:effectRef>
+          <a:fontRef idx="minor">
+            <a:schemeClr val="dk1"/>
+          </a:fontRef>
+        </p:style>
+        <p:txBody>
+          <a:bodyPr rtlCol="0" anchor="ctr"/>
+          <a:lstStyle/>
+          <a:p>
+            <a:pPr algn="ctr"/>
+            <a:r>
+              <a:rPr lang="fr-FR" dirty="0" smtClean="0"/>
+              <a:t>Stratégies de dialogues</a:t>
+            </a:r>
+            <a:endParaRPr lang="fr-FR" dirty="0"/>
+          </a:p>
+        </p:txBody>
+      </p:sp>
+    </p:spTree>
+    <p:extLst>
+      <p:ext uri="{BB962C8B-B14F-4D97-AF65-F5344CB8AC3E}">
+        <p14:creationId xmlns:p14="http://schemas.microsoft.com/office/powerpoint/2010/main" val="1504314713"/>
+      </p:ext>
+    </p:extLst>
+  </p:cSld>
+  <p:clrMapOvr>
+    <a:masterClrMapping/>
+  </p:clrMapOvr>
+  <p:timing>
+    <p:tnLst>
+      <p:par>
+        <p:cTn id="1" dur="indefinite" restart="never" nodeType="tmRoot">
+          <p:childTnLst>
+            <p:seq concurrent="1" nextAc="seek">
+              <p:cTn id="2" dur="indefinite" nodeType="mainSeq">
+                <p:childTnLst>
+                  <p:par>
+                    <p:cTn id="3" fill="hold">
+                      <p:stCondLst>
+                        <p:cond delay="indefinite"/>
+                      </p:stCondLst>
+                      <p:childTnLst>
+                        <p:par>
+                          <p:cTn id="4" fill="hold">
+                            <p:stCondLst>
+                              <p:cond delay="0"/>
+                            </p:stCondLst>
+                            <p:childTnLst>
+                              <p:par>
+                                <p:cTn id="5" presetID="1" presetClass="entr" presetSubtype="0" fill="hold" grpId="0" nodeType="clickEffect">
+                                  <p:stCondLst>
+                                    <p:cond delay="0"/>
+                                  </p:stCondLst>
+                                  <p:childTnLst>
+                                    <p:set>
+                                      <p:cBhvr>
+                                        <p:cTn id="6" dur="1" fill="hold">
+                                          <p:stCondLst>
+                                            <p:cond delay="0"/>
+                                          </p:stCondLst>
+                                        </p:cTn>
+                                        <p:tgtEl>
+                                          <p:spTgt spid="6"/>
+                                        </p:tgtEl>
+                                        <p:attrNameLst>
+                                          <p:attrName>style.visibility</p:attrName>
+                                        </p:attrNameLst>
+                                      </p:cBhvr>
+                                      <p:to>
+                                        <p:strVal val="visible"/>
+                                      </p:to>
+                                    </p:set>
+                                  </p:childTnLst>
+                                </p:cTn>
+                              </p:par>
+                            </p:childTnLst>
+                          </p:cTn>
+                        </p:par>
+                      </p:childTnLst>
+                    </p:cTn>
+                  </p:par>
+                </p:childTnLst>
+              </p:cTn>
+              <p:prevCondLst>
+                <p:cond evt="onPrev" delay="0">
+                  <p:tgtEl>
+                    <p:sldTgt/>
+                  </p:tgtEl>
+                </p:cond>
+              </p:prevCondLst>
+              <p:nextCondLst>
+                <p:cond evt="onNext" delay="0">
+                  <p:tgtEl>
+                    <p:sldTgt/>
+                  </p:tgtEl>
+                </p:cond>
+              </p:nextCondLst>
+            </p:seq>
+          </p:childTnLst>
+        </p:cTn>
+      </p:par>
+    </p:tnLst>
+    <p:bldLst>
+      <p:bldP spid="6" grpId="0" animBg="1"/>
+    </p:bldLst>
+  </p:timing>
+</p:sld>
+</file>
+
+<file path=ppt/slides/slide6.xml><?xml version="1.0" encoding="utf-8"?>
 <p:sld xmlns:a="http://schemas.openxmlformats.org/drawingml/2006/main" xmlns:r="http://schemas.openxmlformats.org/officeDocument/2006/relationships" xmlns:p="http://schemas.openxmlformats.org/presentationml/2006/main" show="0">
   <p:cSld>
     <p:spTree>
@@ -16307,7 +17633,7 @@
             <a:fld id="{3E09C654-F2CE-49A0-9D19-A73528137789}" type="slidenum">
               <a:rPr lang="fr-FR" smtClean="0"/>
               <a:pPr/>
-              <a:t>5</a:t>
+              <a:t>6</a:t>
             </a:fld>
             <a:endParaRPr lang="fr-FR"/>
           </a:p>
@@ -16482,11 +17808,11 @@
   <p:clrMapOvr>
     <a:masterClrMapping/>
   </p:clrMapOvr>
-  <mc:AlternateContent xmlns:mc="http://schemas.openxmlformats.org/markup-compatibility/2006">
-    <mc:Choice xmlns:p14="http://schemas.microsoft.com/office/powerpoint/2010/main" Requires="p14">
+  <mc:AlternateContent xmlns:mc="http://schemas.openxmlformats.org/markup-compatibility/2006" xmlns:p14="http://schemas.microsoft.com/office/powerpoint/2010/main">
+    <mc:Choice Requires="p14">
       <p:transition spd="slow" p14:dur="2000"/>
     </mc:Choice>
-    <mc:Fallback>
+    <mc:Fallback xmlns="">
       <p:transition spd="slow"/>
     </mc:Fallback>
   </mc:AlternateContent>
@@ -16500,7 +17826,7 @@
 </p:sld>
 </file>
 
-<file path=ppt/slides/slide6.xml><?xml version="1.0" encoding="utf-8"?>
+<file path=ppt/slides/slide7.xml><?xml version="1.0" encoding="utf-8"?>
 <p:sld xmlns:a="http://schemas.openxmlformats.org/drawingml/2006/main" xmlns:r="http://schemas.openxmlformats.org/officeDocument/2006/relationships" xmlns:p="http://schemas.openxmlformats.org/presentationml/2006/main" show="0">
   <p:cSld>
     <p:spTree>
@@ -16684,7 +18010,7 @@
             <a:fld id="{3E09C654-F2CE-49A0-9D19-A73528137789}" type="slidenum">
               <a:rPr lang="fr-FR" smtClean="0"/>
               <a:pPr/>
-              <a:t>6</a:t>
+              <a:t>7</a:t>
             </a:fld>
             <a:endParaRPr lang="fr-FR"/>
           </a:p>
@@ -16776,11 +18102,11 @@
   <p:clrMapOvr>
     <a:masterClrMapping/>
   </p:clrMapOvr>
-  <mc:AlternateContent xmlns:mc="http://schemas.openxmlformats.org/markup-compatibility/2006">
-    <mc:Choice xmlns:p14="http://schemas.microsoft.com/office/powerpoint/2010/main" Requires="p14">
+  <mc:AlternateContent xmlns:mc="http://schemas.openxmlformats.org/markup-compatibility/2006" xmlns:p14="http://schemas.microsoft.com/office/powerpoint/2010/main">
+    <mc:Choice Requires="p14">
       <p:transition spd="slow" p14:dur="2000"/>
     </mc:Choice>
-    <mc:Fallback>
+    <mc:Fallback xmlns="">
       <p:transition spd="slow"/>
     </mc:Fallback>
   </mc:AlternateContent>
@@ -16794,7 +18120,7 @@
 </p:sld>
 </file>
 
-<file path=ppt/slides/slide7.xml><?xml version="1.0" encoding="utf-8"?>
+<file path=ppt/slides/slide8.xml><?xml version="1.0" encoding="utf-8"?>
 <p:sld xmlns:a="http://schemas.openxmlformats.org/drawingml/2006/main" xmlns:r="http://schemas.openxmlformats.org/officeDocument/2006/relationships" xmlns:p="http://schemas.openxmlformats.org/presentationml/2006/main">
   <p:cSld>
     <p:spTree>
@@ -16901,7 +18227,7 @@
             <a:fld id="{3E09C654-F2CE-49A0-9D19-A73528137789}" type="slidenum">
               <a:rPr lang="fr-FR" smtClean="0"/>
               <a:pPr/>
-              <a:t>7</a:t>
+              <a:t>8</a:t>
             </a:fld>
             <a:endParaRPr lang="fr-FR" dirty="0"/>
           </a:p>
@@ -17209,15 +18535,7 @@
             </a:r>
             <a:r>
               <a:rPr lang="fr-FR" sz="2400" dirty="0"/>
-              <a:t>ACA qui joue le rôle d’agent </a:t>
-            </a:r>
-            <a:r>
-              <a:rPr lang="fr-FR" sz="2400" dirty="0"/>
-              <a:t>immobilier</a:t>
-            </a:r>
-            <a:r>
-              <a:rPr lang="fr-FR" sz="2400" dirty="0"/>
-              <a:t>. </a:t>
+              <a:t>ACA qui joue le rôle d’agent immobilier. </a:t>
             </a:r>
             <a:endParaRPr lang="fr-FR" sz="2400" dirty="0">
               <a:solidFill>
@@ -17424,7 +18742,7 @@
 </p:sld>
 </file>
 
-<file path=ppt/slides/slide8.xml><?xml version="1.0" encoding="utf-8"?>
+<file path=ppt/slides/slide9.xml><?xml version="1.0" encoding="utf-8"?>
 <p:sld xmlns:a="http://schemas.openxmlformats.org/drawingml/2006/main" xmlns:r="http://schemas.openxmlformats.org/officeDocument/2006/relationships" xmlns:p="http://schemas.openxmlformats.org/presentationml/2006/main">
   <p:cSld>
     <p:spTree>
@@ -17549,7 +18867,7 @@
             <a:fld id="{3E09C654-F2CE-49A0-9D19-A73528137789}" type="slidenum">
               <a:rPr lang="fr-FR" smtClean="0"/>
               <a:pPr/>
-              <a:t>8</a:t>
+              <a:t>9</a:t>
             </a:fld>
             <a:endParaRPr lang="fr-FR"/>
           </a:p>
@@ -18102,130 +19420,26 @@
           </a:p>
         </p:txBody>
       </p:sp>
-    </p:spTree>
-    <p:extLst>
-      <p:ext uri="{BB962C8B-B14F-4D97-AF65-F5344CB8AC3E}">
-        <p14:creationId xmlns:p14="http://schemas.microsoft.com/office/powerpoint/2010/main" val="1004955960"/>
-      </p:ext>
-    </p:extLst>
-  </p:cSld>
-  <p:clrMapOvr>
-    <a:masterClrMapping/>
-  </p:clrMapOvr>
-  <p:timing>
-    <p:tnLst>
-      <p:par>
-        <p:cTn id="1" dur="indefinite" restart="never" nodeType="tmRoot"/>
-      </p:par>
-    </p:tnLst>
-  </p:timing>
-</p:sld>
-</file>
-
-<file path=ppt/slides/slide9.xml><?xml version="1.0" encoding="utf-8"?>
-<p:sld xmlns:a="http://schemas.openxmlformats.org/drawingml/2006/main" xmlns:r="http://schemas.openxmlformats.org/officeDocument/2006/relationships" xmlns:p="http://schemas.openxmlformats.org/presentationml/2006/main">
-  <p:cSld>
-    <p:spTree>
-      <p:nvGrpSpPr>
-        <p:cNvPr id="1" name=""/>
-        <p:cNvGrpSpPr/>
-        <p:nvPr/>
-      </p:nvGrpSpPr>
-      <p:grpSpPr>
-        <a:xfrm>
-          <a:off x="0" y="0"/>
-          <a:ext cx="0" cy="0"/>
-          <a:chOff x="0" y="0"/>
-          <a:chExt cx="0" cy="0"/>
-        </a:xfrm>
-      </p:grpSpPr>
-      <p:sp>
-        <p:nvSpPr>
-          <p:cNvPr id="2" name="Titre 1"/>
-          <p:cNvSpPr>
-            <a:spLocks noGrp="1"/>
-          </p:cNvSpPr>
-          <p:nvPr>
-            <p:ph type="title"/>
-          </p:nvPr>
-        </p:nvSpPr>
-        <p:spPr/>
-        <p:txBody>
-          <a:bodyPr>
-            <a:normAutofit/>
-          </a:bodyPr>
-          <a:lstStyle/>
-          <a:p>
-            <a:r>
-              <a:rPr lang="fr-FR" dirty="0" smtClean="0"/>
-              <a:t>Objectifs de la recherche</a:t>
-            </a:r>
-            <a:endParaRPr lang="fr-FR" dirty="0"/>
-          </a:p>
-        </p:txBody>
-      </p:sp>
-      <p:sp>
-        <p:nvSpPr>
-          <p:cNvPr id="3" name="Espace réservé du contenu 2"/>
-          <p:cNvSpPr>
-            <a:spLocks noGrp="1"/>
-          </p:cNvSpPr>
-          <p:nvPr>
-            <p:ph idx="1"/>
-          </p:nvPr>
+      <p:sp>
+        <p:nvSpPr>
+          <p:cNvPr id="18" name="Rectangle 17"/>
+          <p:cNvSpPr/>
+          <p:nvPr/>
         </p:nvSpPr>
         <p:spPr>
           <a:xfrm>
-            <a:off x="236466" y="5373216"/>
-            <a:ext cx="8229600" cy="1008112"/>
-          </a:xfrm>
-        </p:spPr>
-        <p:style>
-          <a:lnRef idx="1">
-            <a:schemeClr val="accent6"/>
-          </a:lnRef>
-          <a:fillRef idx="2">
-            <a:schemeClr val="accent6"/>
-          </a:fillRef>
-          <a:effectRef idx="1">
-            <a:schemeClr val="accent6"/>
-          </a:effectRef>
-          <a:fontRef idx="minor">
-            <a:schemeClr val="dk1"/>
-          </a:fontRef>
-        </p:style>
-        <p:txBody>
-          <a:bodyPr>
-            <a:normAutofit/>
-          </a:bodyPr>
-          <a:lstStyle/>
-          <a:p>
-            <a:pPr marL="0" indent="0" algn="ctr">
-              <a:buNone/>
-            </a:pPr>
-            <a:r>
-              <a:rPr lang="fr-FR" dirty="0" smtClean="0"/>
-              <a:t>Etudier l’impact de la relation interpersonnelle sur les stratégies de dialogue.</a:t>
-            </a:r>
-            <a:endParaRPr lang="fr-FR" dirty="0"/>
-          </a:p>
-        </p:txBody>
-      </p:sp>
-      <p:sp>
-        <p:nvSpPr>
-          <p:cNvPr id="4" name="Rectangle 3"/>
-          <p:cNvSpPr/>
-          <p:nvPr/>
-        </p:nvSpPr>
-        <p:spPr>
-          <a:xfrm>
-            <a:off x="3203848" y="1700808"/>
-            <a:ext cx="2520280" cy="720080"/>
+            <a:off x="809072" y="2276872"/>
+            <a:ext cx="3312367" cy="1440160"/>
           </a:xfrm>
           <a:prstGeom prst="rect">
             <a:avLst/>
           </a:prstGeom>
           <a:noFill/>
+          <a:ln w="76200">
+            <a:solidFill>
+              <a:srgbClr val="00B050"/>
+            </a:solidFill>
+          </a:ln>
         </p:spPr>
         <p:style>
           <a:lnRef idx="2">
@@ -18248,362 +19462,14 @@
           <a:lstStyle/>
           <a:p>
             <a:pPr algn="ctr"/>
-            <a:r>
-              <a:rPr lang="fr-FR" sz="2000" dirty="0" smtClean="0">
-                <a:solidFill>
-                  <a:schemeClr val="tx1"/>
-                </a:solidFill>
-              </a:rPr>
-              <a:t>Dialogue </a:t>
-            </a:r>
-            <a:r>
-              <a:rPr lang="fr-FR" sz="2000" dirty="0" smtClean="0">
-                <a:solidFill>
-                  <a:schemeClr val="tx1"/>
-                </a:solidFill>
-              </a:rPr>
-              <a:t>Agent/humain</a:t>
-            </a:r>
-            <a:endParaRPr lang="fr-FR" sz="2000" dirty="0">
-              <a:solidFill>
-                <a:schemeClr val="tx1"/>
-              </a:solidFill>
-            </a:endParaRPr>
-          </a:p>
-        </p:txBody>
-      </p:sp>
-      <p:sp>
-        <p:nvSpPr>
-          <p:cNvPr id="5" name="Rectangle 4"/>
-          <p:cNvSpPr/>
-          <p:nvPr/>
-        </p:nvSpPr>
-        <p:spPr>
-          <a:xfrm>
-            <a:off x="179512" y="3661477"/>
-            <a:ext cx="3024336" cy="576064"/>
-          </a:xfrm>
-          <a:prstGeom prst="rect">
-            <a:avLst/>
-          </a:prstGeom>
-          <a:noFill/>
-        </p:spPr>
-        <p:style>
-          <a:lnRef idx="2">
-            <a:schemeClr val="accent1">
-              <a:shade val="50000"/>
-            </a:schemeClr>
-          </a:lnRef>
-          <a:fillRef idx="1">
-            <a:schemeClr val="accent1"/>
-          </a:fillRef>
-          <a:effectRef idx="0">
-            <a:schemeClr val="accent1"/>
-          </a:effectRef>
-          <a:fontRef idx="minor">
-            <a:schemeClr val="lt1"/>
-          </a:fontRef>
-        </p:style>
-        <p:txBody>
-          <a:bodyPr rtlCol="0" anchor="ctr"/>
-          <a:lstStyle/>
-          <a:p>
-            <a:pPr algn="ctr"/>
-            <a:r>
-              <a:rPr lang="fr-FR" sz="2000" dirty="0" smtClean="0">
-                <a:solidFill>
-                  <a:schemeClr val="tx1"/>
-                </a:solidFill>
-              </a:rPr>
-              <a:t>But(s)  du dialogue</a:t>
-            </a:r>
-            <a:endParaRPr lang="fr-FR" sz="2000" dirty="0">
-              <a:solidFill>
-                <a:schemeClr val="tx1"/>
-              </a:solidFill>
-            </a:endParaRPr>
-          </a:p>
-        </p:txBody>
-      </p:sp>
-      <p:sp>
-        <p:nvSpPr>
-          <p:cNvPr id="6" name="Rectangle 5"/>
-          <p:cNvSpPr/>
-          <p:nvPr/>
-        </p:nvSpPr>
-        <p:spPr>
-          <a:xfrm>
-            <a:off x="5268416" y="3645024"/>
-            <a:ext cx="3408040" cy="576064"/>
-          </a:xfrm>
-          <a:prstGeom prst="rect">
-            <a:avLst/>
-          </a:prstGeom>
-          <a:noFill/>
-        </p:spPr>
-        <p:style>
-          <a:lnRef idx="2">
-            <a:schemeClr val="accent1">
-              <a:shade val="50000"/>
-            </a:schemeClr>
-          </a:lnRef>
-          <a:fillRef idx="1">
-            <a:schemeClr val="accent1"/>
-          </a:fillRef>
-          <a:effectRef idx="0">
-            <a:schemeClr val="accent1"/>
-          </a:effectRef>
-          <a:fontRef idx="minor">
-            <a:schemeClr val="lt1"/>
-          </a:fontRef>
-        </p:style>
-        <p:txBody>
-          <a:bodyPr rtlCol="0" anchor="ctr"/>
-          <a:lstStyle/>
-          <a:p>
-            <a:pPr algn="ctr"/>
-            <a:r>
-              <a:rPr lang="fr-FR" sz="2000" dirty="0" smtClean="0">
-                <a:solidFill>
-                  <a:schemeClr val="tx1"/>
-                </a:solidFill>
-              </a:rPr>
-              <a:t>Relations interpersonnelles</a:t>
-            </a:r>
-            <a:endParaRPr lang="fr-FR" sz="2000" dirty="0">
-              <a:solidFill>
-                <a:schemeClr val="tx1"/>
-              </a:solidFill>
-            </a:endParaRPr>
-          </a:p>
-        </p:txBody>
-      </p:sp>
-      <p:cxnSp>
-        <p:nvCxnSpPr>
-          <p:cNvPr id="9" name="Connecteur en angle 8"/>
-          <p:cNvCxnSpPr>
-            <a:stCxn id="4" idx="3"/>
-            <a:endCxn id="6" idx="0"/>
-          </p:cNvCxnSpPr>
-          <p:nvPr/>
-        </p:nvCxnSpPr>
-        <p:spPr>
-          <a:xfrm>
-            <a:off x="5724128" y="2060848"/>
-            <a:ext cx="1248308" cy="1584176"/>
-          </a:xfrm>
-          <a:prstGeom prst="bentConnector2">
-            <a:avLst/>
-          </a:prstGeom>
-          <a:ln w="28575">
-            <a:tailEnd type="arrow"/>
-          </a:ln>
-        </p:spPr>
-        <p:style>
-          <a:lnRef idx="1">
-            <a:schemeClr val="accent1"/>
-          </a:lnRef>
-          <a:fillRef idx="0">
-            <a:schemeClr val="accent1"/>
-          </a:fillRef>
-          <a:effectRef idx="0">
-            <a:schemeClr val="accent1"/>
-          </a:effectRef>
-          <a:fontRef idx="minor">
-            <a:schemeClr val="tx1"/>
-          </a:fontRef>
-        </p:style>
-      </p:cxnSp>
-      <p:cxnSp>
-        <p:nvCxnSpPr>
-          <p:cNvPr id="11" name="Connecteur en angle 10"/>
-          <p:cNvCxnSpPr>
-            <a:stCxn id="4" idx="1"/>
-            <a:endCxn id="5" idx="0"/>
-          </p:cNvCxnSpPr>
-          <p:nvPr/>
-        </p:nvCxnSpPr>
-        <p:spPr>
-          <a:xfrm rot="10800000" flipV="1">
-            <a:off x="1691680" y="2060847"/>
-            <a:ext cx="1512168" cy="1600629"/>
-          </a:xfrm>
-          <a:prstGeom prst="bentConnector2">
-            <a:avLst/>
-          </a:prstGeom>
-          <a:ln w="28575">
-            <a:tailEnd type="arrow"/>
-          </a:ln>
-        </p:spPr>
-        <p:style>
-          <a:lnRef idx="1">
-            <a:schemeClr val="accent1"/>
-          </a:lnRef>
-          <a:fillRef idx="0">
-            <a:schemeClr val="accent1"/>
-          </a:fillRef>
-          <a:effectRef idx="0">
-            <a:schemeClr val="accent1"/>
-          </a:effectRef>
-          <a:fontRef idx="minor">
-            <a:schemeClr val="tx1"/>
-          </a:fontRef>
-        </p:style>
-      </p:cxnSp>
-      <p:sp>
-        <p:nvSpPr>
-          <p:cNvPr id="7" name="Flèche courbée vers le bas 6"/>
-          <p:cNvSpPr/>
-          <p:nvPr/>
-        </p:nvSpPr>
-        <p:spPr>
-          <a:xfrm>
-            <a:off x="2627784" y="2792253"/>
-            <a:ext cx="3096344" cy="852771"/>
-          </a:xfrm>
-          <a:prstGeom prst="curvedDownArrow">
-            <a:avLst/>
-          </a:prstGeom>
-        </p:spPr>
-        <p:style>
-          <a:lnRef idx="2">
-            <a:schemeClr val="accent6">
-              <a:shade val="50000"/>
-            </a:schemeClr>
-          </a:lnRef>
-          <a:fillRef idx="1">
-            <a:schemeClr val="accent6"/>
-          </a:fillRef>
-          <a:effectRef idx="0">
-            <a:schemeClr val="accent6"/>
-          </a:effectRef>
-          <a:fontRef idx="minor">
-            <a:schemeClr val="lt1"/>
-          </a:fontRef>
-        </p:style>
-        <p:txBody>
-          <a:bodyPr rtlCol="0" anchor="ctr"/>
-          <a:lstStyle/>
-          <a:p>
-            <a:pPr algn="ctr"/>
-            <a:endParaRPr lang="fr-FR" dirty="0">
-              <a:solidFill>
-                <a:schemeClr val="tx1"/>
-              </a:solidFill>
-            </a:endParaRPr>
-          </a:p>
-        </p:txBody>
-      </p:sp>
-      <p:sp>
-        <p:nvSpPr>
-          <p:cNvPr id="10" name="Flèche courbée vers le bas 9"/>
-          <p:cNvSpPr/>
-          <p:nvPr/>
-        </p:nvSpPr>
-        <p:spPr>
-          <a:xfrm rot="10800000">
-            <a:off x="2627784" y="4243638"/>
-            <a:ext cx="2880320" cy="841546"/>
-          </a:xfrm>
-          <a:prstGeom prst="curvedDownArrow">
-            <a:avLst/>
-          </a:prstGeom>
-        </p:spPr>
-        <p:style>
-          <a:lnRef idx="2">
-            <a:schemeClr val="accent6">
-              <a:shade val="50000"/>
-            </a:schemeClr>
-          </a:lnRef>
-          <a:fillRef idx="1">
-            <a:schemeClr val="accent6"/>
-          </a:fillRef>
-          <a:effectRef idx="0">
-            <a:schemeClr val="accent6"/>
-          </a:effectRef>
-          <a:fontRef idx="minor">
-            <a:schemeClr val="lt1"/>
-          </a:fontRef>
-        </p:style>
-        <p:txBody>
-          <a:bodyPr rtlCol="0" anchor="ctr"/>
-          <a:lstStyle/>
-          <a:p>
-            <a:pPr algn="ctr"/>
-            <a:endParaRPr lang="fr-FR">
-              <a:solidFill>
-                <a:schemeClr val="tx1"/>
-              </a:solidFill>
-            </a:endParaRPr>
-          </a:p>
-        </p:txBody>
-      </p:sp>
-      <p:sp>
-        <p:nvSpPr>
-          <p:cNvPr id="12" name="Espace réservé du numéro de diapositive 11"/>
-          <p:cNvSpPr>
-            <a:spLocks noGrp="1"/>
-          </p:cNvSpPr>
-          <p:nvPr>
-            <p:ph type="sldNum" sz="quarter" idx="12"/>
-          </p:nvPr>
-        </p:nvSpPr>
-        <p:spPr/>
-        <p:txBody>
-          <a:bodyPr/>
-          <a:lstStyle/>
-          <a:p>
-            <a:fld id="{3E09C654-F2CE-49A0-9D19-A73528137789}" type="slidenum">
-              <a:rPr lang="fr-FR" smtClean="0"/>
-              <a:pPr/>
-              <a:t>9</a:t>
-            </a:fld>
             <a:endParaRPr lang="fr-FR"/>
-          </a:p>
-        </p:txBody>
-      </p:sp>
-      <p:sp>
-        <p:nvSpPr>
-          <p:cNvPr id="14" name="ZoneTexte 13"/>
-          <p:cNvSpPr txBox="1"/>
-          <p:nvPr/>
-        </p:nvSpPr>
-        <p:spPr>
-          <a:xfrm>
-            <a:off x="91386" y="0"/>
-            <a:ext cx="1577676" cy="400110"/>
-          </a:xfrm>
-          <a:prstGeom prst="rect">
-            <a:avLst/>
-          </a:prstGeom>
-          <a:noFill/>
-        </p:spPr>
-        <p:txBody>
-          <a:bodyPr wrap="none" rtlCol="0">
-            <a:spAutoFit/>
-          </a:bodyPr>
-          <a:lstStyle/>
-          <a:p>
-            <a:r>
-              <a:rPr lang="fr-FR" sz="2000" b="1" dirty="0" smtClean="0">
-                <a:solidFill>
-                  <a:schemeClr val="bg1"/>
-                </a:solidFill>
-              </a:rPr>
-              <a:t>Etat de l’art</a:t>
-            </a:r>
-            <a:endParaRPr lang="fr-FR" sz="2000" b="1" dirty="0">
-              <a:solidFill>
-                <a:schemeClr val="bg1"/>
-              </a:solidFill>
-            </a:endParaRPr>
           </a:p>
         </p:txBody>
       </p:sp>
     </p:spTree>
     <p:extLst>
       <p:ext uri="{BB962C8B-B14F-4D97-AF65-F5344CB8AC3E}">
-        <p14:creationId xmlns:p14="http://schemas.microsoft.com/office/powerpoint/2010/main" val="1504314713"/>
+        <p14:creationId xmlns:p14="http://schemas.microsoft.com/office/powerpoint/2010/main" val="1004955960"/>
       </p:ext>
     </p:extLst>
   </p:cSld>
@@ -18613,9 +19479,80 @@
   <p:timing>
     <p:tnLst>
       <p:par>
-        <p:cTn id="1" dur="indefinite" restart="never" nodeType="tmRoot"/>
+        <p:cTn id="1" dur="indefinite" restart="never" nodeType="tmRoot">
+          <p:childTnLst>
+            <p:seq concurrent="1" nextAc="seek">
+              <p:cTn id="2" dur="indefinite" nodeType="mainSeq">
+                <p:childTnLst>
+                  <p:par>
+                    <p:cTn id="3" fill="hold">
+                      <p:stCondLst>
+                        <p:cond delay="indefinite"/>
+                      </p:stCondLst>
+                      <p:childTnLst>
+                        <p:par>
+                          <p:cTn id="4" fill="hold">
+                            <p:stCondLst>
+                              <p:cond delay="0"/>
+                            </p:stCondLst>
+                            <p:childTnLst>
+                              <p:par>
+                                <p:cTn id="5" presetID="1" presetClass="entr" presetSubtype="0" fill="hold" grpId="0" nodeType="clickEffect">
+                                  <p:stCondLst>
+                                    <p:cond delay="0"/>
+                                  </p:stCondLst>
+                                  <p:childTnLst>
+                                    <p:set>
+                                      <p:cBhvr>
+                                        <p:cTn id="6" dur="1" fill="hold">
+                                          <p:stCondLst>
+                                            <p:cond delay="0"/>
+                                          </p:stCondLst>
+                                        </p:cTn>
+                                        <p:tgtEl>
+                                          <p:spTgt spid="18"/>
+                                        </p:tgtEl>
+                                        <p:attrNameLst>
+                                          <p:attrName>style.visibility</p:attrName>
+                                        </p:attrNameLst>
+                                      </p:cBhvr>
+                                      <p:to>
+                                        <p:strVal val="visible"/>
+                                      </p:to>
+                                    </p:set>
+                                  </p:childTnLst>
+                                </p:cTn>
+                              </p:par>
+                            </p:childTnLst>
+                          </p:cTn>
+                        </p:par>
+                      </p:childTnLst>
+                    </p:cTn>
+                  </p:par>
+                </p:childTnLst>
+              </p:cTn>
+              <p:prevCondLst>
+                <p:cond evt="onPrev" delay="0">
+                  <p:tgtEl>
+                    <p:sldTgt/>
+                  </p:tgtEl>
+                </p:cond>
+              </p:prevCondLst>
+              <p:nextCondLst>
+                <p:cond evt="onNext" delay="0">
+                  <p:tgtEl>
+                    <p:sldTgt/>
+                  </p:tgtEl>
+                </p:cond>
+              </p:nextCondLst>
+            </p:seq>
+          </p:childTnLst>
+        </p:cTn>
       </p:par>
     </p:tnLst>
+    <p:bldLst>
+      <p:bldP spid="18" grpId="0" animBg="1"/>
+    </p:bldLst>
   </p:timing>
 </p:sld>
 </file>

--- a/papers/Presentations/CPU_Presentation.pptx
+++ b/papers/Presentations/CPU_Presentation.pptx
@@ -222,7 +222,7 @@
           <a:p>
             <a:fld id="{A0F2417B-8253-4279-916F-6C56EB6F1AD0}" type="datetimeFigureOut">
               <a:rPr lang="fr-FR" smtClean="0"/>
-              <a:t>19/02/2016</a:t>
+              <a:t>22/02/2016</a:t>
             </a:fld>
             <a:endParaRPr lang="fr-FR"/>
           </a:p>
@@ -574,6 +574,90 @@
 </p:notes>
 </file>
 
+<file path=ppt/notesSlides/notesSlide10.xml><?xml version="1.0" encoding="utf-8"?>
+<p:notes xmlns:a="http://schemas.openxmlformats.org/drawingml/2006/main" xmlns:r="http://schemas.openxmlformats.org/officeDocument/2006/relationships" xmlns:p="http://schemas.openxmlformats.org/presentationml/2006/main">
+  <p:cSld>
+    <p:spTree>
+      <p:nvGrpSpPr>
+        <p:cNvPr id="1" name=""/>
+        <p:cNvGrpSpPr/>
+        <p:nvPr/>
+      </p:nvGrpSpPr>
+      <p:grpSpPr>
+        <a:xfrm>
+          <a:off x="0" y="0"/>
+          <a:ext cx="0" cy="0"/>
+          <a:chOff x="0" y="0"/>
+          <a:chExt cx="0" cy="0"/>
+        </a:xfrm>
+      </p:grpSpPr>
+      <p:sp>
+        <p:nvSpPr>
+          <p:cNvPr id="2" name="Espace réservé de l'image des diapositives 1"/>
+          <p:cNvSpPr>
+            <a:spLocks noGrp="1" noRot="1" noChangeAspect="1"/>
+          </p:cNvSpPr>
+          <p:nvPr>
+            <p:ph type="sldImg"/>
+          </p:nvPr>
+        </p:nvSpPr>
+        <p:spPr/>
+      </p:sp>
+      <p:sp>
+        <p:nvSpPr>
+          <p:cNvPr id="3" name="Espace réservé des commentaires 2"/>
+          <p:cNvSpPr>
+            <a:spLocks noGrp="1"/>
+          </p:cNvSpPr>
+          <p:nvPr>
+            <p:ph type="body" idx="1"/>
+          </p:nvPr>
+        </p:nvSpPr>
+        <p:spPr/>
+        <p:txBody>
+          <a:bodyPr/>
+          <a:lstStyle/>
+          <a:p>
+            <a:endParaRPr lang="fr-FR" dirty="0"/>
+          </a:p>
+        </p:txBody>
+      </p:sp>
+      <p:sp>
+        <p:nvSpPr>
+          <p:cNvPr id="4" name="Espace réservé du numéro de diapositive 3"/>
+          <p:cNvSpPr>
+            <a:spLocks noGrp="1"/>
+          </p:cNvSpPr>
+          <p:nvPr>
+            <p:ph type="sldNum" sz="quarter" idx="10"/>
+          </p:nvPr>
+        </p:nvSpPr>
+        <p:spPr/>
+        <p:txBody>
+          <a:bodyPr/>
+          <a:lstStyle/>
+          <a:p>
+            <a:fld id="{B48807CD-2378-4C1E-8048-3D0E9D8EA8A6}" type="slidenum">
+              <a:rPr lang="fr-FR" smtClean="0"/>
+              <a:t>25</a:t>
+            </a:fld>
+            <a:endParaRPr lang="fr-FR"/>
+          </a:p>
+        </p:txBody>
+      </p:sp>
+    </p:spTree>
+    <p:extLst>
+      <p:ext uri="{BB962C8B-B14F-4D97-AF65-F5344CB8AC3E}">
+        <p14:creationId xmlns:p14="http://schemas.microsoft.com/office/powerpoint/2010/main" val="3281249628"/>
+      </p:ext>
+    </p:extLst>
+  </p:cSld>
+  <p:clrMapOvr>
+    <a:masterClrMapping/>
+  </p:clrMapOvr>
+</p:notes>
+</file>
+
 <file path=ppt/notesSlides/notesSlide2.xml><?xml version="1.0" encoding="utf-8"?>
 <p:notes xmlns:a="http://schemas.openxmlformats.org/drawingml/2006/main" xmlns:r="http://schemas.openxmlformats.org/officeDocument/2006/relationships" xmlns:p="http://schemas.openxmlformats.org/presentationml/2006/main">
   <p:cSld>
@@ -907,6 +991,29 @@
               <a:rPr lang="fr-FR" baseline="0" dirty="0" smtClean="0"/>
               <a:t> maintenance) </a:t>
             </a:r>
+            <a:endParaRPr lang="fr-FR" baseline="0" dirty="0" smtClean="0"/>
+          </a:p>
+          <a:p>
+            <a:r>
+              <a:rPr lang="fr-FR" baseline="0" dirty="0" err="1" smtClean="0"/>
+              <a:t>Rea</a:t>
+            </a:r>
+            <a:r>
+              <a:rPr lang="fr-FR" baseline="0" dirty="0" smtClean="0"/>
+              <a:t>: la relation de confiance </a:t>
+            </a:r>
+          </a:p>
+          <a:p>
+            <a:r>
+              <a:rPr lang="fr-FR" baseline="0" dirty="0" err="1" smtClean="0"/>
+              <a:t>Always</a:t>
+            </a:r>
+            <a:r>
+              <a:rPr lang="fr-FR" baseline="0" dirty="0" smtClean="0"/>
+              <a:t>: La relation de proximité</a:t>
+            </a:r>
+          </a:p>
+          <a:p>
             <a:endParaRPr lang="fr-FR" dirty="0"/>
           </a:p>
         </p:txBody>
@@ -992,8 +1099,21 @@
           <a:lstStyle/>
           <a:p>
             <a:r>
-              <a:rPr lang="en-US" dirty="0" smtClean="0"/>
-              <a:t>Attentional state is an abstraction of the participants’ focus of attention as their discourse unfolds</a:t>
+              <a:rPr lang="fr-FR" dirty="0" smtClean="0"/>
+              <a:t>Relation</a:t>
+            </a:r>
+            <a:r>
+              <a:rPr lang="fr-FR" baseline="0" dirty="0" smtClean="0"/>
+              <a:t> de dominance dans laquelle on a remarqué des comportements qui nous semblaient intéressants à étudier</a:t>
+            </a:r>
+          </a:p>
+          <a:p>
+            <a:endParaRPr lang="fr-FR" baseline="0" dirty="0" smtClean="0"/>
+          </a:p>
+          <a:p>
+            <a:r>
+              <a:rPr lang="fr-FR" baseline="0" dirty="0" smtClean="0"/>
+              <a:t>Dans la suite je présente les contributions réalisées jusqu’à présent</a:t>
             </a:r>
             <a:endParaRPr lang="fr-FR" dirty="0"/>
           </a:p>
@@ -1014,9 +1134,9 @@
           <a:bodyPr/>
           <a:lstStyle/>
           <a:p>
-            <a:fld id="{3E9B4F48-A4EC-4F0B-9CEB-4F637EA6FD75}" type="slidenum">
+            <a:fld id="{B48807CD-2378-4C1E-8048-3D0E9D8EA8A6}" type="slidenum">
               <a:rPr lang="fr-FR" smtClean="0"/>
-              <a:t>12</a:t>
+              <a:t>9</a:t>
             </a:fld>
             <a:endParaRPr lang="fr-FR"/>
           </a:p>
@@ -1025,7 +1145,7 @@
     </p:spTree>
     <p:extLst>
       <p:ext uri="{BB962C8B-B14F-4D97-AF65-F5344CB8AC3E}">
-        <p14:creationId xmlns:p14="http://schemas.microsoft.com/office/powerpoint/2010/main" val="3972364146"/>
+        <p14:creationId xmlns:p14="http://schemas.microsoft.com/office/powerpoint/2010/main" val="2403280355"/>
       </p:ext>
     </p:extLst>
   </p:cSld>
@@ -1079,30 +1199,14 @@
           <a:bodyPr/>
           <a:lstStyle/>
           <a:p>
-            <a:pPr marL="0" marR="0" lvl="2" indent="0" algn="l" defTabSz="914400" rtl="0" eaLnBrk="1" fontAlgn="auto" latinLnBrk="0" hangingPunct="1">
-              <a:lnSpc>
-                <a:spcPct val="100000"/>
-              </a:lnSpc>
-              <a:spcBef>
-                <a:spcPts val="0"/>
-              </a:spcBef>
-              <a:spcAft>
-                <a:spcPts val="0"/>
-              </a:spcAft>
-              <a:buClrTx/>
-              <a:buSzTx/>
-              <a:buFontTx/>
-              <a:buNone/>
-              <a:tabLst/>
-              <a:defRPr/>
-            </a:pPr>
-            <a:r>
-              <a:rPr lang="en-US" dirty="0" smtClean="0"/>
-              <a:t>Discourse purpose (DP) underlies engaging in the particular discourse. Discourse segment purpose (DSP) specifies how this segment contributes to achieving the overall discourse purpose. </a:t>
-            </a:r>
-            <a:endParaRPr lang="fr-FR" dirty="0" smtClean="0"/>
-          </a:p>
-          <a:p>
+            <a:r>
+              <a:rPr lang="fr-FR" dirty="0" smtClean="0"/>
+              <a:t>Je vais présenter</a:t>
+            </a:r>
+            <a:r>
+              <a:rPr lang="fr-FR" baseline="0" dirty="0" smtClean="0"/>
+              <a:t> les différentes étapes</a:t>
+            </a:r>
             <a:endParaRPr lang="fr-FR" dirty="0"/>
           </a:p>
         </p:txBody>
@@ -1122,9 +1226,9 @@
           <a:bodyPr/>
           <a:lstStyle/>
           <a:p>
-            <a:fld id="{3E9B4F48-A4EC-4F0B-9CEB-4F637EA6FD75}" type="slidenum">
+            <a:fld id="{B48807CD-2378-4C1E-8048-3D0E9D8EA8A6}" type="slidenum">
               <a:rPr lang="fr-FR" smtClean="0"/>
-              <a:t>13</a:t>
+              <a:t>10</a:t>
             </a:fld>
             <a:endParaRPr lang="fr-FR"/>
           </a:p>
@@ -1133,7 +1237,7 @@
     </p:spTree>
     <p:extLst>
       <p:ext uri="{BB962C8B-B14F-4D97-AF65-F5344CB8AC3E}">
-        <p14:creationId xmlns:p14="http://schemas.microsoft.com/office/powerpoint/2010/main" val="2165421636"/>
+        <p14:creationId xmlns:p14="http://schemas.microsoft.com/office/powerpoint/2010/main" val="2356899756"/>
       </p:ext>
     </p:extLst>
   </p:cSld>
@@ -1188,16 +1292,8 @@
           <a:lstStyle/>
           <a:p>
             <a:r>
-              <a:rPr lang="fr-FR" dirty="0" smtClean="0"/>
-              <a:t>Dans la suite je vais présenter chaque </a:t>
-            </a:r>
-            <a:r>
-              <a:rPr lang="fr-FR" dirty="0" err="1" smtClean="0"/>
-              <a:t>element</a:t>
-            </a:r>
-            <a:r>
-              <a:rPr lang="fr-FR" dirty="0" smtClean="0"/>
-              <a:t> de notre modèle</a:t>
+              <a:rPr lang="en-US" dirty="0" smtClean="0"/>
+              <a:t>Attentional state is an abstraction of the participants’ focus of attention as their discourse unfolds</a:t>
             </a:r>
             <a:endParaRPr lang="fr-FR" dirty="0"/>
           </a:p>
@@ -1218,9 +1314,9 @@
           <a:bodyPr/>
           <a:lstStyle/>
           <a:p>
-            <a:fld id="{B48807CD-2378-4C1E-8048-3D0E9D8EA8A6}" type="slidenum">
+            <a:fld id="{3E9B4F48-A4EC-4F0B-9CEB-4F637EA6FD75}" type="slidenum">
               <a:rPr lang="fr-FR" smtClean="0"/>
-              <a:t>21</a:t>
+              <a:t>12</a:t>
             </a:fld>
             <a:endParaRPr lang="fr-FR"/>
           </a:p>
@@ -1229,7 +1325,7 @@
     </p:spTree>
     <p:extLst>
       <p:ext uri="{BB962C8B-B14F-4D97-AF65-F5344CB8AC3E}">
-        <p14:creationId xmlns:p14="http://schemas.microsoft.com/office/powerpoint/2010/main" val="2974902021"/>
+        <p14:creationId xmlns:p14="http://schemas.microsoft.com/office/powerpoint/2010/main" val="3972364146"/>
       </p:ext>
     </p:extLst>
   </p:cSld>
@@ -1283,6 +1379,30 @@
           <a:bodyPr/>
           <a:lstStyle/>
           <a:p>
+            <a:pPr marL="0" marR="0" lvl="2" indent="0" algn="l" defTabSz="914400" rtl="0" eaLnBrk="1" fontAlgn="auto" latinLnBrk="0" hangingPunct="1">
+              <a:lnSpc>
+                <a:spcPct val="100000"/>
+              </a:lnSpc>
+              <a:spcBef>
+                <a:spcPts val="0"/>
+              </a:spcBef>
+              <a:spcAft>
+                <a:spcPts val="0"/>
+              </a:spcAft>
+              <a:buClrTx/>
+              <a:buSzTx/>
+              <a:buFontTx/>
+              <a:buNone/>
+              <a:tabLst/>
+              <a:defRPr/>
+            </a:pPr>
+            <a:r>
+              <a:rPr lang="en-US" dirty="0" smtClean="0"/>
+              <a:t>Discourse purpose (DP) underlies engaging in the particular discourse. Discourse segment purpose (DSP) specifies how this segment contributes to achieving the overall discourse purpose. </a:t>
+            </a:r>
+            <a:endParaRPr lang="fr-FR" dirty="0" smtClean="0"/>
+          </a:p>
+          <a:p>
             <a:endParaRPr lang="fr-FR" dirty="0"/>
           </a:p>
         </p:txBody>
@@ -1302,9 +1422,9 @@
           <a:bodyPr/>
           <a:lstStyle/>
           <a:p>
-            <a:fld id="{B48807CD-2378-4C1E-8048-3D0E9D8EA8A6}" type="slidenum">
+            <a:fld id="{3E9B4F48-A4EC-4F0B-9CEB-4F637EA6FD75}" type="slidenum">
               <a:rPr lang="fr-FR" smtClean="0"/>
-              <a:t>25</a:t>
+              <a:t>13</a:t>
             </a:fld>
             <a:endParaRPr lang="fr-FR"/>
           </a:p>
@@ -1313,7 +1433,103 @@
     </p:spTree>
     <p:extLst>
       <p:ext uri="{BB962C8B-B14F-4D97-AF65-F5344CB8AC3E}">
-        <p14:creationId xmlns:p14="http://schemas.microsoft.com/office/powerpoint/2010/main" val="3281249628"/>
+        <p14:creationId xmlns:p14="http://schemas.microsoft.com/office/powerpoint/2010/main" val="2165421636"/>
+      </p:ext>
+    </p:extLst>
+  </p:cSld>
+  <p:clrMapOvr>
+    <a:masterClrMapping/>
+  </p:clrMapOvr>
+</p:notes>
+</file>
+
+<file path=ppt/notesSlides/notesSlide9.xml><?xml version="1.0" encoding="utf-8"?>
+<p:notes xmlns:a="http://schemas.openxmlformats.org/drawingml/2006/main" xmlns:r="http://schemas.openxmlformats.org/officeDocument/2006/relationships" xmlns:p="http://schemas.openxmlformats.org/presentationml/2006/main">
+  <p:cSld>
+    <p:spTree>
+      <p:nvGrpSpPr>
+        <p:cNvPr id="1" name=""/>
+        <p:cNvGrpSpPr/>
+        <p:nvPr/>
+      </p:nvGrpSpPr>
+      <p:grpSpPr>
+        <a:xfrm>
+          <a:off x="0" y="0"/>
+          <a:ext cx="0" cy="0"/>
+          <a:chOff x="0" y="0"/>
+          <a:chExt cx="0" cy="0"/>
+        </a:xfrm>
+      </p:grpSpPr>
+      <p:sp>
+        <p:nvSpPr>
+          <p:cNvPr id="2" name="Espace réservé de l'image des diapositives 1"/>
+          <p:cNvSpPr>
+            <a:spLocks noGrp="1" noRot="1" noChangeAspect="1"/>
+          </p:cNvSpPr>
+          <p:nvPr>
+            <p:ph type="sldImg"/>
+          </p:nvPr>
+        </p:nvSpPr>
+        <p:spPr/>
+      </p:sp>
+      <p:sp>
+        <p:nvSpPr>
+          <p:cNvPr id="3" name="Espace réservé des commentaires 2"/>
+          <p:cNvSpPr>
+            <a:spLocks noGrp="1"/>
+          </p:cNvSpPr>
+          <p:nvPr>
+            <p:ph type="body" idx="1"/>
+          </p:nvPr>
+        </p:nvSpPr>
+        <p:spPr/>
+        <p:txBody>
+          <a:bodyPr/>
+          <a:lstStyle/>
+          <a:p>
+            <a:r>
+              <a:rPr lang="fr-FR" dirty="0" smtClean="0"/>
+              <a:t>Dans la suite je vais présenter chaque </a:t>
+            </a:r>
+            <a:r>
+              <a:rPr lang="fr-FR" dirty="0" err="1" smtClean="0"/>
+              <a:t>element</a:t>
+            </a:r>
+            <a:r>
+              <a:rPr lang="fr-FR" dirty="0" smtClean="0"/>
+              <a:t> de notre modèle</a:t>
+            </a:r>
+            <a:endParaRPr lang="fr-FR" dirty="0"/>
+          </a:p>
+        </p:txBody>
+      </p:sp>
+      <p:sp>
+        <p:nvSpPr>
+          <p:cNvPr id="4" name="Espace réservé du numéro de diapositive 3"/>
+          <p:cNvSpPr>
+            <a:spLocks noGrp="1"/>
+          </p:cNvSpPr>
+          <p:nvPr>
+            <p:ph type="sldNum" sz="quarter" idx="10"/>
+          </p:nvPr>
+        </p:nvSpPr>
+        <p:spPr/>
+        <p:txBody>
+          <a:bodyPr/>
+          <a:lstStyle/>
+          <a:p>
+            <a:fld id="{B48807CD-2378-4C1E-8048-3D0E9D8EA8A6}" type="slidenum">
+              <a:rPr lang="fr-FR" smtClean="0"/>
+              <a:t>21</a:t>
+            </a:fld>
+            <a:endParaRPr lang="fr-FR"/>
+          </a:p>
+        </p:txBody>
+      </p:sp>
+    </p:spTree>
+    <p:extLst>
+      <p:ext uri="{BB962C8B-B14F-4D97-AF65-F5344CB8AC3E}">
+        <p14:creationId xmlns:p14="http://schemas.microsoft.com/office/powerpoint/2010/main" val="2974902021"/>
       </p:ext>
     </p:extLst>
   </p:cSld>
@@ -5108,7 +5324,7 @@
         <p:spPr>
           <a:xfrm>
             <a:off x="3489774" y="4191052"/>
-            <a:ext cx="1300356" cy="369332"/>
+            <a:ext cx="1319592" cy="369332"/>
           </a:xfrm>
           <a:prstGeom prst="rect">
             <a:avLst/>
@@ -5123,16 +5339,16 @@
           <a:p>
             <a:pPr lvl="0"/>
             <a:fld id="{D0EB107A-F0B0-4CF2-8DFA-50BF5870A9A1}" type="datetime1">
-              <a:rPr lang="fr-FR" smtClean="0">
+              <a:rPr lang="fr-FR" b="1" smtClean="0">
                 <a:solidFill>
                   <a:prstClr val="black"/>
                 </a:solidFill>
                 <a:latin typeface="Calibri"/>
               </a:rPr>
               <a:pPr lvl="0"/>
-              <a:t>19/02/2016</a:t>
+              <a:t>22/02/2016</a:t>
             </a:fld>
-            <a:endParaRPr lang="fr-FR" dirty="0">
+            <a:endParaRPr lang="fr-FR" b="1" dirty="0">
               <a:solidFill>
                 <a:prstClr val="black"/>
               </a:solidFill>
@@ -5297,11 +5513,7 @@
           <a:p>
             <a:r>
               <a:rPr lang="fr-FR" dirty="0" smtClean="0"/>
-              <a:t>Plan des </a:t>
-            </a:r>
-            <a:r>
-              <a:rPr lang="fr-FR" dirty="0" smtClean="0"/>
-              <a:t>contributions </a:t>
+              <a:t>Plan des contributions </a:t>
             </a:r>
             <a:r>
               <a:rPr lang="fr-FR" sz="2800" dirty="0" smtClean="0"/>
@@ -5346,15 +5558,7 @@
             </a:r>
             <a:r>
               <a:rPr lang="fr-FR" dirty="0" smtClean="0"/>
-              <a:t>et analyse </a:t>
-            </a:r>
-            <a:r>
-              <a:rPr lang="fr-FR" dirty="0" smtClean="0"/>
-              <a:t>de deux dialogues</a:t>
-            </a:r>
-            <a:r>
-              <a:rPr lang="fr-FR" dirty="0" smtClean="0"/>
-              <a:t>.</a:t>
+              <a:t>et analyse de deux dialogues.</a:t>
             </a:r>
           </a:p>
           <a:p>
@@ -6209,23 +6413,7 @@
             </a:r>
             <a:r>
               <a:rPr lang="fr-FR" dirty="0" smtClean="0"/>
-              <a:t>aire </a:t>
-            </a:r>
-            <a:r>
-              <a:rPr lang="fr-FR" dirty="0" smtClean="0"/>
-              <a:t>croire  un fait à un </a:t>
-            </a:r>
-            <a:r>
-              <a:rPr lang="fr-FR" dirty="0" smtClean="0"/>
-              <a:t>agent, effectuer </a:t>
-            </a:r>
-            <a:r>
-              <a:rPr lang="fr-FR" dirty="0" smtClean="0"/>
-              <a:t>une </a:t>
-            </a:r>
-            <a:r>
-              <a:rPr lang="fr-FR" dirty="0" smtClean="0"/>
-              <a:t>tâche…</a:t>
+              <a:t>aire croire  un fait à un agent, effectuer une tâche…</a:t>
             </a:r>
           </a:p>
           <a:p>
@@ -6403,11 +6591,7 @@
           <a:p>
             <a:r>
               <a:rPr lang="fr-FR" dirty="0" smtClean="0"/>
-              <a:t>Structure </a:t>
-            </a:r>
-            <a:r>
-              <a:rPr lang="fr-FR" dirty="0" smtClean="0"/>
-              <a:t>Intentionnelle et dimension sociale</a:t>
+              <a:t>Structure Intentionnelle et dimension sociale</a:t>
             </a:r>
             <a:endParaRPr lang="fr-FR" dirty="0"/>
           </a:p>
@@ -6493,11 +6677,6 @@
               </a:rPr>
               <a:t> (sur nos deux dialogues)</a:t>
             </a:r>
-            <a:endParaRPr lang="fr-FR" sz="2800" dirty="0" smtClean="0">
-              <a:solidFill>
-                <a:prstClr val="black"/>
-              </a:solidFill>
-            </a:endParaRPr>
           </a:p>
           <a:p>
             <a:pPr marL="617220" lvl="3">
@@ -8412,11 +8591,7 @@
           <a:p>
             <a:r>
               <a:rPr lang="fr-FR" dirty="0" smtClean="0"/>
-              <a:t>Résultats </a:t>
-            </a:r>
-            <a:r>
-              <a:rPr lang="fr-FR" dirty="0" smtClean="0"/>
-              <a:t>obtenus (2)</a:t>
+              <a:t>Résultats obtenus (2)</a:t>
             </a:r>
             <a:endParaRPr lang="fr-FR" dirty="0"/>
           </a:p>
@@ -8815,7 +8990,15 @@
           <a:p>
             <a:r>
               <a:rPr lang="fr-FR" dirty="0" smtClean="0"/>
-              <a:t>Les actes de langages extraits portent tous sur l’expression des préférences.</a:t>
+              <a:t>Les actes de </a:t>
+            </a:r>
+            <a:r>
+              <a:rPr lang="fr-FR" dirty="0" smtClean="0"/>
+              <a:t>dialogues extraits </a:t>
+            </a:r>
+            <a:r>
+              <a:rPr lang="fr-FR" dirty="0" smtClean="0"/>
+              <a:t>portent tous sur l’expression des préférences.</a:t>
             </a:r>
           </a:p>
           <a:p>
@@ -9474,13 +9657,17 @@
         </p:nvSpPr>
         <p:spPr>
           <a:xfrm flipH="1">
-            <a:off x="653545" y="2204864"/>
-            <a:ext cx="2520282" cy="1023315"/>
+            <a:off x="657219" y="2204864"/>
+            <a:ext cx="2556354" cy="1023315"/>
           </a:xfrm>
           <a:prstGeom prst="rect">
             <a:avLst/>
           </a:prstGeom>
-          <a:ln/>
+          <a:ln>
+            <a:solidFill>
+              <a:schemeClr val="accent5"/>
+            </a:solidFill>
+          </a:ln>
         </p:spPr>
         <p:style>
           <a:lnRef idx="3">
@@ -9561,13 +9748,17 @@
         </p:nvSpPr>
         <p:spPr>
           <a:xfrm flipH="1">
-            <a:off x="657220" y="4418460"/>
-            <a:ext cx="2517600" cy="519257"/>
+            <a:off x="657219" y="4418460"/>
+            <a:ext cx="2556353" cy="519257"/>
           </a:xfrm>
           <a:prstGeom prst="rect">
             <a:avLst/>
           </a:prstGeom>
-          <a:ln/>
+          <a:ln>
+            <a:solidFill>
+              <a:schemeClr val="accent5"/>
+            </a:solidFill>
+          </a:ln>
         </p:spPr>
         <p:style>
           <a:lnRef idx="3">
@@ -9592,7 +9783,6 @@
               <a:rPr lang="fr-FR" dirty="0"/>
               <a:t>Etat de la négociation</a:t>
             </a:r>
-            <a:endParaRPr lang="fr-FR" dirty="0"/>
           </a:p>
         </p:txBody>
       </p:sp>
@@ -9939,15 +10129,23 @@
           <a:p>
             <a:pPr algn="ctr"/>
             <a:r>
+              <a:rPr lang="fr-FR" sz="2000" b="1" dirty="0" smtClean="0"/>
+              <a:t>5 actes de dialogues </a:t>
+            </a:r>
+          </a:p>
+          <a:p>
+            <a:pPr algn="ctr"/>
+            <a:r>
               <a:rPr lang="fr-FR" dirty="0" smtClean="0"/>
-              <a:t>5 actes de dialogues </a:t>
-            </a:r>
-          </a:p>
-          <a:p>
-            <a:pPr algn="ctr"/>
+              <a:t>   Proposer </a:t>
+            </a:r>
             <a:r>
               <a:rPr lang="fr-FR" dirty="0" smtClean="0"/>
-              <a:t>Proposer , demander  …</a:t>
+              <a:t>, demander </a:t>
+            </a:r>
+            <a:r>
+              <a:rPr lang="fr-FR" dirty="0" smtClean="0"/>
+              <a:t>…</a:t>
             </a:r>
             <a:endParaRPr lang="fr-FR" dirty="0"/>
           </a:p>
@@ -11398,8 +11596,8 @@
           </a:p>
         </p:txBody>
       </p:sp>
-      <mc:AlternateContent xmlns:mc="http://schemas.openxmlformats.org/markup-compatibility/2006">
-        <mc:Choice xmlns:a14="http://schemas.microsoft.com/office/drawing/2010/main" Requires="a14">
+      <mc:AlternateContent xmlns:mc="http://schemas.openxmlformats.org/markup-compatibility/2006" xmlns:a14="http://schemas.microsoft.com/office/drawing/2010/main">
+        <mc:Choice Requires="a14">
           <p:graphicFrame>
             <p:nvGraphicFramePr>
               <p:cNvPr id="4" name="Tableau 3"/>
@@ -11416,7 +11614,7 @@
             </p:nvGraphicFramePr>
             <p:xfrm>
               <a:off x="1043608" y="2030684"/>
-              <a:ext cx="7200800" cy="4710684"/>
+              <a:ext cx="7200800" cy="4846320"/>
             </p:xfrm>
             <a:graphic>
               <a:graphicData uri="http://schemas.openxmlformats.org/drawingml/2006/table">
@@ -12608,7 +12806,7 @@
             </a:graphic>
           </p:graphicFrame>
         </mc:Choice>
-        <mc:Fallback>
+        <mc:Fallback xmlns="">
           <p:graphicFrame>
             <p:nvGraphicFramePr>
               <p:cNvPr id="4" name="Tableau 3"/>
@@ -14055,7 +14253,7 @@
         <p:spPr>
           <a:xfrm>
             <a:off x="457200" y="1600200"/>
-            <a:ext cx="7620000" cy="4800600"/>
+            <a:ext cx="8219256" cy="4800600"/>
           </a:xfrm>
         </p:spPr>
         <p:txBody>
@@ -14064,8 +14262,13 @@
           <a:p>
             <a:r>
               <a:rPr lang="fr-FR" sz="2400" b="1" dirty="0" smtClean="0"/>
-              <a:t>Implémentation  du modèle extrait des corpus. </a:t>
-            </a:r>
+              <a:t>Implémentation  du modèle extrait </a:t>
+            </a:r>
+            <a:r>
+              <a:rPr lang="fr-FR" sz="2400" b="1" dirty="0" smtClean="0"/>
+              <a:t>de nos données. </a:t>
+            </a:r>
+            <a:endParaRPr lang="fr-FR" sz="2400" b="1" dirty="0" smtClean="0"/>
           </a:p>
           <a:p>
             <a:endParaRPr lang="fr-FR" sz="2400" b="1" dirty="0" smtClean="0"/>
@@ -15742,11 +15945,6 @@
               </a:rPr>
               <a:t>réactive</a:t>
             </a:r>
-            <a:endParaRPr lang="fr-FR" dirty="0">
-              <a:solidFill>
-                <a:schemeClr val="tx1"/>
-              </a:solidFill>
-            </a:endParaRPr>
           </a:p>
         </p:txBody>
       </p:sp>
@@ -16346,7 +16544,7 @@
           <a:lstStyle/>
           <a:p>
             <a:r>
-              <a:rPr lang="fr-FR" dirty="0" smtClean="0"/>
+              <a:rPr lang="fr-FR" b="1" dirty="0" smtClean="0"/>
               <a:t>Impact des dimensions sociales sur la stratégies de dialogue</a:t>
             </a:r>
           </a:p>
@@ -16398,7 +16596,7 @@
           </a:p>
           <a:p>
             <a:r>
-              <a:rPr lang="fr-FR" dirty="0" smtClean="0"/>
+              <a:rPr lang="fr-FR" b="1" dirty="0" smtClean="0"/>
               <a:t>Personnalité et RI</a:t>
             </a:r>
           </a:p>
@@ -16929,11 +17127,7 @@
             </a:pPr>
             <a:r>
               <a:rPr lang="fr-FR" dirty="0" smtClean="0"/>
-              <a:t>Etudier l’impact de la relation interpersonnelle sur les stratégies de dialogue</a:t>
-            </a:r>
-            <a:r>
-              <a:rPr lang="fr-FR" dirty="0" smtClean="0"/>
-              <a:t>. </a:t>
+              <a:t>Etudier l’impact de la relation interpersonnelle sur les stratégies de dialogue. </a:t>
             </a:r>
             <a:endParaRPr lang="fr-FR" dirty="0"/>
           </a:p>
@@ -17035,23 +17229,7 @@
                   <a:schemeClr val="tx1"/>
                 </a:solidFill>
               </a:rPr>
-              <a:t>But(s) </a:t>
-            </a:r>
-            <a:r>
-              <a:rPr lang="fr-FR" sz="2000" dirty="0" smtClean="0">
-                <a:solidFill>
-                  <a:schemeClr val="tx1"/>
-                </a:solidFill>
-              </a:rPr>
-              <a:t>du </a:t>
-            </a:r>
-            <a:r>
-              <a:rPr lang="fr-FR" sz="2000" dirty="0" smtClean="0">
-                <a:solidFill>
-                  <a:schemeClr val="tx1"/>
-                </a:solidFill>
-              </a:rPr>
-              <a:t>dialogue</a:t>
+              <a:t>But(s) du dialogue</a:t>
             </a:r>
             <a:endParaRPr lang="fr-FR" sz="2000" dirty="0">
               <a:solidFill>
@@ -17426,6 +17604,126 @@
                                       </p:cBhvr>
                                       <p:to>
                                         <p:strVal val="visible"/>
+                                      </p:to>
+                                    </p:set>
+                                  </p:childTnLst>
+                                </p:cTn>
+                              </p:par>
+                            </p:childTnLst>
+                          </p:cTn>
+                        </p:par>
+                      </p:childTnLst>
+                    </p:cTn>
+                  </p:par>
+                  <p:par>
+                    <p:cTn id="7" fill="hold">
+                      <p:stCondLst>
+                        <p:cond delay="indefinite"/>
+                      </p:stCondLst>
+                      <p:childTnLst>
+                        <p:par>
+                          <p:cTn id="8" fill="hold">
+                            <p:stCondLst>
+                              <p:cond delay="0"/>
+                            </p:stCondLst>
+                            <p:childTnLst>
+                              <p:par>
+                                <p:cTn id="9" presetID="1" presetClass="emph" presetSubtype="2" fill="hold" nodeType="clickEffect">
+                                  <p:stCondLst>
+                                    <p:cond delay="0"/>
+                                  </p:stCondLst>
+                                  <p:childTnLst>
+                                    <p:animClr clrSpc="rgb" dir="cw">
+                                      <p:cBhvr>
+                                        <p:cTn id="10" dur="2000" fill="hold"/>
+                                        <p:tgtEl>
+                                          <p:spTgt spid="21"/>
+                                        </p:tgtEl>
+                                        <p:attrNameLst>
+                                          <p:attrName>fillcolor</p:attrName>
+                                        </p:attrNameLst>
+                                      </p:cBhvr>
+                                      <p:to>
+                                        <a:srgbClr val="3BAF3B"/>
+                                      </p:to>
+                                    </p:animClr>
+                                    <p:set>
+                                      <p:cBhvr>
+                                        <p:cTn id="11" dur="2000" fill="hold"/>
+                                        <p:tgtEl>
+                                          <p:spTgt spid="21"/>
+                                        </p:tgtEl>
+                                        <p:attrNameLst>
+                                          <p:attrName>fill.type</p:attrName>
+                                        </p:attrNameLst>
+                                      </p:cBhvr>
+                                      <p:to>
+                                        <p:strVal val="solid"/>
+                                      </p:to>
+                                    </p:set>
+                                    <p:set>
+                                      <p:cBhvr>
+                                        <p:cTn id="12" dur="2000" fill="hold"/>
+                                        <p:tgtEl>
+                                          <p:spTgt spid="21"/>
+                                        </p:tgtEl>
+                                        <p:attrNameLst>
+                                          <p:attrName>fill.on</p:attrName>
+                                        </p:attrNameLst>
+                                      </p:cBhvr>
+                                      <p:to>
+                                        <p:strVal val="true"/>
+                                      </p:to>
+                                    </p:set>
+                                  </p:childTnLst>
+                                </p:cTn>
+                              </p:par>
+                              <p:par>
+                                <p:cTn id="13" presetID="1" presetClass="emph" presetSubtype="2" fill="hold" nodeType="withEffect">
+                                  <p:stCondLst>
+                                    <p:cond delay="0"/>
+                                  </p:stCondLst>
+                                  <p:childTnLst>
+                                    <p:animClr clrSpc="rgb" dir="cw">
+                                      <p:cBhvr>
+                                        <p:cTn id="14" dur="2000" fill="hold"/>
+                                        <p:tgtEl>
+                                          <p:spTgt spid="22"/>
+                                        </p:tgtEl>
+                                        <p:attrNameLst>
+                                          <p:attrName>fillcolor</p:attrName>
+                                        </p:attrNameLst>
+                                      </p:cBhvr>
+                                      <p:to>
+                                        <a:srgbClr val="3BAF3B"/>
+                                      </p:to>
+                                    </p:animClr>
+                                    <p:set>
+                                      <p:cBhvr>
+                                        <p:cTn id="15" dur="2000" fill="hold"/>
+                                        <p:tgtEl>
+                                          <p:spTgt spid="22"/>
+                                        </p:tgtEl>
+                                        <p:attrNameLst>
+                                          <p:attrName>fill.type</p:attrName>
+                                        </p:attrNameLst>
+                                      </p:cBhvr>
+                                      <p:to>
+                                        <p:strVal val="solid"/>
+                                      </p:to>
+                                    </p:set>
+                                    <p:set>
+                                      <p:cBhvr>
+                                        <p:cTn id="16" dur="2000" fill="hold"/>
+                                        <p:tgtEl>
+                                          <p:spTgt spid="22"/>
+                                        </p:tgtEl>
+                                        <p:attrNameLst>
+                                          <p:attrName>fill.on</p:attrName>
+                                        </p:attrNameLst>
+                                      </p:cBhvr>
+                                      <p:to>
+                                        <p:strVal val="true"/>
                                       </p:to>
                                     </p:set>
                                   </p:childTnLst>
@@ -18139,49 +18437,6 @@
       </p:grpSpPr>
       <p:sp>
         <p:nvSpPr>
-          <p:cNvPr id="12" name="Rectangle 11"/>
-          <p:cNvSpPr/>
-          <p:nvPr/>
-        </p:nvSpPr>
-        <p:spPr>
-          <a:xfrm>
-            <a:off x="107504" y="1700808"/>
-            <a:ext cx="2667648" cy="4896544"/>
-          </a:xfrm>
-          <a:prstGeom prst="rect">
-            <a:avLst/>
-          </a:prstGeom>
-          <a:solidFill>
-            <a:schemeClr val="bg1"/>
-          </a:solidFill>
-        </p:spPr>
-        <p:style>
-          <a:lnRef idx="2">
-            <a:schemeClr val="accent1">
-              <a:shade val="50000"/>
-            </a:schemeClr>
-          </a:lnRef>
-          <a:fillRef idx="1">
-            <a:schemeClr val="accent1"/>
-          </a:fillRef>
-          <a:effectRef idx="0">
-            <a:schemeClr val="accent1"/>
-          </a:effectRef>
-          <a:fontRef idx="minor">
-            <a:schemeClr val="lt1"/>
-          </a:fontRef>
-        </p:style>
-        <p:txBody>
-          <a:bodyPr rtlCol="0" anchor="ctr"/>
-          <a:lstStyle/>
-          <a:p>
-            <a:pPr algn="ctr"/>
-            <a:endParaRPr lang="fr-FR"/>
-          </a:p>
-        </p:txBody>
-      </p:sp>
-      <p:sp>
-        <p:nvSpPr>
           <p:cNvPr id="2" name="Titre 1"/>
           <p:cNvSpPr>
             <a:spLocks noGrp="1"/>
@@ -18190,7 +18445,12 @@
             <p:ph type="title"/>
           </p:nvPr>
         </p:nvSpPr>
-        <p:spPr/>
+        <p:spPr>
+          <a:xfrm>
+            <a:off x="-108520" y="533400"/>
+            <a:ext cx="9449166" cy="990600"/>
+          </a:xfrm>
+        </p:spPr>
         <p:txBody>
           <a:bodyPr>
             <a:normAutofit fontScale="90000"/>
@@ -18203,7 +18463,11 @@
             </a:r>
             <a:r>
               <a:rPr lang="fr-FR" sz="3100" dirty="0" smtClean="0"/>
-              <a:t>les relations interpersonnelles dans le dialogue</a:t>
+              <a:t>les relations </a:t>
+            </a:r>
+            <a:r>
+              <a:rPr lang="fr-FR" sz="3100" dirty="0" smtClean="0"/>
+              <a:t>interpersonnelles dans le dialogue</a:t>
             </a:r>
             <a:endParaRPr lang="fr-FR" sz="3100" dirty="0"/>
           </a:p>
@@ -18293,8 +18557,8 @@
         </p:blipFill>
         <p:spPr>
           <a:xfrm>
-            <a:off x="179512" y="1744521"/>
-            <a:ext cx="2579522" cy="1900504"/>
+            <a:off x="121914" y="1612483"/>
+            <a:ext cx="2289846" cy="1069511"/>
           </a:xfrm>
           <a:prstGeom prst="rect">
             <a:avLst/>
@@ -18304,9 +18568,90 @@
           </a:ln>
         </p:spPr>
       </p:pic>
+      <p:sp>
+        <p:nvSpPr>
+          <p:cNvPr id="17" name="Rectangle 16"/>
+          <p:cNvSpPr/>
+          <p:nvPr/>
+        </p:nvSpPr>
+        <p:spPr>
+          <a:xfrm>
+            <a:off x="2339752" y="1612483"/>
+            <a:ext cx="6448836" cy="1069511"/>
+          </a:xfrm>
+          <a:prstGeom prst="rect">
+            <a:avLst/>
+          </a:prstGeom>
+          <a:solidFill>
+            <a:schemeClr val="bg1">
+              <a:lumMod val="85000"/>
+            </a:schemeClr>
+          </a:solidFill>
+          <a:ln>
+            <a:noFill/>
+          </a:ln>
+        </p:spPr>
+        <p:style>
+          <a:lnRef idx="1">
+            <a:schemeClr val="accent3"/>
+          </a:lnRef>
+          <a:fillRef idx="2">
+            <a:schemeClr val="accent3"/>
+          </a:fillRef>
+          <a:effectRef idx="1">
+            <a:schemeClr val="accent3"/>
+          </a:effectRef>
+          <a:fontRef idx="minor">
+            <a:schemeClr val="dk1"/>
+          </a:fontRef>
+        </p:style>
+        <p:txBody>
+          <a:bodyPr rtlCol="0" anchor="ctr"/>
+          <a:lstStyle/>
+          <a:p>
+            <a:r>
+              <a:rPr lang="fr-FR" sz="2400" b="1" dirty="0" err="1">
+                <a:solidFill>
+                  <a:schemeClr val="dk1"/>
+                </a:solidFill>
+              </a:rPr>
+              <a:t>Autom</a:t>
+            </a:r>
+            <a:r>
+              <a:rPr lang="fr-FR" sz="2400" dirty="0">
+                <a:solidFill>
+                  <a:schemeClr val="dk1"/>
+                </a:solidFill>
+              </a:rPr>
+              <a:t> </a:t>
+            </a:r>
+            <a:r>
+              <a:rPr lang="fr-FR" dirty="0">
+                <a:solidFill>
+                  <a:schemeClr val="dk1"/>
+                </a:solidFill>
+              </a:rPr>
+              <a:t>(Kidd CD,08) :  </a:t>
+            </a:r>
+            <a:r>
+              <a:rPr lang="fr-FR" sz="2000" dirty="0">
+                <a:solidFill>
+                  <a:schemeClr val="dk1"/>
+                </a:solidFill>
+              </a:rPr>
+              <a:t>un conseiller en perte de poids placé dans le domicile des utilisateurs</a:t>
+            </a:r>
+            <a:endParaRPr lang="fr-FR" dirty="0">
+              <a:solidFill>
+                <a:schemeClr val="dk1"/>
+              </a:solidFill>
+            </a:endParaRPr>
+          </a:p>
+        </p:txBody>
+      </p:sp>
       <p:pic>
         <p:nvPicPr>
-          <p:cNvPr id="6" name="Image 5"/>
+          <p:cNvPr id="7" name="Image 6"/>
           <p:cNvPicPr>
             <a:picLocks noChangeAspect="1"/>
           </p:cNvPicPr>
@@ -18326,20 +18671,166 @@
         </p:blipFill>
         <p:spPr>
           <a:xfrm>
-            <a:off x="2987824" y="1744521"/>
-            <a:ext cx="2952328" cy="1900503"/>
+            <a:off x="121913" y="2856852"/>
+            <a:ext cx="2289847" cy="1148212"/>
           </a:xfrm>
           <a:prstGeom prst="rect">
             <a:avLst/>
           </a:prstGeom>
+          <a:solidFill>
+            <a:schemeClr val="bg1">
+              <a:lumMod val="85000"/>
+            </a:schemeClr>
+          </a:solidFill>
           <a:ln>
             <a:noFill/>
           </a:ln>
         </p:spPr>
       </p:pic>
+      <p:sp>
+        <p:nvSpPr>
+          <p:cNvPr id="18" name="Rectangle 17"/>
+          <p:cNvSpPr/>
+          <p:nvPr/>
+        </p:nvSpPr>
+        <p:spPr>
+          <a:xfrm>
+            <a:off x="2339752" y="2856852"/>
+            <a:ext cx="6448836" cy="1148212"/>
+          </a:xfrm>
+          <a:prstGeom prst="rect">
+            <a:avLst/>
+          </a:prstGeom>
+          <a:solidFill>
+            <a:schemeClr val="bg1">
+              <a:lumMod val="85000"/>
+            </a:schemeClr>
+          </a:solidFill>
+          <a:ln>
+            <a:noFill/>
+          </a:ln>
+        </p:spPr>
+        <p:style>
+          <a:lnRef idx="1">
+            <a:schemeClr val="accent3"/>
+          </a:lnRef>
+          <a:fillRef idx="2">
+            <a:schemeClr val="accent3"/>
+          </a:fillRef>
+          <a:effectRef idx="1">
+            <a:schemeClr val="accent3"/>
+          </a:effectRef>
+          <a:fontRef idx="minor">
+            <a:schemeClr val="dk1"/>
+          </a:fontRef>
+        </p:style>
+        <p:txBody>
+          <a:bodyPr rtlCol="0" anchor="ctr"/>
+          <a:lstStyle/>
+          <a:p>
+            <a:r>
+              <a:rPr lang="fr-FR" sz="2400" b="1" dirty="0"/>
+              <a:t>REA</a:t>
+            </a:r>
+            <a:r>
+              <a:rPr lang="fr-FR" sz="2400" dirty="0"/>
+              <a:t> </a:t>
+            </a:r>
+            <a:r>
+              <a:rPr lang="fr-FR" dirty="0"/>
+              <a:t>(</a:t>
+            </a:r>
+            <a:r>
+              <a:rPr lang="fr-FR" dirty="0" err="1"/>
+              <a:t>Bickmore</a:t>
+            </a:r>
+            <a:r>
+              <a:rPr lang="fr-FR" dirty="0"/>
+              <a:t> ,02</a:t>
+            </a:r>
+            <a:r>
+              <a:rPr lang="fr-FR" dirty="0"/>
+              <a:t>):  </a:t>
+            </a:r>
+            <a:r>
+              <a:rPr lang="fr-FR" sz="2000" dirty="0"/>
+              <a:t>ACA qui joue le rôle </a:t>
+            </a:r>
+            <a:r>
+              <a:rPr lang="fr-FR" sz="2000" dirty="0" smtClean="0"/>
+              <a:t>d’agent immobilier</a:t>
+            </a:r>
+            <a:r>
+              <a:rPr lang="fr-FR" sz="2000" dirty="0"/>
+              <a:t>. </a:t>
+            </a:r>
+          </a:p>
+        </p:txBody>
+      </p:sp>
+      <p:sp>
+        <p:nvSpPr>
+          <p:cNvPr id="21" name="Rectangle 20"/>
+          <p:cNvSpPr/>
+          <p:nvPr/>
+        </p:nvSpPr>
+        <p:spPr>
+          <a:xfrm>
+            <a:off x="2411760" y="5526929"/>
+            <a:ext cx="6448836" cy="1070423"/>
+          </a:xfrm>
+          <a:prstGeom prst="rect">
+            <a:avLst/>
+          </a:prstGeom>
+          <a:solidFill>
+            <a:schemeClr val="bg1">
+              <a:lumMod val="85000"/>
+            </a:schemeClr>
+          </a:solidFill>
+          <a:ln>
+            <a:noFill/>
+          </a:ln>
+        </p:spPr>
+        <p:style>
+          <a:lnRef idx="1">
+            <a:schemeClr val="accent3"/>
+          </a:lnRef>
+          <a:fillRef idx="2">
+            <a:schemeClr val="accent3"/>
+          </a:fillRef>
+          <a:effectRef idx="1">
+            <a:schemeClr val="accent3"/>
+          </a:effectRef>
+          <a:fontRef idx="minor">
+            <a:schemeClr val="dk1"/>
+          </a:fontRef>
+        </p:style>
+        <p:txBody>
+          <a:bodyPr rtlCol="0" anchor="ctr"/>
+          <a:lstStyle/>
+          <a:p>
+            <a:r>
+              <a:rPr lang="fr-FR" sz="2000" b="1" dirty="0" err="1" smtClean="0"/>
+              <a:t>AlwaysOn</a:t>
+            </a:r>
+            <a:r>
+              <a:rPr lang="fr-FR" dirty="0" smtClean="0"/>
+              <a:t>(Rich,13):</a:t>
+            </a:r>
+            <a:r>
+              <a:rPr lang="fr-FR" sz="2000" b="1" dirty="0" smtClean="0"/>
+              <a:t> </a:t>
+            </a:r>
+            <a:r>
+              <a:rPr lang="fr-FR" sz="2000" dirty="0" smtClean="0"/>
+              <a:t>Compagnon artificiel pour les personnes âgées isolées. </a:t>
+            </a:r>
+            <a:endParaRPr lang="fr-FR" sz="2000" dirty="0"/>
+          </a:p>
+        </p:txBody>
+      </p:sp>
       <p:pic>
         <p:nvPicPr>
-          <p:cNvPr id="7" name="Image 6"/>
+          <p:cNvPr id="22" name="Image 21"/>
           <p:cNvPicPr>
             <a:picLocks noChangeAspect="1"/>
           </p:cNvPicPr>
@@ -18359,15 +18850,12 @@
         </p:blipFill>
         <p:spPr>
           <a:xfrm>
-            <a:off x="6228184" y="1740024"/>
-            <a:ext cx="2684016" cy="1905000"/>
+            <a:off x="121915" y="4142692"/>
+            <a:ext cx="2289846" cy="1174245"/>
           </a:xfrm>
           <a:prstGeom prst="rect">
             <a:avLst/>
           </a:prstGeom>
-          <a:ln>
-            <a:noFill/>
-          </a:ln>
         </p:spPr>
       </p:pic>
       <p:sp>
@@ -18378,14 +18866,16 @@
         </p:nvSpPr>
         <p:spPr>
           <a:xfrm>
-            <a:off x="3005222" y="3775339"/>
-            <a:ext cx="2934930" cy="2245949"/>
+            <a:off x="2339752" y="4142692"/>
+            <a:ext cx="6448836" cy="1174245"/>
           </a:xfrm>
           <a:prstGeom prst="rect">
             <a:avLst/>
           </a:prstGeom>
           <a:solidFill>
-            <a:schemeClr val="bg1"/>
+            <a:schemeClr val="bg1">
+              <a:lumMod val="85000"/>
+            </a:schemeClr>
           </a:solidFill>
           <a:ln>
             <a:noFill/>
@@ -18410,318 +18900,66 @@
           <a:lstStyle/>
           <a:p>
             <a:r>
-              <a:rPr lang="fr-FR" sz="2400" b="1" dirty="0" err="1" smtClean="0"/>
+              <a:rPr lang="fr-FR" sz="2000" b="1" dirty="0" err="1"/>
               <a:t>FitTrack</a:t>
             </a:r>
             <a:r>
-              <a:rPr lang="fr-FR" sz="2400" b="1" dirty="0"/>
+              <a:rPr lang="fr-FR" sz="2000" b="1" dirty="0"/>
               <a:t> </a:t>
             </a:r>
             <a:r>
-              <a:rPr lang="fr-FR" dirty="0" smtClean="0">
-                <a:solidFill>
-                  <a:prstClr val="black"/>
-                </a:solidFill>
-              </a:rPr>
-              <a:t>(Bickmore,06)</a:t>
-            </a:r>
-          </a:p>
-          <a:p>
-            <a:endParaRPr lang="fr-FR" dirty="0">
-              <a:solidFill>
-                <a:prstClr val="black"/>
-              </a:solidFill>
-            </a:endParaRPr>
-          </a:p>
-          <a:p>
-            <a:r>
-              <a:rPr lang="fr-FR" sz="2400" b="1" dirty="0"/>
+              <a:rPr lang="fr-FR" dirty="0"/>
+              <a:t>(Bickmore,06</a:t>
+            </a:r>
+            <a:r>
+              <a:rPr lang="fr-FR" dirty="0" smtClean="0"/>
+              <a:t>):</a:t>
+            </a:r>
+            <a:r>
+              <a:rPr lang="fr-FR" sz="2000" b="1" dirty="0" smtClean="0"/>
               <a:t> </a:t>
             </a:r>
             <a:r>
-              <a:rPr lang="fr-FR" sz="2400" dirty="0" smtClean="0"/>
+              <a:rPr lang="fr-FR" sz="2000" dirty="0"/>
               <a:t>conseiller </a:t>
             </a:r>
             <a:r>
-              <a:rPr lang="fr-FR" sz="2400" dirty="0"/>
+              <a:rPr lang="fr-FR" sz="2000" dirty="0"/>
               <a:t>visant à modifier les comportements de santé. </a:t>
             </a:r>
           </a:p>
         </p:txBody>
       </p:sp>
-      <p:sp>
-        <p:nvSpPr>
-          <p:cNvPr id="11" name="Rectangle 10"/>
-          <p:cNvSpPr/>
+      <p:pic>
+        <p:nvPicPr>
+          <p:cNvPr id="23" name="Image 22"/>
+          <p:cNvPicPr>
+            <a:picLocks noChangeAspect="1"/>
+          </p:cNvPicPr>
           <p:nvPr/>
-        </p:nvSpPr>
+        </p:nvPicPr>
+        <p:blipFill>
+          <a:blip r:embed="rId6">
+            <a:extLst>
+              <a:ext uri="{28A0092B-C50C-407E-A947-70E740481C1C}">
+                <a14:useLocalDpi xmlns:a14="http://schemas.microsoft.com/office/drawing/2010/main" val="0"/>
+              </a:ext>
+            </a:extLst>
+          </a:blip>
+          <a:stretch>
+            <a:fillRect/>
+          </a:stretch>
+        </p:blipFill>
         <p:spPr>
           <a:xfrm>
-            <a:off x="6228184" y="3775339"/>
-            <a:ext cx="2684016" cy="1930515"/>
+            <a:off x="121914" y="5457404"/>
+            <a:ext cx="2289845" cy="1211956"/>
           </a:xfrm>
           <a:prstGeom prst="rect">
             <a:avLst/>
           </a:prstGeom>
-          <a:solidFill>
-            <a:schemeClr val="bg1"/>
-          </a:solidFill>
-          <a:ln>
-            <a:noFill/>
-          </a:ln>
         </p:spPr>
-        <p:style>
-          <a:lnRef idx="1">
-            <a:schemeClr val="accent3"/>
-          </a:lnRef>
-          <a:fillRef idx="2">
-            <a:schemeClr val="accent3"/>
-          </a:fillRef>
-          <a:effectRef idx="1">
-            <a:schemeClr val="accent3"/>
-          </a:effectRef>
-          <a:fontRef idx="minor">
-            <a:schemeClr val="dk1"/>
-          </a:fontRef>
-        </p:style>
-        <p:txBody>
-          <a:bodyPr rtlCol="0" anchor="ctr"/>
-          <a:lstStyle/>
-          <a:p>
-            <a:r>
-              <a:rPr lang="fr-FR" sz="2400" b="1" dirty="0" smtClean="0"/>
-              <a:t>REA</a:t>
-            </a:r>
-            <a:r>
-              <a:rPr lang="fr-FR" dirty="0">
-                <a:solidFill>
-                  <a:prstClr val="black"/>
-                </a:solidFill>
-              </a:rPr>
-              <a:t> (</a:t>
-            </a:r>
-            <a:r>
-              <a:rPr lang="fr-FR" dirty="0" err="1">
-                <a:solidFill>
-                  <a:prstClr val="black"/>
-                </a:solidFill>
-              </a:rPr>
-              <a:t>Bickmore</a:t>
-            </a:r>
-            <a:r>
-              <a:rPr lang="fr-FR" dirty="0">
-                <a:solidFill>
-                  <a:prstClr val="black"/>
-                </a:solidFill>
-              </a:rPr>
-              <a:t> ,02</a:t>
-            </a:r>
-            <a:r>
-              <a:rPr lang="fr-FR" dirty="0" smtClean="0">
-                <a:solidFill>
-                  <a:prstClr val="black"/>
-                </a:solidFill>
-              </a:rPr>
-              <a:t>)</a:t>
-            </a:r>
-          </a:p>
-          <a:p>
-            <a:endParaRPr lang="fr-FR" sz="2400" b="1" dirty="0" smtClean="0"/>
-          </a:p>
-          <a:p>
-            <a:r>
-              <a:rPr lang="fr-FR" sz="2400" b="1" dirty="0" smtClean="0"/>
-              <a:t> </a:t>
-            </a:r>
-            <a:r>
-              <a:rPr lang="fr-FR" sz="2400" dirty="0"/>
-              <a:t>ACA qui joue le rôle d’agent immobilier. </a:t>
-            </a:r>
-            <a:endParaRPr lang="fr-FR" sz="2400" dirty="0">
-              <a:solidFill>
-                <a:prstClr val="black"/>
-              </a:solidFill>
-            </a:endParaRPr>
-          </a:p>
-        </p:txBody>
-      </p:sp>
-      <p:sp>
-        <p:nvSpPr>
-          <p:cNvPr id="13" name="Rectangle 12"/>
-          <p:cNvSpPr/>
-          <p:nvPr/>
-        </p:nvSpPr>
-        <p:spPr>
-          <a:xfrm>
-            <a:off x="2915816" y="1691846"/>
-            <a:ext cx="3024336" cy="4905506"/>
-          </a:xfrm>
-          <a:prstGeom prst="rect">
-            <a:avLst/>
-          </a:prstGeom>
-          <a:noFill/>
-        </p:spPr>
-        <p:style>
-          <a:lnRef idx="2">
-            <a:schemeClr val="accent1">
-              <a:shade val="50000"/>
-            </a:schemeClr>
-          </a:lnRef>
-          <a:fillRef idx="1">
-            <a:schemeClr val="accent1"/>
-          </a:fillRef>
-          <a:effectRef idx="0">
-            <a:schemeClr val="accent1"/>
-          </a:effectRef>
-          <a:fontRef idx="minor">
-            <a:schemeClr val="lt1"/>
-          </a:fontRef>
-        </p:style>
-        <p:txBody>
-          <a:bodyPr rtlCol="0" anchor="ctr"/>
-          <a:lstStyle/>
-          <a:p>
-            <a:pPr algn="ctr"/>
-            <a:endParaRPr lang="fr-FR"/>
-          </a:p>
-        </p:txBody>
-      </p:sp>
-      <p:sp>
-        <p:nvSpPr>
-          <p:cNvPr id="14" name="Rectangle 13"/>
-          <p:cNvSpPr/>
-          <p:nvPr/>
-        </p:nvSpPr>
-        <p:spPr>
-          <a:xfrm>
-            <a:off x="6058024" y="1691846"/>
-            <a:ext cx="3024336" cy="4905506"/>
-          </a:xfrm>
-          <a:prstGeom prst="rect">
-            <a:avLst/>
-          </a:prstGeom>
-          <a:noFill/>
-        </p:spPr>
-        <p:style>
-          <a:lnRef idx="2">
-            <a:schemeClr val="accent1">
-              <a:shade val="50000"/>
-            </a:schemeClr>
-          </a:lnRef>
-          <a:fillRef idx="1">
-            <a:schemeClr val="accent1"/>
-          </a:fillRef>
-          <a:effectRef idx="0">
-            <a:schemeClr val="accent1"/>
-          </a:effectRef>
-          <a:fontRef idx="minor">
-            <a:schemeClr val="lt1"/>
-          </a:fontRef>
-        </p:style>
-        <p:txBody>
-          <a:bodyPr rtlCol="0" anchor="ctr"/>
-          <a:lstStyle/>
-          <a:p>
-            <a:pPr algn="ctr"/>
-            <a:endParaRPr lang="fr-FR"/>
-          </a:p>
-        </p:txBody>
-      </p:sp>
-      <p:sp>
-        <p:nvSpPr>
-          <p:cNvPr id="15" name="Rectangle 14"/>
-          <p:cNvSpPr/>
-          <p:nvPr/>
-        </p:nvSpPr>
-        <p:spPr>
-          <a:xfrm>
-            <a:off x="179512" y="3933056"/>
-            <a:ext cx="2579522" cy="2245949"/>
-          </a:xfrm>
-          <a:prstGeom prst="rect">
-            <a:avLst/>
-          </a:prstGeom>
-          <a:solidFill>
-            <a:schemeClr val="bg1"/>
-          </a:solidFill>
-          <a:ln>
-            <a:noFill/>
-          </a:ln>
-        </p:spPr>
-        <p:style>
-          <a:lnRef idx="1">
-            <a:schemeClr val="accent3"/>
-          </a:lnRef>
-          <a:fillRef idx="2">
-            <a:schemeClr val="accent3"/>
-          </a:fillRef>
-          <a:effectRef idx="1">
-            <a:schemeClr val="accent3"/>
-          </a:effectRef>
-          <a:fontRef idx="minor">
-            <a:schemeClr val="dk1"/>
-          </a:fontRef>
-        </p:style>
-        <p:txBody>
-          <a:bodyPr rtlCol="0" anchor="ctr"/>
-          <a:lstStyle/>
-          <a:p>
-            <a:pPr lvl="0"/>
-            <a:r>
-              <a:rPr lang="fr-FR" sz="2400" b="1" dirty="0" err="1">
-                <a:solidFill>
-                  <a:prstClr val="black"/>
-                </a:solidFill>
-              </a:rPr>
-              <a:t>Autom</a:t>
-            </a:r>
-            <a:r>
-              <a:rPr lang="fr-FR" sz="2400" b="1" dirty="0">
-                <a:solidFill>
-                  <a:prstClr val="black"/>
-                </a:solidFill>
-              </a:rPr>
-              <a:t> </a:t>
-            </a:r>
-            <a:r>
-              <a:rPr lang="fr-FR" dirty="0">
-                <a:solidFill>
-                  <a:prstClr val="black"/>
-                </a:solidFill>
-              </a:rPr>
-              <a:t>(Kidd CD,08)</a:t>
-            </a:r>
-          </a:p>
-          <a:p>
-            <a:pPr lvl="0"/>
-            <a:endParaRPr lang="fr-FR" sz="2400" dirty="0">
-              <a:solidFill>
-                <a:prstClr val="black"/>
-              </a:solidFill>
-            </a:endParaRPr>
-          </a:p>
-          <a:p>
-            <a:pPr lvl="0"/>
-            <a:r>
-              <a:rPr lang="fr-FR" sz="2000" dirty="0">
-                <a:solidFill>
-                  <a:prstClr val="black"/>
-                </a:solidFill>
-              </a:rPr>
-              <a:t> </a:t>
-            </a:r>
-            <a:r>
-              <a:rPr lang="fr-FR" sz="2400" dirty="0">
-                <a:solidFill>
-                  <a:prstClr val="black"/>
-                </a:solidFill>
-              </a:rPr>
-              <a:t>un conseiller en perte de poids placé dans le domicile des utilisateurs</a:t>
-            </a:r>
-            <a:endParaRPr lang="fr-FR" sz="2400" dirty="0"/>
-          </a:p>
-        </p:txBody>
-      </p:sp>
+      </p:pic>
     </p:spTree>
     <p:extLst>
       <p:ext uri="{BB962C8B-B14F-4D97-AF65-F5344CB8AC3E}">
@@ -18769,7 +19007,12 @@
             <p:ph type="title"/>
           </p:nvPr>
         </p:nvSpPr>
-        <p:spPr/>
+        <p:spPr>
+          <a:xfrm>
+            <a:off x="457200" y="533400"/>
+            <a:ext cx="8435280" cy="990600"/>
+          </a:xfrm>
+        </p:spPr>
         <p:txBody>
           <a:bodyPr>
             <a:normAutofit fontScale="90000"/>
@@ -18778,11 +19021,11 @@
           <a:p>
             <a:r>
               <a:rPr lang="fr-FR" dirty="0" smtClean="0"/>
-              <a:t>Dimensions des relations </a:t>
-            </a:r>
-            <a:r>
-              <a:rPr lang="fr-FR" dirty="0"/>
-              <a:t>interpersonnelles </a:t>
+              <a:t>Dimensions des </a:t>
+            </a:r>
+            <a:r>
+              <a:rPr lang="fr-FR" dirty="0" smtClean="0"/>
+              <a:t>relations interpersonnelles </a:t>
             </a:r>
             <a:r>
               <a:rPr lang="fr-FR" sz="2700" dirty="0"/>

--- a/papers/Presentations/CPU_Presentation.pptx
+++ b/papers/Presentations/CPU_Presentation.pptx
@@ -17,7 +17,7 @@
     <p:sldId id="265" r:id="rId8"/>
     <p:sldId id="261" r:id="rId9"/>
     <p:sldId id="262" r:id="rId10"/>
-    <p:sldId id="288" r:id="rId11"/>
+    <p:sldId id="300" r:id="rId11"/>
     <p:sldId id="266" r:id="rId12"/>
     <p:sldId id="271" r:id="rId13"/>
     <p:sldId id="272" r:id="rId14"/>
@@ -29,7 +29,7 @@
     <p:sldId id="294" r:id="rId20"/>
     <p:sldId id="267" r:id="rId21"/>
     <p:sldId id="275" r:id="rId22"/>
-    <p:sldId id="268" r:id="rId23"/>
+    <p:sldId id="299" r:id="rId23"/>
     <p:sldId id="277" r:id="rId24"/>
     <p:sldId id="280" r:id="rId25"/>
     <p:sldId id="269" r:id="rId26"/>
@@ -37,7 +37,7 @@
     <p:sldId id="278" r:id="rId28"/>
     <p:sldId id="287" r:id="rId29"/>
     <p:sldId id="297" r:id="rId30"/>
-    <p:sldId id="298" r:id="rId31"/>
+    <p:sldId id="301" r:id="rId31"/>
     <p:sldId id="290" r:id="rId32"/>
   </p:sldIdLst>
   <p:sldSz cx="9144000" cy="6858000" type="screen4x3"/>
@@ -222,7 +222,7 @@
           <a:p>
             <a:fld id="{A0F2417B-8253-4279-916F-6C56EB6F1AD0}" type="datetimeFigureOut">
               <a:rPr lang="fr-FR" smtClean="0"/>
-              <a:t>22/02/2016</a:t>
+              <a:t>23/02/2016</a:t>
             </a:fld>
             <a:endParaRPr lang="fr-FR"/>
           </a:p>
@@ -534,6 +534,20 @@
           <a:bodyPr/>
           <a:lstStyle/>
           <a:p>
+            <a:r>
+              <a:rPr lang="fr-FR" dirty="0" smtClean="0"/>
+              <a:t>Bonjour, </a:t>
+            </a:r>
+          </a:p>
+          <a:p>
+            <a:r>
+              <a:rPr lang="fr-FR" dirty="0" smtClean="0"/>
+              <a:t>Merci</a:t>
+            </a:r>
+            <a:r>
+              <a:rPr lang="fr-FR" baseline="0" dirty="0" smtClean="0"/>
+              <a:t> pour votre présence et m’accorder de votre temps</a:t>
+            </a:r>
             <a:endParaRPr lang="fr-FR" dirty="0"/>
           </a:p>
         </p:txBody>
@@ -555,7 +569,7 @@
           <a:p>
             <a:fld id="{B48807CD-2378-4C1E-8048-3D0E9D8EA8A6}" type="slidenum">
               <a:rPr lang="fr-FR" smtClean="0"/>
-              <a:t>3</a:t>
+              <a:t>1</a:t>
             </a:fld>
             <a:endParaRPr lang="fr-FR"/>
           </a:p>
@@ -564,7 +578,7 @@
     </p:spTree>
     <p:extLst>
       <p:ext uri="{BB962C8B-B14F-4D97-AF65-F5344CB8AC3E}">
-        <p14:creationId xmlns:p14="http://schemas.microsoft.com/office/powerpoint/2010/main" val="2543801848"/>
+        <p14:creationId xmlns:p14="http://schemas.microsoft.com/office/powerpoint/2010/main" val="1300116660"/>
       </p:ext>
     </p:extLst>
   </p:cSld>
@@ -575,6 +589,202 @@
 </file>
 
 <file path=ppt/notesSlides/notesSlide10.xml><?xml version="1.0" encoding="utf-8"?>
+<p:notes xmlns:a="http://schemas.openxmlformats.org/drawingml/2006/main" xmlns:r="http://schemas.openxmlformats.org/officeDocument/2006/relationships" xmlns:p="http://schemas.openxmlformats.org/presentationml/2006/main">
+  <p:cSld>
+    <p:spTree>
+      <p:nvGrpSpPr>
+        <p:cNvPr id="1" name=""/>
+        <p:cNvGrpSpPr/>
+        <p:nvPr/>
+      </p:nvGrpSpPr>
+      <p:grpSpPr>
+        <a:xfrm>
+          <a:off x="0" y="0"/>
+          <a:ext cx="0" cy="0"/>
+          <a:chOff x="0" y="0"/>
+          <a:chExt cx="0" cy="0"/>
+        </a:xfrm>
+      </p:grpSpPr>
+      <p:sp>
+        <p:nvSpPr>
+          <p:cNvPr id="2" name="Espace réservé de l'image des diapositives 1"/>
+          <p:cNvSpPr>
+            <a:spLocks noGrp="1" noRot="1" noChangeAspect="1"/>
+          </p:cNvSpPr>
+          <p:nvPr>
+            <p:ph type="sldImg"/>
+          </p:nvPr>
+        </p:nvSpPr>
+        <p:spPr/>
+      </p:sp>
+      <p:sp>
+        <p:nvSpPr>
+          <p:cNvPr id="3" name="Espace réservé des commentaires 2"/>
+          <p:cNvSpPr>
+            <a:spLocks noGrp="1"/>
+          </p:cNvSpPr>
+          <p:nvPr>
+            <p:ph type="body" idx="1"/>
+          </p:nvPr>
+        </p:nvSpPr>
+        <p:spPr/>
+        <p:txBody>
+          <a:bodyPr/>
+          <a:lstStyle/>
+          <a:p>
+            <a:pPr marL="0" marR="0" lvl="2" indent="0" algn="l" defTabSz="914400" rtl="0" eaLnBrk="1" fontAlgn="auto" latinLnBrk="0" hangingPunct="1">
+              <a:lnSpc>
+                <a:spcPct val="100000"/>
+              </a:lnSpc>
+              <a:spcBef>
+                <a:spcPts val="0"/>
+              </a:spcBef>
+              <a:spcAft>
+                <a:spcPts val="0"/>
+              </a:spcAft>
+              <a:buClrTx/>
+              <a:buSzTx/>
+              <a:buFontTx/>
+              <a:buNone/>
+              <a:tabLst/>
+              <a:defRPr/>
+            </a:pPr>
+            <a:r>
+              <a:rPr lang="en-US" dirty="0" smtClean="0"/>
+              <a:t>Discourse purpose (DP) underlies engaging in the particular discourse. Discourse segment purpose (DSP) specifies how this segment contributes to achieving the overall discourse purpose. </a:t>
+            </a:r>
+            <a:endParaRPr lang="fr-FR" dirty="0" smtClean="0"/>
+          </a:p>
+          <a:p>
+            <a:endParaRPr lang="fr-FR" dirty="0"/>
+          </a:p>
+        </p:txBody>
+      </p:sp>
+      <p:sp>
+        <p:nvSpPr>
+          <p:cNvPr id="4" name="Espace réservé du numéro de diapositive 3"/>
+          <p:cNvSpPr>
+            <a:spLocks noGrp="1"/>
+          </p:cNvSpPr>
+          <p:nvPr>
+            <p:ph type="sldNum" sz="quarter" idx="10"/>
+          </p:nvPr>
+        </p:nvSpPr>
+        <p:spPr/>
+        <p:txBody>
+          <a:bodyPr/>
+          <a:lstStyle/>
+          <a:p>
+            <a:fld id="{3E9B4F48-A4EC-4F0B-9CEB-4F637EA6FD75}" type="slidenum">
+              <a:rPr lang="fr-FR" smtClean="0"/>
+              <a:t>13</a:t>
+            </a:fld>
+            <a:endParaRPr lang="fr-FR"/>
+          </a:p>
+        </p:txBody>
+      </p:sp>
+    </p:spTree>
+    <p:extLst>
+      <p:ext uri="{BB962C8B-B14F-4D97-AF65-F5344CB8AC3E}">
+        <p14:creationId xmlns:p14="http://schemas.microsoft.com/office/powerpoint/2010/main" val="2165421636"/>
+      </p:ext>
+    </p:extLst>
+  </p:cSld>
+  <p:clrMapOvr>
+    <a:masterClrMapping/>
+  </p:clrMapOvr>
+</p:notes>
+</file>
+
+<file path=ppt/notesSlides/notesSlide11.xml><?xml version="1.0" encoding="utf-8"?>
+<p:notes xmlns:a="http://schemas.openxmlformats.org/drawingml/2006/main" xmlns:r="http://schemas.openxmlformats.org/officeDocument/2006/relationships" xmlns:p="http://schemas.openxmlformats.org/presentationml/2006/main">
+  <p:cSld>
+    <p:spTree>
+      <p:nvGrpSpPr>
+        <p:cNvPr id="1" name=""/>
+        <p:cNvGrpSpPr/>
+        <p:nvPr/>
+      </p:nvGrpSpPr>
+      <p:grpSpPr>
+        <a:xfrm>
+          <a:off x="0" y="0"/>
+          <a:ext cx="0" cy="0"/>
+          <a:chOff x="0" y="0"/>
+          <a:chExt cx="0" cy="0"/>
+        </a:xfrm>
+      </p:grpSpPr>
+      <p:sp>
+        <p:nvSpPr>
+          <p:cNvPr id="2" name="Espace réservé de l'image des diapositives 1"/>
+          <p:cNvSpPr>
+            <a:spLocks noGrp="1" noRot="1" noChangeAspect="1"/>
+          </p:cNvSpPr>
+          <p:nvPr>
+            <p:ph type="sldImg"/>
+          </p:nvPr>
+        </p:nvSpPr>
+        <p:spPr/>
+      </p:sp>
+      <p:sp>
+        <p:nvSpPr>
+          <p:cNvPr id="3" name="Espace réservé des commentaires 2"/>
+          <p:cNvSpPr>
+            <a:spLocks noGrp="1"/>
+          </p:cNvSpPr>
+          <p:nvPr>
+            <p:ph type="body" idx="1"/>
+          </p:nvPr>
+        </p:nvSpPr>
+        <p:spPr/>
+        <p:txBody>
+          <a:bodyPr/>
+          <a:lstStyle/>
+          <a:p>
+            <a:r>
+              <a:rPr lang="fr-FR" dirty="0" smtClean="0"/>
+              <a:t>Dans la suite je vais présenter chaque élément de notre modèle</a:t>
+            </a:r>
+            <a:endParaRPr lang="fr-FR" dirty="0"/>
+          </a:p>
+        </p:txBody>
+      </p:sp>
+      <p:sp>
+        <p:nvSpPr>
+          <p:cNvPr id="4" name="Espace réservé du numéro de diapositive 3"/>
+          <p:cNvSpPr>
+            <a:spLocks noGrp="1"/>
+          </p:cNvSpPr>
+          <p:nvPr>
+            <p:ph type="sldNum" sz="quarter" idx="10"/>
+          </p:nvPr>
+        </p:nvSpPr>
+        <p:spPr/>
+        <p:txBody>
+          <a:bodyPr/>
+          <a:lstStyle/>
+          <a:p>
+            <a:fld id="{B48807CD-2378-4C1E-8048-3D0E9D8EA8A6}" type="slidenum">
+              <a:rPr lang="fr-FR" smtClean="0"/>
+              <a:t>21</a:t>
+            </a:fld>
+            <a:endParaRPr lang="fr-FR"/>
+          </a:p>
+        </p:txBody>
+      </p:sp>
+    </p:spTree>
+    <p:extLst>
+      <p:ext uri="{BB962C8B-B14F-4D97-AF65-F5344CB8AC3E}">
+        <p14:creationId xmlns:p14="http://schemas.microsoft.com/office/powerpoint/2010/main" val="2974902021"/>
+      </p:ext>
+    </p:extLst>
+  </p:cSld>
+  <p:clrMapOvr>
+    <a:masterClrMapping/>
+  </p:clrMapOvr>
+</p:notes>
+</file>
+
+<file path=ppt/notesSlides/notesSlide12.xml><?xml version="1.0" encoding="utf-8"?>
 <p:notes xmlns:a="http://schemas.openxmlformats.org/drawingml/2006/main" xmlns:r="http://schemas.openxmlformats.org/officeDocument/2006/relationships" xmlns:p="http://schemas.openxmlformats.org/presentationml/2006/main">
   <p:cSld>
     <p:spTree>
@@ -704,24 +914,71 @@
           <a:p>
             <a:r>
               <a:rPr lang="fr-FR" dirty="0" smtClean="0"/>
-              <a:t>On souhaite prendre en compte les aspects sociaux du dialogue</a:t>
-            </a:r>
-          </a:p>
-          <a:p>
-            <a:r>
-              <a:rPr lang="fr-FR" dirty="0" smtClean="0"/>
-              <a:t>Et évaluer comment, lorsqu’on les prends en compte dans la </a:t>
-            </a:r>
-            <a:r>
-              <a:rPr lang="fr-FR" b="1" dirty="0" smtClean="0"/>
-              <a:t>stratégie de dialogue</a:t>
-            </a:r>
-            <a:r>
-              <a:rPr lang="fr-FR" dirty="0" smtClean="0"/>
-              <a:t>, cela affecte la perception (par l’utilisateur) du dialogue/de l’agent</a:t>
-            </a:r>
-          </a:p>
-          <a:p>
+              <a:t>Dialogue</a:t>
+            </a:r>
+            <a:r>
+              <a:rPr lang="fr-FR" baseline="0" dirty="0" smtClean="0"/>
+              <a:t> initié car les interlocuteurs ont des buts communs a satisfaire -&gt; dialogue collaboratif centré sur la satisfactions des buts, </a:t>
+            </a:r>
+          </a:p>
+          <a:p>
+            <a:r>
+              <a:rPr lang="fr-FR" baseline="0" dirty="0" err="1" smtClean="0"/>
+              <a:t>Géneralement</a:t>
+            </a:r>
+            <a:r>
+              <a:rPr lang="fr-FR" baseline="0" dirty="0" smtClean="0"/>
+              <a:t>, on </a:t>
+            </a:r>
+            <a:r>
+              <a:rPr lang="fr-FR" baseline="0" dirty="0" err="1" smtClean="0"/>
+              <a:t>modèlise</a:t>
+            </a:r>
+            <a:r>
+              <a:rPr lang="fr-FR" baseline="0" dirty="0" smtClean="0"/>
+              <a:t> un ensemble de stratégies pour l’agent qui sont </a:t>
+            </a:r>
+            <a:r>
+              <a:rPr lang="fr-FR" baseline="0" dirty="0" err="1" smtClean="0"/>
+              <a:t>executé</a:t>
+            </a:r>
+            <a:r>
+              <a:rPr lang="fr-FR" baseline="0" dirty="0" smtClean="0"/>
+              <a:t> </a:t>
+            </a:r>
+            <a:r>
+              <a:rPr lang="fr-FR" baseline="0" dirty="0" err="1" smtClean="0"/>
+              <a:t>grace</a:t>
+            </a:r>
+            <a:r>
+              <a:rPr lang="fr-FR" baseline="0" dirty="0" smtClean="0"/>
+              <a:t> a un planificateur </a:t>
+            </a:r>
+            <a:r>
+              <a:rPr lang="fr-FR" baseline="0" dirty="0" err="1" smtClean="0"/>
+              <a:t>reactif</a:t>
+            </a:r>
+            <a:r>
+              <a:rPr lang="fr-FR" baseline="0" dirty="0" smtClean="0"/>
+              <a:t> </a:t>
+            </a:r>
+          </a:p>
+          <a:p>
+            <a:endParaRPr lang="fr-FR" baseline="0" dirty="0" smtClean="0"/>
+          </a:p>
+          <a:p>
+            <a:r>
+              <a:rPr lang="fr-FR" baseline="0" dirty="0" smtClean="0"/>
+              <a:t>Cependant, aspect social </a:t>
+            </a:r>
+            <a:r>
+              <a:rPr lang="fr-FR" baseline="0" dirty="0" err="1" smtClean="0"/>
+              <a:t>completement</a:t>
+            </a:r>
+            <a:r>
+              <a:rPr lang="fr-FR" baseline="0" dirty="0" smtClean="0"/>
+              <a:t> ignoré, mais avec ACA conversation sur le long terme donc l’agent doit avoir un comportement plus naturel </a:t>
+            </a:r>
             <a:endParaRPr lang="fr-FR" dirty="0"/>
           </a:p>
         </p:txBody>
@@ -743,7 +1000,7 @@
           <a:p>
             <a:fld id="{B48807CD-2378-4C1E-8048-3D0E9D8EA8A6}" type="slidenum">
               <a:rPr lang="fr-FR" smtClean="0"/>
-              <a:t>5</a:t>
+              <a:t>3</a:t>
             </a:fld>
             <a:endParaRPr lang="fr-FR"/>
           </a:p>
@@ -752,7 +1009,7 @@
     </p:spTree>
     <p:extLst>
       <p:ext uri="{BB962C8B-B14F-4D97-AF65-F5344CB8AC3E}">
-        <p14:creationId xmlns:p14="http://schemas.microsoft.com/office/powerpoint/2010/main" val="2769587746"/>
+        <p14:creationId xmlns:p14="http://schemas.microsoft.com/office/powerpoint/2010/main" val="2543801848"/>
       </p:ext>
     </p:extLst>
   </p:cSld>
@@ -808,44 +1065,36 @@
           <a:p>
             <a:r>
               <a:rPr lang="fr-FR" dirty="0" smtClean="0"/>
-              <a:t>Un</a:t>
-            </a:r>
-            <a:r>
-              <a:rPr lang="fr-FR" baseline="0" dirty="0" smtClean="0"/>
-              <a:t> aca a besoin d’un but pour ouvrir le dialogue, et donc le dialogue a une finalité comme par exemple choisir une restaurant, durant cette discussion l’agent et l’utilisateur discuterons de leurs préférences ce qui les </a:t>
-            </a:r>
-            <a:r>
-              <a:rPr lang="fr-FR" baseline="0" dirty="0" err="1" smtClean="0"/>
-              <a:t>amenera</a:t>
-            </a:r>
-            <a:r>
-              <a:rPr lang="fr-FR" baseline="0" dirty="0" smtClean="0"/>
-              <a:t> a une </a:t>
-            </a:r>
-            <a:r>
-              <a:rPr lang="fr-FR" baseline="0" dirty="0" err="1" smtClean="0"/>
-              <a:t>negociation</a:t>
-            </a:r>
-            <a:r>
-              <a:rPr lang="fr-FR" baseline="0" dirty="0" smtClean="0"/>
-              <a:t> </a:t>
-            </a:r>
-            <a:r>
-              <a:rPr lang="fr-FR" baseline="0" dirty="0" err="1" smtClean="0"/>
-              <a:t>cooperative</a:t>
-            </a:r>
-            <a:r>
-              <a:rPr lang="fr-FR" baseline="0" dirty="0" smtClean="0"/>
-              <a:t> dont le but est de trouver par exemple un restaurant que les deux </a:t>
-            </a:r>
-            <a:r>
-              <a:rPr lang="fr-FR" baseline="0" dirty="0" err="1" smtClean="0"/>
-              <a:t>appreciront</a:t>
-            </a:r>
-            <a:r>
-              <a:rPr lang="fr-FR" baseline="0" dirty="0" smtClean="0"/>
-              <a:t>.</a:t>
-            </a:r>
+              <a:t>On souhaite prendre en compte les aspects sociaux du dialogue</a:t>
+            </a:r>
+          </a:p>
+          <a:p>
+            <a:r>
+              <a:rPr lang="fr-FR" dirty="0" smtClean="0"/>
+              <a:t>Et évaluer comment, lorsqu’on les prends en compte les </a:t>
+            </a:r>
+            <a:r>
+              <a:rPr lang="fr-FR" b="1" dirty="0" smtClean="0"/>
+              <a:t>relations</a:t>
+            </a:r>
+            <a:r>
+              <a:rPr lang="fr-FR" b="1" baseline="0" dirty="0" smtClean="0"/>
+              <a:t> interpersonnelles </a:t>
+            </a:r>
+            <a:r>
+              <a:rPr lang="fr-FR" dirty="0" smtClean="0"/>
+              <a:t>dans la </a:t>
+            </a:r>
+            <a:r>
+              <a:rPr lang="fr-FR" b="1" dirty="0" smtClean="0"/>
+              <a:t>stratégie de dialogue</a:t>
+            </a:r>
+            <a:r>
+              <a:rPr lang="fr-FR" dirty="0" smtClean="0"/>
+              <a:t>, cela affecte la perception (par l’utilisateur) du dialogue/de l’agent</a:t>
+            </a:r>
+          </a:p>
+          <a:p>
             <a:endParaRPr lang="fr-FR" dirty="0"/>
           </a:p>
         </p:txBody>
@@ -867,7 +1116,7 @@
           <a:p>
             <a:fld id="{B48807CD-2378-4C1E-8048-3D0E9D8EA8A6}" type="slidenum">
               <a:rPr lang="fr-FR" smtClean="0"/>
-              <a:t>6</a:t>
+              <a:t>5</a:t>
             </a:fld>
             <a:endParaRPr lang="fr-FR"/>
           </a:p>
@@ -876,7 +1125,7 @@
     </p:spTree>
     <p:extLst>
       <p:ext uri="{BB962C8B-B14F-4D97-AF65-F5344CB8AC3E}">
-        <p14:creationId xmlns:p14="http://schemas.microsoft.com/office/powerpoint/2010/main" val="3983115726"/>
+        <p14:creationId xmlns:p14="http://schemas.microsoft.com/office/powerpoint/2010/main" val="2769587746"/>
       </p:ext>
     </p:extLst>
   </p:cSld>
@@ -932,44 +1181,23 @@
           <a:p>
             <a:r>
               <a:rPr lang="fr-FR" dirty="0" smtClean="0"/>
-              <a:t>Décision entre dialogue social et dialogue de tâche basée sur la perception de la relation interpersonnelle avec l’utilisateur</a:t>
-            </a:r>
-          </a:p>
-          <a:p>
-            <a:endParaRPr lang="fr-FR" dirty="0" smtClean="0"/>
-          </a:p>
-          <a:p>
-            <a:r>
-              <a:rPr lang="fr-FR" dirty="0" smtClean="0"/>
-              <a:t>%</a:t>
-            </a:r>
-            <a:r>
-              <a:rPr lang="fr-FR" dirty="0" err="1" smtClean="0"/>
-              <a:t>Autom</a:t>
-            </a:r>
-            <a:r>
-              <a:rPr lang="fr-FR" dirty="0" smtClean="0"/>
-              <a:t> : </a:t>
-            </a:r>
-            <a:r>
-              <a:rPr lang="fr-FR" dirty="0" err="1" smtClean="0"/>
-              <a:t>modele</a:t>
+              <a:t>Un</a:t>
             </a:r>
             <a:r>
               <a:rPr lang="fr-FR" baseline="0" dirty="0" smtClean="0"/>
-              <a:t> avec 3 composants (</a:t>
+              <a:t> aca a besoin d’un but pour ouvrir le dialogue, et donc le dialogue a une finalité comme par exemple choisir une restaurant, durant cette discussion l’agent et l’utilisateur discuterons de leurs préférences ce qui les </a:t>
             </a:r>
             <a:r>
               <a:rPr lang="fr-FR" baseline="0" dirty="0" err="1" smtClean="0"/>
-              <a:t>acquaintance</a:t>
+              <a:t>amenera</a:t>
             </a:r>
             <a:r>
               <a:rPr lang="fr-FR" baseline="0" dirty="0" smtClean="0"/>
-              <a:t>, </a:t>
+              <a:t> a une </a:t>
             </a:r>
             <a:r>
               <a:rPr lang="fr-FR" baseline="0" dirty="0" err="1" smtClean="0"/>
-              <a:t>relationship</a:t>
+              <a:t>negociation</a:t>
             </a:r>
             <a:r>
               <a:rPr lang="fr-FR" baseline="0" dirty="0" smtClean="0"/>
@@ -977,43 +1205,20 @@
             </a:r>
             <a:r>
               <a:rPr lang="fr-FR" baseline="0" dirty="0" err="1" smtClean="0"/>
-              <a:t>buildup</a:t>
+              <a:t>cooperative</a:t>
             </a:r>
             <a:r>
               <a:rPr lang="fr-FR" baseline="0" dirty="0" smtClean="0"/>
-              <a:t>, </a:t>
+              <a:t> dont le but est de trouver par exemple un restaurant que les deux </a:t>
             </a:r>
             <a:r>
               <a:rPr lang="fr-FR" baseline="0" dirty="0" err="1" smtClean="0"/>
-              <a:t>relationship</a:t>
+              <a:t>appreciront</a:t>
             </a:r>
             <a:r>
               <a:rPr lang="fr-FR" baseline="0" dirty="0" smtClean="0"/>
-              <a:t> maintenance) </a:t>
-            </a:r>
-            <a:endParaRPr lang="fr-FR" baseline="0" dirty="0" smtClean="0"/>
-          </a:p>
-          <a:p>
-            <a:r>
-              <a:rPr lang="fr-FR" baseline="0" dirty="0" err="1" smtClean="0"/>
-              <a:t>Rea</a:t>
-            </a:r>
-            <a:r>
-              <a:rPr lang="fr-FR" baseline="0" dirty="0" smtClean="0"/>
-              <a:t>: la relation de confiance </a:t>
-            </a:r>
-          </a:p>
-          <a:p>
-            <a:r>
-              <a:rPr lang="fr-FR" baseline="0" dirty="0" err="1" smtClean="0"/>
-              <a:t>Always</a:t>
-            </a:r>
-            <a:r>
-              <a:rPr lang="fr-FR" baseline="0" dirty="0" smtClean="0"/>
-              <a:t>: La relation de proximité</a:t>
-            </a:r>
-          </a:p>
-          <a:p>
+              <a:t>.</a:t>
+            </a:r>
             <a:endParaRPr lang="fr-FR" dirty="0"/>
           </a:p>
         </p:txBody>
@@ -1035,7 +1240,7 @@
           <a:p>
             <a:fld id="{B48807CD-2378-4C1E-8048-3D0E9D8EA8A6}" type="slidenum">
               <a:rPr lang="fr-FR" smtClean="0"/>
-              <a:t>8</a:t>
+              <a:t>6</a:t>
             </a:fld>
             <a:endParaRPr lang="fr-FR"/>
           </a:p>
@@ -1044,7 +1249,7 @@
     </p:spTree>
     <p:extLst>
       <p:ext uri="{BB962C8B-B14F-4D97-AF65-F5344CB8AC3E}">
-        <p14:creationId xmlns:p14="http://schemas.microsoft.com/office/powerpoint/2010/main" val="3541550648"/>
+        <p14:creationId xmlns:p14="http://schemas.microsoft.com/office/powerpoint/2010/main" val="3983115726"/>
       </p:ext>
     </p:extLst>
   </p:cSld>
@@ -1100,21 +1305,101 @@
           <a:p>
             <a:r>
               <a:rPr lang="fr-FR" dirty="0" smtClean="0"/>
-              <a:t>Relation</a:t>
+              <a:t>Décision entre dialogue social et dialogue de tâche basée sur la perception de la relation interpersonnelle avec l’utilisateur</a:t>
+            </a:r>
+          </a:p>
+          <a:p>
+            <a:endParaRPr lang="fr-FR" dirty="0" smtClean="0"/>
+          </a:p>
+          <a:p>
+            <a:r>
+              <a:rPr lang="fr-FR" dirty="0" smtClean="0"/>
+              <a:t>%</a:t>
+            </a:r>
+            <a:r>
+              <a:rPr lang="fr-FR" dirty="0" err="1" smtClean="0"/>
+              <a:t>Autom</a:t>
+            </a:r>
+            <a:r>
+              <a:rPr lang="fr-FR" dirty="0" smtClean="0"/>
+              <a:t> : </a:t>
+            </a:r>
+            <a:r>
+              <a:rPr lang="fr-FR" dirty="0" err="1" smtClean="0"/>
+              <a:t>modele</a:t>
             </a:r>
             <a:r>
               <a:rPr lang="fr-FR" baseline="0" dirty="0" smtClean="0"/>
-              <a:t> de dominance dans laquelle on a remarqué des comportements qui nous semblaient intéressants à étudier</a:t>
-            </a:r>
-          </a:p>
-          <a:p>
+              <a:t> avec 3 composants (</a:t>
+            </a:r>
+            <a:r>
+              <a:rPr lang="fr-FR" baseline="0" dirty="0" err="1" smtClean="0"/>
+              <a:t>acquaintance</a:t>
+            </a:r>
+            <a:r>
+              <a:rPr lang="fr-FR" baseline="0" dirty="0" smtClean="0"/>
+              <a:t>, </a:t>
+            </a:r>
+            <a:r>
+              <a:rPr lang="fr-FR" baseline="0" dirty="0" err="1" smtClean="0"/>
+              <a:t>relationship</a:t>
+            </a:r>
+            <a:r>
+              <a:rPr lang="fr-FR" baseline="0" dirty="0" smtClean="0"/>
+              <a:t> </a:t>
+            </a:r>
+            <a:r>
+              <a:rPr lang="fr-FR" baseline="0" dirty="0" err="1" smtClean="0"/>
+              <a:t>buildup</a:t>
+            </a:r>
+            <a:r>
+              <a:rPr lang="fr-FR" baseline="0" dirty="0" smtClean="0"/>
+              <a:t>, </a:t>
+            </a:r>
+            <a:r>
+              <a:rPr lang="fr-FR" baseline="0" dirty="0" err="1" smtClean="0"/>
+              <a:t>relationship</a:t>
+            </a:r>
+            <a:r>
+              <a:rPr lang="fr-FR" baseline="0" dirty="0" smtClean="0"/>
+              <a:t> maintenance) </a:t>
+            </a:r>
             <a:endParaRPr lang="fr-FR" baseline="0" dirty="0" smtClean="0"/>
           </a:p>
           <a:p>
+            <a:endParaRPr lang="fr-FR" baseline="0" dirty="0" smtClean="0"/>
+          </a:p>
+          <a:p>
+            <a:endParaRPr lang="fr-FR" baseline="0" dirty="0" smtClean="0"/>
+          </a:p>
+          <a:p>
+            <a:r>
+              <a:rPr lang="fr-FR" baseline="0" dirty="0" err="1" smtClean="0"/>
+              <a:t>Rea</a:t>
+            </a:r>
             <a:r>
               <a:rPr lang="fr-FR" baseline="0" dirty="0" smtClean="0"/>
-              <a:t>Dans la suite je présente les contributions réalisées jusqu’à présent</a:t>
-            </a:r>
+              <a:t>: la relation de confiance </a:t>
+            </a:r>
+            <a:endParaRPr lang="fr-FR" baseline="0" dirty="0" smtClean="0"/>
+          </a:p>
+          <a:p>
+            <a:endParaRPr lang="fr-FR" baseline="0" dirty="0" smtClean="0"/>
+          </a:p>
+          <a:p>
+            <a:endParaRPr lang="fr-FR" baseline="0" dirty="0" smtClean="0"/>
+          </a:p>
+          <a:p>
+            <a:r>
+              <a:rPr lang="fr-FR" baseline="0" dirty="0" err="1" smtClean="0"/>
+              <a:t>Always</a:t>
+            </a:r>
+            <a:r>
+              <a:rPr lang="fr-FR" baseline="0" dirty="0" smtClean="0"/>
+              <a:t>: La relation de proximité</a:t>
+            </a:r>
+          </a:p>
+          <a:p>
             <a:endParaRPr lang="fr-FR" dirty="0"/>
           </a:p>
         </p:txBody>
@@ -1136,7 +1421,7 @@
           <a:p>
             <a:fld id="{B48807CD-2378-4C1E-8048-3D0E9D8EA8A6}" type="slidenum">
               <a:rPr lang="fr-FR" smtClean="0"/>
-              <a:t>9</a:t>
+              <a:t>8</a:t>
             </a:fld>
             <a:endParaRPr lang="fr-FR"/>
           </a:p>
@@ -1145,7 +1430,7 @@
     </p:spTree>
     <p:extLst>
       <p:ext uri="{BB962C8B-B14F-4D97-AF65-F5344CB8AC3E}">
-        <p14:creationId xmlns:p14="http://schemas.microsoft.com/office/powerpoint/2010/main" val="2403280355"/>
+        <p14:creationId xmlns:p14="http://schemas.microsoft.com/office/powerpoint/2010/main" val="3541550648"/>
       </p:ext>
     </p:extLst>
   </p:cSld>
@@ -1200,14 +1485,36 @@
           <a:lstStyle/>
           <a:p>
             <a:r>
-              <a:rPr lang="fr-FR" dirty="0" smtClean="0"/>
-              <a:t>Je vais présenter</a:t>
-            </a:r>
-            <a:r>
-              <a:rPr lang="fr-FR" baseline="0" dirty="0" smtClean="0"/>
-              <a:t> les différentes étapes</a:t>
-            </a:r>
-            <a:endParaRPr lang="fr-FR" dirty="0"/>
+              <a:rPr lang="fr-FR" sz="2800" dirty="0" smtClean="0"/>
+              <a:t>Relation</a:t>
+            </a:r>
+            <a:r>
+              <a:rPr lang="fr-FR" sz="2800" baseline="0" dirty="0" smtClean="0"/>
+              <a:t> de dominance dans laquelle on a remarqué des comportements qui nous semblaient intéressants à étudier</a:t>
+            </a:r>
+          </a:p>
+          <a:p>
+            <a:endParaRPr lang="fr-FR" sz="2800" baseline="0" dirty="0" smtClean="0"/>
+          </a:p>
+          <a:p>
+            <a:pPr rtl="0"/>
+            <a:r>
+              <a:rPr lang="fr-FR" sz="3200" baseline="0" dirty="0" smtClean="0"/>
+              <a:t>Dans la suite je </a:t>
+            </a:r>
+            <a:r>
+              <a:rPr lang="fr-FR" sz="3600" b="1" baseline="0" dirty="0" smtClean="0"/>
+              <a:t>présente</a:t>
+            </a:r>
+            <a:r>
+              <a:rPr lang="fr-FR" sz="3600" baseline="0" dirty="0" smtClean="0"/>
+              <a:t> </a:t>
+            </a:r>
+            <a:r>
+              <a:rPr lang="fr-FR" sz="3200" baseline="0" dirty="0" smtClean="0"/>
+              <a:t>les contributions réalisées jusqu’à présent</a:t>
+            </a:r>
+            <a:endParaRPr lang="fr-FR" sz="3200" dirty="0"/>
           </a:p>
         </p:txBody>
       </p:sp>
@@ -1228,7 +1535,7 @@
           <a:p>
             <a:fld id="{B48807CD-2378-4C1E-8048-3D0E9D8EA8A6}" type="slidenum">
               <a:rPr lang="fr-FR" smtClean="0"/>
-              <a:t>10</a:t>
+              <a:t>9</a:t>
             </a:fld>
             <a:endParaRPr lang="fr-FR"/>
           </a:p>
@@ -1237,7 +1544,7 @@
     </p:spTree>
     <p:extLst>
       <p:ext uri="{BB962C8B-B14F-4D97-AF65-F5344CB8AC3E}">
-        <p14:creationId xmlns:p14="http://schemas.microsoft.com/office/powerpoint/2010/main" val="2356899756"/>
+        <p14:creationId xmlns:p14="http://schemas.microsoft.com/office/powerpoint/2010/main" val="2403280355"/>
       </p:ext>
     </p:extLst>
   </p:cSld>
@@ -1292,8 +1599,12 @@
           <a:lstStyle/>
           <a:p>
             <a:r>
-              <a:rPr lang="en-US" dirty="0" smtClean="0"/>
-              <a:t>Attentional state is an abstraction of the participants’ focus of attention as their discourse unfolds</a:t>
+              <a:rPr lang="fr-FR" dirty="0" smtClean="0"/>
+              <a:t>Je vais présenter</a:t>
+            </a:r>
+            <a:r>
+              <a:rPr lang="fr-FR" baseline="0" dirty="0" smtClean="0"/>
+              <a:t> les différentes étapes</a:t>
             </a:r>
             <a:endParaRPr lang="fr-FR" dirty="0"/>
           </a:p>
@@ -1314,9 +1625,9 @@
           <a:bodyPr/>
           <a:lstStyle/>
           <a:p>
-            <a:fld id="{3E9B4F48-A4EC-4F0B-9CEB-4F637EA6FD75}" type="slidenum">
+            <a:fld id="{B48807CD-2378-4C1E-8048-3D0E9D8EA8A6}" type="slidenum">
               <a:rPr lang="fr-FR" smtClean="0"/>
-              <a:t>12</a:t>
+              <a:t>10</a:t>
             </a:fld>
             <a:endParaRPr lang="fr-FR"/>
           </a:p>
@@ -1325,7 +1636,7 @@
     </p:spTree>
     <p:extLst>
       <p:ext uri="{BB962C8B-B14F-4D97-AF65-F5344CB8AC3E}">
-        <p14:creationId xmlns:p14="http://schemas.microsoft.com/office/powerpoint/2010/main" val="3972364146"/>
+        <p14:creationId xmlns:p14="http://schemas.microsoft.com/office/powerpoint/2010/main" val="2356899756"/>
       </p:ext>
     </p:extLst>
   </p:cSld>
@@ -1379,30 +1690,6 @@
           <a:bodyPr/>
           <a:lstStyle/>
           <a:p>
-            <a:pPr marL="0" marR="0" lvl="2" indent="0" algn="l" defTabSz="914400" rtl="0" eaLnBrk="1" fontAlgn="auto" latinLnBrk="0" hangingPunct="1">
-              <a:lnSpc>
-                <a:spcPct val="100000"/>
-              </a:lnSpc>
-              <a:spcBef>
-                <a:spcPts val="0"/>
-              </a:spcBef>
-              <a:spcAft>
-                <a:spcPts val="0"/>
-              </a:spcAft>
-              <a:buClrTx/>
-              <a:buSzTx/>
-              <a:buFontTx/>
-              <a:buNone/>
-              <a:tabLst/>
-              <a:defRPr/>
-            </a:pPr>
-            <a:r>
-              <a:rPr lang="en-US" dirty="0" smtClean="0"/>
-              <a:t>Discourse purpose (DP) underlies engaging in the particular discourse. Discourse segment purpose (DSP) specifies how this segment contributes to achieving the overall discourse purpose. </a:t>
-            </a:r>
-            <a:endParaRPr lang="fr-FR" dirty="0" smtClean="0"/>
-          </a:p>
-          <a:p>
             <a:endParaRPr lang="fr-FR" dirty="0"/>
           </a:p>
         </p:txBody>
@@ -1422,9 +1709,9 @@
           <a:bodyPr/>
           <a:lstStyle/>
           <a:p>
-            <a:fld id="{3E9B4F48-A4EC-4F0B-9CEB-4F637EA6FD75}" type="slidenum">
+            <a:fld id="{B48807CD-2378-4C1E-8048-3D0E9D8EA8A6}" type="slidenum">
               <a:rPr lang="fr-FR" smtClean="0"/>
-              <a:t>13</a:t>
+              <a:t>11</a:t>
             </a:fld>
             <a:endParaRPr lang="fr-FR"/>
           </a:p>
@@ -1433,7 +1720,7 @@
     </p:spTree>
     <p:extLst>
       <p:ext uri="{BB962C8B-B14F-4D97-AF65-F5344CB8AC3E}">
-        <p14:creationId xmlns:p14="http://schemas.microsoft.com/office/powerpoint/2010/main" val="2165421636"/>
+        <p14:creationId xmlns:p14="http://schemas.microsoft.com/office/powerpoint/2010/main" val="2994717543"/>
       </p:ext>
     </p:extLst>
   </p:cSld>
@@ -1488,16 +1775,8 @@
           <a:lstStyle/>
           <a:p>
             <a:r>
-              <a:rPr lang="fr-FR" dirty="0" smtClean="0"/>
-              <a:t>Dans la suite je vais présenter chaque </a:t>
-            </a:r>
-            <a:r>
-              <a:rPr lang="fr-FR" dirty="0" err="1" smtClean="0"/>
-              <a:t>element</a:t>
-            </a:r>
-            <a:r>
-              <a:rPr lang="fr-FR" dirty="0" smtClean="0"/>
-              <a:t> de notre modèle</a:t>
+              <a:rPr lang="en-US" dirty="0" smtClean="0"/>
+              <a:t>Attentional state is an abstraction of the participants’ focus of attention as their discourse unfolds</a:t>
             </a:r>
             <a:endParaRPr lang="fr-FR" dirty="0"/>
           </a:p>
@@ -1518,9 +1797,9 @@
           <a:bodyPr/>
           <a:lstStyle/>
           <a:p>
-            <a:fld id="{B48807CD-2378-4C1E-8048-3D0E9D8EA8A6}" type="slidenum">
+            <a:fld id="{3E9B4F48-A4EC-4F0B-9CEB-4F637EA6FD75}" type="slidenum">
               <a:rPr lang="fr-FR" smtClean="0"/>
-              <a:t>21</a:t>
+              <a:t>12</a:t>
             </a:fld>
             <a:endParaRPr lang="fr-FR"/>
           </a:p>
@@ -1529,7 +1808,7 @@
     </p:spTree>
     <p:extLst>
       <p:ext uri="{BB962C8B-B14F-4D97-AF65-F5344CB8AC3E}">
-        <p14:creationId xmlns:p14="http://schemas.microsoft.com/office/powerpoint/2010/main" val="2974902021"/>
+        <p14:creationId xmlns:p14="http://schemas.microsoft.com/office/powerpoint/2010/main" val="3972364146"/>
       </p:ext>
     </p:extLst>
   </p:cSld>
@@ -5171,7 +5450,7 @@
           <p:nvPr/>
         </p:nvPicPr>
         <p:blipFill>
-          <a:blip r:embed="rId2">
+          <a:blip r:embed="rId3">
             <a:extLst>
               <a:ext uri="{28A0092B-C50C-407E-A947-70E740481C1C}">
                 <a14:useLocalDpi xmlns:a14="http://schemas.microsoft.com/office/drawing/2010/main" val="0"/>
@@ -5201,7 +5480,7 @@
           <p:nvPr/>
         </p:nvPicPr>
         <p:blipFill>
-          <a:blip r:embed="rId3" cstate="print">
+          <a:blip r:embed="rId4" cstate="print">
             <a:extLst>
               <a:ext uri="{28A0092B-C50C-407E-A947-70E740481C1C}">
                 <a14:useLocalDpi xmlns:a14="http://schemas.microsoft.com/office/drawing/2010/main" val="0"/>
@@ -5231,7 +5510,7 @@
           <p:nvPr/>
         </p:nvPicPr>
         <p:blipFill>
-          <a:blip r:embed="rId4" cstate="print">
+          <a:blip r:embed="rId5" cstate="print">
             <a:extLst>
               <a:ext uri="{28A0092B-C50C-407E-A947-70E740481C1C}">
                 <a14:useLocalDpi xmlns:a14="http://schemas.microsoft.com/office/drawing/2010/main" val="0"/>
@@ -5261,7 +5540,7 @@
           <p:nvPr/>
         </p:nvPicPr>
         <p:blipFill>
-          <a:blip r:embed="rId5" cstate="print">
+          <a:blip r:embed="rId6" cstate="print">
             <a:extLst>
               <a:ext uri="{28A0092B-C50C-407E-A947-70E740481C1C}">
                 <a14:useLocalDpi xmlns:a14="http://schemas.microsoft.com/office/drawing/2010/main" val="0"/>
@@ -5346,7 +5625,7 @@
                 <a:latin typeface="Calibri"/>
               </a:rPr>
               <a:pPr lvl="0"/>
-              <a:t>22/02/2016</a:t>
+              <a:t>23/02/2016</a:t>
             </a:fld>
             <a:endParaRPr lang="fr-FR" b="1" dirty="0">
               <a:solidFill>
@@ -5513,147 +5792,13 @@
           <a:p>
             <a:r>
               <a:rPr lang="fr-FR" dirty="0" smtClean="0"/>
-              <a:t>Plan des contributions </a:t>
-            </a:r>
-            <a:r>
-              <a:rPr lang="fr-FR" sz="2800" dirty="0" smtClean="0"/>
-              <a:t>(jan 15 – </a:t>
-            </a:r>
-            <a:r>
-              <a:rPr lang="fr-FR" sz="2800" dirty="0" err="1" smtClean="0"/>
-              <a:t>feb</a:t>
-            </a:r>
-            <a:r>
-              <a:rPr lang="fr-FR" sz="2800" dirty="0" smtClean="0"/>
-              <a:t> 16)</a:t>
+              <a:t>Plan des </a:t>
+            </a:r>
+            <a:r>
+              <a:rPr lang="fr-FR" dirty="0" smtClean="0"/>
+              <a:t>contributions</a:t>
             </a:r>
             <a:endParaRPr lang="fr-FR" sz="2800" dirty="0"/>
-          </a:p>
-        </p:txBody>
-      </p:sp>
-      <p:sp>
-        <p:nvSpPr>
-          <p:cNvPr id="3" name="Espace réservé du contenu 2"/>
-          <p:cNvSpPr>
-            <a:spLocks noGrp="1"/>
-          </p:cNvSpPr>
-          <p:nvPr>
-            <p:ph idx="1"/>
-          </p:nvPr>
-        </p:nvSpPr>
-        <p:spPr/>
-        <p:txBody>
-          <a:bodyPr>
-            <a:normAutofit/>
-          </a:bodyPr>
-          <a:lstStyle/>
-          <a:p>
-            <a:pPr marL="457200" indent="-457200">
-              <a:buFont typeface="+mj-lt"/>
-              <a:buAutoNum type="arabicPeriod"/>
-            </a:pPr>
-            <a:r>
-              <a:rPr lang="fr-FR" dirty="0"/>
-              <a:t>Collecte </a:t>
-            </a:r>
-            <a:r>
-              <a:rPr lang="fr-FR" dirty="0" smtClean="0"/>
-              <a:t>et analyse de deux dialogues.</a:t>
-            </a:r>
-          </a:p>
-          <a:p>
-            <a:pPr marL="457200" indent="-457200">
-              <a:buFont typeface="+mj-lt"/>
-              <a:buAutoNum type="arabicPeriod"/>
-            </a:pPr>
-            <a:r>
-              <a:rPr lang="fr-FR" dirty="0" smtClean="0"/>
-              <a:t>Définition des relations sociales.</a:t>
-            </a:r>
-          </a:p>
-          <a:p>
-            <a:pPr marL="457200" indent="-457200">
-              <a:buFont typeface="+mj-lt"/>
-              <a:buAutoNum type="arabicPeriod"/>
-            </a:pPr>
-            <a:r>
-              <a:rPr lang="fr-FR" dirty="0" smtClean="0"/>
-              <a:t>Identification </a:t>
-            </a:r>
-            <a:r>
-              <a:rPr lang="fr-FR" dirty="0"/>
-              <a:t>d</a:t>
-            </a:r>
-            <a:r>
-              <a:rPr lang="fr-FR" dirty="0" smtClean="0"/>
-              <a:t>es aspects du dialogue à étudier.</a:t>
-            </a:r>
-          </a:p>
-          <a:p>
-            <a:pPr marL="457200" indent="-457200">
-              <a:buFont typeface="+mj-lt"/>
-              <a:buAutoNum type="arabicPeriod"/>
-            </a:pPr>
-            <a:r>
-              <a:rPr lang="fr-FR" dirty="0"/>
-              <a:t>Identification des comportements communs / </a:t>
-            </a:r>
-            <a:r>
-              <a:rPr lang="fr-FR" dirty="0" smtClean="0"/>
-              <a:t>spécifiques </a:t>
-            </a:r>
-            <a:r>
-              <a:rPr lang="fr-FR" dirty="0"/>
-              <a:t>à la </a:t>
-            </a:r>
-            <a:r>
-              <a:rPr lang="fr-FR" dirty="0" smtClean="0"/>
-              <a:t>RS.</a:t>
-            </a:r>
-          </a:p>
-          <a:p>
-            <a:pPr marL="457200" indent="-457200">
-              <a:buFont typeface="+mj-lt"/>
-              <a:buAutoNum type="arabicPeriod"/>
-            </a:pPr>
-            <a:r>
-              <a:rPr lang="fr-FR" dirty="0"/>
-              <a:t>Extraction des actes de </a:t>
-            </a:r>
-            <a:r>
-              <a:rPr lang="fr-FR" dirty="0" smtClean="0"/>
-              <a:t>langages.</a:t>
-            </a:r>
-          </a:p>
-          <a:p>
-            <a:pPr marL="457200" indent="-457200">
-              <a:buFont typeface="+mj-lt"/>
-              <a:buAutoNum type="arabicPeriod"/>
-            </a:pPr>
-            <a:r>
-              <a:rPr lang="fr-FR" dirty="0" smtClean="0"/>
-              <a:t>Conception d’un modèle formel de négociation sur les préférences.</a:t>
-            </a:r>
-          </a:p>
-          <a:p>
-            <a:pPr marL="457200" indent="-457200">
-              <a:buFont typeface="+mj-lt"/>
-              <a:buAutoNum type="arabicPeriod"/>
-            </a:pPr>
-            <a:r>
-              <a:rPr lang="fr-FR" dirty="0" smtClean="0"/>
-              <a:t>Implémentation du modèle dialogique (Java)</a:t>
-            </a:r>
-          </a:p>
-          <a:p>
-            <a:pPr marL="457200" indent="-457200">
-              <a:buFont typeface="+mj-lt"/>
-              <a:buAutoNum type="arabicPeriod"/>
-            </a:pPr>
-            <a:r>
-              <a:rPr lang="fr-FR" dirty="0" smtClean="0"/>
-              <a:t>Implémentation de dialogues sur D4g (Disco)</a:t>
-            </a:r>
           </a:p>
         </p:txBody>
       </p:sp>
@@ -5719,10 +5864,1288 @@
           </a:p>
         </p:txBody>
       </p:sp>
+      <p:sp>
+        <p:nvSpPr>
+          <p:cNvPr id="10" name="Rectangle 9"/>
+          <p:cNvSpPr/>
+          <p:nvPr/>
+        </p:nvSpPr>
+        <p:spPr bwMode="auto">
+          <a:xfrm>
+            <a:off x="1198657" y="2118270"/>
+            <a:ext cx="7158004" cy="4551090"/>
+          </a:xfrm>
+          <a:prstGeom prst="rect">
+            <a:avLst/>
+          </a:prstGeom>
+          <a:solidFill>
+            <a:schemeClr val="bg1">
+              <a:lumMod val="85000"/>
+            </a:schemeClr>
+          </a:solidFill>
+          <a:ln w="12700" cap="flat" cmpd="sng" algn="ctr">
+            <a:noFill/>
+            <a:prstDash val="solid"/>
+            <a:round/>
+            <a:headEnd type="none" w="sm" len="sm"/>
+            <a:tailEnd type="none" w="sm" len="sm"/>
+          </a:ln>
+          <a:effectLst/>
+        </p:spPr>
+        <p:txBody>
+          <a:bodyPr lIns="80147" tIns="40074" rIns="80147" bIns="40074"/>
+          <a:lstStyle/>
+          <a:p>
+            <a:pPr defTabSz="872436" eaLnBrk="0" hangingPunct="0">
+              <a:defRPr/>
+            </a:pPr>
+            <a:endParaRPr lang="fr-FR" sz="2000"/>
+          </a:p>
+        </p:txBody>
+      </p:sp>
+      <p:sp>
+        <p:nvSpPr>
+          <p:cNvPr id="12" name="Rectangle 11"/>
+          <p:cNvSpPr/>
+          <p:nvPr/>
+        </p:nvSpPr>
+        <p:spPr>
+          <a:xfrm>
+            <a:off x="1028972" y="1268760"/>
+            <a:ext cx="7327689" cy="4898365"/>
+          </a:xfrm>
+          <a:prstGeom prst="rect">
+            <a:avLst/>
+          </a:prstGeom>
+          <a:noFill/>
+          <a:ln>
+            <a:noFill/>
+          </a:ln>
+        </p:spPr>
+        <p:style>
+          <a:lnRef idx="2">
+            <a:schemeClr val="accent1">
+              <a:shade val="50000"/>
+            </a:schemeClr>
+          </a:lnRef>
+          <a:fillRef idx="1">
+            <a:schemeClr val="accent1"/>
+          </a:fillRef>
+          <a:effectRef idx="0">
+            <a:schemeClr val="accent1"/>
+          </a:effectRef>
+          <a:fontRef idx="minor">
+            <a:schemeClr val="lt1"/>
+          </a:fontRef>
+        </p:style>
+        <p:txBody>
+          <a:bodyPr lIns="80147" tIns="40074" rIns="80147" bIns="40074" anchor="ctr"/>
+          <a:lstStyle/>
+          <a:p>
+            <a:pPr algn="ctr" eaLnBrk="0" hangingPunct="0">
+              <a:defRPr/>
+            </a:pPr>
+            <a:endParaRPr lang="fr-FR"/>
+          </a:p>
+        </p:txBody>
+      </p:sp>
+      <p:sp>
+        <p:nvSpPr>
+          <p:cNvPr id="13" name="ZoneTexte 12"/>
+          <p:cNvSpPr txBox="1"/>
+          <p:nvPr/>
+        </p:nvSpPr>
+        <p:spPr>
+          <a:xfrm>
+            <a:off x="1107706" y="1268760"/>
+            <a:ext cx="738470" cy="542596"/>
+          </a:xfrm>
+          <a:prstGeom prst="rect">
+            <a:avLst/>
+          </a:prstGeom>
+          <a:noFill/>
+        </p:spPr>
+        <p:txBody>
+          <a:bodyPr lIns="80147" tIns="40074" rIns="80147" bIns="40074">
+            <a:spAutoFit/>
+          </a:bodyPr>
+          <a:lstStyle/>
+          <a:p>
+            <a:pPr eaLnBrk="0" hangingPunct="0">
+              <a:defRPr/>
+            </a:pPr>
+            <a:r>
+              <a:rPr lang="fr-FR" sz="1500" b="1" dirty="0" smtClean="0">
+                <a:solidFill>
+                  <a:schemeClr val="tx1">
+                    <a:lumMod val="65000"/>
+                    <a:lumOff val="35000"/>
+                  </a:schemeClr>
+                </a:solidFill>
+                <a:latin typeface="Century Gothic" pitchFamily="34" charset="0"/>
+              </a:rPr>
+              <a:t>Jan</a:t>
+            </a:r>
+            <a:endParaRPr lang="fr-FR" sz="1500" b="1" dirty="0" smtClean="0">
+              <a:solidFill>
+                <a:schemeClr val="tx1">
+                  <a:lumMod val="65000"/>
+                  <a:lumOff val="35000"/>
+                </a:schemeClr>
+              </a:solidFill>
+              <a:latin typeface="Century Gothic" pitchFamily="34" charset="0"/>
+            </a:endParaRPr>
+          </a:p>
+          <a:p>
+            <a:pPr eaLnBrk="0" hangingPunct="0">
+              <a:defRPr/>
+            </a:pPr>
+            <a:r>
+              <a:rPr lang="fr-FR" sz="1500" b="1" dirty="0" smtClean="0">
+                <a:solidFill>
+                  <a:schemeClr val="tx1">
+                    <a:lumMod val="65000"/>
+                    <a:lumOff val="35000"/>
+                  </a:schemeClr>
+                </a:solidFill>
+                <a:latin typeface="Century Gothic" pitchFamily="34" charset="0"/>
+              </a:rPr>
+              <a:t>2015.</a:t>
+            </a:r>
+            <a:endParaRPr lang="fr-FR" sz="1500" b="1" dirty="0">
+              <a:solidFill>
+                <a:schemeClr val="tx1">
+                  <a:lumMod val="65000"/>
+                  <a:lumOff val="35000"/>
+                </a:schemeClr>
+              </a:solidFill>
+              <a:latin typeface="Century Gothic" pitchFamily="34" charset="0"/>
+            </a:endParaRPr>
+          </a:p>
+        </p:txBody>
+      </p:sp>
+      <p:sp>
+        <p:nvSpPr>
+          <p:cNvPr id="18" name="ZoneTexte 17"/>
+          <p:cNvSpPr txBox="1"/>
+          <p:nvPr/>
+        </p:nvSpPr>
+        <p:spPr>
+          <a:xfrm>
+            <a:off x="7668343" y="1200838"/>
+            <a:ext cx="1214973" cy="542596"/>
+          </a:xfrm>
+          <a:prstGeom prst="rect">
+            <a:avLst/>
+          </a:prstGeom>
+          <a:noFill/>
+        </p:spPr>
+        <p:txBody>
+          <a:bodyPr wrap="square" lIns="80147" tIns="40074" rIns="80147" bIns="40074">
+            <a:spAutoFit/>
+          </a:bodyPr>
+          <a:lstStyle/>
+          <a:p>
+            <a:pPr eaLnBrk="0" hangingPunct="0">
+              <a:defRPr/>
+            </a:pPr>
+            <a:r>
+              <a:rPr lang="fr-FR" sz="1500" b="1" dirty="0" smtClean="0">
+                <a:solidFill>
+                  <a:schemeClr val="tx1">
+                    <a:lumMod val="65000"/>
+                    <a:lumOff val="35000"/>
+                  </a:schemeClr>
+                </a:solidFill>
+                <a:latin typeface="Century Gothic" pitchFamily="34" charset="0"/>
+              </a:rPr>
+              <a:t>Février</a:t>
+            </a:r>
+          </a:p>
+          <a:p>
+            <a:pPr eaLnBrk="0" hangingPunct="0">
+              <a:defRPr/>
+            </a:pPr>
+            <a:r>
+              <a:rPr lang="fr-FR" sz="1500" b="1" dirty="0" smtClean="0">
+                <a:solidFill>
+                  <a:schemeClr val="tx1">
+                    <a:lumMod val="65000"/>
+                    <a:lumOff val="35000"/>
+                  </a:schemeClr>
+                </a:solidFill>
+                <a:latin typeface="Century Gothic" pitchFamily="34" charset="0"/>
+              </a:rPr>
+              <a:t>2</a:t>
+            </a:r>
+            <a:r>
+              <a:rPr lang="fr-FR" sz="1500" b="1" dirty="0" smtClean="0">
+                <a:solidFill>
+                  <a:schemeClr val="tx1">
+                    <a:lumMod val="65000"/>
+                    <a:lumOff val="35000"/>
+                  </a:schemeClr>
+                </a:solidFill>
+                <a:latin typeface="Century Gothic" pitchFamily="34" charset="0"/>
+              </a:rPr>
+              <a:t>016</a:t>
+            </a:r>
+            <a:endParaRPr lang="fr-FR" sz="1500" b="1" dirty="0">
+              <a:solidFill>
+                <a:schemeClr val="tx1">
+                  <a:lumMod val="65000"/>
+                  <a:lumOff val="35000"/>
+                </a:schemeClr>
+              </a:solidFill>
+              <a:latin typeface="Century Gothic" pitchFamily="34" charset="0"/>
+            </a:endParaRPr>
+          </a:p>
+        </p:txBody>
+      </p:sp>
+      <p:sp>
+        <p:nvSpPr>
+          <p:cNvPr id="20" name="Pentagone 19"/>
+          <p:cNvSpPr/>
+          <p:nvPr/>
+        </p:nvSpPr>
+        <p:spPr>
+          <a:xfrm>
+            <a:off x="1190512" y="1703360"/>
+            <a:ext cx="7166149" cy="414911"/>
+          </a:xfrm>
+          <a:prstGeom prst="homePlate">
+            <a:avLst/>
+          </a:prstGeom>
+          <a:solidFill>
+            <a:schemeClr val="bg1">
+              <a:lumMod val="50000"/>
+            </a:schemeClr>
+          </a:solidFill>
+          <a:ln>
+            <a:noFill/>
+          </a:ln>
+        </p:spPr>
+        <p:style>
+          <a:lnRef idx="2">
+            <a:schemeClr val="accent1">
+              <a:shade val="50000"/>
+            </a:schemeClr>
+          </a:lnRef>
+          <a:fillRef idx="1">
+            <a:schemeClr val="accent1"/>
+          </a:fillRef>
+          <a:effectRef idx="0">
+            <a:schemeClr val="accent1"/>
+          </a:effectRef>
+          <a:fontRef idx="minor">
+            <a:schemeClr val="lt1"/>
+          </a:fontRef>
+        </p:style>
+        <p:txBody>
+          <a:bodyPr lIns="80147" tIns="40074" rIns="80147" bIns="40074" anchor="ctr"/>
+          <a:lstStyle/>
+          <a:p>
+            <a:pPr algn="ctr" eaLnBrk="0" hangingPunct="0">
+              <a:defRPr/>
+            </a:pPr>
+            <a:r>
+              <a:rPr lang="fr-FR" sz="2000" dirty="0">
+                <a:latin typeface="Century Gothic" pitchFamily="34" charset="0"/>
+              </a:rPr>
+              <a:t>Déroulement de la thèse</a:t>
+            </a:r>
+          </a:p>
+        </p:txBody>
+      </p:sp>
+      <p:cxnSp>
+        <p:nvCxnSpPr>
+          <p:cNvPr id="21" name="Connecteur droit 20"/>
+          <p:cNvCxnSpPr/>
+          <p:nvPr/>
+        </p:nvCxnSpPr>
+        <p:spPr>
+          <a:xfrm flipH="1">
+            <a:off x="1187624" y="2130646"/>
+            <a:ext cx="1" cy="4551089"/>
+          </a:xfrm>
+          <a:prstGeom prst="line">
+            <a:avLst/>
+          </a:prstGeom>
+          <a:ln w="12700">
+            <a:solidFill>
+              <a:schemeClr val="bg1">
+                <a:lumMod val="50000"/>
+              </a:schemeClr>
+            </a:solidFill>
+            <a:prstDash val="dash"/>
+          </a:ln>
+        </p:spPr>
+        <p:style>
+          <a:lnRef idx="1">
+            <a:schemeClr val="accent1"/>
+          </a:lnRef>
+          <a:fillRef idx="0">
+            <a:schemeClr val="accent1"/>
+          </a:fillRef>
+          <a:effectRef idx="0">
+            <a:schemeClr val="accent1"/>
+          </a:effectRef>
+          <a:fontRef idx="minor">
+            <a:schemeClr val="tx1"/>
+          </a:fontRef>
+        </p:style>
+      </p:cxnSp>
+      <p:cxnSp>
+        <p:nvCxnSpPr>
+          <p:cNvPr id="27" name="Connecteur droit 26"/>
+          <p:cNvCxnSpPr/>
+          <p:nvPr/>
+        </p:nvCxnSpPr>
+        <p:spPr>
+          <a:xfrm>
+            <a:off x="8356661" y="2145231"/>
+            <a:ext cx="0" cy="4554328"/>
+          </a:xfrm>
+          <a:prstGeom prst="line">
+            <a:avLst/>
+          </a:prstGeom>
+          <a:ln w="12700">
+            <a:solidFill>
+              <a:schemeClr val="bg1">
+                <a:lumMod val="50000"/>
+              </a:schemeClr>
+            </a:solidFill>
+            <a:prstDash val="dash"/>
+          </a:ln>
+        </p:spPr>
+        <p:style>
+          <a:lnRef idx="1">
+            <a:schemeClr val="accent1"/>
+          </a:lnRef>
+          <a:fillRef idx="0">
+            <a:schemeClr val="accent1"/>
+          </a:fillRef>
+          <a:effectRef idx="0">
+            <a:schemeClr val="accent1"/>
+          </a:effectRef>
+          <a:fontRef idx="minor">
+            <a:schemeClr val="tx1"/>
+          </a:fontRef>
+        </p:style>
+      </p:cxnSp>
+      <p:sp>
+        <p:nvSpPr>
+          <p:cNvPr id="53" name="Rectangle 52"/>
+          <p:cNvSpPr/>
+          <p:nvPr/>
+        </p:nvSpPr>
+        <p:spPr>
+          <a:xfrm>
+            <a:off x="4644008" y="6021288"/>
+            <a:ext cx="3672408" cy="561167"/>
+          </a:xfrm>
+          <a:prstGeom prst="rect">
+            <a:avLst/>
+          </a:prstGeom>
+          <a:solidFill>
+            <a:schemeClr val="bg1"/>
+          </a:solidFill>
+          <a:ln w="12700">
+            <a:solidFill>
+              <a:schemeClr val="bg1">
+                <a:lumMod val="75000"/>
+              </a:schemeClr>
+            </a:solidFill>
+          </a:ln>
+        </p:spPr>
+        <p:style>
+          <a:lnRef idx="2">
+            <a:schemeClr val="accent1">
+              <a:shade val="50000"/>
+            </a:schemeClr>
+          </a:lnRef>
+          <a:fillRef idx="1">
+            <a:schemeClr val="accent1"/>
+          </a:fillRef>
+          <a:effectRef idx="0">
+            <a:schemeClr val="accent1"/>
+          </a:effectRef>
+          <a:fontRef idx="minor">
+            <a:schemeClr val="lt1"/>
+          </a:fontRef>
+        </p:style>
+        <p:txBody>
+          <a:bodyPr lIns="80147" tIns="40074" rIns="80147" bIns="40074" anchor="ctr"/>
+          <a:lstStyle/>
+          <a:p>
+            <a:pPr eaLnBrk="0" hangingPunct="0">
+              <a:defRPr/>
+            </a:pPr>
+            <a:r>
+              <a:rPr lang="fr-FR" dirty="0" smtClean="0">
+                <a:solidFill>
+                  <a:schemeClr val="bg1">
+                    <a:lumMod val="50000"/>
+                  </a:schemeClr>
+                </a:solidFill>
+                <a:latin typeface="Century Gothic" pitchFamily="34" charset="0"/>
+              </a:rPr>
+              <a:t>7. Implémentation </a:t>
+            </a:r>
+            <a:r>
+              <a:rPr lang="fr-FR" dirty="0">
+                <a:solidFill>
+                  <a:schemeClr val="bg1">
+                    <a:lumMod val="50000"/>
+                  </a:schemeClr>
+                </a:solidFill>
+                <a:latin typeface="Century Gothic" pitchFamily="34" charset="0"/>
+              </a:rPr>
+              <a:t>du modèle </a:t>
+            </a:r>
+            <a:r>
+              <a:rPr lang="fr-FR" dirty="0" smtClean="0">
+                <a:solidFill>
+                  <a:schemeClr val="bg1">
+                    <a:lumMod val="50000"/>
+                  </a:schemeClr>
+                </a:solidFill>
+                <a:latin typeface="Century Gothic" pitchFamily="34" charset="0"/>
+              </a:rPr>
+              <a:t>dialogique.</a:t>
+            </a:r>
+            <a:endParaRPr lang="fr-FR" dirty="0">
+              <a:solidFill>
+                <a:schemeClr val="bg1">
+                  <a:lumMod val="50000"/>
+                </a:schemeClr>
+              </a:solidFill>
+              <a:latin typeface="Century Gothic" pitchFamily="34" charset="0"/>
+            </a:endParaRPr>
+          </a:p>
+        </p:txBody>
+      </p:sp>
+      <p:cxnSp>
+        <p:nvCxnSpPr>
+          <p:cNvPr id="22" name="Connecteur droit 21"/>
+          <p:cNvCxnSpPr/>
+          <p:nvPr/>
+        </p:nvCxnSpPr>
+        <p:spPr>
+          <a:xfrm>
+            <a:off x="2849823" y="2043024"/>
+            <a:ext cx="0" cy="4626336"/>
+          </a:xfrm>
+          <a:prstGeom prst="line">
+            <a:avLst/>
+          </a:prstGeom>
+          <a:ln w="19050">
+            <a:solidFill>
+              <a:schemeClr val="bg1">
+                <a:lumMod val="50000"/>
+              </a:schemeClr>
+            </a:solidFill>
+            <a:prstDash val="dash"/>
+          </a:ln>
+        </p:spPr>
+        <p:style>
+          <a:lnRef idx="1">
+            <a:schemeClr val="accent1"/>
+          </a:lnRef>
+          <a:fillRef idx="0">
+            <a:schemeClr val="accent1"/>
+          </a:fillRef>
+          <a:effectRef idx="0">
+            <a:schemeClr val="accent1"/>
+          </a:effectRef>
+          <a:fontRef idx="minor">
+            <a:schemeClr val="tx1"/>
+          </a:fontRef>
+        </p:style>
+      </p:cxnSp>
+      <p:sp>
+        <p:nvSpPr>
+          <p:cNvPr id="24" name="ZoneTexte 23"/>
+          <p:cNvSpPr txBox="1"/>
+          <p:nvPr/>
+        </p:nvSpPr>
+        <p:spPr>
+          <a:xfrm>
+            <a:off x="2627784" y="1253097"/>
+            <a:ext cx="738470" cy="542596"/>
+          </a:xfrm>
+          <a:prstGeom prst="rect">
+            <a:avLst/>
+          </a:prstGeom>
+          <a:noFill/>
+        </p:spPr>
+        <p:txBody>
+          <a:bodyPr lIns="80147" tIns="40074" rIns="80147" bIns="40074">
+            <a:spAutoFit/>
+          </a:bodyPr>
+          <a:lstStyle/>
+          <a:p>
+            <a:pPr eaLnBrk="0" hangingPunct="0">
+              <a:defRPr/>
+            </a:pPr>
+            <a:r>
+              <a:rPr lang="fr-FR" sz="1500" dirty="0" smtClean="0">
+                <a:solidFill>
+                  <a:schemeClr val="tx1">
+                    <a:lumMod val="65000"/>
+                    <a:lumOff val="35000"/>
+                  </a:schemeClr>
+                </a:solidFill>
+                <a:latin typeface="Century Gothic" pitchFamily="34" charset="0"/>
+              </a:rPr>
+              <a:t>Avril</a:t>
+            </a:r>
+            <a:endParaRPr lang="fr-FR" sz="1500" dirty="0" smtClean="0">
+              <a:solidFill>
+                <a:schemeClr val="tx1">
+                  <a:lumMod val="65000"/>
+                  <a:lumOff val="35000"/>
+                </a:schemeClr>
+              </a:solidFill>
+              <a:latin typeface="Century Gothic" pitchFamily="34" charset="0"/>
+            </a:endParaRPr>
+          </a:p>
+          <a:p>
+            <a:pPr eaLnBrk="0" hangingPunct="0">
+              <a:defRPr/>
+            </a:pPr>
+            <a:r>
+              <a:rPr lang="fr-FR" sz="1500" dirty="0" smtClean="0">
+                <a:solidFill>
+                  <a:schemeClr val="tx1">
+                    <a:lumMod val="65000"/>
+                    <a:lumOff val="35000"/>
+                  </a:schemeClr>
+                </a:solidFill>
+                <a:latin typeface="Century Gothic" pitchFamily="34" charset="0"/>
+              </a:rPr>
+              <a:t>2015.</a:t>
+            </a:r>
+            <a:endParaRPr lang="fr-FR" sz="1500" dirty="0">
+              <a:solidFill>
+                <a:schemeClr val="tx1">
+                  <a:lumMod val="65000"/>
+                  <a:lumOff val="35000"/>
+                </a:schemeClr>
+              </a:solidFill>
+              <a:latin typeface="Century Gothic" pitchFamily="34" charset="0"/>
+            </a:endParaRPr>
+          </a:p>
+        </p:txBody>
+      </p:sp>
+      <p:sp>
+        <p:nvSpPr>
+          <p:cNvPr id="25" name="ZoneTexte 24"/>
+          <p:cNvSpPr txBox="1"/>
+          <p:nvPr/>
+        </p:nvSpPr>
+        <p:spPr>
+          <a:xfrm>
+            <a:off x="3505050" y="1231616"/>
+            <a:ext cx="922934" cy="542596"/>
+          </a:xfrm>
+          <a:prstGeom prst="rect">
+            <a:avLst/>
+          </a:prstGeom>
+          <a:noFill/>
+        </p:spPr>
+        <p:txBody>
+          <a:bodyPr wrap="square" lIns="80147" tIns="40074" rIns="80147" bIns="40074">
+            <a:spAutoFit/>
+          </a:bodyPr>
+          <a:lstStyle/>
+          <a:p>
+            <a:pPr eaLnBrk="0" hangingPunct="0">
+              <a:defRPr/>
+            </a:pPr>
+            <a:r>
+              <a:rPr lang="fr-FR" sz="1500" dirty="0" err="1" smtClean="0">
+                <a:solidFill>
+                  <a:schemeClr val="tx1">
+                    <a:lumMod val="65000"/>
+                    <a:lumOff val="35000"/>
+                  </a:schemeClr>
+                </a:solidFill>
+                <a:latin typeface="Century Gothic" pitchFamily="34" charset="0"/>
+              </a:rPr>
+              <a:t>Oct</a:t>
+            </a:r>
+            <a:endParaRPr lang="fr-FR" sz="1500" dirty="0" smtClean="0">
+              <a:solidFill>
+                <a:schemeClr val="tx1">
+                  <a:lumMod val="65000"/>
+                  <a:lumOff val="35000"/>
+                </a:schemeClr>
+              </a:solidFill>
+              <a:latin typeface="Century Gothic" pitchFamily="34" charset="0"/>
+            </a:endParaRPr>
+          </a:p>
+          <a:p>
+            <a:pPr eaLnBrk="0" hangingPunct="0">
+              <a:defRPr/>
+            </a:pPr>
+            <a:r>
+              <a:rPr lang="fr-FR" sz="1500" dirty="0" smtClean="0">
+                <a:solidFill>
+                  <a:schemeClr val="tx1">
+                    <a:lumMod val="65000"/>
+                    <a:lumOff val="35000"/>
+                  </a:schemeClr>
+                </a:solidFill>
+                <a:latin typeface="Century Gothic" pitchFamily="34" charset="0"/>
+              </a:rPr>
+              <a:t>2015.</a:t>
+            </a:r>
+            <a:endParaRPr lang="fr-FR" sz="1500" dirty="0">
+              <a:solidFill>
+                <a:schemeClr val="tx1">
+                  <a:lumMod val="65000"/>
+                  <a:lumOff val="35000"/>
+                </a:schemeClr>
+              </a:solidFill>
+              <a:latin typeface="Century Gothic" pitchFamily="34" charset="0"/>
+            </a:endParaRPr>
+          </a:p>
+        </p:txBody>
+      </p:sp>
+      <p:cxnSp>
+        <p:nvCxnSpPr>
+          <p:cNvPr id="26" name="Connecteur droit 25"/>
+          <p:cNvCxnSpPr/>
+          <p:nvPr/>
+        </p:nvCxnSpPr>
+        <p:spPr>
+          <a:xfrm>
+            <a:off x="3491880" y="2060848"/>
+            <a:ext cx="0" cy="4608512"/>
+          </a:xfrm>
+          <a:prstGeom prst="line">
+            <a:avLst/>
+          </a:prstGeom>
+          <a:ln w="19050">
+            <a:solidFill>
+              <a:schemeClr val="bg1">
+                <a:lumMod val="50000"/>
+              </a:schemeClr>
+            </a:solidFill>
+            <a:prstDash val="dash"/>
+          </a:ln>
+        </p:spPr>
+        <p:style>
+          <a:lnRef idx="1">
+            <a:schemeClr val="accent1"/>
+          </a:lnRef>
+          <a:fillRef idx="0">
+            <a:schemeClr val="accent1"/>
+          </a:fillRef>
+          <a:effectRef idx="0">
+            <a:schemeClr val="accent1"/>
+          </a:effectRef>
+          <a:fontRef idx="minor">
+            <a:schemeClr val="tx1"/>
+          </a:fontRef>
+        </p:style>
+      </p:cxnSp>
+      <p:cxnSp>
+        <p:nvCxnSpPr>
+          <p:cNvPr id="29" name="Connecteur droit 28"/>
+          <p:cNvCxnSpPr/>
+          <p:nvPr/>
+        </p:nvCxnSpPr>
+        <p:spPr>
+          <a:xfrm>
+            <a:off x="4644008" y="2060848"/>
+            <a:ext cx="0" cy="4608512"/>
+          </a:xfrm>
+          <a:prstGeom prst="line">
+            <a:avLst/>
+          </a:prstGeom>
+          <a:ln w="19050">
+            <a:solidFill>
+              <a:schemeClr val="bg1">
+                <a:lumMod val="50000"/>
+              </a:schemeClr>
+            </a:solidFill>
+            <a:prstDash val="dash"/>
+          </a:ln>
+        </p:spPr>
+        <p:style>
+          <a:lnRef idx="1">
+            <a:schemeClr val="accent1"/>
+          </a:lnRef>
+          <a:fillRef idx="0">
+            <a:schemeClr val="accent1"/>
+          </a:fillRef>
+          <a:effectRef idx="0">
+            <a:schemeClr val="accent1"/>
+          </a:effectRef>
+          <a:fontRef idx="minor">
+            <a:schemeClr val="tx1"/>
+          </a:fontRef>
+        </p:style>
+      </p:cxnSp>
+      <p:sp>
+        <p:nvSpPr>
+          <p:cNvPr id="30" name="ZoneTexte 29"/>
+          <p:cNvSpPr txBox="1"/>
+          <p:nvPr/>
+        </p:nvSpPr>
+        <p:spPr>
+          <a:xfrm>
+            <a:off x="4644008" y="1230220"/>
+            <a:ext cx="1224136" cy="542596"/>
+          </a:xfrm>
+          <a:prstGeom prst="rect">
+            <a:avLst/>
+          </a:prstGeom>
+          <a:noFill/>
+        </p:spPr>
+        <p:txBody>
+          <a:bodyPr wrap="square" lIns="80147" tIns="40074" rIns="80147" bIns="40074">
+            <a:spAutoFit/>
+          </a:bodyPr>
+          <a:lstStyle/>
+          <a:p>
+            <a:pPr eaLnBrk="0" hangingPunct="0">
+              <a:defRPr/>
+            </a:pPr>
+            <a:r>
+              <a:rPr lang="fr-FR" sz="1500" dirty="0" smtClean="0">
+                <a:solidFill>
+                  <a:schemeClr val="tx1">
+                    <a:lumMod val="65000"/>
+                    <a:lumOff val="35000"/>
+                  </a:schemeClr>
+                </a:solidFill>
+                <a:latin typeface="Century Gothic" pitchFamily="34" charset="0"/>
+              </a:rPr>
+              <a:t>Décembre</a:t>
+            </a:r>
+            <a:endParaRPr lang="fr-FR" sz="1500" dirty="0" smtClean="0">
+              <a:solidFill>
+                <a:schemeClr val="tx1">
+                  <a:lumMod val="65000"/>
+                  <a:lumOff val="35000"/>
+                </a:schemeClr>
+              </a:solidFill>
+              <a:latin typeface="Century Gothic" pitchFamily="34" charset="0"/>
+            </a:endParaRPr>
+          </a:p>
+          <a:p>
+            <a:pPr eaLnBrk="0" hangingPunct="0">
+              <a:defRPr/>
+            </a:pPr>
+            <a:r>
+              <a:rPr lang="fr-FR" sz="1500" dirty="0" smtClean="0">
+                <a:solidFill>
+                  <a:schemeClr val="tx1">
+                    <a:lumMod val="65000"/>
+                    <a:lumOff val="35000"/>
+                  </a:schemeClr>
+                </a:solidFill>
+                <a:latin typeface="Century Gothic" pitchFamily="34" charset="0"/>
+              </a:rPr>
+              <a:t>2015.</a:t>
+            </a:r>
+            <a:endParaRPr lang="fr-FR" sz="1500" dirty="0">
+              <a:solidFill>
+                <a:schemeClr val="tx1">
+                  <a:lumMod val="65000"/>
+                  <a:lumOff val="35000"/>
+                </a:schemeClr>
+              </a:solidFill>
+              <a:latin typeface="Century Gothic" pitchFamily="34" charset="0"/>
+            </a:endParaRPr>
+          </a:p>
+        </p:txBody>
+      </p:sp>
+      <p:sp>
+        <p:nvSpPr>
+          <p:cNvPr id="28" name="Rectangle 27"/>
+          <p:cNvSpPr/>
+          <p:nvPr/>
+        </p:nvSpPr>
+        <p:spPr>
+          <a:xfrm>
+            <a:off x="1187624" y="2206459"/>
+            <a:ext cx="2736304" cy="648072"/>
+          </a:xfrm>
+          <a:prstGeom prst="rect">
+            <a:avLst/>
+          </a:prstGeom>
+          <a:solidFill>
+            <a:schemeClr val="bg1"/>
+          </a:solidFill>
+          <a:ln w="12700">
+            <a:solidFill>
+              <a:schemeClr val="bg1">
+                <a:lumMod val="75000"/>
+              </a:schemeClr>
+            </a:solidFill>
+          </a:ln>
+        </p:spPr>
+        <p:style>
+          <a:lnRef idx="2">
+            <a:schemeClr val="accent1">
+              <a:shade val="50000"/>
+            </a:schemeClr>
+          </a:lnRef>
+          <a:fillRef idx="1">
+            <a:schemeClr val="accent1"/>
+          </a:fillRef>
+          <a:effectRef idx="0">
+            <a:schemeClr val="accent1"/>
+          </a:effectRef>
+          <a:fontRef idx="minor">
+            <a:schemeClr val="lt1"/>
+          </a:fontRef>
+        </p:style>
+        <p:txBody>
+          <a:bodyPr lIns="80147" tIns="40074" rIns="80147" bIns="40074" anchor="ctr"/>
+          <a:lstStyle/>
+          <a:p>
+            <a:pPr marL="228600" indent="-228600" eaLnBrk="0" hangingPunct="0">
+              <a:buFont typeface="+mj-lt"/>
+              <a:buAutoNum type="arabicPeriod"/>
+              <a:defRPr/>
+            </a:pPr>
+            <a:r>
+              <a:rPr lang="fr-FR" dirty="0" smtClean="0">
+                <a:solidFill>
+                  <a:schemeClr val="bg1">
+                    <a:lumMod val="50000"/>
+                  </a:schemeClr>
+                </a:solidFill>
+                <a:latin typeface="Century Gothic" pitchFamily="34" charset="0"/>
+              </a:rPr>
+              <a:t>Collecte </a:t>
+            </a:r>
+            <a:r>
+              <a:rPr lang="fr-FR" dirty="0">
+                <a:solidFill>
+                  <a:schemeClr val="bg1">
+                    <a:lumMod val="50000"/>
+                  </a:schemeClr>
+                </a:solidFill>
+                <a:latin typeface="Century Gothic" pitchFamily="34" charset="0"/>
+              </a:rPr>
+              <a:t>et analyse de deux dialogues</a:t>
+            </a:r>
+            <a:r>
+              <a:rPr lang="fr-FR" dirty="0" smtClean="0">
+                <a:solidFill>
+                  <a:schemeClr val="bg1">
+                    <a:lumMod val="50000"/>
+                  </a:schemeClr>
+                </a:solidFill>
+                <a:latin typeface="Century Gothic" pitchFamily="34" charset="0"/>
+              </a:rPr>
+              <a:t>.</a:t>
+            </a:r>
+            <a:endParaRPr lang="fr-FR" dirty="0">
+              <a:solidFill>
+                <a:schemeClr val="bg1">
+                  <a:lumMod val="50000"/>
+                </a:schemeClr>
+              </a:solidFill>
+              <a:latin typeface="Century Gothic" pitchFamily="34" charset="0"/>
+            </a:endParaRPr>
+          </a:p>
+        </p:txBody>
+      </p:sp>
+      <p:sp>
+        <p:nvSpPr>
+          <p:cNvPr id="48" name="Rectangle 47"/>
+          <p:cNvSpPr/>
+          <p:nvPr/>
+        </p:nvSpPr>
+        <p:spPr>
+          <a:xfrm>
+            <a:off x="1619672" y="2917593"/>
+            <a:ext cx="2924071" cy="574469"/>
+          </a:xfrm>
+          <a:prstGeom prst="rect">
+            <a:avLst/>
+          </a:prstGeom>
+          <a:solidFill>
+            <a:schemeClr val="bg1"/>
+          </a:solidFill>
+          <a:ln w="12700">
+            <a:solidFill>
+              <a:schemeClr val="bg1">
+                <a:lumMod val="75000"/>
+              </a:schemeClr>
+            </a:solidFill>
+          </a:ln>
+        </p:spPr>
+        <p:style>
+          <a:lnRef idx="2">
+            <a:schemeClr val="accent1">
+              <a:shade val="50000"/>
+            </a:schemeClr>
+          </a:lnRef>
+          <a:fillRef idx="1">
+            <a:schemeClr val="accent1"/>
+          </a:fillRef>
+          <a:effectRef idx="0">
+            <a:schemeClr val="accent1"/>
+          </a:effectRef>
+          <a:fontRef idx="minor">
+            <a:schemeClr val="lt1"/>
+          </a:fontRef>
+        </p:style>
+        <p:txBody>
+          <a:bodyPr lIns="80147" tIns="40074" rIns="80147" bIns="40074" anchor="ctr"/>
+          <a:lstStyle/>
+          <a:p>
+            <a:pPr eaLnBrk="0" hangingPunct="0">
+              <a:defRPr/>
+            </a:pPr>
+            <a:r>
+              <a:rPr lang="fr-FR" dirty="0" smtClean="0">
+                <a:solidFill>
+                  <a:schemeClr val="bg1">
+                    <a:lumMod val="50000"/>
+                  </a:schemeClr>
+                </a:solidFill>
+                <a:latin typeface="Century Gothic" pitchFamily="34" charset="0"/>
+              </a:rPr>
+              <a:t>2. Définition </a:t>
+            </a:r>
+            <a:r>
+              <a:rPr lang="fr-FR" dirty="0">
+                <a:solidFill>
+                  <a:schemeClr val="bg1">
+                    <a:lumMod val="50000"/>
+                  </a:schemeClr>
+                </a:solidFill>
+                <a:latin typeface="Century Gothic" pitchFamily="34" charset="0"/>
+              </a:rPr>
+              <a:t>des relations sociales.</a:t>
+            </a:r>
+          </a:p>
+        </p:txBody>
+      </p:sp>
+      <p:sp>
+        <p:nvSpPr>
+          <p:cNvPr id="49" name="Rectangle 48"/>
+          <p:cNvSpPr/>
+          <p:nvPr/>
+        </p:nvSpPr>
+        <p:spPr>
+          <a:xfrm>
+            <a:off x="1619672" y="3573699"/>
+            <a:ext cx="3402488" cy="590643"/>
+          </a:xfrm>
+          <a:prstGeom prst="rect">
+            <a:avLst/>
+          </a:prstGeom>
+          <a:solidFill>
+            <a:schemeClr val="bg1"/>
+          </a:solidFill>
+          <a:ln w="12700">
+            <a:solidFill>
+              <a:schemeClr val="bg1">
+                <a:lumMod val="75000"/>
+              </a:schemeClr>
+            </a:solidFill>
+          </a:ln>
+        </p:spPr>
+        <p:style>
+          <a:lnRef idx="2">
+            <a:schemeClr val="accent1">
+              <a:shade val="50000"/>
+            </a:schemeClr>
+          </a:lnRef>
+          <a:fillRef idx="1">
+            <a:schemeClr val="accent1"/>
+          </a:fillRef>
+          <a:effectRef idx="0">
+            <a:schemeClr val="accent1"/>
+          </a:effectRef>
+          <a:fontRef idx="minor">
+            <a:schemeClr val="lt1"/>
+          </a:fontRef>
+        </p:style>
+        <p:txBody>
+          <a:bodyPr lIns="80147" tIns="40074" rIns="80147" bIns="40074" anchor="ctr"/>
+          <a:lstStyle/>
+          <a:p>
+            <a:pPr eaLnBrk="0" hangingPunct="0">
+              <a:defRPr/>
+            </a:pPr>
+            <a:r>
+              <a:rPr lang="fr-FR" dirty="0" smtClean="0">
+                <a:solidFill>
+                  <a:schemeClr val="bg1">
+                    <a:lumMod val="50000"/>
+                  </a:schemeClr>
+                </a:solidFill>
+                <a:latin typeface="Century Gothic" pitchFamily="34" charset="0"/>
+              </a:rPr>
+              <a:t>3. Identification </a:t>
+            </a:r>
+            <a:r>
+              <a:rPr lang="fr-FR" dirty="0">
+                <a:solidFill>
+                  <a:schemeClr val="bg1">
+                    <a:lumMod val="50000"/>
+                  </a:schemeClr>
+                </a:solidFill>
+                <a:latin typeface="Century Gothic" pitchFamily="34" charset="0"/>
+              </a:rPr>
+              <a:t>des aspects du dialogue à étudier.</a:t>
+            </a:r>
+          </a:p>
+        </p:txBody>
+      </p:sp>
+      <p:sp>
+        <p:nvSpPr>
+          <p:cNvPr id="50" name="Rectangle 49"/>
+          <p:cNvSpPr/>
+          <p:nvPr/>
+        </p:nvSpPr>
+        <p:spPr>
+          <a:xfrm>
+            <a:off x="2411760" y="4221088"/>
+            <a:ext cx="4320480" cy="582853"/>
+          </a:xfrm>
+          <a:prstGeom prst="rect">
+            <a:avLst/>
+          </a:prstGeom>
+          <a:solidFill>
+            <a:schemeClr val="bg1"/>
+          </a:solidFill>
+          <a:ln w="12700">
+            <a:solidFill>
+              <a:schemeClr val="bg1">
+                <a:lumMod val="75000"/>
+              </a:schemeClr>
+            </a:solidFill>
+          </a:ln>
+        </p:spPr>
+        <p:style>
+          <a:lnRef idx="2">
+            <a:schemeClr val="accent1">
+              <a:shade val="50000"/>
+            </a:schemeClr>
+          </a:lnRef>
+          <a:fillRef idx="1">
+            <a:schemeClr val="accent1"/>
+          </a:fillRef>
+          <a:effectRef idx="0">
+            <a:schemeClr val="accent1"/>
+          </a:effectRef>
+          <a:fontRef idx="minor">
+            <a:schemeClr val="lt1"/>
+          </a:fontRef>
+        </p:style>
+        <p:txBody>
+          <a:bodyPr lIns="80147" tIns="40074" rIns="80147" bIns="40074" anchor="ctr"/>
+          <a:lstStyle/>
+          <a:p>
+            <a:pPr eaLnBrk="0" hangingPunct="0">
+              <a:defRPr/>
+            </a:pPr>
+            <a:r>
+              <a:rPr lang="fr-FR" dirty="0" smtClean="0">
+                <a:solidFill>
+                  <a:schemeClr val="bg1">
+                    <a:lumMod val="50000"/>
+                  </a:schemeClr>
+                </a:solidFill>
+                <a:latin typeface="Century Gothic" pitchFamily="34" charset="0"/>
+              </a:rPr>
+              <a:t>4. Identification </a:t>
+            </a:r>
+            <a:r>
+              <a:rPr lang="fr-FR" dirty="0">
+                <a:solidFill>
+                  <a:schemeClr val="bg1">
+                    <a:lumMod val="50000"/>
+                  </a:schemeClr>
+                </a:solidFill>
+                <a:latin typeface="Century Gothic" pitchFamily="34" charset="0"/>
+              </a:rPr>
+              <a:t>des comportements communs / spécifiques à la RS.</a:t>
+            </a:r>
+          </a:p>
+        </p:txBody>
+      </p:sp>
+      <p:sp>
+        <p:nvSpPr>
+          <p:cNvPr id="51" name="Rectangle 50"/>
+          <p:cNvSpPr/>
+          <p:nvPr/>
+        </p:nvSpPr>
+        <p:spPr>
+          <a:xfrm>
+            <a:off x="2843808" y="4889262"/>
+            <a:ext cx="4320480" cy="430453"/>
+          </a:xfrm>
+          <a:prstGeom prst="rect">
+            <a:avLst/>
+          </a:prstGeom>
+          <a:solidFill>
+            <a:schemeClr val="bg1"/>
+          </a:solidFill>
+          <a:ln w="12700">
+            <a:solidFill>
+              <a:schemeClr val="bg1">
+                <a:lumMod val="75000"/>
+              </a:schemeClr>
+            </a:solidFill>
+          </a:ln>
+        </p:spPr>
+        <p:style>
+          <a:lnRef idx="2">
+            <a:schemeClr val="accent1">
+              <a:shade val="50000"/>
+            </a:schemeClr>
+          </a:lnRef>
+          <a:fillRef idx="1">
+            <a:schemeClr val="accent1"/>
+          </a:fillRef>
+          <a:effectRef idx="0">
+            <a:schemeClr val="accent1"/>
+          </a:effectRef>
+          <a:fontRef idx="minor">
+            <a:schemeClr val="lt1"/>
+          </a:fontRef>
+        </p:style>
+        <p:txBody>
+          <a:bodyPr lIns="80147" tIns="40074" rIns="80147" bIns="40074" anchor="ctr"/>
+          <a:lstStyle/>
+          <a:p>
+            <a:pPr eaLnBrk="0" hangingPunct="0">
+              <a:defRPr/>
+            </a:pPr>
+            <a:r>
+              <a:rPr lang="fr-FR" dirty="0" smtClean="0">
+                <a:solidFill>
+                  <a:schemeClr val="bg1">
+                    <a:lumMod val="50000"/>
+                  </a:schemeClr>
+                </a:solidFill>
+                <a:latin typeface="Century Gothic" pitchFamily="34" charset="0"/>
+              </a:rPr>
+              <a:t>5. Extraction </a:t>
+            </a:r>
+            <a:r>
+              <a:rPr lang="fr-FR" dirty="0">
+                <a:solidFill>
+                  <a:schemeClr val="bg1">
+                    <a:lumMod val="50000"/>
+                  </a:schemeClr>
+                </a:solidFill>
+                <a:latin typeface="Century Gothic" pitchFamily="34" charset="0"/>
+              </a:rPr>
+              <a:t>des actes de langages.</a:t>
+            </a:r>
+          </a:p>
+        </p:txBody>
+      </p:sp>
+      <p:sp>
+        <p:nvSpPr>
+          <p:cNvPr id="52" name="Rectangle 51"/>
+          <p:cNvSpPr/>
+          <p:nvPr/>
+        </p:nvSpPr>
+        <p:spPr>
+          <a:xfrm>
+            <a:off x="3491880" y="5373216"/>
+            <a:ext cx="4320480" cy="547482"/>
+          </a:xfrm>
+          <a:prstGeom prst="rect">
+            <a:avLst/>
+          </a:prstGeom>
+          <a:solidFill>
+            <a:schemeClr val="bg1"/>
+          </a:solidFill>
+          <a:ln w="12700">
+            <a:solidFill>
+              <a:schemeClr val="bg1">
+                <a:lumMod val="75000"/>
+              </a:schemeClr>
+            </a:solidFill>
+          </a:ln>
+        </p:spPr>
+        <p:style>
+          <a:lnRef idx="2">
+            <a:schemeClr val="accent1">
+              <a:shade val="50000"/>
+            </a:schemeClr>
+          </a:lnRef>
+          <a:fillRef idx="1">
+            <a:schemeClr val="accent1"/>
+          </a:fillRef>
+          <a:effectRef idx="0">
+            <a:schemeClr val="accent1"/>
+          </a:effectRef>
+          <a:fontRef idx="minor">
+            <a:schemeClr val="lt1"/>
+          </a:fontRef>
+        </p:style>
+        <p:txBody>
+          <a:bodyPr lIns="80147" tIns="40074" rIns="80147" bIns="40074" anchor="ctr"/>
+          <a:lstStyle/>
+          <a:p>
+            <a:pPr eaLnBrk="0" hangingPunct="0">
+              <a:defRPr/>
+            </a:pPr>
+            <a:r>
+              <a:rPr lang="fr-FR" dirty="0" smtClean="0">
+                <a:solidFill>
+                  <a:schemeClr val="bg1">
+                    <a:lumMod val="50000"/>
+                  </a:schemeClr>
+                </a:solidFill>
+                <a:latin typeface="Century Gothic" pitchFamily="34" charset="0"/>
+              </a:rPr>
+              <a:t>6. Conception </a:t>
+            </a:r>
+            <a:r>
+              <a:rPr lang="fr-FR" dirty="0">
+                <a:solidFill>
+                  <a:schemeClr val="bg1">
+                    <a:lumMod val="50000"/>
+                  </a:schemeClr>
+                </a:solidFill>
+                <a:latin typeface="Century Gothic" pitchFamily="34" charset="0"/>
+              </a:rPr>
+              <a:t>d’un modèle formel de négociation sur les </a:t>
+            </a:r>
+            <a:r>
+              <a:rPr lang="fr-FR" dirty="0" smtClean="0">
+                <a:solidFill>
+                  <a:schemeClr val="bg1">
+                    <a:lumMod val="50000"/>
+                  </a:schemeClr>
+                </a:solidFill>
+                <a:latin typeface="Century Gothic" pitchFamily="34" charset="0"/>
+              </a:rPr>
+              <a:t>préférences.</a:t>
+            </a:r>
+            <a:endParaRPr lang="fr-FR" dirty="0">
+              <a:solidFill>
+                <a:schemeClr val="bg1">
+                  <a:lumMod val="50000"/>
+                </a:schemeClr>
+              </a:solidFill>
+              <a:latin typeface="Century Gothic" pitchFamily="34" charset="0"/>
+            </a:endParaRPr>
+          </a:p>
+        </p:txBody>
+      </p:sp>
     </p:spTree>
     <p:extLst>
       <p:ext uri="{BB962C8B-B14F-4D97-AF65-F5344CB8AC3E}">
-        <p14:creationId xmlns:p14="http://schemas.microsoft.com/office/powerpoint/2010/main" val="3726561856"/>
+        <p14:creationId xmlns:p14="http://schemas.microsoft.com/office/powerpoint/2010/main" val="1339393679"/>
       </p:ext>
     </p:extLst>
   </p:cSld>
@@ -5966,7 +7389,7 @@
           <p:nvPr/>
         </p:nvPicPr>
         <p:blipFill>
-          <a:blip r:embed="rId2">
+          <a:blip r:embed="rId3">
             <a:extLst>
               <a:ext uri="{28A0092B-C50C-407E-A947-70E740481C1C}">
                 <a14:useLocalDpi xmlns:a14="http://schemas.microsoft.com/office/drawing/2010/main" val="0"/>
@@ -8960,7 +10383,7 @@
             </a:r>
             <a:r>
               <a:rPr lang="fr-FR" b="1" dirty="0" smtClean="0"/>
-              <a:t>critère, valeurs, options</a:t>
+              <a:t>critères, valeurs, options</a:t>
             </a:r>
           </a:p>
           <a:p>
@@ -8990,15 +10413,7 @@
           <a:p>
             <a:r>
               <a:rPr lang="fr-FR" dirty="0" smtClean="0"/>
-              <a:t>Les actes de </a:t>
-            </a:r>
-            <a:r>
-              <a:rPr lang="fr-FR" dirty="0" smtClean="0"/>
-              <a:t>dialogues extraits </a:t>
-            </a:r>
-            <a:r>
-              <a:rPr lang="fr-FR" dirty="0" smtClean="0"/>
-              <a:t>portent tous sur l’expression des préférences.</a:t>
+              <a:t>Les actes de dialogues extraits portent tous sur l’expression des préférences.</a:t>
             </a:r>
           </a:p>
           <a:p>
@@ -10100,7 +11515,7 @@
         </p:nvSpPr>
         <p:spPr>
           <a:xfrm>
-            <a:off x="2411760" y="5517007"/>
+            <a:off x="2654908" y="5589240"/>
             <a:ext cx="3600400" cy="1008112"/>
           </a:xfrm>
           <a:prstGeom prst="rect">
@@ -10137,15 +11552,7 @@
             <a:pPr algn="ctr"/>
             <a:r>
               <a:rPr lang="fr-FR" dirty="0" smtClean="0"/>
-              <a:t>   Proposer </a:t>
-            </a:r>
-            <a:r>
-              <a:rPr lang="fr-FR" dirty="0" smtClean="0"/>
-              <a:t>, demander </a:t>
-            </a:r>
-            <a:r>
-              <a:rPr lang="fr-FR" dirty="0" smtClean="0"/>
-              <a:t>…</a:t>
+              <a:t>   Proposer , demander …</a:t>
             </a:r>
             <a:endParaRPr lang="fr-FR" dirty="0"/>
           </a:p>
@@ -10249,65 +11656,6 @@
           </a:p>
         </p:txBody>
       </p:sp>
-      <p:sp>
-        <p:nvSpPr>
-          <p:cNvPr id="3" name="Espace réservé du contenu 2"/>
-          <p:cNvSpPr>
-            <a:spLocks noGrp="1"/>
-          </p:cNvSpPr>
-          <p:nvPr>
-            <p:ph idx="1"/>
-          </p:nvPr>
-        </p:nvSpPr>
-        <p:spPr/>
-        <p:txBody>
-          <a:bodyPr/>
-          <a:lstStyle/>
-          <a:p>
-            <a:r>
-              <a:rPr lang="fr-FR" dirty="0" smtClean="0"/>
-              <a:t>Objets des préférences </a:t>
-            </a:r>
-          </a:p>
-          <a:p>
-            <a:pPr lvl="1"/>
-            <a:r>
-              <a:rPr lang="fr-FR" dirty="0" smtClean="0"/>
-              <a:t>Options : Ensemble de critères</a:t>
-            </a:r>
-          </a:p>
-          <a:p>
-            <a:pPr lvl="2"/>
-            <a:r>
-              <a:rPr lang="fr-FR" dirty="0" smtClean="0"/>
-              <a:t>Exemple : Restaurant = {Cuisine, Prix, Ambiance, emplacement}</a:t>
-            </a:r>
-            <a:endParaRPr lang="fr-FR" dirty="0"/>
-          </a:p>
-          <a:p>
-            <a:pPr lvl="1"/>
-            <a:r>
-              <a:rPr lang="fr-FR" dirty="0" smtClean="0"/>
-              <a:t>Critère :  chaque critère est défini avec un ensemble de valeurs</a:t>
-            </a:r>
-          </a:p>
-          <a:p>
-            <a:pPr lvl="2"/>
-            <a:r>
-              <a:rPr lang="fr-FR" dirty="0" smtClean="0"/>
-              <a:t>Exemple: Cuisine = {Japonais, Italien, Chinois …}</a:t>
-            </a:r>
-            <a:endParaRPr lang="fr-FR" dirty="0"/>
-          </a:p>
-          <a:p>
-            <a:pPr lvl="1"/>
-            <a:r>
-              <a:rPr lang="fr-FR" dirty="0" smtClean="0"/>
-              <a:t>Notion de référence : </a:t>
-            </a:r>
-          </a:p>
-        </p:txBody>
-      </p:sp>
       <p:graphicFrame>
         <p:nvGraphicFramePr>
           <p:cNvPr id="5" name="Tableau 4"/>
@@ -10317,14 +11665,14 @@
           <p:nvPr>
             <p:extLst>
               <p:ext uri="{D42A27DB-BD31-4B8C-83A1-F6EECF244321}">
-                <p14:modId xmlns:p14="http://schemas.microsoft.com/office/powerpoint/2010/main" val="1438328652"/>
+                <p14:modId xmlns:p14="http://schemas.microsoft.com/office/powerpoint/2010/main" val="1047528300"/>
               </p:ext>
             </p:extLst>
           </p:nvPr>
         </p:nvGraphicFramePr>
         <p:xfrm>
-          <a:off x="1259632" y="3933056"/>
-          <a:ext cx="6624736" cy="1895088"/>
+          <a:off x="1371385" y="4702264"/>
+          <a:ext cx="6624736" cy="2017008"/>
         </p:xfrm>
         <a:graphic>
           <a:graphicData uri="http://schemas.openxmlformats.org/drawingml/2006/table">
@@ -10377,7 +11725,7 @@
                         <a:buChar char="•"/>
                       </a:pPr>
                       <a:r>
-                        <a:rPr lang="fr-FR" dirty="0" smtClean="0"/>
+                        <a:rPr lang="fr-FR" sz="2000" b="1" dirty="0" smtClean="0"/>
                         <a:t>Binaire </a:t>
                       </a:r>
                     </a:p>
@@ -10400,7 +11748,7 @@
                         <a:defRPr/>
                       </a:pPr>
                       <a:r>
-                        <a:rPr lang="fr-FR" dirty="0" smtClean="0"/>
+                        <a:rPr lang="fr-FR" sz="2000" b="1" dirty="0" smtClean="0"/>
                         <a:t>Partielle </a:t>
                       </a:r>
                     </a:p>
@@ -10410,19 +11758,19 @@
                         <a:buChar char="•"/>
                       </a:pPr>
                       <a:r>
-                        <a:rPr lang="fr-FR" dirty="0" smtClean="0"/>
+                        <a:rPr lang="fr-FR" sz="2000" dirty="0" smtClean="0"/>
                         <a:t>P(</a:t>
                       </a:r>
                       <a:r>
-                        <a:rPr lang="fr-FR" dirty="0" err="1" smtClean="0"/>
+                        <a:rPr lang="fr-FR" sz="2000" dirty="0" err="1" smtClean="0"/>
                         <a:t>a,b</a:t>
                       </a:r>
                       <a:r>
-                        <a:rPr lang="fr-FR" dirty="0" smtClean="0"/>
+                        <a:rPr lang="fr-FR" sz="2000" dirty="0" smtClean="0"/>
                         <a:t>)</a:t>
                       </a:r>
                       <a:r>
-                        <a:rPr lang="fr-FR" baseline="0" dirty="0" smtClean="0"/>
+                        <a:rPr lang="fr-FR" sz="2000" baseline="0" dirty="0" smtClean="0"/>
                         <a:t> : a est préféré à b</a:t>
                       </a:r>
                     </a:p>
@@ -10432,26 +11780,26 @@
                         <a:buChar char="•"/>
                       </a:pPr>
                       <a:r>
-                        <a:rPr lang="fr-FR" baseline="0" dirty="0" smtClean="0"/>
+                        <a:rPr lang="fr-FR" sz="2000" baseline="0" dirty="0" smtClean="0"/>
                         <a:t>P(</a:t>
                       </a:r>
                       <a:r>
-                        <a:rPr lang="fr-FR" baseline="0" dirty="0" err="1" smtClean="0"/>
+                        <a:rPr lang="fr-FR" sz="2000" baseline="0" dirty="0" err="1" smtClean="0"/>
                         <a:t>a,b</a:t>
                       </a:r>
                       <a:r>
-                        <a:rPr lang="fr-FR" baseline="0" dirty="0" smtClean="0"/>
+                        <a:rPr lang="fr-FR" sz="2000" baseline="0" dirty="0" smtClean="0"/>
                         <a:t>) ≠  P(</a:t>
                       </a:r>
                       <a:r>
-                        <a:rPr lang="fr-FR" baseline="0" dirty="0" err="1" smtClean="0"/>
+                        <a:rPr lang="fr-FR" sz="2000" baseline="0" dirty="0" err="1" smtClean="0"/>
                         <a:t>b,a</a:t>
                       </a:r>
                       <a:r>
-                        <a:rPr lang="fr-FR" baseline="0" dirty="0" smtClean="0"/>
+                        <a:rPr lang="fr-FR" sz="2000" baseline="0" dirty="0" smtClean="0"/>
                         <a:t>)</a:t>
                       </a:r>
-                      <a:endParaRPr lang="fr-FR" dirty="0" smtClean="0"/>
+                      <a:endParaRPr lang="fr-FR" sz="2000" dirty="0" smtClean="0"/>
                     </a:p>
                     <a:p>
                       <a:endParaRPr lang="fr-FR" dirty="0"/>
@@ -10469,20 +11817,20 @@
                         <a:buChar char="•"/>
                       </a:pPr>
                       <a:r>
-                        <a:rPr lang="fr-FR" dirty="0" smtClean="0"/>
+                        <a:rPr lang="fr-FR" sz="2000" dirty="0" smtClean="0"/>
                         <a:t> </a:t>
                       </a:r>
                       <a:r>
-                        <a:rPr lang="fr-FR" b="1" i="1" dirty="0" smtClean="0"/>
+                        <a:rPr lang="fr-FR" sz="2000" b="1" i="1" dirty="0" smtClean="0"/>
                         <a:t>Inférence</a:t>
                       </a:r>
                       <a:r>
-                        <a:rPr lang="fr-FR" dirty="0" smtClean="0"/>
+                        <a:rPr lang="fr-FR" sz="2000" dirty="0" smtClean="0"/>
                         <a:t>: Fonction</a:t>
                       </a:r>
                       <a:r>
-                        <a:rPr lang="fr-FR" baseline="0" dirty="0" smtClean="0"/>
-                        <a:t> de somme pondéré.</a:t>
+                        <a:rPr lang="fr-FR" sz="2000" baseline="0" dirty="0" smtClean="0"/>
+                        <a:t> de somme pondérée.</a:t>
                       </a:r>
                     </a:p>
                     <a:p>
@@ -10558,10 +11906,515 @@
           </a:p>
         </p:txBody>
       </p:sp>
+      <p:sp>
+        <p:nvSpPr>
+          <p:cNvPr id="9" name="Rectangle 8"/>
+          <p:cNvSpPr/>
+          <p:nvPr/>
+        </p:nvSpPr>
+        <p:spPr>
+          <a:xfrm>
+            <a:off x="2987824" y="1412776"/>
+            <a:ext cx="3312368" cy="648072"/>
+          </a:xfrm>
+          <a:prstGeom prst="rect">
+            <a:avLst/>
+          </a:prstGeom>
+        </p:spPr>
+        <p:style>
+          <a:lnRef idx="2">
+            <a:schemeClr val="accent1"/>
+          </a:lnRef>
+          <a:fillRef idx="1">
+            <a:schemeClr val="lt1"/>
+          </a:fillRef>
+          <a:effectRef idx="0">
+            <a:schemeClr val="accent1"/>
+          </a:effectRef>
+          <a:fontRef idx="minor">
+            <a:schemeClr val="dk1"/>
+          </a:fontRef>
+        </p:style>
+        <p:txBody>
+          <a:bodyPr rtlCol="0" anchor="ctr"/>
+          <a:lstStyle/>
+          <a:p>
+            <a:pPr algn="ctr"/>
+            <a:r>
+              <a:rPr lang="fr-FR" sz="2000" b="1" dirty="0" smtClean="0"/>
+              <a:t>Sujet de conversation</a:t>
+            </a:r>
+          </a:p>
+          <a:p>
+            <a:pPr algn="ctr"/>
+            <a:r>
+              <a:rPr lang="fr-FR" dirty="0" smtClean="0"/>
+              <a:t>Ex: Restaurants sur Paris</a:t>
+            </a:r>
+            <a:endParaRPr lang="fr-FR" sz="1600" dirty="0"/>
+          </a:p>
+        </p:txBody>
+      </p:sp>
+      <p:sp>
+        <p:nvSpPr>
+          <p:cNvPr id="10" name="Rectangle 9"/>
+          <p:cNvSpPr/>
+          <p:nvPr/>
+        </p:nvSpPr>
+        <p:spPr>
+          <a:xfrm>
+            <a:off x="1331641" y="2564904"/>
+            <a:ext cx="2016224" cy="648072"/>
+          </a:xfrm>
+          <a:prstGeom prst="rect">
+            <a:avLst/>
+          </a:prstGeom>
+        </p:spPr>
+        <p:style>
+          <a:lnRef idx="2">
+            <a:schemeClr val="accent2"/>
+          </a:lnRef>
+          <a:fillRef idx="1">
+            <a:schemeClr val="lt1"/>
+          </a:fillRef>
+          <a:effectRef idx="0">
+            <a:schemeClr val="accent2"/>
+          </a:effectRef>
+          <a:fontRef idx="minor">
+            <a:schemeClr val="dk1"/>
+          </a:fontRef>
+        </p:style>
+        <p:txBody>
+          <a:bodyPr rtlCol="0" anchor="ctr"/>
+          <a:lstStyle/>
+          <a:p>
+            <a:pPr algn="ctr"/>
+            <a:r>
+              <a:rPr lang="fr-FR" sz="2000" b="1" dirty="0" smtClean="0"/>
+              <a:t>Option1</a:t>
+            </a:r>
+          </a:p>
+          <a:p>
+            <a:pPr algn="ctr"/>
+            <a:r>
+              <a:rPr lang="fr-FR" dirty="0" smtClean="0"/>
+              <a:t>Ex: Restaurant</a:t>
+            </a:r>
+            <a:endParaRPr lang="fr-FR" dirty="0"/>
+          </a:p>
+        </p:txBody>
+      </p:sp>
+      <p:sp>
+        <p:nvSpPr>
+          <p:cNvPr id="12" name="Rectangle 11"/>
+          <p:cNvSpPr/>
+          <p:nvPr/>
+        </p:nvSpPr>
+        <p:spPr>
+          <a:xfrm>
+            <a:off x="6084168" y="2564904"/>
+            <a:ext cx="1800200" cy="648072"/>
+          </a:xfrm>
+          <a:prstGeom prst="rect">
+            <a:avLst/>
+          </a:prstGeom>
+        </p:spPr>
+        <p:style>
+          <a:lnRef idx="2">
+            <a:schemeClr val="accent2"/>
+          </a:lnRef>
+          <a:fillRef idx="1">
+            <a:schemeClr val="lt1"/>
+          </a:fillRef>
+          <a:effectRef idx="0">
+            <a:schemeClr val="accent2"/>
+          </a:effectRef>
+          <a:fontRef idx="minor">
+            <a:schemeClr val="dk1"/>
+          </a:fontRef>
+        </p:style>
+        <p:txBody>
+          <a:bodyPr rtlCol="0" anchor="ctr"/>
+          <a:lstStyle/>
+          <a:p>
+            <a:pPr algn="ctr"/>
+            <a:r>
+              <a:rPr lang="fr-FR" sz="2000" dirty="0" smtClean="0"/>
+              <a:t>…</a:t>
+            </a:r>
+            <a:endParaRPr lang="fr-FR" dirty="0"/>
+          </a:p>
+        </p:txBody>
+      </p:sp>
+      <p:sp>
+        <p:nvSpPr>
+          <p:cNvPr id="13" name="Rectangle 12"/>
+          <p:cNvSpPr/>
+          <p:nvPr/>
+        </p:nvSpPr>
+        <p:spPr>
+          <a:xfrm>
+            <a:off x="3707904" y="2586244"/>
+            <a:ext cx="1814411" cy="626732"/>
+          </a:xfrm>
+          <a:prstGeom prst="rect">
+            <a:avLst/>
+          </a:prstGeom>
+        </p:spPr>
+        <p:style>
+          <a:lnRef idx="2">
+            <a:schemeClr val="accent2"/>
+          </a:lnRef>
+          <a:fillRef idx="1">
+            <a:schemeClr val="lt1"/>
+          </a:fillRef>
+          <a:effectRef idx="0">
+            <a:schemeClr val="accent2"/>
+          </a:effectRef>
+          <a:fontRef idx="minor">
+            <a:schemeClr val="dk1"/>
+          </a:fontRef>
+        </p:style>
+        <p:txBody>
+          <a:bodyPr rtlCol="0" anchor="ctr"/>
+          <a:lstStyle/>
+          <a:p>
+            <a:pPr algn="ctr"/>
+            <a:r>
+              <a:rPr lang="fr-FR" sz="2000" b="1" dirty="0" smtClean="0"/>
+              <a:t>Option2</a:t>
+            </a:r>
+            <a:endParaRPr lang="fr-FR" sz="2000" b="1" dirty="0"/>
+          </a:p>
+        </p:txBody>
+      </p:sp>
+      <p:cxnSp>
+        <p:nvCxnSpPr>
+          <p:cNvPr id="15" name="Connecteur droit avec flèche 14"/>
+          <p:cNvCxnSpPr>
+            <a:stCxn id="9" idx="2"/>
+            <a:endCxn id="10" idx="0"/>
+          </p:cNvCxnSpPr>
+          <p:nvPr/>
+        </p:nvCxnSpPr>
+        <p:spPr>
+          <a:xfrm flipH="1">
+            <a:off x="2339753" y="2060848"/>
+            <a:ext cx="2304255" cy="504056"/>
+          </a:xfrm>
+          <a:prstGeom prst="straightConnector1">
+            <a:avLst/>
+          </a:prstGeom>
+          <a:ln w="28575">
+            <a:tailEnd type="arrow"/>
+          </a:ln>
+        </p:spPr>
+        <p:style>
+          <a:lnRef idx="1">
+            <a:schemeClr val="accent1"/>
+          </a:lnRef>
+          <a:fillRef idx="0">
+            <a:schemeClr val="accent1"/>
+          </a:fillRef>
+          <a:effectRef idx="0">
+            <a:schemeClr val="accent1"/>
+          </a:effectRef>
+          <a:fontRef idx="minor">
+            <a:schemeClr val="tx1"/>
+          </a:fontRef>
+        </p:style>
+      </p:cxnSp>
+      <p:cxnSp>
+        <p:nvCxnSpPr>
+          <p:cNvPr id="16" name="Connecteur droit avec flèche 15"/>
+          <p:cNvCxnSpPr>
+            <a:stCxn id="9" idx="2"/>
+            <a:endCxn id="13" idx="0"/>
+          </p:cNvCxnSpPr>
+          <p:nvPr/>
+        </p:nvCxnSpPr>
+        <p:spPr>
+          <a:xfrm flipH="1">
+            <a:off x="4615110" y="2060848"/>
+            <a:ext cx="28898" cy="525396"/>
+          </a:xfrm>
+          <a:prstGeom prst="straightConnector1">
+            <a:avLst/>
+          </a:prstGeom>
+          <a:ln w="28575">
+            <a:tailEnd type="arrow"/>
+          </a:ln>
+        </p:spPr>
+        <p:style>
+          <a:lnRef idx="1">
+            <a:schemeClr val="accent1"/>
+          </a:lnRef>
+          <a:fillRef idx="0">
+            <a:schemeClr val="accent1"/>
+          </a:fillRef>
+          <a:effectRef idx="0">
+            <a:schemeClr val="accent1"/>
+          </a:effectRef>
+          <a:fontRef idx="minor">
+            <a:schemeClr val="tx1"/>
+          </a:fontRef>
+        </p:style>
+      </p:cxnSp>
+      <p:cxnSp>
+        <p:nvCxnSpPr>
+          <p:cNvPr id="19" name="Connecteur droit avec flèche 18"/>
+          <p:cNvCxnSpPr>
+            <a:stCxn id="9" idx="2"/>
+            <a:endCxn id="12" idx="0"/>
+          </p:cNvCxnSpPr>
+          <p:nvPr/>
+        </p:nvCxnSpPr>
+        <p:spPr>
+          <a:xfrm>
+            <a:off x="4644008" y="2060848"/>
+            <a:ext cx="2340260" cy="504056"/>
+          </a:xfrm>
+          <a:prstGeom prst="straightConnector1">
+            <a:avLst/>
+          </a:prstGeom>
+          <a:ln w="28575">
+            <a:tailEnd type="arrow"/>
+          </a:ln>
+        </p:spPr>
+        <p:style>
+          <a:lnRef idx="1">
+            <a:schemeClr val="accent1"/>
+          </a:lnRef>
+          <a:fillRef idx="0">
+            <a:schemeClr val="accent1"/>
+          </a:fillRef>
+          <a:effectRef idx="0">
+            <a:schemeClr val="accent1"/>
+          </a:effectRef>
+          <a:fontRef idx="minor">
+            <a:schemeClr val="tx1"/>
+          </a:fontRef>
+        </p:style>
+      </p:cxnSp>
+      <p:grpSp>
+        <p:nvGrpSpPr>
+          <p:cNvPr id="41" name="Groupe 40"/>
+          <p:cNvGrpSpPr/>
+          <p:nvPr/>
+        </p:nvGrpSpPr>
+        <p:grpSpPr>
+          <a:xfrm>
+            <a:off x="91386" y="3212979"/>
+            <a:ext cx="4768645" cy="1207402"/>
+            <a:chOff x="-105860" y="3368324"/>
+            <a:chExt cx="4768645" cy="1392894"/>
+          </a:xfrm>
+        </p:grpSpPr>
+        <p:sp>
+          <p:nvSpPr>
+            <p:cNvPr id="42" name="Accolade ouvrante 41"/>
+            <p:cNvSpPr/>
+            <p:nvPr/>
+          </p:nvSpPr>
+          <p:spPr>
+            <a:xfrm rot="5400000">
+              <a:off x="1811928" y="2311971"/>
+              <a:ext cx="678382" cy="2791087"/>
+            </a:xfrm>
+            <a:prstGeom prst="leftBrace">
+              <a:avLst/>
+            </a:prstGeom>
+            <a:ln w="28575">
+              <a:solidFill>
+                <a:schemeClr val="bg2">
+                  <a:lumMod val="75000"/>
+                </a:schemeClr>
+              </a:solidFill>
+            </a:ln>
+          </p:spPr>
+          <p:style>
+            <a:lnRef idx="1">
+              <a:schemeClr val="accent1"/>
+            </a:lnRef>
+            <a:fillRef idx="0">
+              <a:schemeClr val="accent1"/>
+            </a:fillRef>
+            <a:effectRef idx="0">
+              <a:schemeClr val="accent1"/>
+            </a:effectRef>
+            <a:fontRef idx="minor">
+              <a:schemeClr val="tx1"/>
+            </a:fontRef>
+          </p:style>
+          <p:txBody>
+            <a:bodyPr rtlCol="0" anchor="ctr"/>
+            <a:lstStyle/>
+            <a:p>
+              <a:pPr algn="ctr"/>
+              <a:endParaRPr lang="fr-FR" dirty="0"/>
+            </a:p>
+          </p:txBody>
+        </p:sp>
+        <p:sp>
+          <p:nvSpPr>
+            <p:cNvPr id="43" name="Rectangle 42"/>
+            <p:cNvSpPr/>
+            <p:nvPr/>
+          </p:nvSpPr>
+          <p:spPr>
+            <a:xfrm>
+              <a:off x="-105860" y="4032886"/>
+              <a:ext cx="1437500" cy="728332"/>
+            </a:xfrm>
+            <a:prstGeom prst="rect">
+              <a:avLst/>
+            </a:prstGeom>
+          </p:spPr>
+          <p:style>
+            <a:lnRef idx="2">
+              <a:schemeClr val="accent2"/>
+            </a:lnRef>
+            <a:fillRef idx="1">
+              <a:schemeClr val="lt1"/>
+            </a:fillRef>
+            <a:effectRef idx="0">
+              <a:schemeClr val="accent2"/>
+            </a:effectRef>
+            <a:fontRef idx="minor">
+              <a:schemeClr val="dk1"/>
+            </a:fontRef>
+          </p:style>
+          <p:txBody>
+            <a:bodyPr rtlCol="0" anchor="ctr"/>
+            <a:lstStyle/>
+            <a:p>
+              <a:pPr algn="ctr"/>
+              <a:r>
+                <a:rPr lang="fr-FR" sz="2000" b="1" dirty="0" smtClean="0"/>
+                <a:t>Critère1</a:t>
+              </a:r>
+            </a:p>
+            <a:p>
+              <a:pPr lvl="0" algn="ctr"/>
+              <a:r>
+                <a:rPr lang="fr-FR" dirty="0" smtClean="0">
+                  <a:solidFill>
+                    <a:prstClr val="black"/>
+                  </a:solidFill>
+                </a:rPr>
+                <a:t>Ex: Cuisine</a:t>
+              </a:r>
+              <a:endParaRPr lang="fr-FR" dirty="0">
+                <a:solidFill>
+                  <a:prstClr val="black"/>
+                </a:solidFill>
+              </a:endParaRPr>
+            </a:p>
+          </p:txBody>
+        </p:sp>
+        <p:sp>
+          <p:nvSpPr>
+            <p:cNvPr id="44" name="Rectangle 43"/>
+            <p:cNvSpPr/>
+            <p:nvPr/>
+          </p:nvSpPr>
+          <p:spPr>
+            <a:xfrm>
+              <a:off x="1494434" y="4046705"/>
+              <a:ext cx="1186578" cy="714513"/>
+            </a:xfrm>
+            <a:prstGeom prst="rect">
+              <a:avLst/>
+            </a:prstGeom>
+          </p:spPr>
+          <p:style>
+            <a:lnRef idx="2">
+              <a:schemeClr val="accent2"/>
+            </a:lnRef>
+            <a:fillRef idx="1">
+              <a:schemeClr val="lt1"/>
+            </a:fillRef>
+            <a:effectRef idx="0">
+              <a:schemeClr val="accent2"/>
+            </a:effectRef>
+            <a:fontRef idx="minor">
+              <a:schemeClr val="dk1"/>
+            </a:fontRef>
+          </p:style>
+          <p:txBody>
+            <a:bodyPr rtlCol="0" anchor="ctr"/>
+            <a:lstStyle/>
+            <a:p>
+              <a:pPr algn="ctr"/>
+              <a:r>
+                <a:rPr lang="fr-FR" sz="2000" b="1" dirty="0" smtClean="0"/>
+                <a:t>Critère2</a:t>
+              </a:r>
+            </a:p>
+            <a:p>
+              <a:pPr algn="ctr"/>
+              <a:r>
+                <a:rPr lang="fr-FR" dirty="0" smtClean="0"/>
+                <a:t>Ex: Prix</a:t>
+              </a:r>
+              <a:endParaRPr lang="fr-FR" sz="1600" dirty="0"/>
+            </a:p>
+          </p:txBody>
+        </p:sp>
+        <p:sp>
+          <p:nvSpPr>
+            <p:cNvPr id="45" name="Rectangle 44"/>
+            <p:cNvSpPr/>
+            <p:nvPr/>
+          </p:nvSpPr>
+          <p:spPr>
+            <a:xfrm>
+              <a:off x="2790578" y="4046705"/>
+              <a:ext cx="1872207" cy="714513"/>
+            </a:xfrm>
+            <a:prstGeom prst="rect">
+              <a:avLst/>
+            </a:prstGeom>
+          </p:spPr>
+          <p:style>
+            <a:lnRef idx="2">
+              <a:schemeClr val="accent2"/>
+            </a:lnRef>
+            <a:fillRef idx="1">
+              <a:schemeClr val="lt1"/>
+            </a:fillRef>
+            <a:effectRef idx="0">
+              <a:schemeClr val="accent2"/>
+            </a:effectRef>
+            <a:fontRef idx="minor">
+              <a:schemeClr val="dk1"/>
+            </a:fontRef>
+          </p:style>
+          <p:txBody>
+            <a:bodyPr rtlCol="0" anchor="ctr"/>
+            <a:lstStyle/>
+            <a:p>
+              <a:pPr algn="ctr"/>
+              <a:r>
+                <a:rPr lang="fr-FR" sz="2000" b="1" dirty="0" smtClean="0"/>
+                <a:t>Critère3</a:t>
+              </a:r>
+            </a:p>
+            <a:p>
+              <a:pPr algn="ctr"/>
+              <a:r>
+                <a:rPr lang="fr-FR" sz="2000" dirty="0" smtClean="0"/>
+                <a:t>Ex: Ambiance</a:t>
+              </a:r>
+              <a:endParaRPr lang="fr-FR" dirty="0"/>
+            </a:p>
+          </p:txBody>
+        </p:sp>
+      </p:grpSp>
     </p:spTree>
     <p:extLst>
       <p:ext uri="{BB962C8B-B14F-4D97-AF65-F5344CB8AC3E}">
-        <p14:creationId xmlns:p14="http://schemas.microsoft.com/office/powerpoint/2010/main" val="3874461311"/>
+        <p14:creationId xmlns:p14="http://schemas.microsoft.com/office/powerpoint/2010/main" val="3425597860"/>
       </p:ext>
     </p:extLst>
   </p:cSld>
@@ -10650,8 +12503,8 @@
         </p:nvSpPr>
         <p:spPr>
           <a:xfrm>
-            <a:off x="2929767" y="1967665"/>
-            <a:ext cx="2880320" cy="1130424"/>
+            <a:off x="2569727" y="1967665"/>
+            <a:ext cx="3298417" cy="1130424"/>
           </a:xfrm>
           <a:prstGeom prst="rect">
             <a:avLst/>
@@ -10680,14 +12533,14 @@
           <a:p>
             <a:pPr algn="ctr"/>
             <a:r>
-              <a:rPr lang="fr-FR" dirty="0" smtClean="0">
+              <a:rPr lang="fr-FR" sz="2400" dirty="0" smtClean="0">
                 <a:solidFill>
                   <a:schemeClr val="tx1"/>
                 </a:solidFill>
               </a:rPr>
               <a:t>Modèle de préférences de l’agent</a:t>
             </a:r>
-            <a:endParaRPr lang="fr-FR" dirty="0">
+            <a:endParaRPr lang="fr-FR" sz="2400" dirty="0">
               <a:solidFill>
                 <a:schemeClr val="tx1"/>
               </a:solidFill>
@@ -10704,7 +12557,7 @@
         <p:spPr>
           <a:xfrm>
             <a:off x="248139" y="4221088"/>
-            <a:ext cx="2376264" cy="1224136"/>
+            <a:ext cx="2376264" cy="1440160"/>
           </a:xfrm>
           <a:prstGeom prst="rect">
             <a:avLst/>
@@ -10733,7 +12586,7 @@
           <a:p>
             <a:pPr algn="ctr"/>
             <a:r>
-              <a:rPr lang="fr-FR" dirty="0" smtClean="0">
+              <a:rPr lang="fr-FR" sz="2000" dirty="0" smtClean="0">
                 <a:solidFill>
                   <a:schemeClr val="tx1"/>
                 </a:solidFill>
@@ -10744,7 +12597,7 @@
           <a:p>
             <a:pPr algn="ctr"/>
             <a:r>
-              <a:rPr lang="fr-FR" b="1" dirty="0" err="1" smtClean="0">
+              <a:rPr lang="fr-FR" sz="2000" b="1" dirty="0" err="1" smtClean="0">
                 <a:solidFill>
                   <a:schemeClr val="tx1"/>
                 </a:solidFill>
@@ -10752,14 +12605,14 @@
               <a:t>P</a:t>
             </a:r>
             <a:r>
-              <a:rPr lang="fr-FR" b="1" baseline="-25000" dirty="0" err="1" smtClean="0">
+              <a:rPr lang="fr-FR" sz="2000" b="1" baseline="-25000" dirty="0" err="1" smtClean="0">
                 <a:solidFill>
                   <a:schemeClr val="tx1"/>
                 </a:solidFill>
               </a:rPr>
               <a:t>self</a:t>
             </a:r>
-            <a:endParaRPr lang="fr-FR" b="1" baseline="-25000" dirty="0">
+            <a:endParaRPr lang="fr-FR" sz="2000" b="1" baseline="-25000" dirty="0">
               <a:solidFill>
                 <a:schemeClr val="tx1"/>
               </a:solidFill>
@@ -10775,8 +12628,8 @@
         </p:nvSpPr>
         <p:spPr>
           <a:xfrm>
-            <a:off x="3203848" y="4221088"/>
-            <a:ext cx="2376264" cy="1224136"/>
+            <a:off x="2987824" y="4221088"/>
+            <a:ext cx="2376264" cy="1440160"/>
           </a:xfrm>
           <a:prstGeom prst="rect">
             <a:avLst/>
@@ -10805,7 +12658,7 @@
           <a:p>
             <a:pPr algn="ctr"/>
             <a:r>
-              <a:rPr lang="fr-FR" dirty="0" smtClean="0">
+              <a:rPr lang="fr-FR" sz="2000" dirty="0" smtClean="0">
                 <a:solidFill>
                   <a:schemeClr val="tx1"/>
                 </a:solidFill>
@@ -10816,7 +12669,7 @@
           <a:p>
             <a:pPr algn="ctr"/>
             <a:r>
-              <a:rPr lang="fr-FR" b="1" dirty="0" err="1" smtClean="0">
+              <a:rPr lang="fr-FR" sz="2000" b="1" dirty="0" err="1" smtClean="0">
                 <a:solidFill>
                   <a:schemeClr val="tx1"/>
                 </a:solidFill>
@@ -10824,14 +12677,14 @@
               <a:t>P</a:t>
             </a:r>
             <a:r>
-              <a:rPr lang="fr-FR" b="1" baseline="-25000" dirty="0" err="1" smtClean="0">
+              <a:rPr lang="fr-FR" sz="2000" b="1" baseline="-25000" dirty="0" err="1" smtClean="0">
                 <a:solidFill>
                   <a:schemeClr val="tx1"/>
                 </a:solidFill>
               </a:rPr>
               <a:t>other</a:t>
             </a:r>
-            <a:endParaRPr lang="fr-FR" b="1" baseline="-25000" dirty="0">
+            <a:endParaRPr lang="fr-FR" sz="2000" b="1" baseline="-25000" dirty="0">
               <a:solidFill>
                 <a:schemeClr val="tx1"/>
               </a:solidFill>
@@ -10847,8 +12700,8 @@
         </p:nvSpPr>
         <p:spPr>
           <a:xfrm>
-            <a:off x="6012160" y="4221088"/>
-            <a:ext cx="2880320" cy="1224136"/>
+            <a:off x="5796136" y="4221088"/>
+            <a:ext cx="3096344" cy="1440160"/>
           </a:xfrm>
           <a:prstGeom prst="rect">
             <a:avLst/>
@@ -10877,7 +12730,7 @@
           <a:p>
             <a:pPr algn="ctr"/>
             <a:r>
-              <a:rPr lang="fr-FR" dirty="0" smtClean="0">
+              <a:rPr lang="fr-FR" sz="2000" dirty="0" smtClean="0">
                 <a:solidFill>
                   <a:schemeClr val="tx1"/>
                 </a:solidFill>
@@ -10888,7 +12741,7 @@
           <a:p>
             <a:pPr algn="ctr"/>
             <a:r>
-              <a:rPr lang="fr-FR" dirty="0" smtClean="0">
+              <a:rPr lang="fr-FR" sz="2000" dirty="0" smtClean="0">
                 <a:solidFill>
                   <a:schemeClr val="tx1"/>
                 </a:solidFill>
@@ -10899,7 +12752,7 @@
           <a:p>
             <a:pPr algn="ctr"/>
             <a:r>
-              <a:rPr lang="fr-FR" b="1" dirty="0" err="1" smtClean="0">
+              <a:rPr lang="fr-FR" sz="2000" b="1" dirty="0" err="1" smtClean="0">
                 <a:solidFill>
                   <a:schemeClr val="tx1"/>
                 </a:solidFill>
@@ -10907,7 +12760,7 @@
               <a:t>P</a:t>
             </a:r>
             <a:r>
-              <a:rPr lang="fr-FR" b="1" baseline="-25000" dirty="0" err="1" smtClean="0">
+              <a:rPr lang="fr-FR" sz="2000" b="1" baseline="-25000" dirty="0" err="1" smtClean="0">
                 <a:solidFill>
                   <a:schemeClr val="tx1"/>
                 </a:solidFill>
@@ -10915,14 +12768,14 @@
               <a:t>other</a:t>
             </a:r>
             <a:r>
-              <a:rPr lang="fr-FR" b="1" baseline="-25000" dirty="0" smtClean="0">
+              <a:rPr lang="fr-FR" sz="2000" b="1" baseline="-25000" dirty="0" smtClean="0">
                 <a:solidFill>
                   <a:schemeClr val="tx1"/>
                 </a:solidFill>
               </a:rPr>
               <a:t>-about-self</a:t>
             </a:r>
-            <a:endParaRPr lang="fr-FR" b="1" baseline="-25000" dirty="0">
+            <a:endParaRPr lang="fr-FR" sz="2000" b="1" baseline="-25000" dirty="0">
               <a:solidFill>
                 <a:schemeClr val="tx1"/>
               </a:solidFill>
@@ -10942,7 +12795,7 @@
         <p:spPr>
           <a:xfrm flipH="1">
             <a:off x="1436271" y="3098089"/>
-            <a:ext cx="2933656" cy="1122999"/>
+            <a:ext cx="2782665" cy="1122999"/>
           </a:xfrm>
           <a:prstGeom prst="straightConnector1">
             <a:avLst/>
@@ -10979,9 +12832,9 @@
           <p:nvPr/>
         </p:nvCxnSpPr>
         <p:spPr>
-          <a:xfrm>
-            <a:off x="4369927" y="3098089"/>
-            <a:ext cx="22053" cy="1122999"/>
+          <a:xfrm flipH="1">
+            <a:off x="4175956" y="3098089"/>
+            <a:ext cx="42980" cy="1122999"/>
           </a:xfrm>
           <a:prstGeom prst="straightConnector1">
             <a:avLst/>
@@ -11019,8 +12872,8 @@
         </p:nvCxnSpPr>
         <p:spPr>
           <a:xfrm>
-            <a:off x="4369927" y="3098089"/>
-            <a:ext cx="3082393" cy="1122999"/>
+            <a:off x="4218936" y="3098089"/>
+            <a:ext cx="3125372" cy="1122999"/>
           </a:xfrm>
           <a:prstGeom prst="straightConnector1">
             <a:avLst/>
@@ -11178,7 +13031,7 @@
                 </a:r>
                 <a:r>
                   <a:rPr lang="fr-FR" dirty="0" smtClean="0"/>
-                  <a:t>, une proposition tel que</a:t>
+                  <a:t>, une proposition telle que</a:t>
                 </a:r>
               </a:p>
               <a:p>
@@ -11408,15 +13261,7 @@
                 </a:r>
                 <a:r>
                   <a:rPr lang="fr-FR" dirty="0" smtClean="0"/>
-                  <a:t>: Propositions </a:t>
-                </a:r>
-                <a:r>
-                  <a:rPr lang="fr-FR" dirty="0" err="1" smtClean="0"/>
-                  <a:t>accéptées</a:t>
-                </a:r>
-                <a:r>
-                  <a:rPr lang="fr-FR" dirty="0" smtClean="0"/>
-                  <a:t> </a:t>
+                  <a:t>: Propositions acceptées </a:t>
                 </a:r>
                 <a:endParaRPr lang="fr-FR" dirty="0"/>
               </a:p>
@@ -11596,8 +13441,8 @@
           </a:p>
         </p:txBody>
       </p:sp>
-      <mc:AlternateContent xmlns:mc="http://schemas.openxmlformats.org/markup-compatibility/2006" xmlns:a14="http://schemas.microsoft.com/office/drawing/2010/main">
-        <mc:Choice Requires="a14">
+      <mc:AlternateContent xmlns:mc="http://schemas.openxmlformats.org/markup-compatibility/2006">
+        <mc:Choice xmlns:a14="http://schemas.microsoft.com/office/drawing/2010/main" Requires="a14">
           <p:graphicFrame>
             <p:nvGraphicFramePr>
               <p:cNvPr id="4" name="Tableau 3"/>
@@ -11607,14 +13452,14 @@
               <p:nvPr>
                 <p:extLst>
                   <p:ext uri="{D42A27DB-BD31-4B8C-83A1-F6EECF244321}">
-                    <p14:modId xmlns:p14="http://schemas.microsoft.com/office/powerpoint/2010/main" val="1726950180"/>
+                    <p14:modId xmlns:p14="http://schemas.microsoft.com/office/powerpoint/2010/main" val="1448115467"/>
                   </p:ext>
                 </p:extLst>
               </p:nvPr>
             </p:nvGraphicFramePr>
             <p:xfrm>
-              <a:off x="1043608" y="2030684"/>
-              <a:ext cx="7200800" cy="4846320"/>
+              <a:off x="963541" y="2049951"/>
+              <a:ext cx="7200800" cy="4547401"/>
             </p:xfrm>
             <a:graphic>
               <a:graphicData uri="http://schemas.openxmlformats.org/drawingml/2006/table">
@@ -11627,7 +13472,7 @@
                     <a:gridCol w="2185958"/>
                     <a:gridCol w="2314542"/>
                   </a:tblGrid>
-                  <a:tr h="356927">
+                  <a:tr h="344546">
                     <a:tc>
                       <a:txBody>
                         <a:bodyPr/>
@@ -11678,7 +13523,7 @@
                       <a:tcPr/>
                     </a:tc>
                   </a:tr>
-                  <a:tr h="508630">
+                  <a:tr h="449636">
                     <a:tc rowSpan="2">
                       <a:txBody>
                         <a:bodyPr/>
@@ -11686,19 +13531,19 @@
                         <a:p>
                           <a:pPr algn="ctr"/>
                           <a:r>
-                            <a:rPr lang="fr-FR" sz="1600" dirty="0" err="1" smtClean="0"/>
+                            <a:rPr lang="fr-FR" sz="1600" b="1" dirty="0" err="1" smtClean="0"/>
                             <a:t>StatePreference</a:t>
                           </a:r>
                           <a:r>
-                            <a:rPr lang="fr-FR" sz="1600" dirty="0" smtClean="0"/>
+                            <a:rPr lang="fr-FR" sz="1600" b="1" dirty="0" smtClean="0"/>
                             <a:t> (</a:t>
                           </a:r>
                           <a:r>
-                            <a:rPr lang="fr-FR" sz="1600" dirty="0" err="1" smtClean="0"/>
+                            <a:rPr lang="fr-FR" sz="1600" b="1" dirty="0" err="1" smtClean="0"/>
                             <a:t>a,b</a:t>
                           </a:r>
                           <a:r>
-                            <a:rPr lang="fr-FR" sz="1600" dirty="0" smtClean="0"/>
+                            <a:rPr lang="fr-FR" sz="1600" b="1" dirty="0" smtClean="0"/>
                             <a:t>)</a:t>
                           </a:r>
                         </a:p>
@@ -11812,15 +13657,20 @@
                         <a:p>
                           <a:pPr algn="ctr"/>
                           <a:r>
+                            <a:rPr lang="fr-FR" sz="1600" dirty="0" err="1" smtClean="0"/>
+                            <a:t>Hear</a:t>
+                          </a:r>
+                          <a:r>
                             <a:rPr lang="fr-FR" sz="1600" dirty="0" smtClean="0"/>
-                            <a:t>Speaker</a:t>
+                            <a:t>: </a:t>
                           </a:r>
-                        </a:p>
-                        <a:p>
-                          <a:pPr algn="ctr"/>
                           <a:r>
                             <a:rPr lang="fr-FR" sz="1600" i="1" dirty="0" smtClean="0"/>
-                            <a:t>(a,</a:t>
+                            <a:t>(</a:t>
+                          </a:r>
+                          <a:r>
+                            <a:rPr lang="fr-FR" sz="1600" i="1" dirty="0" smtClean="0"/>
+                            <a:t>a,</a:t>
                           </a:r>
                           <a:r>
                             <a:rPr lang="fr-FR" sz="1600" i="1" baseline="0" dirty="0" smtClean="0"/>
@@ -11860,7 +13710,7 @@
                       <a:tcPr/>
                     </a:tc>
                   </a:tr>
-                  <a:tr h="433566">
+                  <a:tr h="408161">
                     <a:tc vMerge="1">
                       <a:txBody>
                         <a:bodyPr/>
@@ -11889,30 +13739,15 @@
                           <a:pPr algn="ctr"/>
                           <a:r>
                             <a:rPr lang="fr-FR" sz="1600" dirty="0" smtClean="0"/>
-                            <a:t>Hearer</a:t>
+                            <a:t>Speaker: </a:t>
                           </a:r>
-                        </a:p>
-                        <a:p>
-                          <a:pPr marL="0" marR="0" indent="0" algn="ctr" defTabSz="914400" rtl="0" eaLnBrk="1" fontAlgn="auto" latinLnBrk="0" hangingPunct="1">
-                            <a:lnSpc>
-                              <a:spcPct val="100000"/>
-                            </a:lnSpc>
-                            <a:spcBef>
-                              <a:spcPts val="0"/>
-                            </a:spcBef>
-                            <a:spcAft>
-                              <a:spcPts val="0"/>
-                            </a:spcAft>
-                            <a:buClrTx/>
-                            <a:buSzTx/>
-                            <a:buFontTx/>
-                            <a:buNone/>
-                            <a:tabLst/>
-                            <a:defRPr/>
-                          </a:pPr>
                           <a:r>
                             <a:rPr lang="fr-FR" sz="1600" i="1" dirty="0" smtClean="0"/>
-                            <a:t>(a,</a:t>
+                            <a:t>(</a:t>
+                          </a:r>
+                          <a:r>
+                            <a:rPr lang="fr-FR" sz="1600" i="1" dirty="0" smtClean="0"/>
+                            <a:t>a,</a:t>
                           </a:r>
                           <a:r>
                             <a:rPr lang="fr-FR" sz="1600" i="1" baseline="0" dirty="0" smtClean="0"/>
@@ -11952,7 +13787,7 @@
                       <a:tcPr/>
                     </a:tc>
                   </a:tr>
-                  <a:tr h="758966">
+                  <a:tr h="775707">
                     <a:tc>
                       <a:txBody>
                         <a:bodyPr/>
@@ -11964,19 +13799,19 @@
                             </a:lnSpc>
                           </a:pPr>
                           <a:r>
-                            <a:rPr lang="fr-FR" sz="1600" dirty="0" err="1" smtClean="0"/>
+                            <a:rPr lang="fr-FR" sz="1800" b="1" dirty="0" err="1" smtClean="0"/>
                             <a:t>AskPreference</a:t>
                           </a:r>
                           <a:r>
-                            <a:rPr lang="fr-FR" sz="1600" dirty="0" smtClean="0"/>
+                            <a:rPr lang="fr-FR" sz="1800" b="1" dirty="0" smtClean="0"/>
                             <a:t> (</a:t>
                           </a:r>
                           <a:r>
-                            <a:rPr lang="fr-FR" sz="1600" dirty="0" err="1" smtClean="0"/>
+                            <a:rPr lang="fr-FR" sz="1800" b="1" dirty="0" err="1" smtClean="0"/>
                             <a:t>a,b</a:t>
                           </a:r>
                           <a:r>
-                            <a:rPr lang="fr-FR" sz="1600" dirty="0" smtClean="0"/>
+                            <a:rPr lang="fr-FR" sz="1800" b="1" dirty="0" smtClean="0"/>
                             <a:t>)</a:t>
                           </a:r>
                         </a:p>
@@ -12077,7 +13912,7 @@
                       <a:tcPr/>
                     </a:tc>
                   </a:tr>
-                  <a:tr h="758966">
+                  <a:tr h="775707">
                     <a:tc>
                       <a:txBody>
                         <a:bodyPr/>
@@ -12089,15 +13924,15 @@
                             </a:lnSpc>
                           </a:pPr>
                           <a:r>
-                            <a:rPr lang="fr-FR" sz="1600" dirty="0" smtClean="0"/>
+                            <a:rPr lang="fr-FR" sz="1800" b="1" dirty="0" smtClean="0"/>
                             <a:t>Propose(</a:t>
                           </a:r>
                           <a:r>
-                            <a:rPr lang="fr-FR" sz="1600" dirty="0" err="1" smtClean="0"/>
+                            <a:rPr lang="fr-FR" sz="1800" b="1" dirty="0" err="1" smtClean="0"/>
                             <a:t>proposal</a:t>
                           </a:r>
                           <a:r>
-                            <a:rPr lang="fr-FR" sz="1600" dirty="0" smtClean="0"/>
+                            <a:rPr lang="fr-FR" sz="1800" b="1" dirty="0" smtClean="0"/>
                             <a:t>)</a:t>
                           </a:r>
                         </a:p>
@@ -12222,7 +14057,7 @@
                       <a:tcPr/>
                     </a:tc>
                   </a:tr>
-                  <a:tr h="758966">
+                  <a:tr h="775707">
                     <a:tc>
                       <a:txBody>
                         <a:bodyPr/>
@@ -12234,19 +14069,19 @@
                             </a:lnSpc>
                           </a:pPr>
                           <a:r>
-                            <a:rPr lang="fr-FR" sz="1600" dirty="0" err="1" smtClean="0"/>
+                            <a:rPr lang="fr-FR" sz="1800" b="1" dirty="0" err="1" smtClean="0"/>
                             <a:t>Accept</a:t>
                           </a:r>
                           <a:r>
-                            <a:rPr lang="fr-FR" sz="1600" dirty="0" smtClean="0"/>
+                            <a:rPr lang="fr-FR" sz="1800" b="1" dirty="0" smtClean="0"/>
                             <a:t> (</a:t>
                           </a:r>
                           <a:r>
-                            <a:rPr lang="fr-FR" sz="1600" dirty="0" err="1" smtClean="0"/>
+                            <a:rPr lang="fr-FR" sz="1800" b="1" dirty="0" err="1" smtClean="0"/>
                             <a:t>proposal</a:t>
                           </a:r>
                           <a:r>
-                            <a:rPr lang="fr-FR" sz="1600" dirty="0" smtClean="0"/>
+                            <a:rPr lang="fr-FR" sz="1800" b="1" dirty="0" smtClean="0"/>
                             <a:t>)</a:t>
                           </a:r>
                         </a:p>
@@ -12446,7 +14281,7 @@
                       <a:tcPr/>
                     </a:tc>
                   </a:tr>
-                  <a:tr h="761562">
+                  <a:tr h="428248">
                     <a:tc>
                       <a:txBody>
                         <a:bodyPr/>
@@ -12458,23 +14293,23 @@
                             </a:lnSpc>
                           </a:pPr>
                           <a:r>
-                            <a:rPr lang="fr-FR" sz="1600" dirty="0" err="1" smtClean="0"/>
+                            <a:rPr lang="fr-FR" sz="1800" b="1" dirty="0" err="1" smtClean="0"/>
                             <a:t>Reject</a:t>
                           </a:r>
                           <a:r>
-                            <a:rPr lang="fr-FR" sz="1600" baseline="0" dirty="0" smtClean="0"/>
+                            <a:rPr lang="fr-FR" sz="1800" b="1" baseline="0" dirty="0" smtClean="0"/>
                             <a:t> </a:t>
                           </a:r>
                           <a:r>
-                            <a:rPr lang="fr-FR" sz="1600" dirty="0" smtClean="0"/>
+                            <a:rPr lang="fr-FR" sz="1800" b="1" dirty="0" smtClean="0"/>
                             <a:t>(</a:t>
                           </a:r>
                           <a:r>
-                            <a:rPr lang="fr-FR" sz="1600" dirty="0" err="1" smtClean="0"/>
+                            <a:rPr lang="fr-FR" sz="1800" b="1" dirty="0" err="1" smtClean="0"/>
                             <a:t>proposal</a:t>
                           </a:r>
                           <a:r>
-                            <a:rPr lang="fr-FR" sz="1600" dirty="0" smtClean="0"/>
+                            <a:rPr lang="fr-FR" sz="1800" b="1" dirty="0" smtClean="0"/>
                             <a:t>)</a:t>
                           </a:r>
                         </a:p>
@@ -12806,7 +14641,7 @@
             </a:graphic>
           </p:graphicFrame>
         </mc:Choice>
-        <mc:Fallback xmlns="">
+        <mc:Fallback>
           <p:graphicFrame>
             <p:nvGraphicFramePr>
               <p:cNvPr id="4" name="Tableau 3"/>
@@ -12816,14 +14651,14 @@
               <p:nvPr>
                 <p:extLst>
                   <p:ext uri="{D42A27DB-BD31-4B8C-83A1-F6EECF244321}">
-                    <p14:modId xmlns:p14="http://schemas.microsoft.com/office/powerpoint/2010/main" val="1726950180"/>
+                    <p14:modId xmlns:p14="http://schemas.microsoft.com/office/powerpoint/2010/main" val="1448115467"/>
                   </p:ext>
                 </p:extLst>
               </p:nvPr>
             </p:nvGraphicFramePr>
             <p:xfrm>
-              <a:off x="1043608" y="2030684"/>
-              <a:ext cx="7200800" cy="4710684"/>
+              <a:off x="963541" y="2049951"/>
+              <a:ext cx="7200800" cy="4547401"/>
             </p:xfrm>
             <a:graphic>
               <a:graphicData uri="http://schemas.openxmlformats.org/drawingml/2006/table">
@@ -12887,7 +14722,7 @@
                       <a:tcPr/>
                     </a:tc>
                   </a:tr>
-                  <a:tr h="579120">
+                  <a:tr h="449636">
                     <a:tc rowSpan="2">
                       <a:txBody>
                         <a:bodyPr/>
@@ -12895,19 +14730,19 @@
                         <a:p>
                           <a:pPr algn="ctr"/>
                           <a:r>
-                            <a:rPr lang="fr-FR" sz="1600" dirty="0" err="1" smtClean="0"/>
+                            <a:rPr lang="fr-FR" sz="1600" b="1" dirty="0" err="1" smtClean="0"/>
                             <a:t>StatePreference</a:t>
                           </a:r>
                           <a:r>
-                            <a:rPr lang="fr-FR" sz="1600" dirty="0" smtClean="0"/>
+                            <a:rPr lang="fr-FR" sz="1600" b="1" dirty="0" smtClean="0"/>
                             <a:t> (</a:t>
                           </a:r>
                           <a:r>
-                            <a:rPr lang="fr-FR" sz="1600" dirty="0" err="1" smtClean="0"/>
+                            <a:rPr lang="fr-FR" sz="1600" b="1" dirty="0" err="1" smtClean="0"/>
                             <a:t>a,b</a:t>
                           </a:r>
                           <a:r>
-                            <a:rPr lang="fr-FR" sz="1600" dirty="0" smtClean="0"/>
+                            <a:rPr lang="fr-FR" sz="1600" b="1" dirty="0" smtClean="0"/>
                             <a:t>)</a:t>
                           </a:r>
                         </a:p>
@@ -12946,7 +14781,7 @@
                         <a:blipFill rotWithShape="1">
                           <a:blip r:embed="rId3"/>
                           <a:stretch>
-                            <a:fillRect l="-123743" t="-34211" r="-106425" b="-275789"/>
+                            <a:fillRect l="-123743" t="-46099" r="-106425" b="-392908"/>
                           </a:stretch>
                         </a:blipFill>
                       </a:tcPr>
@@ -12963,13 +14798,13 @@
                         <a:blipFill rotWithShape="1">
                           <a:blip r:embed="rId3"/>
                           <a:stretch>
-                            <a:fillRect l="-210789" t="-68421" r="-263" b="-651579"/>
+                            <a:fillRect l="-210789" t="-87838" r="-263" b="-839189"/>
                           </a:stretch>
                         </a:blipFill>
                       </a:tcPr>
                     </a:tc>
                   </a:tr>
-                  <a:tr h="579120">
+                  <a:tr h="408161">
                     <a:tc vMerge="1">
                       <a:txBody>
                         <a:bodyPr/>
@@ -13002,13 +14837,13 @@
                         <a:blipFill rotWithShape="1">
                           <a:blip r:embed="rId3"/>
                           <a:stretch>
-                            <a:fillRect l="-210789" t="-168421" r="-263" b="-551579"/>
+                            <a:fillRect l="-210789" t="-207463" r="-263" b="-826866"/>
                           </a:stretch>
                         </a:blipFill>
                       </a:tcPr>
                     </a:tc>
                   </a:tr>
-                  <a:tr h="777748">
+                  <a:tr h="823468">
                     <a:tc>
                       <a:txBody>
                         <a:bodyPr/>
@@ -13020,19 +14855,19 @@
                             </a:lnSpc>
                           </a:pPr>
                           <a:r>
-                            <a:rPr lang="fr-FR" sz="1600" dirty="0" err="1" smtClean="0"/>
+                            <a:rPr lang="fr-FR" sz="1800" b="1" dirty="0" err="1" smtClean="0"/>
                             <a:t>AskPreference</a:t>
                           </a:r>
                           <a:r>
-                            <a:rPr lang="fr-FR" sz="1600" dirty="0" smtClean="0"/>
+                            <a:rPr lang="fr-FR" sz="1800" b="1" dirty="0" smtClean="0"/>
                             <a:t> (</a:t>
                           </a:r>
                           <a:r>
-                            <a:rPr lang="fr-FR" sz="1600" dirty="0" err="1" smtClean="0"/>
+                            <a:rPr lang="fr-FR" sz="1800" b="1" dirty="0" err="1" smtClean="0"/>
                             <a:t>a,b</a:t>
                           </a:r>
                           <a:r>
-                            <a:rPr lang="fr-FR" sz="1600" dirty="0" smtClean="0"/>
+                            <a:rPr lang="fr-FR" sz="1800" b="1" dirty="0" smtClean="0"/>
                             <a:t>)</a:t>
                           </a:r>
                         </a:p>
@@ -13079,7 +14914,7 @@
                         <a:blipFill rotWithShape="1">
                           <a:blip r:embed="rId3"/>
                           <a:stretch>
-                            <a:fillRect l="-123743" t="-199219" r="-106425" b="-309375"/>
+                            <a:fillRect l="-123743" t="-152593" r="-106425" b="-310370"/>
                           </a:stretch>
                         </a:blipFill>
                       </a:tcPr>
@@ -13100,7 +14935,7 @@
                       <a:tcPr/>
                     </a:tc>
                   </a:tr>
-                  <a:tr h="777748">
+                  <a:tr h="823468">
                     <a:tc>
                       <a:txBody>
                         <a:bodyPr/>
@@ -13112,15 +14947,15 @@
                             </a:lnSpc>
                           </a:pPr>
                           <a:r>
-                            <a:rPr lang="fr-FR" sz="1600" dirty="0" smtClean="0"/>
+                            <a:rPr lang="fr-FR" sz="1800" b="1" dirty="0" smtClean="0"/>
                             <a:t>Propose(</a:t>
                           </a:r>
                           <a:r>
-                            <a:rPr lang="fr-FR" sz="1600" dirty="0" err="1" smtClean="0"/>
+                            <a:rPr lang="fr-FR" sz="1800" b="1" dirty="0" err="1" smtClean="0"/>
                             <a:t>proposal</a:t>
                           </a:r>
                           <a:r>
-                            <a:rPr lang="fr-FR" sz="1600" dirty="0" smtClean="0"/>
+                            <a:rPr lang="fr-FR" sz="1800" b="1" dirty="0" smtClean="0"/>
                             <a:t>)</a:t>
                           </a:r>
                         </a:p>
@@ -13194,13 +15029,13 @@
                         <a:blipFill rotWithShape="1">
                           <a:blip r:embed="rId3"/>
                           <a:stretch>
-                            <a:fillRect l="-210789" t="-301575" r="-263" b="-211811"/>
+                            <a:fillRect l="-210789" t="-252593" r="-263" b="-210370"/>
                           </a:stretch>
                         </a:blipFill>
                       </a:tcPr>
                     </a:tc>
                   </a:tr>
-                  <a:tr h="777748">
+                  <a:tr h="823468">
                     <a:tc>
                       <a:txBody>
                         <a:bodyPr/>
@@ -13212,19 +15047,19 @@
                             </a:lnSpc>
                           </a:pPr>
                           <a:r>
-                            <a:rPr lang="fr-FR" sz="1600" dirty="0" err="1" smtClean="0"/>
+                            <a:rPr lang="fr-FR" sz="1800" b="1" dirty="0" err="1" smtClean="0"/>
                             <a:t>Accept</a:t>
                           </a:r>
                           <a:r>
-                            <a:rPr lang="fr-FR" sz="1600" dirty="0" smtClean="0"/>
+                            <a:rPr lang="fr-FR" sz="1800" b="1" dirty="0" smtClean="0"/>
                             <a:t> (</a:t>
                           </a:r>
                           <a:r>
-                            <a:rPr lang="fr-FR" sz="1600" dirty="0" err="1" smtClean="0"/>
+                            <a:rPr lang="fr-FR" sz="1800" b="1" dirty="0" err="1" smtClean="0"/>
                             <a:t>proposal</a:t>
                           </a:r>
                           <a:r>
-                            <a:rPr lang="fr-FR" sz="1600" dirty="0" smtClean="0"/>
+                            <a:rPr lang="fr-FR" sz="1800" b="1" dirty="0" smtClean="0"/>
                             <a:t>)</a:t>
                           </a:r>
                         </a:p>
@@ -13287,7 +15122,7 @@
                         <a:blipFill rotWithShape="1">
                           <a:blip r:embed="rId3"/>
                           <a:stretch>
-                            <a:fillRect l="-123743" t="-398438" r="-106425" b="-110156"/>
+                            <a:fillRect l="-123743" t="-352593" r="-106425" b="-110370"/>
                           </a:stretch>
                         </a:blipFill>
                       </a:tcPr>
@@ -13304,7 +15139,7 @@
                         <a:blipFill rotWithShape="1">
                           <a:blip r:embed="rId3"/>
                           <a:stretch>
-                            <a:fillRect l="-210789" t="-398438" r="-263" b="-110156"/>
+                            <a:fillRect l="-210789" t="-352593" r="-263" b="-110370"/>
                           </a:stretch>
                         </a:blipFill>
                       </a:tcPr>
@@ -13322,23 +15157,23 @@
                             </a:lnSpc>
                           </a:pPr>
                           <a:r>
-                            <a:rPr lang="fr-FR" sz="1600" dirty="0" err="1" smtClean="0"/>
+                            <a:rPr lang="fr-FR" sz="1800" b="1" dirty="0" err="1" smtClean="0"/>
                             <a:t>Reject</a:t>
                           </a:r>
                           <a:r>
-                            <a:rPr lang="fr-FR" sz="1600" baseline="0" dirty="0" smtClean="0"/>
+                            <a:rPr lang="fr-FR" sz="1800" b="1" baseline="0" dirty="0" smtClean="0"/>
                             <a:t> </a:t>
                           </a:r>
                           <a:r>
-                            <a:rPr lang="fr-FR" sz="1600" dirty="0" smtClean="0"/>
+                            <a:rPr lang="fr-FR" sz="1800" b="1" dirty="0" smtClean="0"/>
                             <a:t>(</a:t>
                           </a:r>
                           <a:r>
-                            <a:rPr lang="fr-FR" sz="1600" dirty="0" err="1" smtClean="0"/>
+                            <a:rPr lang="fr-FR" sz="1800" b="1" dirty="0" err="1" smtClean="0"/>
                             <a:t>proposal</a:t>
                           </a:r>
                           <a:r>
-                            <a:rPr lang="fr-FR" sz="1600" dirty="0" smtClean="0"/>
+                            <a:rPr lang="fr-FR" sz="1800" b="1" dirty="0" smtClean="0"/>
                             <a:t>)</a:t>
                           </a:r>
                         </a:p>
@@ -13401,7 +15236,7 @@
                         <a:blipFill rotWithShape="1">
                           <a:blip r:embed="rId3"/>
                           <a:stretch>
-                            <a:fillRect l="-123743" t="-455714" r="-106425" b="-714"/>
+                            <a:fillRect l="-123743" t="-436429" r="-106425" b="-6429"/>
                           </a:stretch>
                         </a:blipFill>
                       </a:tcPr>
@@ -13418,7 +15253,7 @@
                         <a:blipFill rotWithShape="1">
                           <a:blip r:embed="rId3"/>
                           <a:stretch>
-                            <a:fillRect l="-210789" t="-455714" r="-263" b="-714"/>
+                            <a:fillRect l="-210789" t="-436429" r="-263" b="-6429"/>
                           </a:stretch>
                         </a:blipFill>
                       </a:tcPr>
@@ -13500,8 +15335,8 @@
         </p:nvSpPr>
         <p:spPr>
           <a:xfrm>
-            <a:off x="467544" y="1064930"/>
-            <a:ext cx="8136904" cy="958660"/>
+            <a:off x="91386" y="1064930"/>
+            <a:ext cx="8945110" cy="1015663"/>
           </a:xfrm>
           <a:prstGeom prst="rect">
             <a:avLst/>
@@ -13522,8 +15357,16 @@
               <a:buChar char="Ø"/>
             </a:pPr>
             <a:r>
+              <a:rPr lang="en-US" sz="1600" b="1" dirty="0" smtClean="0"/>
+              <a:t>(Sidner, 1986) : </a:t>
+            </a:r>
+            <a:r>
+              <a:rPr lang="en-US" sz="2000" dirty="0" smtClean="0"/>
+              <a:t>An </a:t>
+            </a:r>
+            <a:r>
               <a:rPr lang="en-US" sz="2000" dirty="0"/>
-              <a:t>An artificial discourse language for collaborative </a:t>
+              <a:t>artificial discourse language for collaborative </a:t>
             </a:r>
             <a:r>
               <a:rPr lang="en-US" sz="2000" dirty="0" smtClean="0"/>
@@ -14262,13 +16105,8 @@
           <a:p>
             <a:r>
               <a:rPr lang="fr-FR" sz="2400" b="1" dirty="0" smtClean="0"/>
-              <a:t>Implémentation  du modèle extrait </a:t>
-            </a:r>
-            <a:r>
-              <a:rPr lang="fr-FR" sz="2400" b="1" dirty="0" smtClean="0"/>
-              <a:t>de nos données. </a:t>
-            </a:r>
-            <a:endParaRPr lang="fr-FR" sz="2400" b="1" dirty="0" smtClean="0"/>
+              <a:t>Implémentation  du modèle extrait de nos données. </a:t>
+            </a:r>
           </a:p>
           <a:p>
             <a:endParaRPr lang="fr-FR" sz="2400" b="1" dirty="0" smtClean="0"/>
@@ -16520,146 +18358,9 @@
           <a:p>
             <a:r>
               <a:rPr lang="fr-FR" dirty="0" smtClean="0"/>
-              <a:t>Validation</a:t>
+              <a:t>Perspectives (2) Validation</a:t>
             </a:r>
             <a:endParaRPr lang="fr-FR" dirty="0"/>
-          </a:p>
-        </p:txBody>
-      </p:sp>
-      <p:sp>
-        <p:nvSpPr>
-          <p:cNvPr id="3" name="Espace réservé du contenu 2"/>
-          <p:cNvSpPr>
-            <a:spLocks noGrp="1"/>
-          </p:cNvSpPr>
-          <p:nvPr>
-            <p:ph idx="1"/>
-          </p:nvPr>
-        </p:nvSpPr>
-        <p:spPr/>
-        <p:txBody>
-          <a:bodyPr>
-            <a:normAutofit lnSpcReduction="10000"/>
-          </a:bodyPr>
-          <a:lstStyle/>
-          <a:p>
-            <a:r>
-              <a:rPr lang="fr-FR" b="1" dirty="0" smtClean="0"/>
-              <a:t>Impact des dimensions sociales sur la stratégies de dialogue</a:t>
-            </a:r>
-          </a:p>
-          <a:p>
-            <a:pPr lvl="1"/>
-            <a:r>
-              <a:rPr lang="fr-FR" dirty="0" smtClean="0"/>
-              <a:t>2 conditions : avec ou sans relation interpersonnelle dans le choix de la prochaine </a:t>
-            </a:r>
-            <a:r>
-              <a:rPr lang="fr-FR" dirty="0" err="1" smtClean="0"/>
-              <a:t>utterance</a:t>
-            </a:r>
-            <a:endParaRPr lang="fr-FR" dirty="0" smtClean="0"/>
-          </a:p>
-          <a:p>
-            <a:pPr lvl="1"/>
-            <a:r>
-              <a:rPr lang="fr-FR" dirty="0" smtClean="0"/>
-              <a:t>H1 </a:t>
-            </a:r>
-            <a:r>
-              <a:rPr lang="fr-FR" dirty="0" smtClean="0">
-                <a:sym typeface="Wingdings" panose="05000000000000000000" pitchFamily="2" charset="2"/>
-              </a:rPr>
-              <a:t></a:t>
-            </a:r>
-            <a:r>
-              <a:rPr lang="fr-FR" dirty="0" smtClean="0"/>
-              <a:t> plus agréable</a:t>
-            </a:r>
-          </a:p>
-          <a:p>
-            <a:pPr lvl="1"/>
-            <a:r>
-              <a:rPr lang="fr-FR" dirty="0" smtClean="0"/>
-              <a:t>H2 </a:t>
-            </a:r>
-            <a:r>
-              <a:rPr lang="fr-FR" dirty="0" smtClean="0">
-                <a:sym typeface="Wingdings" panose="05000000000000000000" pitchFamily="2" charset="2"/>
-              </a:rPr>
-              <a:t></a:t>
-            </a:r>
-            <a:r>
-              <a:rPr lang="fr-FR" dirty="0" smtClean="0"/>
-              <a:t> plus rapide à converger</a:t>
-            </a:r>
-          </a:p>
-          <a:p>
-            <a:r>
-              <a:rPr lang="fr-FR" b="1" dirty="0" smtClean="0"/>
-              <a:t>Personnalité et RI</a:t>
-            </a:r>
-          </a:p>
-          <a:p>
-            <a:pPr lvl="2"/>
-            <a:r>
-              <a:rPr lang="fr-FR" dirty="0" smtClean="0"/>
-              <a:t>Théorie: personnalité + rôle social affecte la RI</a:t>
-            </a:r>
-          </a:p>
-          <a:p>
-            <a:pPr lvl="1"/>
-            <a:r>
-              <a:rPr lang="fr-FR" dirty="0" smtClean="0"/>
-              <a:t>2 conditions: comportement neutre vs adaptation à la RI perçue en fonction des réponses de l’utilisateur (</a:t>
-            </a:r>
-            <a:r>
-              <a:rPr lang="fr-FR" dirty="0" err="1" smtClean="0"/>
-              <a:t>ToM</a:t>
-            </a:r>
-            <a:r>
-              <a:rPr lang="fr-FR" dirty="0" smtClean="0"/>
-              <a:t>)</a:t>
-            </a:r>
-            <a:endParaRPr lang="fr-FR" dirty="0"/>
-          </a:p>
-          <a:p>
-            <a:pPr lvl="1"/>
-            <a:r>
-              <a:rPr lang="fr-FR" dirty="0" smtClean="0"/>
-              <a:t>Questionnaire de personnalité</a:t>
-            </a:r>
-          </a:p>
-          <a:p>
-            <a:pPr lvl="2"/>
-            <a:r>
-              <a:rPr lang="fr-FR" dirty="0" smtClean="0"/>
-              <a:t>Utilisateur: H3 </a:t>
-            </a:r>
-            <a:r>
-              <a:rPr lang="fr-FR" dirty="0" smtClean="0">
-                <a:sym typeface="Wingdings" panose="05000000000000000000" pitchFamily="2" charset="2"/>
-              </a:rPr>
-              <a:t> </a:t>
-            </a:r>
-            <a:r>
-              <a:rPr lang="fr-FR" dirty="0" smtClean="0"/>
-              <a:t>est-ce que la RI détectée par l’agent correspond à la personnalité</a:t>
-            </a:r>
-          </a:p>
-          <a:p>
-            <a:pPr lvl="2"/>
-            <a:r>
-              <a:rPr lang="fr-FR" dirty="0" smtClean="0"/>
-              <a:t>De l’agent (rempli par l’utilisateur): H4 </a:t>
-            </a:r>
-            <a:r>
-              <a:rPr lang="fr-FR" dirty="0" smtClean="0">
-                <a:sym typeface="Wingdings" panose="05000000000000000000" pitchFamily="2" charset="2"/>
-              </a:rPr>
-              <a:t> l’utilisateur a perçu correctement la RI exprimée par l’agent</a:t>
-            </a:r>
-            <a:endParaRPr lang="fr-FR" dirty="0" smtClean="0"/>
           </a:p>
         </p:txBody>
       </p:sp>
@@ -16673,7 +18374,12 @@
             <p:ph type="sldNum" sz="quarter" idx="12"/>
           </p:nvPr>
         </p:nvSpPr>
-        <p:spPr/>
+        <p:spPr>
+          <a:xfrm>
+            <a:off x="7596336" y="3472"/>
+            <a:ext cx="1066800" cy="329184"/>
+          </a:xfrm>
+        </p:spPr>
         <p:txBody>
           <a:bodyPr/>
           <a:lstStyle/>
@@ -16683,14 +18389,691 @@
               <a:pPr/>
               <a:t>30</a:t>
             </a:fld>
-            <a:endParaRPr lang="fr-FR"/>
+            <a:endParaRPr lang="fr-FR" dirty="0"/>
+          </a:p>
+        </p:txBody>
+      </p:sp>
+      <p:sp>
+        <p:nvSpPr>
+          <p:cNvPr id="8" name="Rectangle 7"/>
+          <p:cNvSpPr/>
+          <p:nvPr/>
+        </p:nvSpPr>
+        <p:spPr>
+          <a:xfrm>
+            <a:off x="251520" y="1506670"/>
+            <a:ext cx="4032448" cy="5162690"/>
+          </a:xfrm>
+          <a:prstGeom prst="rect">
+            <a:avLst/>
+          </a:prstGeom>
+          <a:solidFill>
+            <a:schemeClr val="bg1">
+              <a:lumMod val="95000"/>
+            </a:schemeClr>
+          </a:solidFill>
+        </p:spPr>
+        <p:style>
+          <a:lnRef idx="3">
+            <a:schemeClr val="lt1"/>
+          </a:lnRef>
+          <a:fillRef idx="1">
+            <a:schemeClr val="accent6"/>
+          </a:fillRef>
+          <a:effectRef idx="1">
+            <a:schemeClr val="accent6"/>
+          </a:effectRef>
+          <a:fontRef idx="minor">
+            <a:schemeClr val="lt1"/>
+          </a:fontRef>
+        </p:style>
+        <p:txBody>
+          <a:bodyPr rtlCol="0" anchor="ctr"/>
+          <a:lstStyle/>
+          <a:p>
+            <a:pPr marL="182880" lvl="0" indent="-182880">
+              <a:spcBef>
+                <a:spcPct val="20000"/>
+              </a:spcBef>
+              <a:buClr>
+                <a:srgbClr val="629DD1"/>
+              </a:buClr>
+              <a:buSzPct val="85000"/>
+              <a:buFont typeface="Arial" pitchFamily="34" charset="0"/>
+              <a:buChar char="•"/>
+            </a:pPr>
+            <a:r>
+              <a:rPr lang="fr-FR" sz="2400" b="1" dirty="0">
+                <a:solidFill>
+                  <a:prstClr val="black"/>
+                </a:solidFill>
+              </a:rPr>
+              <a:t>Impact des dimensions sociales sur la stratégies de </a:t>
+            </a:r>
+            <a:r>
+              <a:rPr lang="fr-FR" sz="2400" b="1" dirty="0" smtClean="0">
+                <a:solidFill>
+                  <a:prstClr val="black"/>
+                </a:solidFill>
+              </a:rPr>
+              <a:t>dialogue:</a:t>
+            </a:r>
+          </a:p>
+          <a:p>
+            <a:pPr marL="182880" lvl="0" indent="-182880">
+              <a:spcBef>
+                <a:spcPct val="20000"/>
+              </a:spcBef>
+              <a:buClr>
+                <a:srgbClr val="629DD1"/>
+              </a:buClr>
+              <a:buSzPct val="85000"/>
+              <a:buFont typeface="Arial" pitchFamily="34" charset="0"/>
+              <a:buChar char="•"/>
+            </a:pPr>
+            <a:endParaRPr lang="fr-FR" sz="2400" b="1" dirty="0" smtClean="0">
+              <a:solidFill>
+                <a:prstClr val="black"/>
+              </a:solidFill>
+            </a:endParaRPr>
+          </a:p>
+          <a:p>
+            <a:pPr lvl="1" indent="-182880">
+              <a:spcBef>
+                <a:spcPct val="20000"/>
+              </a:spcBef>
+              <a:buClr>
+                <a:srgbClr val="629DD1"/>
+              </a:buClr>
+              <a:buSzPct val="85000"/>
+              <a:buFont typeface="Arial" pitchFamily="34" charset="0"/>
+              <a:buChar char="•"/>
+            </a:pPr>
+            <a:r>
+              <a:rPr lang="fr-FR" sz="2000" b="1" i="1" dirty="0">
+                <a:solidFill>
+                  <a:prstClr val="black"/>
+                </a:solidFill>
+              </a:rPr>
+              <a:t>2 </a:t>
+            </a:r>
+            <a:r>
+              <a:rPr lang="fr-FR" sz="2000" b="1" i="1" dirty="0" smtClean="0">
+                <a:solidFill>
+                  <a:prstClr val="black"/>
+                </a:solidFill>
+              </a:rPr>
+              <a:t>conditions </a:t>
+            </a:r>
+            <a:r>
+              <a:rPr lang="fr-FR" sz="2000" b="1" dirty="0">
+                <a:solidFill>
+                  <a:prstClr val="black"/>
+                </a:solidFill>
+              </a:rPr>
+              <a:t>: </a:t>
+            </a:r>
+            <a:endParaRPr lang="fr-FR" sz="2000" b="1" dirty="0" smtClean="0">
+              <a:solidFill>
+                <a:prstClr val="black"/>
+              </a:solidFill>
+            </a:endParaRPr>
+          </a:p>
+          <a:p>
+            <a:pPr lvl="2" indent="-182880">
+              <a:spcBef>
+                <a:spcPct val="20000"/>
+              </a:spcBef>
+              <a:buClr>
+                <a:srgbClr val="629DD1"/>
+              </a:buClr>
+              <a:buSzPct val="85000"/>
+              <a:buFont typeface="Arial" pitchFamily="34" charset="0"/>
+              <a:buChar char="•"/>
+            </a:pPr>
+            <a:r>
+              <a:rPr lang="fr-FR" sz="2000" dirty="0" smtClean="0">
+                <a:solidFill>
+                  <a:prstClr val="black"/>
+                </a:solidFill>
+              </a:rPr>
+              <a:t>avec </a:t>
+            </a:r>
+            <a:r>
+              <a:rPr lang="fr-FR" sz="2000" dirty="0">
+                <a:solidFill>
+                  <a:prstClr val="black"/>
+                </a:solidFill>
+              </a:rPr>
+              <a:t>ou sans relation interpersonnelle dans le choix de la prochaine </a:t>
+            </a:r>
+            <a:r>
+              <a:rPr lang="fr-FR" sz="2000" dirty="0" err="1" smtClean="0">
+                <a:solidFill>
+                  <a:prstClr val="black"/>
+                </a:solidFill>
+              </a:rPr>
+              <a:t>utterance</a:t>
+            </a:r>
+            <a:r>
+              <a:rPr lang="fr-FR" sz="2000" dirty="0" smtClean="0">
+                <a:solidFill>
+                  <a:prstClr val="black"/>
+                </a:solidFill>
+              </a:rPr>
+              <a:t>.</a:t>
+            </a:r>
+          </a:p>
+          <a:p>
+            <a:pPr lvl="1" indent="-182880">
+              <a:spcBef>
+                <a:spcPct val="20000"/>
+              </a:spcBef>
+              <a:buClr>
+                <a:srgbClr val="629DD1"/>
+              </a:buClr>
+              <a:buSzPct val="85000"/>
+              <a:buFont typeface="Arial" pitchFamily="34" charset="0"/>
+              <a:buChar char="•"/>
+            </a:pPr>
+            <a:r>
+              <a:rPr lang="fr-FR" sz="2000" b="1" i="1" dirty="0">
+                <a:solidFill>
+                  <a:prstClr val="black"/>
+                </a:solidFill>
+              </a:rPr>
+              <a:t>Hypothèses:</a:t>
+            </a:r>
+            <a:endParaRPr lang="fr-FR" sz="2000" b="1" i="1" dirty="0">
+              <a:solidFill>
+                <a:prstClr val="black"/>
+              </a:solidFill>
+            </a:endParaRPr>
+          </a:p>
+          <a:p>
+            <a:pPr lvl="2" indent="-182880">
+              <a:spcBef>
+                <a:spcPct val="20000"/>
+              </a:spcBef>
+              <a:buClr>
+                <a:srgbClr val="629DD1"/>
+              </a:buClr>
+              <a:buSzPct val="85000"/>
+              <a:buFont typeface="Arial" pitchFamily="34" charset="0"/>
+              <a:buChar char="•"/>
+            </a:pPr>
+            <a:r>
+              <a:rPr lang="fr-FR" sz="2000" dirty="0">
+                <a:solidFill>
+                  <a:prstClr val="black"/>
+                </a:solidFill>
+              </a:rPr>
+              <a:t>H1 </a:t>
+            </a:r>
+            <a:r>
+              <a:rPr lang="fr-FR" sz="2000" dirty="0">
+                <a:solidFill>
+                  <a:prstClr val="black"/>
+                </a:solidFill>
+                <a:sym typeface="Wingdings" panose="05000000000000000000" pitchFamily="2" charset="2"/>
+              </a:rPr>
+              <a:t></a:t>
+            </a:r>
+            <a:r>
+              <a:rPr lang="fr-FR" sz="2000" dirty="0">
+                <a:solidFill>
+                  <a:prstClr val="black"/>
+                </a:solidFill>
+              </a:rPr>
+              <a:t> plus agréable</a:t>
+            </a:r>
+          </a:p>
+          <a:p>
+            <a:pPr lvl="2" indent="-182880">
+              <a:spcBef>
+                <a:spcPct val="20000"/>
+              </a:spcBef>
+              <a:buClr>
+                <a:srgbClr val="629DD1"/>
+              </a:buClr>
+              <a:buSzPct val="85000"/>
+              <a:buFont typeface="Arial" pitchFamily="34" charset="0"/>
+              <a:buChar char="•"/>
+            </a:pPr>
+            <a:r>
+              <a:rPr lang="fr-FR" sz="2000" dirty="0">
+                <a:solidFill>
+                  <a:prstClr val="black"/>
+                </a:solidFill>
+              </a:rPr>
+              <a:t>H2 </a:t>
+            </a:r>
+            <a:r>
+              <a:rPr lang="fr-FR" sz="2000" dirty="0">
+                <a:solidFill>
+                  <a:prstClr val="black"/>
+                </a:solidFill>
+                <a:sym typeface="Wingdings" panose="05000000000000000000" pitchFamily="2" charset="2"/>
+              </a:rPr>
+              <a:t></a:t>
+            </a:r>
+            <a:r>
+              <a:rPr lang="fr-FR" sz="2000" dirty="0">
+                <a:solidFill>
+                  <a:prstClr val="black"/>
+                </a:solidFill>
+              </a:rPr>
+              <a:t> plus rapide à </a:t>
+            </a:r>
+            <a:r>
+              <a:rPr lang="fr-FR" sz="2000" dirty="0" smtClean="0">
+                <a:solidFill>
+                  <a:prstClr val="black"/>
+                </a:solidFill>
+              </a:rPr>
+              <a:t>converger</a:t>
+            </a:r>
+            <a:endParaRPr lang="fr-FR" sz="2400" b="1" dirty="0" smtClean="0">
+              <a:solidFill>
+                <a:prstClr val="black"/>
+              </a:solidFill>
+            </a:endParaRPr>
+          </a:p>
+          <a:p>
+            <a:pPr algn="ctr"/>
+            <a:endParaRPr lang="fr-FR" dirty="0"/>
+          </a:p>
+        </p:txBody>
+      </p:sp>
+      <p:sp>
+        <p:nvSpPr>
+          <p:cNvPr id="9" name="Rectangle 8"/>
+          <p:cNvSpPr/>
+          <p:nvPr/>
+        </p:nvSpPr>
+        <p:spPr>
+          <a:xfrm>
+            <a:off x="4422729" y="1506670"/>
+            <a:ext cx="4536504" cy="5162690"/>
+          </a:xfrm>
+          <a:prstGeom prst="rect">
+            <a:avLst/>
+          </a:prstGeom>
+          <a:solidFill>
+            <a:schemeClr val="bg1">
+              <a:lumMod val="95000"/>
+            </a:schemeClr>
+          </a:solidFill>
+        </p:spPr>
+        <p:style>
+          <a:lnRef idx="3">
+            <a:schemeClr val="lt1"/>
+          </a:lnRef>
+          <a:fillRef idx="1">
+            <a:schemeClr val="accent6"/>
+          </a:fillRef>
+          <a:effectRef idx="1">
+            <a:schemeClr val="accent6"/>
+          </a:effectRef>
+          <a:fontRef idx="minor">
+            <a:schemeClr val="lt1"/>
+          </a:fontRef>
+        </p:style>
+        <p:txBody>
+          <a:bodyPr rtlCol="0" anchor="ctr"/>
+          <a:lstStyle/>
+          <a:p>
+            <a:pPr marL="182880" lvl="0" indent="-182880">
+              <a:spcBef>
+                <a:spcPct val="20000"/>
+              </a:spcBef>
+              <a:buClr>
+                <a:srgbClr val="629DD1"/>
+              </a:buClr>
+              <a:buSzPct val="85000"/>
+              <a:buFont typeface="Arial" pitchFamily="34" charset="0"/>
+              <a:buChar char="•"/>
+            </a:pPr>
+            <a:r>
+              <a:rPr lang="fr-FR" sz="2400" b="1" dirty="0">
+                <a:solidFill>
+                  <a:prstClr val="black"/>
+                </a:solidFill>
+              </a:rPr>
+              <a:t>Personnalité et </a:t>
+            </a:r>
+            <a:r>
+              <a:rPr lang="fr-FR" sz="2400" b="1" dirty="0" smtClean="0">
+                <a:solidFill>
+                  <a:prstClr val="black"/>
+                </a:solidFill>
+              </a:rPr>
+              <a:t>RI:</a:t>
+            </a:r>
+          </a:p>
+          <a:p>
+            <a:pPr marL="182880" lvl="0" indent="-182880">
+              <a:spcBef>
+                <a:spcPct val="20000"/>
+              </a:spcBef>
+              <a:buClr>
+                <a:srgbClr val="629DD1"/>
+              </a:buClr>
+              <a:buSzPct val="85000"/>
+              <a:buFont typeface="Arial" pitchFamily="34" charset="0"/>
+              <a:buChar char="•"/>
+            </a:pPr>
+            <a:r>
+              <a:rPr lang="fr-FR" dirty="0" smtClean="0">
+                <a:solidFill>
+                  <a:prstClr val="black"/>
+                </a:solidFill>
+              </a:rPr>
+              <a:t> </a:t>
+            </a:r>
+            <a:r>
+              <a:rPr lang="fr-FR" dirty="0">
+                <a:solidFill>
+                  <a:prstClr val="black"/>
+                </a:solidFill>
+              </a:rPr>
+              <a:t>personnalité + rôle social affecte la RI</a:t>
+            </a:r>
+          </a:p>
+          <a:p>
+            <a:pPr lvl="1" indent="-182880">
+              <a:spcBef>
+                <a:spcPct val="20000"/>
+              </a:spcBef>
+              <a:buClr>
+                <a:srgbClr val="629DD1"/>
+              </a:buClr>
+              <a:buSzPct val="85000"/>
+              <a:buFont typeface="Arial" pitchFamily="34" charset="0"/>
+              <a:buChar char="•"/>
+            </a:pPr>
+            <a:r>
+              <a:rPr lang="fr-FR" sz="2000" b="1" i="1" dirty="0">
+                <a:solidFill>
+                  <a:prstClr val="black"/>
+                </a:solidFill>
+              </a:rPr>
+              <a:t>2 conditions: </a:t>
+            </a:r>
+            <a:endParaRPr lang="fr-FR" sz="2000" b="1" i="1" dirty="0" smtClean="0">
+              <a:solidFill>
+                <a:prstClr val="black"/>
+              </a:solidFill>
+            </a:endParaRPr>
+          </a:p>
+          <a:p>
+            <a:pPr lvl="2" indent="-182880">
+              <a:spcBef>
+                <a:spcPct val="20000"/>
+              </a:spcBef>
+              <a:buClr>
+                <a:srgbClr val="629DD1"/>
+              </a:buClr>
+              <a:buSzPct val="85000"/>
+              <a:buFont typeface="Arial" pitchFamily="34" charset="0"/>
+              <a:buChar char="•"/>
+            </a:pPr>
+            <a:r>
+              <a:rPr lang="fr-FR" sz="2000" dirty="0" smtClean="0">
+                <a:solidFill>
+                  <a:prstClr val="black"/>
+                </a:solidFill>
+              </a:rPr>
+              <a:t>comportement neutre</a:t>
+            </a:r>
+          </a:p>
+          <a:p>
+            <a:pPr lvl="2" indent="-182880">
+              <a:spcBef>
+                <a:spcPct val="20000"/>
+              </a:spcBef>
+              <a:buClr>
+                <a:srgbClr val="629DD1"/>
+              </a:buClr>
+              <a:buSzPct val="85000"/>
+              <a:buFont typeface="Arial" pitchFamily="34" charset="0"/>
+              <a:buChar char="•"/>
+            </a:pPr>
+            <a:r>
+              <a:rPr lang="fr-FR" sz="2000" dirty="0" smtClean="0">
+                <a:solidFill>
+                  <a:prstClr val="black"/>
+                </a:solidFill>
+              </a:rPr>
+              <a:t> </a:t>
+            </a:r>
+            <a:r>
+              <a:rPr lang="fr-FR" sz="2000" dirty="0">
+                <a:solidFill>
+                  <a:prstClr val="black"/>
+                </a:solidFill>
+              </a:rPr>
+              <a:t>adaptation à la RI perçue en fonction des réponses de l’utilisateur (</a:t>
+            </a:r>
+            <a:r>
+              <a:rPr lang="fr-FR" sz="2000" dirty="0" err="1">
+                <a:solidFill>
+                  <a:prstClr val="black"/>
+                </a:solidFill>
+              </a:rPr>
+              <a:t>ToM</a:t>
+            </a:r>
+            <a:r>
+              <a:rPr lang="fr-FR" sz="2000" dirty="0">
+                <a:solidFill>
+                  <a:prstClr val="black"/>
+                </a:solidFill>
+              </a:rPr>
+              <a:t>)</a:t>
+            </a:r>
+          </a:p>
+          <a:p>
+            <a:pPr lvl="1" indent="-182880">
+              <a:spcBef>
+                <a:spcPct val="20000"/>
+              </a:spcBef>
+              <a:buClr>
+                <a:srgbClr val="629DD1"/>
+              </a:buClr>
+              <a:buSzPct val="85000"/>
+              <a:buFont typeface="Arial" pitchFamily="34" charset="0"/>
+              <a:buChar char="•"/>
+            </a:pPr>
+            <a:r>
+              <a:rPr lang="fr-FR" sz="2000" b="1" i="1" dirty="0">
+                <a:solidFill>
+                  <a:prstClr val="black"/>
+                </a:solidFill>
+              </a:rPr>
+              <a:t>Questionnaire de personnalité</a:t>
+            </a:r>
+          </a:p>
+          <a:p>
+            <a:pPr marL="731520" lvl="2" indent="-182880">
+              <a:spcBef>
+                <a:spcPct val="20000"/>
+              </a:spcBef>
+              <a:buClr>
+                <a:srgbClr val="629DD1"/>
+              </a:buClr>
+              <a:buSzPct val="90000"/>
+              <a:buFont typeface="Arial" pitchFamily="34" charset="0"/>
+              <a:buChar char="•"/>
+            </a:pPr>
+            <a:r>
+              <a:rPr lang="fr-FR" b="1" dirty="0">
+                <a:solidFill>
+                  <a:schemeClr val="accent2">
+                    <a:lumMod val="50000"/>
+                  </a:schemeClr>
+                </a:solidFill>
+              </a:rPr>
+              <a:t>Utilisateur</a:t>
+            </a:r>
+            <a:r>
+              <a:rPr lang="fr-FR" dirty="0">
+                <a:solidFill>
+                  <a:prstClr val="black"/>
+                </a:solidFill>
+              </a:rPr>
+              <a:t>: </a:t>
+            </a:r>
+            <a:endParaRPr lang="fr-FR" dirty="0" smtClean="0">
+              <a:solidFill>
+                <a:prstClr val="black"/>
+              </a:solidFill>
+            </a:endParaRPr>
+          </a:p>
+          <a:p>
+            <a:pPr marL="548640" lvl="2">
+              <a:spcBef>
+                <a:spcPct val="20000"/>
+              </a:spcBef>
+              <a:buClr>
+                <a:srgbClr val="629DD1"/>
+              </a:buClr>
+              <a:buSzPct val="90000"/>
+            </a:pPr>
+            <a:r>
+              <a:rPr lang="fr-FR" dirty="0" smtClean="0">
+                <a:solidFill>
+                  <a:prstClr val="black"/>
+                </a:solidFill>
+              </a:rPr>
+              <a:t>H3 </a:t>
+            </a:r>
+            <a:r>
+              <a:rPr lang="fr-FR" dirty="0">
+                <a:solidFill>
+                  <a:prstClr val="black"/>
+                </a:solidFill>
+                <a:sym typeface="Wingdings" panose="05000000000000000000" pitchFamily="2" charset="2"/>
+              </a:rPr>
+              <a:t> </a:t>
+            </a:r>
+            <a:r>
+              <a:rPr lang="fr-FR" dirty="0">
+                <a:solidFill>
+                  <a:prstClr val="black"/>
+                </a:solidFill>
+              </a:rPr>
+              <a:t>est-ce que la RI détectée par l’agent correspond à la </a:t>
+            </a:r>
+            <a:r>
+              <a:rPr lang="fr-FR" dirty="0" smtClean="0">
+                <a:solidFill>
+                  <a:prstClr val="black"/>
+                </a:solidFill>
+              </a:rPr>
+              <a:t>personnalité.</a:t>
+            </a:r>
+            <a:endParaRPr lang="fr-FR" dirty="0">
+              <a:solidFill>
+                <a:prstClr val="black"/>
+              </a:solidFill>
+            </a:endParaRPr>
+          </a:p>
+          <a:p>
+            <a:pPr marL="731520" lvl="2" indent="-182880">
+              <a:spcBef>
+                <a:spcPct val="20000"/>
+              </a:spcBef>
+              <a:buClr>
+                <a:srgbClr val="629DD1"/>
+              </a:buClr>
+              <a:buSzPct val="90000"/>
+              <a:buFont typeface="Arial" pitchFamily="34" charset="0"/>
+              <a:buChar char="•"/>
+            </a:pPr>
+            <a:r>
+              <a:rPr lang="fr-FR" b="1" dirty="0">
+                <a:solidFill>
+                  <a:schemeClr val="accent2">
+                    <a:lumMod val="50000"/>
+                  </a:schemeClr>
+                </a:solidFill>
+              </a:rPr>
+              <a:t>De l’agent </a:t>
+            </a:r>
+            <a:r>
+              <a:rPr lang="fr-FR" dirty="0">
+                <a:solidFill>
+                  <a:schemeClr val="accent2">
+                    <a:lumMod val="50000"/>
+                  </a:schemeClr>
+                </a:solidFill>
+              </a:rPr>
+              <a:t>(rempli par l’utilisateur</a:t>
+            </a:r>
+            <a:r>
+              <a:rPr lang="fr-FR" dirty="0" smtClean="0">
+                <a:solidFill>
+                  <a:schemeClr val="accent2">
+                    <a:lumMod val="50000"/>
+                  </a:schemeClr>
+                </a:solidFill>
+              </a:rPr>
+              <a:t>)</a:t>
+            </a:r>
+            <a:r>
+              <a:rPr lang="fr-FR" b="1" dirty="0" smtClean="0">
+                <a:solidFill>
+                  <a:schemeClr val="accent2">
+                    <a:lumMod val="50000"/>
+                  </a:schemeClr>
+                </a:solidFill>
+              </a:rPr>
+              <a:t>:</a:t>
+            </a:r>
+          </a:p>
+          <a:p>
+            <a:pPr marL="548640" lvl="2">
+              <a:spcBef>
+                <a:spcPct val="20000"/>
+              </a:spcBef>
+              <a:buClr>
+                <a:srgbClr val="629DD1"/>
+              </a:buClr>
+              <a:buSzPct val="90000"/>
+            </a:pPr>
+            <a:r>
+              <a:rPr lang="fr-FR" dirty="0" smtClean="0">
+                <a:solidFill>
+                  <a:prstClr val="black"/>
+                </a:solidFill>
+              </a:rPr>
+              <a:t>H4 </a:t>
+            </a:r>
+            <a:r>
+              <a:rPr lang="fr-FR" dirty="0">
+                <a:solidFill>
+                  <a:prstClr val="black"/>
+                </a:solidFill>
+                <a:sym typeface="Wingdings" panose="05000000000000000000" pitchFamily="2" charset="2"/>
+              </a:rPr>
+              <a:t> l’utilisateur a perçu correctement la RI exprimée par l’agent</a:t>
+            </a:r>
+            <a:endParaRPr lang="fr-FR" dirty="0">
+              <a:solidFill>
+                <a:prstClr val="black"/>
+              </a:solidFill>
+            </a:endParaRPr>
+          </a:p>
+          <a:p>
+            <a:pPr algn="ctr"/>
+            <a:endParaRPr lang="fr-FR" dirty="0"/>
           </a:p>
         </p:txBody>
       </p:sp>
     </p:spTree>
     <p:extLst>
       <p:ext uri="{BB962C8B-B14F-4D97-AF65-F5344CB8AC3E}">
-        <p14:creationId xmlns:p14="http://schemas.microsoft.com/office/powerpoint/2010/main" val="420239574"/>
+        <p14:creationId xmlns:p14="http://schemas.microsoft.com/office/powerpoint/2010/main" val="2089832362"/>
       </p:ext>
     </p:extLst>
   </p:cSld>
@@ -16858,8 +19241,12 @@
               <a:t>Essor des travaux sur le comportement sociaux des ACA. [</a:t>
             </a:r>
             <a:r>
+              <a:rPr lang="fr-FR" sz="2000" dirty="0" err="1" smtClean="0"/>
+              <a:t>Bickmore</a:t>
+            </a:r>
+            <a:r>
               <a:rPr lang="fr-FR" sz="2000" dirty="0" smtClean="0"/>
-              <a:t>Bickmore2002</a:t>
+              <a:t>, 2002</a:t>
             </a:r>
             <a:r>
               <a:rPr lang="fr-FR" sz="2800" dirty="0" smtClean="0"/>
@@ -16872,11 +19259,7 @@
           <a:p>
             <a:r>
               <a:rPr lang="fr-FR" sz="2800" b="1" dirty="0" smtClean="0"/>
-              <a:t>Intérêt</a:t>
-            </a:r>
-            <a:r>
-              <a:rPr lang="fr-FR" sz="2800" dirty="0" smtClean="0"/>
-              <a:t> </a:t>
+              <a:t>Intérêts</a:t>
             </a:r>
             <a:r>
               <a:rPr lang="fr-FR" dirty="0" smtClean="0"/>
@@ -17313,44 +19696,6 @@
               <a:t>5</a:t>
             </a:fld>
             <a:endParaRPr lang="fr-FR"/>
-          </a:p>
-        </p:txBody>
-      </p:sp>
-      <p:sp>
-        <p:nvSpPr>
-          <p:cNvPr id="14" name="ZoneTexte 13"/>
-          <p:cNvSpPr txBox="1"/>
-          <p:nvPr/>
-        </p:nvSpPr>
-        <p:spPr>
-          <a:xfrm>
-            <a:off x="91386" y="0"/>
-            <a:ext cx="1577676" cy="400110"/>
-          </a:xfrm>
-          <a:prstGeom prst="rect">
-            <a:avLst/>
-          </a:prstGeom>
-          <a:noFill/>
-        </p:spPr>
-        <p:txBody>
-          <a:bodyPr wrap="none" rtlCol="0">
-            <a:spAutoFit/>
-          </a:bodyPr>
-          <a:lstStyle/>
-          <a:p>
-            <a:r>
-              <a:rPr lang="fr-FR" sz="2000" b="1" dirty="0" smtClean="0">
-                <a:solidFill>
-                  <a:schemeClr val="bg1"/>
-                </a:solidFill>
-              </a:rPr>
-              <a:t>Etat de l’art</a:t>
-            </a:r>
-            <a:endParaRPr lang="fr-FR" sz="2000" b="1" dirty="0">
-              <a:solidFill>
-                <a:schemeClr val="bg1"/>
-              </a:solidFill>
-            </a:endParaRPr>
           </a:p>
         </p:txBody>
       </p:sp>
@@ -17504,7 +19849,7 @@
             <a:pPr algn="ctr"/>
             <a:r>
               <a:rPr lang="fr-FR" dirty="0" smtClean="0"/>
-              <a:t>Stratégies de dialogues</a:t>
+              <a:t>Stratégie de dialogue</a:t>
             </a:r>
             <a:endParaRPr lang="fr-FR" dirty="0"/>
           </a:p>
@@ -17546,9 +19891,42 @@
             <a:pPr algn="ctr"/>
             <a:r>
               <a:rPr lang="fr-FR" dirty="0" smtClean="0"/>
-              <a:t>Stratégies de dialogues</a:t>
+              <a:t>Stratégie de dialogue</a:t>
             </a:r>
             <a:endParaRPr lang="fr-FR" dirty="0"/>
+          </a:p>
+        </p:txBody>
+      </p:sp>
+      <p:sp>
+        <p:nvSpPr>
+          <p:cNvPr id="15" name="ZoneTexte 14"/>
+          <p:cNvSpPr txBox="1"/>
+          <p:nvPr/>
+        </p:nvSpPr>
+        <p:spPr>
+          <a:xfrm>
+            <a:off x="91386" y="0"/>
+            <a:ext cx="3087705" cy="400110"/>
+          </a:xfrm>
+          <a:prstGeom prst="rect">
+            <a:avLst/>
+          </a:prstGeom>
+          <a:noFill/>
+        </p:spPr>
+        <p:txBody>
+          <a:bodyPr wrap="none" rtlCol="0">
+            <a:spAutoFit/>
+          </a:bodyPr>
+          <a:lstStyle/>
+          <a:p>
+            <a:r>
+              <a:rPr lang="fr-FR" sz="2000" b="1" dirty="0">
+                <a:solidFill>
+                  <a:schemeClr val="bg1"/>
+                </a:solidFill>
+              </a:rPr>
+              <a:t>Contexte et motivation  </a:t>
+            </a:r>
           </a:p>
         </p:txBody>
       </p:sp>
@@ -18463,11 +20841,7 @@
             </a:r>
             <a:r>
               <a:rPr lang="fr-FR" sz="3100" dirty="0" smtClean="0"/>
-              <a:t>les relations </a:t>
-            </a:r>
-            <a:r>
-              <a:rPr lang="fr-FR" sz="3100" dirty="0" smtClean="0"/>
-              <a:t>interpersonnelles dans le dialogue</a:t>
+              <a:t>les relations interpersonnelles dans le dialogue</a:t>
             </a:r>
             <a:endParaRPr lang="fr-FR" sz="3100" dirty="0"/>
           </a:p>
@@ -18631,7 +21005,35 @@
                   <a:schemeClr val="dk1"/>
                 </a:solidFill>
               </a:rPr>
-              <a:t>(Kidd CD,08) :  </a:t>
+              <a:t>(Kidd </a:t>
+            </a:r>
+            <a:r>
+              <a:rPr lang="fr-FR" dirty="0" smtClean="0">
+                <a:solidFill>
+                  <a:schemeClr val="dk1"/>
+                </a:solidFill>
+              </a:rPr>
+              <a:t>CD,2008</a:t>
+            </a:r>
+            <a:r>
+              <a:rPr lang="fr-FR" dirty="0">
+                <a:solidFill>
+                  <a:schemeClr val="dk1"/>
+                </a:solidFill>
+              </a:rPr>
+              <a:t>) :  </a:t>
+            </a:r>
+            <a:r>
+              <a:rPr lang="fr-FR" sz="2000" dirty="0"/>
+              <a:t>C</a:t>
+            </a:r>
+            <a:r>
+              <a:rPr lang="fr-FR" sz="2000" dirty="0" smtClean="0">
+                <a:solidFill>
+                  <a:schemeClr val="dk1"/>
+                </a:solidFill>
+              </a:rPr>
+              <a:t>onseiller </a:t>
             </a:r>
             <a:r>
               <a:rPr lang="fr-FR" sz="2000" dirty="0">
@@ -18639,7 +21041,7 @@
                   <a:schemeClr val="dk1"/>
                 </a:solidFill>
               </a:rPr>
-              <a:t>un conseiller en perte de poids placé dans le domicile des utilisateurs</a:t>
+              <a:t>en perte de poids placé dans le domicile des utilisateurs</a:t>
             </a:r>
             <a:endParaRPr lang="fr-FR" dirty="0">
               <a:solidFill>
@@ -18746,7 +21148,11 @@
             </a:r>
             <a:r>
               <a:rPr lang="fr-FR" dirty="0"/>
-              <a:t> ,02</a:t>
+              <a:t> </a:t>
+            </a:r>
+            <a:r>
+              <a:rPr lang="fr-FR" dirty="0" smtClean="0"/>
+              <a:t>,2002</a:t>
             </a:r>
             <a:r>
               <a:rPr lang="fr-FR" dirty="0"/>
@@ -18809,12 +21215,12 @@
           <a:lstStyle/>
           <a:p>
             <a:r>
-              <a:rPr lang="fr-FR" sz="2000" b="1" dirty="0" err="1" smtClean="0"/>
+              <a:rPr lang="fr-FR" sz="2400" b="1" dirty="0" err="1" smtClean="0"/>
               <a:t>AlwaysOn</a:t>
             </a:r>
             <a:r>
               <a:rPr lang="fr-FR" dirty="0" smtClean="0"/>
-              <a:t>(Rich,13):</a:t>
+              <a:t>(Rich,2013):</a:t>
             </a:r>
             <a:r>
               <a:rPr lang="fr-FR" sz="2000" b="1" dirty="0" smtClean="0"/>
@@ -18900,20 +21306,20 @@
           <a:lstStyle/>
           <a:p>
             <a:r>
-              <a:rPr lang="fr-FR" sz="2000" b="1" dirty="0" err="1"/>
+              <a:rPr lang="fr-FR" sz="2400" b="1" dirty="0" err="1"/>
               <a:t>FitTrack</a:t>
             </a:r>
             <a:r>
-              <a:rPr lang="fr-FR" sz="2000" b="1" dirty="0"/>
+              <a:rPr lang="fr-FR" sz="2400" b="1" dirty="0"/>
               <a:t> </a:t>
             </a:r>
             <a:r>
               <a:rPr lang="fr-FR" dirty="0"/>
-              <a:t>(Bickmore,06</a:t>
+              <a:t>(</a:t>
             </a:r>
             <a:r>
               <a:rPr lang="fr-FR" dirty="0" smtClean="0"/>
-              <a:t>):</a:t>
+              <a:t>Bickmore,2006):</a:t>
             </a:r>
             <a:r>
               <a:rPr lang="fr-FR" sz="2000" b="1" dirty="0" smtClean="0"/>
@@ -18921,7 +21327,11 @@
             </a:r>
             <a:r>
               <a:rPr lang="fr-FR" sz="2000" dirty="0"/>
-              <a:t>conseiller </a:t>
+              <a:t>C</a:t>
+            </a:r>
+            <a:r>
+              <a:rPr lang="fr-FR" sz="2000" dirty="0" smtClean="0"/>
+              <a:t>onseiller </a:t>
             </a:r>
             <a:r>
               <a:rPr lang="fr-FR" sz="2000" dirty="0"/>
@@ -19021,11 +21431,7 @@
           <a:p>
             <a:r>
               <a:rPr lang="fr-FR" dirty="0" smtClean="0"/>
-              <a:t>Dimensions des </a:t>
-            </a:r>
-            <a:r>
-              <a:rPr lang="fr-FR" dirty="0" smtClean="0"/>
-              <a:t>relations interpersonnelles </a:t>
+              <a:t>Dimensions des relations interpersonnelles </a:t>
             </a:r>
             <a:r>
               <a:rPr lang="fr-FR" sz="2700" dirty="0"/>
@@ -19040,50 +21446,6 @@
               <a:t>, 1998)</a:t>
             </a:r>
             <a:endParaRPr lang="fr-FR" sz="2700" dirty="0"/>
-          </a:p>
-        </p:txBody>
-      </p:sp>
-      <p:sp>
-        <p:nvSpPr>
-          <p:cNvPr id="3" name="Espace réservé du contenu 2"/>
-          <p:cNvSpPr>
-            <a:spLocks noGrp="1"/>
-          </p:cNvSpPr>
-          <p:nvPr>
-            <p:ph idx="1"/>
-          </p:nvPr>
-        </p:nvSpPr>
-        <p:spPr>
-          <a:xfrm>
-            <a:off x="786408" y="5805264"/>
-            <a:ext cx="8291264" cy="864096"/>
-          </a:xfrm>
-        </p:spPr>
-        <p:txBody>
-          <a:bodyPr>
-            <a:normAutofit fontScale="92500"/>
-          </a:bodyPr>
-          <a:lstStyle/>
-          <a:p>
-            <a:pPr marL="0" indent="0">
-              <a:buNone/>
-            </a:pPr>
-            <a:r>
-              <a:rPr lang="fr-FR" i="1" dirty="0" smtClean="0"/>
-              <a:t>Les relations sociales sont l’ensemble des activités que deux interlocuteurs s’engagent à réaliser ensemble. </a:t>
-            </a:r>
-            <a:r>
-              <a:rPr lang="fr-FR" sz="1900" i="1" dirty="0" smtClean="0"/>
-              <a:t>(</a:t>
-            </a:r>
-            <a:r>
-              <a:rPr lang="fr-FR" sz="1900" i="1" dirty="0" err="1" smtClean="0"/>
-              <a:t>Bickmore</a:t>
-            </a:r>
-            <a:r>
-              <a:rPr lang="fr-FR" sz="1900" i="1" dirty="0" smtClean="0"/>
-              <a:t>, 2012)</a:t>
-            </a:r>
           </a:p>
         </p:txBody>
       </p:sp>
@@ -19099,7 +21461,7 @@
         </p:nvSpPr>
         <p:spPr>
           <a:xfrm>
-            <a:off x="2758413" y="1889043"/>
+            <a:off x="2758413" y="2081403"/>
             <a:ext cx="1066800" cy="329184"/>
           </a:xfrm>
         </p:spPr>
@@ -19124,7 +21486,7 @@
         </p:nvSpPr>
         <p:spPr>
           <a:xfrm>
-            <a:off x="627924" y="1987387"/>
+            <a:off x="627924" y="2179747"/>
             <a:ext cx="7704856" cy="3672408"/>
           </a:xfrm>
           <a:prstGeom prst="rect">
@@ -19162,7 +21524,7 @@
         </p:nvGrpSpPr>
         <p:grpSpPr>
           <a:xfrm>
-            <a:off x="809073" y="2276872"/>
+            <a:off x="809073" y="2469232"/>
             <a:ext cx="3312366" cy="1440160"/>
             <a:chOff x="5904148" y="3358445"/>
             <a:chExt cx="1512168" cy="1440160"/>
@@ -19258,7 +21620,7 @@
             <a:p>
               <a:pPr algn="ctr"/>
               <a:r>
-                <a:rPr lang="fr-FR" dirty="0" smtClean="0"/>
+                <a:rPr lang="fr-FR" sz="2000" dirty="0" smtClean="0"/>
                 <a:t>Dominance</a:t>
               </a:r>
               <a:endParaRPr lang="fr-FR" dirty="0"/>
@@ -19274,7 +21636,7 @@
         </p:nvGrpSpPr>
         <p:grpSpPr>
           <a:xfrm>
-            <a:off x="4788023" y="2276872"/>
+            <a:off x="4788023" y="2469232"/>
             <a:ext cx="3312367" cy="1440160"/>
             <a:chOff x="4608004" y="3358445"/>
             <a:chExt cx="2664296" cy="1440160"/>
@@ -19326,7 +21688,7 @@
               <a:pPr algn="ctr"/>
               <a:r>
                 <a:rPr lang="fr-FR" dirty="0" smtClean="0"/>
-                <a:t> (culture, obligations, comportement)</a:t>
+                <a:t> (culture, obligations, comportements)</a:t>
               </a:r>
               <a:endParaRPr lang="fr-FR" dirty="0"/>
             </a:p>
@@ -19377,7 +21739,7 @@
             <a:p>
               <a:pPr algn="ctr"/>
               <a:r>
-                <a:rPr lang="fr-FR" dirty="0" smtClean="0"/>
+                <a:rPr lang="fr-FR" sz="2000" dirty="0" smtClean="0"/>
                 <a:t>Solidarité</a:t>
               </a:r>
               <a:endParaRPr lang="fr-FR" dirty="0"/>
@@ -19393,7 +21755,7 @@
         </p:nvGrpSpPr>
         <p:grpSpPr>
           <a:xfrm>
-            <a:off x="809072" y="4003611"/>
+            <a:off x="809073" y="4195971"/>
             <a:ext cx="3312366" cy="1441613"/>
             <a:chOff x="5904148" y="3356992"/>
             <a:chExt cx="2229122" cy="1441613"/>
@@ -19498,7 +21860,7 @@
             <a:p>
               <a:pPr algn="ctr"/>
               <a:r>
-                <a:rPr lang="fr-FR" dirty="0" smtClean="0"/>
+                <a:rPr lang="fr-FR" sz="2000" dirty="0" smtClean="0"/>
                 <a:t>Affect</a:t>
               </a:r>
               <a:endParaRPr lang="fr-FR" dirty="0"/>
@@ -19514,7 +21876,7 @@
         </p:nvGrpSpPr>
         <p:grpSpPr>
           <a:xfrm>
-            <a:off x="4788024" y="4003611"/>
+            <a:off x="4788024" y="4195971"/>
             <a:ext cx="3312367" cy="1441613"/>
             <a:chOff x="5904147" y="3356992"/>
             <a:chExt cx="2989379" cy="1441613"/>
@@ -19617,7 +21979,7 @@
             <a:p>
               <a:pPr algn="ctr"/>
               <a:r>
-                <a:rPr lang="fr-FR" dirty="0" smtClean="0"/>
+                <a:rPr lang="fr-FR" sz="2000" dirty="0" smtClean="0"/>
                 <a:t>Familiarité</a:t>
               </a:r>
               <a:endParaRPr lang="fr-FR" dirty="0"/>
@@ -19671,7 +22033,7 @@
         </p:nvSpPr>
         <p:spPr>
           <a:xfrm>
-            <a:off x="809072" y="2276872"/>
+            <a:off x="809072" y="2469232"/>
             <a:ext cx="3312367" cy="1440160"/>
           </a:xfrm>
           <a:prstGeom prst="rect">
@@ -19706,6 +22068,130 @@
           <a:p>
             <a:pPr algn="ctr"/>
             <a:endParaRPr lang="fr-FR"/>
+          </a:p>
+        </p:txBody>
+      </p:sp>
+      <p:sp>
+        <p:nvSpPr>
+          <p:cNvPr id="22" name="Espace réservé du numéro de diapositive 3"/>
+          <p:cNvSpPr txBox="1">
+            <a:spLocks/>
+          </p:cNvSpPr>
+          <p:nvPr/>
+        </p:nvSpPr>
+        <p:spPr>
+          <a:xfrm>
+            <a:off x="7620000" y="18288"/>
+            <a:ext cx="1066800" cy="329184"/>
+          </a:xfrm>
+          <a:prstGeom prst="rect">
+            <a:avLst/>
+          </a:prstGeom>
+        </p:spPr>
+        <p:txBody>
+          <a:bodyPr vert="horz" lIns="91440" tIns="45720" rIns="91440" bIns="45720" rtlCol="0" anchor="ctr"/>
+          <a:lstStyle>
+            <a:defPPr>
+              <a:defRPr lang="fr-FR"/>
+            </a:defPPr>
+            <a:lvl1pPr marL="0" algn="l" defTabSz="914400" rtl="0" eaLnBrk="1" latinLnBrk="0" hangingPunct="1">
+              <a:defRPr sz="1400" b="1" kern="1200">
+                <a:solidFill>
+                  <a:srgbClr val="FFFFFF"/>
+                </a:solidFill>
+                <a:latin typeface="+mn-lt"/>
+                <a:ea typeface="+mn-ea"/>
+                <a:cs typeface="+mn-cs"/>
+              </a:defRPr>
+            </a:lvl1pPr>
+            <a:lvl2pPr marL="457200" algn="l" defTabSz="914400" rtl="0" eaLnBrk="1" latinLnBrk="0" hangingPunct="1">
+              <a:defRPr sz="1800" kern="1200">
+                <a:solidFill>
+                  <a:schemeClr val="tx1"/>
+                </a:solidFill>
+                <a:latin typeface="+mn-lt"/>
+                <a:ea typeface="+mn-ea"/>
+                <a:cs typeface="+mn-cs"/>
+              </a:defRPr>
+            </a:lvl2pPr>
+            <a:lvl3pPr marL="914400" algn="l" defTabSz="914400" rtl="0" eaLnBrk="1" latinLnBrk="0" hangingPunct="1">
+              <a:defRPr sz="1800" kern="1200">
+                <a:solidFill>
+                  <a:schemeClr val="tx1"/>
+                </a:solidFill>
+                <a:latin typeface="+mn-lt"/>
+                <a:ea typeface="+mn-ea"/>
+                <a:cs typeface="+mn-cs"/>
+              </a:defRPr>
+            </a:lvl3pPr>
+            <a:lvl4pPr marL="1371600" algn="l" defTabSz="914400" rtl="0" eaLnBrk="1" latinLnBrk="0" hangingPunct="1">
+              <a:defRPr sz="1800" kern="1200">
+                <a:solidFill>
+                  <a:schemeClr val="tx1"/>
+                </a:solidFill>
+                <a:latin typeface="+mn-lt"/>
+                <a:ea typeface="+mn-ea"/>
+                <a:cs typeface="+mn-cs"/>
+              </a:defRPr>
+            </a:lvl4pPr>
+            <a:lvl5pPr marL="1828800" algn="l" defTabSz="914400" rtl="0" eaLnBrk="1" latinLnBrk="0" hangingPunct="1">
+              <a:defRPr sz="1800" kern="1200">
+                <a:solidFill>
+                  <a:schemeClr val="tx1"/>
+                </a:solidFill>
+                <a:latin typeface="+mn-lt"/>
+                <a:ea typeface="+mn-ea"/>
+                <a:cs typeface="+mn-cs"/>
+              </a:defRPr>
+            </a:lvl5pPr>
+            <a:lvl6pPr marL="2286000" algn="l" defTabSz="914400" rtl="0" eaLnBrk="1" latinLnBrk="0" hangingPunct="1">
+              <a:defRPr sz="1800" kern="1200">
+                <a:solidFill>
+                  <a:schemeClr val="tx1"/>
+                </a:solidFill>
+                <a:latin typeface="+mn-lt"/>
+                <a:ea typeface="+mn-ea"/>
+                <a:cs typeface="+mn-cs"/>
+              </a:defRPr>
+            </a:lvl6pPr>
+            <a:lvl7pPr marL="2743200" algn="l" defTabSz="914400" rtl="0" eaLnBrk="1" latinLnBrk="0" hangingPunct="1">
+              <a:defRPr sz="1800" kern="1200">
+                <a:solidFill>
+                  <a:schemeClr val="tx1"/>
+                </a:solidFill>
+                <a:latin typeface="+mn-lt"/>
+                <a:ea typeface="+mn-ea"/>
+                <a:cs typeface="+mn-cs"/>
+              </a:defRPr>
+            </a:lvl7pPr>
+            <a:lvl8pPr marL="3200400" algn="l" defTabSz="914400" rtl="0" eaLnBrk="1" latinLnBrk="0" hangingPunct="1">
+              <a:defRPr sz="1800" kern="1200">
+                <a:solidFill>
+                  <a:schemeClr val="tx1"/>
+                </a:solidFill>
+                <a:latin typeface="+mn-lt"/>
+                <a:ea typeface="+mn-ea"/>
+                <a:cs typeface="+mn-cs"/>
+              </a:defRPr>
+            </a:lvl8pPr>
+            <a:lvl9pPr marL="3657600" algn="l" defTabSz="914400" rtl="0" eaLnBrk="1" latinLnBrk="0" hangingPunct="1">
+              <a:defRPr sz="1800" kern="1200">
+                <a:solidFill>
+                  <a:schemeClr val="tx1"/>
+                </a:solidFill>
+                <a:latin typeface="+mn-lt"/>
+                <a:ea typeface="+mn-ea"/>
+                <a:cs typeface="+mn-cs"/>
+              </a:defRPr>
+            </a:lvl9pPr>
+          </a:lstStyle>
+          <a:p>
+            <a:fld id="{3E09C654-F2CE-49A0-9D19-A73528137789}" type="slidenum">
+              <a:rPr lang="fr-FR" smtClean="0"/>
+              <a:pPr/>
+              <a:t>9</a:t>
+            </a:fld>
+            <a:endParaRPr lang="fr-FR" dirty="0"/>
           </a:p>
         </p:txBody>
       </p:sp>
